--- a/node_js.pptx
+++ b/node_js.pptx
@@ -125,6 +125,11 @@
       </a:defRPr>
     </a:lvl9pPr>
   </p:defaultTextStyle>
+  <p:extLst>
+    <p:ext uri="{EFAFB233-063F-42B5-8137-9DF3F51BA10A}">
+      <p15:sldGuideLst xmlns:p15="http://schemas.microsoft.com/office/powerpoint/2012/main"/>
+    </p:ext>
+  </p:extLst>
 </p:presentation>
 </file>
 
@@ -210,7 +215,7 @@
           <a:p>
             <a:fld id="{00D06C70-9140-41F3-8683-D2A3B089C0B7}" type="datetimeFigureOut">
               <a:rPr lang="ru-RU" smtClean="0"/>
-              <a:t>05.11.2017</a:t>
+              <a:t>13.11.2017</a:t>
             </a:fld>
             <a:endParaRPr lang="ru-RU"/>
           </a:p>
@@ -3307,7 +3312,7 @@
           <a:p>
             <a:fld id="{68B82F82-EBC3-43CB-AB7A-C9E99CB971C9}" type="datetimeFigureOut">
               <a:rPr lang="ru-RU" smtClean="0"/>
-              <a:t>05.11.2017</a:t>
+              <a:t>13.11.2017</a:t>
             </a:fld>
             <a:endParaRPr lang="ru-RU"/>
           </a:p>
@@ -3477,7 +3482,7 @@
           <a:p>
             <a:fld id="{68B82F82-EBC3-43CB-AB7A-C9E99CB971C9}" type="datetimeFigureOut">
               <a:rPr lang="ru-RU" smtClean="0"/>
-              <a:t>05.11.2017</a:t>
+              <a:t>13.11.2017</a:t>
             </a:fld>
             <a:endParaRPr lang="ru-RU"/>
           </a:p>
@@ -3657,7 +3662,7 @@
           <a:p>
             <a:fld id="{68B82F82-EBC3-43CB-AB7A-C9E99CB971C9}" type="datetimeFigureOut">
               <a:rPr lang="ru-RU" smtClean="0"/>
-              <a:t>05.11.2017</a:t>
+              <a:t>13.11.2017</a:t>
             </a:fld>
             <a:endParaRPr lang="ru-RU"/>
           </a:p>
@@ -3827,7 +3832,7 @@
           <a:p>
             <a:fld id="{68B82F82-EBC3-43CB-AB7A-C9E99CB971C9}" type="datetimeFigureOut">
               <a:rPr lang="ru-RU" smtClean="0"/>
-              <a:t>05.11.2017</a:t>
+              <a:t>13.11.2017</a:t>
             </a:fld>
             <a:endParaRPr lang="ru-RU"/>
           </a:p>
@@ -4071,7 +4076,7 @@
           <a:p>
             <a:fld id="{68B82F82-EBC3-43CB-AB7A-C9E99CB971C9}" type="datetimeFigureOut">
               <a:rPr lang="ru-RU" smtClean="0"/>
-              <a:t>05.11.2017</a:t>
+              <a:t>13.11.2017</a:t>
             </a:fld>
             <a:endParaRPr lang="ru-RU"/>
           </a:p>
@@ -4303,7 +4308,7 @@
           <a:p>
             <a:fld id="{68B82F82-EBC3-43CB-AB7A-C9E99CB971C9}" type="datetimeFigureOut">
               <a:rPr lang="ru-RU" smtClean="0"/>
-              <a:t>05.11.2017</a:t>
+              <a:t>13.11.2017</a:t>
             </a:fld>
             <a:endParaRPr lang="ru-RU"/>
           </a:p>
@@ -4670,7 +4675,7 @@
           <a:p>
             <a:fld id="{68B82F82-EBC3-43CB-AB7A-C9E99CB971C9}" type="datetimeFigureOut">
               <a:rPr lang="ru-RU" smtClean="0"/>
-              <a:t>05.11.2017</a:t>
+              <a:t>13.11.2017</a:t>
             </a:fld>
             <a:endParaRPr lang="ru-RU"/>
           </a:p>
@@ -4788,7 +4793,7 @@
           <a:p>
             <a:fld id="{68B82F82-EBC3-43CB-AB7A-C9E99CB971C9}" type="datetimeFigureOut">
               <a:rPr lang="ru-RU" smtClean="0"/>
-              <a:t>05.11.2017</a:t>
+              <a:t>13.11.2017</a:t>
             </a:fld>
             <a:endParaRPr lang="ru-RU"/>
           </a:p>
@@ -4883,7 +4888,7 @@
           <a:p>
             <a:fld id="{68B82F82-EBC3-43CB-AB7A-C9E99CB971C9}" type="datetimeFigureOut">
               <a:rPr lang="ru-RU" smtClean="0"/>
-              <a:t>05.11.2017</a:t>
+              <a:t>13.11.2017</a:t>
             </a:fld>
             <a:endParaRPr lang="ru-RU"/>
           </a:p>
@@ -5160,7 +5165,7 @@
           <a:p>
             <a:fld id="{68B82F82-EBC3-43CB-AB7A-C9E99CB971C9}" type="datetimeFigureOut">
               <a:rPr lang="ru-RU" smtClean="0"/>
-              <a:t>05.11.2017</a:t>
+              <a:t>13.11.2017</a:t>
             </a:fld>
             <a:endParaRPr lang="ru-RU"/>
           </a:p>
@@ -5417,7 +5422,7 @@
           <a:p>
             <a:fld id="{68B82F82-EBC3-43CB-AB7A-C9E99CB971C9}" type="datetimeFigureOut">
               <a:rPr lang="ru-RU" smtClean="0"/>
-              <a:t>05.11.2017</a:t>
+              <a:t>13.11.2017</a:t>
             </a:fld>
             <a:endParaRPr lang="ru-RU"/>
           </a:p>
@@ -5630,7 +5635,7 @@
           <a:p>
             <a:fld id="{68B82F82-EBC3-43CB-AB7A-C9E99CB971C9}" type="datetimeFigureOut">
               <a:rPr lang="ru-RU" smtClean="0"/>
-              <a:t>05.11.2017</a:t>
+              <a:t>13.11.2017</a:t>
             </a:fld>
             <a:endParaRPr lang="ru-RU"/>
           </a:p>
@@ -9248,7 +9253,13 @@
               <a:rPr lang="en-US" sz="2400" dirty="0" smtClean="0">
                 <a:hlinkClick r:id="rId6"/>
               </a:rPr>
-              <a:t>https://github.com/vitali-kviatkouski/vstu</a:t>
+              <a:t>https://</a:t>
+            </a:r>
+            <a:r>
+              <a:rPr lang="en-US" sz="2400" dirty="0" smtClean="0">
+                <a:hlinkClick r:id="rId6"/>
+              </a:rPr>
+              <a:t>github.com/vitali-kviatkouski/vsu</a:t>
             </a:r>
             <a:endParaRPr lang="en-US" sz="2400" dirty="0" smtClean="0"/>
           </a:p>

--- a/node_js.pptx
+++ b/node_js.pptx
@@ -9253,13 +9253,7 @@
               <a:rPr lang="en-US" sz="2400" dirty="0" smtClean="0">
                 <a:hlinkClick r:id="rId6"/>
               </a:rPr>
-              <a:t>https://</a:t>
-            </a:r>
-            <a:r>
-              <a:rPr lang="en-US" sz="2400" dirty="0" smtClean="0">
-                <a:hlinkClick r:id="rId6"/>
-              </a:rPr>
-              <a:t>github.com/vitali-kviatkouski/vsu</a:t>
+              <a:t>https://github.com/vitali-kviatkouski/vsu</a:t>
             </a:r>
             <a:endParaRPr lang="en-US" sz="2400" dirty="0" smtClean="0"/>
           </a:p>
@@ -9649,27 +9643,31 @@
             </a:r>
             <a:r>
               <a:rPr lang="ru-RU" sz="2400" dirty="0" smtClean="0"/>
-              <a:t> = {</a:t>
-            </a:r>
-            <a:r>
-              <a:rPr lang="ru-RU" sz="2400" b="1" dirty="0" err="1" smtClean="0"/>
+              <a:t> = </a:t>
+            </a:r>
+            <a:r>
+              <a:rPr lang="en-US" sz="2400" b="1" dirty="0"/>
+              <a:t>{</a:t>
+            </a:r>
+            <a:r>
+              <a:rPr lang="en-US" sz="2400" b="1" dirty="0" err="1"/>
               <a:t>lat</a:t>
             </a:r>
             <a:r>
-              <a:rPr lang="ru-RU" sz="2400" b="1" dirty="0" smtClean="0"/>
-              <a:t>: 55.1776271, </a:t>
-            </a:r>
-            <a:r>
-              <a:rPr lang="ru-RU" sz="2400" b="1" dirty="0" err="1" smtClean="0"/>
+              <a:rPr lang="en-US" sz="2400" b="1" dirty="0"/>
+              <a:t>: 55.1769918, </a:t>
+            </a:r>
+            <a:r>
+              <a:rPr lang="en-US" sz="2400" b="1" dirty="0" err="1"/>
               <a:t>lng</a:t>
             </a:r>
             <a:r>
-              <a:rPr lang="ru-RU" sz="2400" b="1" dirty="0" smtClean="0"/>
-              <a:t>: 30.2252502</a:t>
+              <a:rPr lang="en-US" sz="2400" b="1" dirty="0"/>
+              <a:t>: 30.2252382}</a:t>
             </a:r>
             <a:r>
               <a:rPr lang="ru-RU" sz="2400" dirty="0" smtClean="0"/>
-              <a:t>};</a:t>
+              <a:t>;</a:t>
             </a:r>
           </a:p>
           <a:p>

--- a/node_js.pptx
+++ b/node_js.pptx
@@ -5,7 +5,7 @@
     <p:sldMasterId id="2147483660" r:id="rId1"/>
   </p:sldMasterIdLst>
   <p:notesMasterIdLst>
-    <p:notesMasterId r:id="rId21"/>
+    <p:notesMasterId r:id="rId22"/>
   </p:notesMasterIdLst>
   <p:sldIdLst>
     <p:sldId id="256" r:id="rId2"/>
@@ -15,18 +15,19 @@
     <p:sldId id="264" r:id="rId6"/>
     <p:sldId id="265" r:id="rId7"/>
     <p:sldId id="258" r:id="rId8"/>
-    <p:sldId id="259" r:id="rId9"/>
-    <p:sldId id="260" r:id="rId10"/>
-    <p:sldId id="261" r:id="rId11"/>
-    <p:sldId id="266" r:id="rId12"/>
-    <p:sldId id="267" r:id="rId13"/>
-    <p:sldId id="268" r:id="rId14"/>
-    <p:sldId id="270" r:id="rId15"/>
-    <p:sldId id="272" r:id="rId16"/>
-    <p:sldId id="273" r:id="rId17"/>
-    <p:sldId id="274" r:id="rId18"/>
-    <p:sldId id="275" r:id="rId19"/>
-    <p:sldId id="276" r:id="rId20"/>
+    <p:sldId id="277" r:id="rId9"/>
+    <p:sldId id="259" r:id="rId10"/>
+    <p:sldId id="260" r:id="rId11"/>
+    <p:sldId id="261" r:id="rId12"/>
+    <p:sldId id="266" r:id="rId13"/>
+    <p:sldId id="267" r:id="rId14"/>
+    <p:sldId id="268" r:id="rId15"/>
+    <p:sldId id="270" r:id="rId16"/>
+    <p:sldId id="272" r:id="rId17"/>
+    <p:sldId id="273" r:id="rId18"/>
+    <p:sldId id="274" r:id="rId19"/>
+    <p:sldId id="275" r:id="rId20"/>
+    <p:sldId id="276" r:id="rId21"/>
   </p:sldIdLst>
   <p:sldSz cx="9144000" cy="6858000" type="screen4x3"/>
   <p:notesSz cx="6858000" cy="9144000"/>
@@ -629,86 +630,11 @@
           <a:p>
             <a:r>
               <a:rPr lang="ru-RU" dirty="0" smtClean="0"/>
-              <a:t>Теперь давайте попробуем сохранить маркеры</a:t>
-            </a:r>
-            <a:r>
-              <a:rPr lang="ru-RU" baseline="0" dirty="0" smtClean="0"/>
-              <a:t> в базе данных. </a:t>
-            </a:r>
-            <a:r>
-              <a:rPr lang="ru-RU" dirty="0" smtClean="0"/>
-              <a:t>Мы будем использовать </a:t>
-            </a:r>
-            <a:r>
-              <a:rPr lang="en-US" dirty="0" err="1" smtClean="0"/>
-              <a:t>MongoDB</a:t>
-            </a:r>
-            <a:r>
-              <a:rPr lang="en-US" dirty="0" smtClean="0"/>
-              <a:t> </a:t>
-            </a:r>
-            <a:r>
-              <a:rPr lang="ru-RU" dirty="0" smtClean="0"/>
-              <a:t>как Базу данных и </a:t>
-            </a:r>
-            <a:r>
-              <a:rPr lang="en-US" dirty="0" smtClean="0"/>
-              <a:t>node.js </a:t>
-            </a:r>
-            <a:r>
-              <a:rPr lang="ru-RU" dirty="0" smtClean="0"/>
-              <a:t>как</a:t>
-            </a:r>
-            <a:r>
-              <a:rPr lang="ru-RU" baseline="0" dirty="0" smtClean="0"/>
-              <a:t> </a:t>
-            </a:r>
-            <a:r>
-              <a:rPr lang="ru-RU" baseline="0" dirty="0" err="1" smtClean="0"/>
-              <a:t>бэкенд</a:t>
-            </a:r>
-            <a:r>
-              <a:rPr lang="ru-RU" baseline="0" dirty="0" smtClean="0"/>
-              <a:t>.</a:t>
-            </a:r>
-          </a:p>
-          <a:p>
-            <a:r>
-              <a:rPr lang="ru-RU" baseline="0" dirty="0" smtClean="0"/>
-              <a:t>При этом </a:t>
-            </a:r>
-            <a:r>
-              <a:rPr lang="en-US" baseline="0" dirty="0" err="1" smtClean="0"/>
-              <a:t>MongoDB</a:t>
-            </a:r>
-            <a:r>
-              <a:rPr lang="en-US" baseline="0" dirty="0" smtClean="0"/>
-              <a:t> </a:t>
-            </a:r>
-            <a:r>
-              <a:rPr lang="ru-RU" baseline="0" dirty="0" smtClean="0"/>
-              <a:t>это документная база данных – мы можем сохранять в ней объекты, причем каждый объект – может быть верхом сложной иерархии большой вложенности</a:t>
-            </a:r>
-          </a:p>
-          <a:p>
-            <a:r>
-              <a:rPr lang="en-US" baseline="0" dirty="0" smtClean="0"/>
-              <a:t>Node.js – </a:t>
-            </a:r>
-            <a:r>
-              <a:rPr lang="ru-RU" baseline="0" dirty="0" smtClean="0"/>
-              <a:t>движок который позволяет писать серверный код на </a:t>
-            </a:r>
-            <a:r>
-              <a:rPr lang="ru-RU" baseline="0" dirty="0" err="1" smtClean="0"/>
-              <a:t>яваскрипте</a:t>
-            </a:r>
-            <a:endParaRPr lang="ru-RU" baseline="0" dirty="0" smtClean="0"/>
-          </a:p>
-          <a:p>
-            <a:r>
-              <a:rPr lang="ru-RU" baseline="0" dirty="0" smtClean="0"/>
-              <a:t>Поэтому весь код который мы сегодня будем писать будет </a:t>
+              <a:t>Если же поток разгружается</a:t>
+            </a:r>
+            <a:r>
+              <a:rPr lang="ru-RU" baseline="0" dirty="0" smtClean="0"/>
+              <a:t> от операций ожидания ввода-вывода, чем же он занимается? Он выполняет другой </a:t>
             </a:r>
             <a:r>
               <a:rPr lang="ru-RU" baseline="0" dirty="0" err="1" smtClean="0"/>
@@ -716,73 +642,23 @@
             </a:r>
             <a:r>
               <a:rPr lang="ru-RU" baseline="0" dirty="0" smtClean="0"/>
-              <a:t> кодом.</a:t>
-            </a:r>
-          </a:p>
-          <a:p>
-            <a:r>
-              <a:rPr lang="ru-RU" baseline="0" dirty="0" smtClean="0"/>
-              <a:t>Опять же, мы будем двигаться итеративно. Для начала попробуем написать </a:t>
-            </a:r>
-            <a:r>
-              <a:rPr lang="en-US" baseline="0" dirty="0" smtClean="0"/>
-              <a:t>hello world </a:t>
-            </a:r>
-            <a:r>
-              <a:rPr lang="ru-RU" baseline="0" dirty="0" smtClean="0"/>
-              <a:t>на </a:t>
-            </a:r>
-            <a:r>
-              <a:rPr lang="en-US" baseline="0" dirty="0" smtClean="0"/>
-              <a:t>node.js</a:t>
-            </a:r>
-          </a:p>
-          <a:p>
-            <a:r>
-              <a:rPr lang="ru-RU" baseline="0" dirty="0" smtClean="0"/>
-              <a:t>Создайте новый файл </a:t>
-            </a:r>
-            <a:r>
-              <a:rPr lang="en-US" baseline="0" dirty="0" smtClean="0"/>
-              <a:t>hello.js </a:t>
-            </a:r>
-            <a:r>
-              <a:rPr lang="ru-RU" baseline="0" dirty="0" smtClean="0"/>
-              <a:t>заполните как на экране и запустите на выполнение командой </a:t>
-            </a:r>
-            <a:r>
-              <a:rPr lang="en-US" baseline="0" dirty="0" smtClean="0"/>
-              <a:t>node hello.js</a:t>
-            </a:r>
-          </a:p>
-          <a:p>
-            <a:r>
-              <a:rPr lang="en-US" baseline="0" dirty="0" smtClean="0"/>
-              <a:t>TODO: </a:t>
-            </a:r>
-            <a:r>
-              <a:rPr lang="ru-RU" baseline="0" dirty="0" smtClean="0"/>
-              <a:t>объяснить файл</a:t>
-            </a:r>
-          </a:p>
-          <a:p>
-            <a:r>
-              <a:rPr lang="ru-RU" baseline="0" dirty="0" smtClean="0"/>
-              <a:t>Теперь в браузере откройте </a:t>
+              <a:t> код который находится в </a:t>
             </a:r>
             <a:r>
               <a:rPr lang="ru-RU" baseline="0" dirty="0" err="1" smtClean="0"/>
-              <a:t>урл</a:t>
-            </a:r>
-            <a:r>
-              <a:rPr lang="ru-RU" baseline="0" dirty="0" smtClean="0"/>
-              <a:t> </a:t>
-            </a:r>
-            <a:r>
-              <a:rPr lang="en-US" baseline="0" dirty="0" smtClean="0"/>
-              <a:t>localhost:8080</a:t>
-            </a:r>
-            <a:endParaRPr lang="ru-RU" baseline="0" dirty="0" smtClean="0"/>
+              <a:t>очерели</a:t>
+            </a:r>
+            <a:r>
+              <a:rPr lang="ru-RU" baseline="0" dirty="0" smtClean="0"/>
+              <a:t> на выполнение</a:t>
+            </a:r>
+          </a:p>
+          <a:p>
+            <a:r>
+              <a:rPr lang="ru-RU" baseline="0" dirty="0" smtClean="0"/>
+              <a:t>Например, запрос на вывод списка заказов от другого пользователя</a:t>
+            </a:r>
+            <a:endParaRPr lang="ru-RU" dirty="0"/>
           </a:p>
         </p:txBody>
       </p:sp>
@@ -812,7 +688,7 @@
     </p:spTree>
     <p:extLst>
       <p:ext uri="{BB962C8B-B14F-4D97-AF65-F5344CB8AC3E}">
-        <p14:creationId xmlns:p14="http://schemas.microsoft.com/office/powerpoint/2010/main" val="1796141392"/>
+        <p14:creationId xmlns:p14="http://schemas.microsoft.com/office/powerpoint/2010/main" val="3709005214"/>
       </p:ext>
     </p:extLst>
   </p:cSld>
@@ -867,8 +743,76 @@
           <a:lstStyle/>
           <a:p>
             <a:r>
-              <a:rPr lang="ru-RU" baseline="0" dirty="0" smtClean="0"/>
-              <a:t>Ок, </a:t>
+              <a:rPr lang="ru-RU" dirty="0" smtClean="0"/>
+              <a:t>Теперь давайте попробуем сохранить маркеры</a:t>
+            </a:r>
+            <a:r>
+              <a:rPr lang="ru-RU" baseline="0" dirty="0" smtClean="0"/>
+              <a:t> в базе данных. </a:t>
+            </a:r>
+            <a:r>
+              <a:rPr lang="ru-RU" dirty="0" smtClean="0"/>
+              <a:t>Мы будем использовать </a:t>
+            </a:r>
+            <a:r>
+              <a:rPr lang="en-US" dirty="0" err="1" smtClean="0"/>
+              <a:t>MongoDB</a:t>
+            </a:r>
+            <a:r>
+              <a:rPr lang="en-US" dirty="0" smtClean="0"/>
+              <a:t> </a:t>
+            </a:r>
+            <a:r>
+              <a:rPr lang="ru-RU" dirty="0" smtClean="0"/>
+              <a:t>как Базу данных и </a:t>
+            </a:r>
+            <a:r>
+              <a:rPr lang="en-US" dirty="0" smtClean="0"/>
+              <a:t>node.js </a:t>
+            </a:r>
+            <a:r>
+              <a:rPr lang="ru-RU" dirty="0" smtClean="0"/>
+              <a:t>как</a:t>
+            </a:r>
+            <a:r>
+              <a:rPr lang="ru-RU" baseline="0" dirty="0" smtClean="0"/>
+              <a:t> </a:t>
+            </a:r>
+            <a:r>
+              <a:rPr lang="ru-RU" baseline="0" dirty="0" err="1" smtClean="0"/>
+              <a:t>бэкенд</a:t>
+            </a:r>
+            <a:r>
+              <a:rPr lang="ru-RU" baseline="0" dirty="0" smtClean="0"/>
+              <a:t>.</a:t>
+            </a:r>
+          </a:p>
+          <a:p>
+            <a:r>
+              <a:rPr lang="ru-RU" baseline="0" dirty="0" smtClean="0"/>
+              <a:t>При этом </a:t>
+            </a:r>
+            <a:r>
+              <a:rPr lang="en-US" baseline="0" dirty="0" err="1" smtClean="0"/>
+              <a:t>MongoDB</a:t>
+            </a:r>
+            <a:r>
+              <a:rPr lang="en-US" baseline="0" dirty="0" smtClean="0"/>
+              <a:t> </a:t>
+            </a:r>
+            <a:r>
+              <a:rPr lang="ru-RU" baseline="0" dirty="0" smtClean="0"/>
+              <a:t>это документная база данных – мы можем сохранять в ней объекты, причем каждый объект – может быть верхом сложной иерархии большой вложенности</a:t>
+            </a:r>
+          </a:p>
+          <a:p>
+            <a:r>
+              <a:rPr lang="ru-RU" baseline="0" dirty="0" smtClean="0"/>
+              <a:t>Опять </a:t>
+            </a:r>
+            <a:r>
+              <a:rPr lang="ru-RU" baseline="0" dirty="0" smtClean="0"/>
+              <a:t>же, мы будем двигаться итеративно. Для начала попробуем написать </a:t>
             </a:r>
             <a:r>
               <a:rPr lang="en-US" baseline="0" dirty="0" smtClean="0"/>
@@ -876,21 +820,155 @@
             </a:r>
             <a:r>
               <a:rPr lang="ru-RU" baseline="0" dirty="0" smtClean="0"/>
-              <a:t>написать попробовали, теперь забудьте про него. Теперь мы напишем серверную и клиентскую часть для добавления маркеров в БД</a:t>
-            </a:r>
-          </a:p>
-          <a:p>
-            <a:r>
-              <a:rPr lang="ru-RU" baseline="0" dirty="0" smtClean="0"/>
-              <a:t>Создадим с нуля файл </a:t>
+              <a:t>на </a:t>
             </a:r>
             <a:r>
               <a:rPr lang="en-US" baseline="0" dirty="0" smtClean="0"/>
-              <a:t>map-server.js </a:t>
-            </a:r>
-            <a:r>
-              <a:rPr lang="ru-RU" baseline="0" dirty="0" smtClean="0"/>
-              <a:t>(с содержимым как на экране)</a:t>
+              <a:t>node.js</a:t>
+            </a:r>
+          </a:p>
+          <a:p>
+            <a:r>
+              <a:rPr lang="ru-RU" baseline="0" dirty="0" smtClean="0"/>
+              <a:t>Создайте новый файл </a:t>
+            </a:r>
+            <a:r>
+              <a:rPr lang="en-US" baseline="0" dirty="0" smtClean="0"/>
+              <a:t>hello.js </a:t>
+            </a:r>
+            <a:r>
+              <a:rPr lang="ru-RU" baseline="0" dirty="0" smtClean="0"/>
+              <a:t>заполните как на экране и запустите на выполнение командой </a:t>
+            </a:r>
+            <a:r>
+              <a:rPr lang="en-US" baseline="0" dirty="0" smtClean="0"/>
+              <a:t>node hello.js</a:t>
+            </a:r>
+          </a:p>
+          <a:p>
+            <a:r>
+              <a:rPr lang="en-US" baseline="0" dirty="0" smtClean="0"/>
+              <a:t>TODO: </a:t>
+            </a:r>
+            <a:r>
+              <a:rPr lang="ru-RU" baseline="0" dirty="0" smtClean="0"/>
+              <a:t>объяснить </a:t>
+            </a:r>
+            <a:r>
+              <a:rPr lang="ru-RU" baseline="0" dirty="0" smtClean="0"/>
+              <a:t>файл</a:t>
+            </a:r>
+          </a:p>
+          <a:p>
+            <a:pPr marL="228600" indent="-228600">
+              <a:buFont typeface="+mj-lt"/>
+              <a:buAutoNum type="arabicPeriod"/>
+            </a:pPr>
+            <a:r>
+              <a:rPr lang="ru-RU" baseline="0" dirty="0" smtClean="0"/>
+              <a:t>Сначала мы подключаем модуль который позволяет принимать запросы и отсылать ответы по протоколу </a:t>
+            </a:r>
+            <a:r>
+              <a:rPr lang="en-US" baseline="0" dirty="0" smtClean="0"/>
+              <a:t>HTTP</a:t>
+            </a:r>
+          </a:p>
+          <a:p>
+            <a:pPr marL="228600" indent="-228600">
+              <a:buFont typeface="+mj-lt"/>
+              <a:buAutoNum type="arabicPeriod"/>
+            </a:pPr>
+            <a:r>
+              <a:rPr lang="ru-RU" baseline="0" dirty="0" smtClean="0"/>
+              <a:t>Потом мы создаем </a:t>
+            </a:r>
+            <a:r>
+              <a:rPr lang="en-US" baseline="0" dirty="0" smtClean="0"/>
+              <a:t>HTTP </a:t>
+            </a:r>
+            <a:r>
+              <a:rPr lang="ru-RU" baseline="0" dirty="0" smtClean="0"/>
+              <a:t>сервер и говорим как он будет обрабатывать запросы. Обработчик передается как </a:t>
+            </a:r>
+            <a:r>
+              <a:rPr lang="ru-RU" baseline="0" dirty="0" err="1" smtClean="0"/>
+              <a:t>колбэк</a:t>
+            </a:r>
+            <a:r>
+              <a:rPr lang="ru-RU" baseline="0" dirty="0" smtClean="0"/>
+              <a:t>. </a:t>
+            </a:r>
+            <a:r>
+              <a:rPr lang="en-US" baseline="0" dirty="0" err="1" smtClean="0"/>
+              <a:t>Req</a:t>
+            </a:r>
+            <a:r>
+              <a:rPr lang="en-US" baseline="0" dirty="0" smtClean="0"/>
+              <a:t>/res </a:t>
+            </a:r>
+            <a:r>
+              <a:rPr lang="ru-RU" baseline="0" dirty="0" smtClean="0"/>
+              <a:t>объекты</a:t>
+            </a:r>
+          </a:p>
+          <a:p>
+            <a:pPr marL="685800" lvl="1" indent="-228600">
+              <a:buFont typeface="+mj-lt"/>
+              <a:buAutoNum type="arabicPeriod"/>
+            </a:pPr>
+            <a:r>
+              <a:rPr lang="ru-RU" baseline="0" dirty="0" smtClean="0"/>
+              <a:t>Сервер только создан – он еще не принимает никаких соединений</a:t>
+            </a:r>
+          </a:p>
+          <a:p>
+            <a:pPr marL="228600" indent="-228600">
+              <a:buFont typeface="+mj-lt"/>
+              <a:buAutoNum type="arabicPeriod"/>
+            </a:pPr>
+            <a:r>
+              <a:rPr lang="ru-RU" baseline="0" dirty="0" smtClean="0"/>
+              <a:t>Потом мы запускаем сервер на обработку запросов по порту 8080. При этом опять же, мы передаем </a:t>
+            </a:r>
+            <a:r>
+              <a:rPr lang="ru-RU" baseline="0" dirty="0" err="1" smtClean="0"/>
+              <a:t>колбэк</a:t>
+            </a:r>
+            <a:r>
+              <a:rPr lang="ru-RU" baseline="0" dirty="0" smtClean="0"/>
+              <a:t> который будет выполнен как только сервер успешно стартует</a:t>
+            </a:r>
+          </a:p>
+          <a:p>
+            <a:pPr marL="0" indent="0">
+              <a:buFont typeface="+mj-lt"/>
+              <a:buNone/>
+            </a:pPr>
+            <a:r>
+              <a:rPr lang="ru-RU" baseline="0" dirty="0" smtClean="0"/>
+              <a:t>Запустите на выполнение этот скрипт</a:t>
+            </a:r>
+          </a:p>
+          <a:p>
+            <a:pPr marL="0" indent="0">
+              <a:buFont typeface="+mj-lt"/>
+              <a:buNone/>
+            </a:pPr>
+            <a:r>
+              <a:rPr lang="ru-RU" baseline="0" dirty="0" smtClean="0"/>
+              <a:t>Для этого в консоли (желательно) запустите </a:t>
+            </a:r>
+            <a:r>
+              <a:rPr lang="en-US" baseline="0" dirty="0" smtClean="0"/>
+              <a:t>node </a:t>
+            </a:r>
+            <a:r>
+              <a:rPr lang="ru-RU" baseline="0" dirty="0" err="1" smtClean="0"/>
+              <a:t>имя_выполняемого</a:t>
+            </a:r>
+            <a:r>
+              <a:rPr lang="ru-RU" baseline="0" dirty="0" smtClean="0"/>
+              <a:t> файла</a:t>
             </a:r>
             <a:r>
               <a:rPr lang="en-US" baseline="0" dirty="0" smtClean="0"/>
@@ -898,39 +976,38 @@
             </a:r>
             <a:r>
               <a:rPr lang="ru-RU" baseline="0" dirty="0" smtClean="0"/>
-              <a:t>Отличие от </a:t>
+              <a:t>Убедитесь что в консоли появилось сообщение </a:t>
             </a:r>
             <a:r>
               <a:rPr lang="en-US" baseline="0" dirty="0" smtClean="0"/>
-              <a:t>hello world </a:t>
-            </a:r>
-            <a:r>
-              <a:rPr lang="ru-RU" baseline="0" dirty="0" smtClean="0"/>
-              <a:t>показаны жирным</a:t>
-            </a:r>
-          </a:p>
-          <a:p>
+              <a:t>Server running</a:t>
+            </a:r>
+            <a:endParaRPr lang="ru-RU" baseline="0" dirty="0" smtClean="0"/>
+          </a:p>
+          <a:p>
+            <a:r>
+              <a:rPr lang="ru-RU" baseline="0" dirty="0" smtClean="0"/>
+              <a:t>Теперь в браузере откройте </a:t>
+            </a:r>
+            <a:r>
+              <a:rPr lang="ru-RU" baseline="0" dirty="0" err="1" smtClean="0"/>
+              <a:t>урл</a:t>
+            </a:r>
+            <a:r>
+              <a:rPr lang="ru-RU" baseline="0" dirty="0" smtClean="0"/>
+              <a:t> </a:t>
+            </a:r>
             <a:r>
               <a:rPr lang="en-US" baseline="0" dirty="0" smtClean="0"/>
-              <a:t>TODO: </a:t>
-            </a:r>
-            <a:r>
-              <a:rPr lang="ru-RU" baseline="0" dirty="0" smtClean="0"/>
-              <a:t>объяснить</a:t>
-            </a:r>
-          </a:p>
-          <a:p>
-            <a:r>
-              <a:rPr lang="ru-RU" baseline="0" dirty="0" smtClean="0"/>
-              <a:t>Остановите </a:t>
+              <a:t>localhost:8080 – </a:t>
+            </a:r>
+            <a:r>
+              <a:rPr lang="ru-RU" baseline="0" dirty="0" smtClean="0"/>
+              <a:t>вы должны увидеть сообщение </a:t>
             </a:r>
             <a:r>
               <a:rPr lang="en-US" baseline="0" dirty="0" smtClean="0"/>
-              <a:t>node.js </a:t>
-            </a:r>
-            <a:r>
-              <a:rPr lang="ru-RU" baseline="0" dirty="0" smtClean="0"/>
-              <a:t>и перезапустите </a:t>
+              <a:t>Hello World</a:t>
             </a:r>
           </a:p>
         </p:txBody>
@@ -961,7 +1038,7 @@
     </p:spTree>
     <p:extLst>
       <p:ext uri="{BB962C8B-B14F-4D97-AF65-F5344CB8AC3E}">
-        <p14:creationId xmlns:p14="http://schemas.microsoft.com/office/powerpoint/2010/main" val="4086156953"/>
+        <p14:creationId xmlns:p14="http://schemas.microsoft.com/office/powerpoint/2010/main" val="1796141392"/>
       </p:ext>
     </p:extLst>
   </p:cSld>
@@ -1017,13 +1094,285 @@
           <a:p>
             <a:r>
               <a:rPr lang="ru-RU" baseline="0" dirty="0" smtClean="0"/>
-              <a:t>В клиентской части единственное изменение – это новая строка которая делает запрос к серверу.</a:t>
-            </a:r>
-          </a:p>
-          <a:p>
-            <a:r>
-              <a:rPr lang="ru-RU" baseline="0" dirty="0" smtClean="0"/>
-              <a:t>Теперь давайте попробуем добавить точки на карту. Посмотрите в консоль которая запустила </a:t>
+              <a:t>Ок, </a:t>
+            </a:r>
+            <a:r>
+              <a:rPr lang="en-US" baseline="0" dirty="0" smtClean="0"/>
+              <a:t>hello world </a:t>
+            </a:r>
+            <a:r>
+              <a:rPr lang="ru-RU" baseline="0" dirty="0" smtClean="0"/>
+              <a:t>написать попробовали, теперь забудьте про него</a:t>
+            </a:r>
+            <a:r>
+              <a:rPr lang="ru-RU" baseline="0" dirty="0" smtClean="0"/>
+              <a:t>. Точнее не забудьте, а скопируйте в новый файл (или переименуйте этот).</a:t>
+            </a:r>
+          </a:p>
+          <a:p>
+            <a:r>
+              <a:rPr lang="ru-RU" baseline="0" dirty="0" smtClean="0"/>
+              <a:t>Теперь </a:t>
+            </a:r>
+            <a:r>
+              <a:rPr lang="ru-RU" baseline="0" dirty="0" smtClean="0"/>
+              <a:t>мы напишем серверную и клиентскую часть для добавления маркеров в БД</a:t>
+            </a:r>
+          </a:p>
+          <a:p>
+            <a:r>
+              <a:rPr lang="ru-RU" baseline="0" dirty="0" smtClean="0"/>
+              <a:t>Создадим с нуля файл </a:t>
+            </a:r>
+            <a:r>
+              <a:rPr lang="en-US" baseline="0" dirty="0" smtClean="0"/>
+              <a:t>map-server.js </a:t>
+            </a:r>
+            <a:r>
+              <a:rPr lang="ru-RU" baseline="0" dirty="0" smtClean="0"/>
+              <a:t>(с содержимым как на экране)</a:t>
+            </a:r>
+            <a:r>
+              <a:rPr lang="en-US" baseline="0" dirty="0" smtClean="0"/>
+              <a:t>. </a:t>
+            </a:r>
+            <a:r>
+              <a:rPr lang="ru-RU" baseline="0" dirty="0" smtClean="0"/>
+              <a:t>Отличие от </a:t>
+            </a:r>
+            <a:r>
+              <a:rPr lang="en-US" baseline="0" dirty="0" smtClean="0"/>
+              <a:t>hello world </a:t>
+            </a:r>
+            <a:r>
+              <a:rPr lang="ru-RU" baseline="0" dirty="0" smtClean="0"/>
+              <a:t>показаны жирным</a:t>
+            </a:r>
+          </a:p>
+          <a:p>
+            <a:r>
+              <a:rPr lang="en-US" baseline="0" dirty="0" smtClean="0"/>
+              <a:t>TODO: </a:t>
+            </a:r>
+            <a:r>
+              <a:rPr lang="ru-RU" baseline="0" dirty="0" smtClean="0"/>
+              <a:t>объяснить</a:t>
+            </a:r>
+          </a:p>
+          <a:p>
+            <a:pPr marL="228600" indent="-228600">
+              <a:buAutoNum type="arabicPeriod"/>
+            </a:pPr>
+            <a:r>
+              <a:rPr lang="ru-RU" baseline="0" dirty="0" smtClean="0"/>
+              <a:t>Подключаем новый модуль </a:t>
+            </a:r>
+            <a:r>
+              <a:rPr lang="en-US" baseline="0" dirty="0" err="1" smtClean="0"/>
+              <a:t>url</a:t>
+            </a:r>
+            <a:r>
+              <a:rPr lang="en-US" baseline="0" dirty="0" smtClean="0"/>
+              <a:t> </a:t>
+            </a:r>
+            <a:r>
+              <a:rPr lang="ru-RU" baseline="0" dirty="0" smtClean="0"/>
+              <a:t>для того чтобы получать параметры </a:t>
+            </a:r>
+            <a:r>
+              <a:rPr lang="ru-RU" baseline="0" dirty="0" err="1" smtClean="0"/>
+              <a:t>урла</a:t>
+            </a:r>
+            <a:endParaRPr lang="ru-RU" baseline="0" dirty="0" smtClean="0"/>
+          </a:p>
+          <a:p>
+            <a:pPr marL="228600" indent="-228600">
+              <a:buAutoNum type="arabicPeriod"/>
+            </a:pPr>
+            <a:r>
+              <a:rPr lang="ru-RU" baseline="0" dirty="0" smtClean="0"/>
+              <a:t>Подключаем новый модуль – драйвер </a:t>
+            </a:r>
+            <a:r>
+              <a:rPr lang="ru-RU" baseline="0" dirty="0" err="1" smtClean="0"/>
+              <a:t>монго</a:t>
+            </a:r>
+            <a:r>
+              <a:rPr lang="ru-RU" baseline="0" dirty="0" smtClean="0"/>
+              <a:t> и создаем клиента. Также пропишем в виде константы </a:t>
+            </a:r>
+            <a:r>
+              <a:rPr lang="ru-RU" baseline="0" dirty="0" err="1" smtClean="0"/>
+              <a:t>урл</a:t>
+            </a:r>
+            <a:r>
+              <a:rPr lang="ru-RU" baseline="0" dirty="0" smtClean="0"/>
+              <a:t> к БД </a:t>
+            </a:r>
+            <a:r>
+              <a:rPr lang="en-US" baseline="0" dirty="0" smtClean="0"/>
+              <a:t>map</a:t>
+            </a:r>
+          </a:p>
+          <a:p>
+            <a:pPr marL="685800" lvl="1" indent="-228600">
+              <a:buAutoNum type="arabicPeriod"/>
+            </a:pPr>
+            <a:r>
+              <a:rPr lang="ru-RU" baseline="0" dirty="0" smtClean="0"/>
+              <a:t>Что такое </a:t>
+            </a:r>
+            <a:r>
+              <a:rPr lang="ru-RU" baseline="0" dirty="0" err="1" smtClean="0"/>
+              <a:t>монго</a:t>
+            </a:r>
+            <a:r>
+              <a:rPr lang="ru-RU" baseline="0" dirty="0" smtClean="0"/>
+              <a:t> (</a:t>
+            </a:r>
+            <a:r>
+              <a:rPr lang="ru-RU" baseline="0" dirty="0" err="1" smtClean="0"/>
+              <a:t>документо</a:t>
+            </a:r>
+            <a:r>
+              <a:rPr lang="ru-RU" baseline="0" dirty="0" smtClean="0"/>
+              <a:t>-ориентированная БД). Опять же </a:t>
+            </a:r>
+            <a:r>
+              <a:rPr lang="ru-RU" baseline="0" dirty="0" err="1" smtClean="0"/>
+              <a:t>яваскрипт</a:t>
+            </a:r>
+            <a:r>
+              <a:rPr lang="ru-RU" baseline="0" dirty="0" smtClean="0"/>
+              <a:t>, ну вы поняли…</a:t>
+            </a:r>
+          </a:p>
+          <a:p>
+            <a:pPr marL="685800" lvl="1" indent="-228600">
+              <a:buAutoNum type="arabicPeriod"/>
+            </a:pPr>
+            <a:r>
+              <a:rPr lang="ru-RU" baseline="0" dirty="0" smtClean="0"/>
+              <a:t>Основные концепции </a:t>
+            </a:r>
+            <a:r>
+              <a:rPr lang="ru-RU" baseline="0" dirty="0" err="1" smtClean="0"/>
+              <a:t>монго</a:t>
+            </a:r>
+            <a:r>
+              <a:rPr lang="ru-RU" baseline="0" dirty="0" smtClean="0"/>
+              <a:t> (БД, коллекция) – объяснить</a:t>
+            </a:r>
+          </a:p>
+          <a:p>
+            <a:pPr marL="685800" lvl="1" indent="-228600">
+              <a:buAutoNum type="arabicPeriod"/>
+            </a:pPr>
+            <a:r>
+              <a:rPr lang="ru-RU" baseline="0" dirty="0" smtClean="0"/>
+              <a:t>Пока пишем обработчик только </a:t>
+            </a:r>
+            <a:r>
+              <a:rPr lang="en-US" baseline="0" dirty="0" smtClean="0"/>
+              <a:t>POST </a:t>
+            </a:r>
+            <a:r>
+              <a:rPr lang="ru-RU" baseline="0" dirty="0" smtClean="0"/>
+              <a:t>запроса.</a:t>
+            </a:r>
+          </a:p>
+          <a:p>
+            <a:pPr marL="685800" lvl="1" indent="-228600">
+              <a:buAutoNum type="arabicPeriod"/>
+            </a:pPr>
+            <a:r>
+              <a:rPr lang="ru-RU" baseline="0" dirty="0" smtClean="0"/>
+              <a:t>Нам нужно сделать следующее – установить соединение с </a:t>
+            </a:r>
+            <a:r>
+              <a:rPr lang="ru-RU" baseline="0" dirty="0" err="1" smtClean="0"/>
+              <a:t>монго</a:t>
+            </a:r>
+            <a:r>
+              <a:rPr lang="ru-RU" baseline="0" dirty="0" smtClean="0"/>
+              <a:t>, добавить новый документ, вывести в лог результат. </a:t>
+            </a:r>
+          </a:p>
+          <a:p>
+            <a:pPr marL="1143000" lvl="2" indent="-228600">
+              <a:buAutoNum type="arabicPeriod"/>
+            </a:pPr>
+            <a:r>
+              <a:rPr lang="ru-RU" baseline="0" dirty="0" smtClean="0"/>
+              <a:t>Опять же, каждое действие (кроме лога) является блокирующим, поэтому используем </a:t>
+            </a:r>
+            <a:r>
+              <a:rPr lang="ru-RU" baseline="0" dirty="0" err="1" smtClean="0"/>
+              <a:t>колбэки</a:t>
+            </a:r>
+            <a:r>
+              <a:rPr lang="ru-RU" baseline="0" dirty="0" smtClean="0"/>
+              <a:t>. При этом после обработки, не забудьте 1) закрыть соединение 2) пометить запрос как обработанный (а то запрос в </a:t>
+            </a:r>
+            <a:r>
+              <a:rPr lang="ru-RU" baseline="0" dirty="0" err="1" smtClean="0"/>
+              <a:t>ноде</a:t>
+            </a:r>
+            <a:r>
+              <a:rPr lang="ru-RU" baseline="0" dirty="0" smtClean="0"/>
+              <a:t> зависнет навсегда)</a:t>
+            </a:r>
+          </a:p>
+          <a:p>
+            <a:pPr marL="228600" lvl="0" indent="-228600">
+              <a:buAutoNum type="arabicPeriod"/>
+            </a:pPr>
+            <a:r>
+              <a:rPr lang="ru-RU" baseline="0" dirty="0" smtClean="0"/>
+              <a:t>Запустите на выполнение</a:t>
+            </a:r>
+            <a:r>
+              <a:rPr lang="en-US" baseline="0" dirty="0" smtClean="0"/>
+              <a:t> </a:t>
+            </a:r>
+            <a:r>
+              <a:rPr lang="ru-RU" baseline="0" dirty="0" smtClean="0"/>
+              <a:t>сначала </a:t>
+            </a:r>
+            <a:r>
+              <a:rPr lang="ru-RU" baseline="0" dirty="0" err="1" smtClean="0"/>
+              <a:t>монго</a:t>
+            </a:r>
+            <a:r>
+              <a:rPr lang="ru-RU" baseline="0" dirty="0" smtClean="0"/>
+              <a:t>, потом </a:t>
+            </a:r>
+            <a:r>
+              <a:rPr lang="ru-RU" baseline="0" dirty="0" err="1" smtClean="0"/>
+              <a:t>ноду</a:t>
+            </a:r>
+            <a:r>
+              <a:rPr lang="ru-RU" baseline="0" dirty="0" smtClean="0"/>
+              <a:t> с файлом, проверьте что все </a:t>
+            </a:r>
+            <a:r>
+              <a:rPr lang="ru-RU" baseline="0" dirty="0" err="1" smtClean="0"/>
+              <a:t>ок</a:t>
+            </a:r>
+            <a:r>
+              <a:rPr lang="ru-RU" baseline="0" dirty="0" smtClean="0"/>
+              <a:t> запустилось (</a:t>
+            </a:r>
+            <a:r>
+              <a:rPr lang="en-US" baseline="0" dirty="0" smtClean="0"/>
+              <a:t>Server running)</a:t>
+            </a:r>
+            <a:endParaRPr lang="ru-RU" baseline="0" dirty="0" smtClean="0"/>
+          </a:p>
+          <a:p>
+            <a:r>
+              <a:rPr lang="ru-RU" baseline="0" dirty="0" smtClean="0"/>
+              <a:t>Остановите </a:t>
             </a:r>
             <a:r>
               <a:rPr lang="en-US" baseline="0" dirty="0" smtClean="0"/>
@@ -1031,7 +1380,7 @@
             </a:r>
             <a:r>
               <a:rPr lang="ru-RU" baseline="0" dirty="0" smtClean="0"/>
-              <a:t>вы можете увидеть сообщение о добавлении новой точки</a:t>
+              <a:t>и перезапустите </a:t>
             </a:r>
           </a:p>
         </p:txBody>
@@ -1062,7 +1411,7 @@
     </p:spTree>
     <p:extLst>
       <p:ext uri="{BB962C8B-B14F-4D97-AF65-F5344CB8AC3E}">
-        <p14:creationId xmlns:p14="http://schemas.microsoft.com/office/powerpoint/2010/main" val="3294051673"/>
+        <p14:creationId xmlns:p14="http://schemas.microsoft.com/office/powerpoint/2010/main" val="4086156953"/>
       </p:ext>
     </p:extLst>
   </p:cSld>
@@ -1118,17 +1467,32 @@
           <a:p>
             <a:r>
               <a:rPr lang="ru-RU" baseline="0" dirty="0" smtClean="0"/>
-              <a:t>Но как проверить когда что точки точно добавлены в базу данных?</a:t>
-            </a:r>
-          </a:p>
-          <a:p>
-            <a:r>
-              <a:rPr lang="ru-RU" baseline="0" dirty="0" smtClean="0"/>
-              <a:t>Давайте запустим клиент </a:t>
+              <a:t>В клиентской части единственное изменение – это новая строка которая делает запрос к серверу</a:t>
+            </a:r>
+            <a:r>
+              <a:rPr lang="ru-RU" baseline="0" dirty="0" smtClean="0"/>
+              <a:t>.</a:t>
+            </a:r>
+            <a:endParaRPr lang="en-US" baseline="0" dirty="0" smtClean="0"/>
+          </a:p>
+          <a:p>
+            <a:r>
+              <a:rPr lang="en-US" baseline="0" dirty="0" smtClean="0"/>
+              <a:t>TODO: </a:t>
+            </a:r>
+            <a:r>
+              <a:rPr lang="ru-RU" baseline="0" dirty="0" smtClean="0"/>
+              <a:t>объяснить</a:t>
+            </a:r>
+          </a:p>
+          <a:p>
+            <a:r>
+              <a:rPr lang="ru-RU" baseline="0" dirty="0" smtClean="0"/>
+              <a:t>Здесь мы используем </a:t>
             </a:r>
             <a:r>
               <a:rPr lang="en-US" baseline="0" dirty="0" err="1" smtClean="0"/>
-              <a:t>MongoDB</a:t>
+              <a:t>jquery</a:t>
             </a:r>
             <a:r>
               <a:rPr lang="en-US" baseline="0" dirty="0" smtClean="0"/>
@@ -1136,7 +1500,34 @@
             </a:r>
             <a:r>
               <a:rPr lang="ru-RU" baseline="0" dirty="0" smtClean="0"/>
-              <a:t>который позволяет выполнять запросы к БД. Угадайте, на каком языке мы будем общаться?</a:t>
+              <a:t>чтобы быстро и просто послать </a:t>
+            </a:r>
+            <a:r>
+              <a:rPr lang="en-US" baseline="0" dirty="0" smtClean="0"/>
+              <a:t>POST </a:t>
+            </a:r>
+            <a:r>
+              <a:rPr lang="ru-RU" baseline="0" dirty="0" smtClean="0"/>
+              <a:t>запрос на нужный </a:t>
+            </a:r>
+            <a:r>
+              <a:rPr lang="ru-RU" baseline="0" dirty="0" err="1" smtClean="0"/>
+              <a:t>урл</a:t>
+            </a:r>
+            <a:endParaRPr lang="ru-RU" baseline="0" dirty="0" smtClean="0"/>
+          </a:p>
+          <a:p>
+            <a:r>
+              <a:rPr lang="ru-RU" baseline="0" dirty="0" smtClean="0"/>
+              <a:t>Теперь давайте попробуем добавить точки на карту. Посмотрите в консоль которая запустила </a:t>
+            </a:r>
+            <a:r>
+              <a:rPr lang="en-US" baseline="0" dirty="0" smtClean="0"/>
+              <a:t>node.js </a:t>
+            </a:r>
+            <a:r>
+              <a:rPr lang="ru-RU" baseline="0" dirty="0" smtClean="0"/>
+              <a:t>вы можете увидеть сообщение о добавлении новой точки</a:t>
             </a:r>
           </a:p>
         </p:txBody>
@@ -1167,7 +1558,7 @@
     </p:spTree>
     <p:extLst>
       <p:ext uri="{BB962C8B-B14F-4D97-AF65-F5344CB8AC3E}">
-        <p14:creationId xmlns:p14="http://schemas.microsoft.com/office/powerpoint/2010/main" val="165905648"/>
+        <p14:creationId xmlns:p14="http://schemas.microsoft.com/office/powerpoint/2010/main" val="3294051673"/>
       </p:ext>
     </p:extLst>
   </p:cSld>
@@ -1223,30 +1614,48 @@
           <a:p>
             <a:r>
               <a:rPr lang="ru-RU" baseline="0" dirty="0" smtClean="0"/>
-              <a:t>Ок, мы добавили точек в БД. Теперь попробуйте перезагрузить страницу, что вы видите?</a:t>
-            </a:r>
-          </a:p>
-          <a:p>
-            <a:r>
-              <a:rPr lang="ru-RU" baseline="0" dirty="0" smtClean="0"/>
-              <a:t>Давайте теперь попробуем загружать точки при загрузке страницы</a:t>
+              <a:t>Но как проверить когда что точки точно добавлены в базу данных?</a:t>
+            </a:r>
+          </a:p>
+          <a:p>
+            <a:r>
+              <a:rPr lang="ru-RU" baseline="0" dirty="0" smtClean="0"/>
+              <a:t>Давайте запустим клиент </a:t>
+            </a:r>
+            <a:r>
+              <a:rPr lang="en-US" baseline="0" dirty="0" err="1" smtClean="0"/>
+              <a:t>MongoDB</a:t>
+            </a:r>
+            <a:r>
+              <a:rPr lang="en-US" baseline="0" dirty="0" smtClean="0"/>
+              <a:t> </a:t>
+            </a:r>
+            <a:r>
+              <a:rPr lang="ru-RU" baseline="0" dirty="0" smtClean="0"/>
+              <a:t>который позволяет выполнять </a:t>
+            </a:r>
+            <a:r>
+              <a:rPr lang="ru-RU" baseline="0" dirty="0" smtClean="0"/>
+              <a:t>запросы </a:t>
+            </a:r>
+            <a:r>
+              <a:rPr lang="ru-RU" baseline="0" dirty="0" smtClean="0"/>
+              <a:t>к БД. Угадайте, на каком языке мы будем общаться</a:t>
+            </a:r>
+            <a:r>
+              <a:rPr lang="ru-RU" baseline="0" dirty="0" smtClean="0"/>
+              <a:t>?</a:t>
             </a:r>
             <a:endParaRPr lang="en-US" baseline="0" dirty="0" smtClean="0"/>
           </a:p>
           <a:p>
             <a:r>
-              <a:rPr lang="ru-RU" baseline="0" dirty="0" smtClean="0"/>
-              <a:t>Опять же, перезапустите сервер</a:t>
-            </a:r>
-          </a:p>
-          <a:p>
-            <a:r>
-              <a:rPr lang="ru-RU" baseline="0" dirty="0" smtClean="0"/>
-              <a:t>Попробуйте открыть в браузере </a:t>
-            </a:r>
-            <a:r>
-              <a:rPr lang="ru-RU" baseline="0" dirty="0" err="1" smtClean="0"/>
-              <a:t>урл</a:t>
+              <a:rPr lang="en-US" baseline="0" dirty="0" smtClean="0"/>
+              <a:t>TODO: </a:t>
+            </a:r>
+            <a:r>
+              <a:rPr lang="ru-RU" baseline="0" dirty="0" smtClean="0"/>
+              <a:t>рассказать про команды</a:t>
             </a:r>
             <a:endParaRPr lang="ru-RU" baseline="0" dirty="0" smtClean="0"/>
           </a:p>
@@ -1278,7 +1687,7 @@
     </p:spTree>
     <p:extLst>
       <p:ext uri="{BB962C8B-B14F-4D97-AF65-F5344CB8AC3E}">
-        <p14:creationId xmlns:p14="http://schemas.microsoft.com/office/powerpoint/2010/main" val="30834015"/>
+        <p14:creationId xmlns:p14="http://schemas.microsoft.com/office/powerpoint/2010/main" val="165905648"/>
       </p:ext>
     </p:extLst>
   </p:cSld>
@@ -1332,37 +1741,159 @@
           <a:bodyPr/>
           <a:lstStyle/>
           <a:p>
-            <a:pPr marL="0" marR="0" indent="0" algn="l" defTabSz="914400" rtl="0" eaLnBrk="1" fontAlgn="auto" latinLnBrk="0" hangingPunct="1">
-              <a:lnSpc>
-                <a:spcPct val="100000"/>
-              </a:lnSpc>
-              <a:spcBef>
-                <a:spcPts val="0"/>
-              </a:spcBef>
-              <a:spcAft>
-                <a:spcPts val="0"/>
-              </a:spcAft>
-              <a:buClrTx/>
-              <a:buSzTx/>
-              <a:buFontTx/>
-              <a:buNone/>
-              <a:tabLst/>
-              <a:defRPr/>
+            <a:r>
+              <a:rPr lang="ru-RU" baseline="0" dirty="0" smtClean="0"/>
+              <a:t>Ок, мы добавили точек в БД. Теперь попробуйте перезагрузить страницу, что вы видите?</a:t>
+            </a:r>
+          </a:p>
+          <a:p>
+            <a:r>
+              <a:rPr lang="ru-RU" baseline="0" dirty="0" smtClean="0"/>
+              <a:t>Давайте теперь попробуем загружать точки при загрузке </a:t>
+            </a:r>
+            <a:r>
+              <a:rPr lang="ru-RU" baseline="0" dirty="0" smtClean="0"/>
+              <a:t>страницы – </a:t>
+            </a:r>
+            <a:r>
+              <a:rPr lang="ru-RU" baseline="0" dirty="0" err="1" smtClean="0"/>
+              <a:t>проапдейтите</a:t>
+            </a:r>
+            <a:r>
+              <a:rPr lang="ru-RU" baseline="0" dirty="0" smtClean="0"/>
+              <a:t> файл как на примере</a:t>
+            </a:r>
+          </a:p>
+          <a:p>
+            <a:pPr marL="228600" indent="-228600">
+              <a:buAutoNum type="arabicPeriod"/>
             </a:pPr>
             <a:r>
               <a:rPr lang="ru-RU" baseline="0" dirty="0" smtClean="0"/>
-              <a:t>Теперь модифицируем клиентскую часть</a:t>
+              <a:t>Нам понадобилось добавить хедеры, потому что АПИ (</a:t>
+            </a:r>
+            <a:r>
+              <a:rPr lang="ru-RU" baseline="0" dirty="0" err="1" smtClean="0"/>
+              <a:t>рест</a:t>
+            </a:r>
+            <a:r>
+              <a:rPr lang="ru-RU" baseline="0" dirty="0" smtClean="0"/>
+              <a:t>) у вас по одному </a:t>
+            </a:r>
+            <a:r>
+              <a:rPr lang="ru-RU" baseline="0" dirty="0" err="1" smtClean="0"/>
+              <a:t>урлу</a:t>
+            </a:r>
+            <a:r>
+              <a:rPr lang="ru-RU" baseline="0" dirty="0" smtClean="0"/>
+              <a:t>, а страница по другому (вы ее открываете как простой файл)</a:t>
+            </a:r>
+          </a:p>
+          <a:p>
+            <a:pPr marL="228600" indent="-228600">
+              <a:buAutoNum type="arabicPeriod"/>
+            </a:pPr>
+            <a:r>
+              <a:rPr lang="ru-RU" baseline="0" dirty="0" smtClean="0"/>
+              <a:t>И мы добавляем обработчик для получения точек очень похоже на добавление точки</a:t>
+            </a:r>
+          </a:p>
+          <a:p>
+            <a:pPr marL="685800" lvl="1" indent="-228600">
+              <a:buAutoNum type="arabicPeriod"/>
+            </a:pPr>
+            <a:r>
+              <a:rPr lang="ru-RU" baseline="0" dirty="0" smtClean="0"/>
+              <a:t>Обратите внимание что мы создаем почти правильный </a:t>
+            </a:r>
+            <a:r>
+              <a:rPr lang="ru-RU" baseline="0" dirty="0" err="1" smtClean="0"/>
+              <a:t>рест</a:t>
+            </a:r>
+            <a:r>
+              <a:rPr lang="ru-RU" baseline="0" dirty="0" smtClean="0"/>
+              <a:t>-сервис для работы с точками</a:t>
+            </a:r>
+          </a:p>
+          <a:p>
+            <a:pPr marL="1143000" lvl="2" indent="-228600">
+              <a:buAutoNum type="arabicPeriod"/>
+            </a:pPr>
+            <a:r>
+              <a:rPr lang="ru-RU" baseline="0" dirty="0" smtClean="0"/>
+              <a:t>Кто скажет почему он почти правильный?</a:t>
+            </a:r>
+          </a:p>
+          <a:p>
+            <a:pPr marL="685800" lvl="1" indent="-228600">
+              <a:buAutoNum type="arabicPeriod"/>
+            </a:pPr>
+            <a:r>
+              <a:rPr lang="en-US" baseline="0" dirty="0" err="1" smtClean="0"/>
+              <a:t>JSON.stringify</a:t>
             </a:r>
             <a:r>
               <a:rPr lang="en-US" baseline="0" dirty="0" smtClean="0"/>
-              <a:t>. </a:t>
-            </a:r>
-            <a:r>
-              <a:rPr lang="ru-RU" baseline="0" dirty="0" smtClean="0"/>
-              <a:t>Жирным выделены изменения. Часть кода я опустил чтобы вместить на слайд</a:t>
-            </a:r>
-          </a:p>
-          <a:p>
+              <a:t> </a:t>
+            </a:r>
+            <a:r>
+              <a:rPr lang="ru-RU" baseline="0" dirty="0" smtClean="0"/>
+              <a:t>позволяет превратить какой-то объект в памяти в строку в формате </a:t>
+            </a:r>
+            <a:r>
+              <a:rPr lang="en-US" baseline="0" dirty="0" smtClean="0"/>
+              <a:t>JSON – </a:t>
+            </a:r>
+            <a:r>
+              <a:rPr lang="ru-RU" baseline="0" dirty="0" smtClean="0"/>
+              <a:t>очень удобно</a:t>
+            </a:r>
+            <a:endParaRPr lang="en-US" baseline="0" dirty="0" smtClean="0"/>
+          </a:p>
+          <a:p>
+            <a:r>
+              <a:rPr lang="ru-RU" baseline="0" dirty="0" smtClean="0"/>
+              <a:t>Опять же, перезапустите </a:t>
+            </a:r>
+            <a:r>
+              <a:rPr lang="en-US" baseline="0" dirty="0" smtClean="0"/>
+              <a:t>node </a:t>
+            </a:r>
+            <a:r>
+              <a:rPr lang="ru-RU" baseline="0" dirty="0" smtClean="0"/>
+              <a:t>сервер (не трогайте </a:t>
+            </a:r>
+            <a:r>
+              <a:rPr lang="ru-RU" baseline="0" dirty="0" err="1" smtClean="0"/>
+              <a:t>монго</a:t>
+            </a:r>
+            <a:r>
+              <a:rPr lang="ru-RU" baseline="0" dirty="0" smtClean="0"/>
+              <a:t>)</a:t>
+            </a:r>
+            <a:endParaRPr lang="ru-RU" baseline="0" dirty="0" smtClean="0"/>
+          </a:p>
+          <a:p>
+            <a:r>
+              <a:rPr lang="ru-RU" baseline="0" dirty="0" smtClean="0"/>
+              <a:t>Попробуйте открыть в браузере </a:t>
+            </a:r>
+            <a:r>
+              <a:rPr lang="ru-RU" baseline="0" dirty="0" err="1" smtClean="0"/>
+              <a:t>урл</a:t>
+            </a:r>
+            <a:r>
+              <a:rPr lang="ru-RU" baseline="0" dirty="0" smtClean="0"/>
+              <a:t>, вы должны увидеть </a:t>
+            </a:r>
+            <a:r>
+              <a:rPr lang="en-US" baseline="0" dirty="0" smtClean="0"/>
+              <a:t>JSON </a:t>
+            </a:r>
+            <a:r>
+              <a:rPr lang="ru-RU" baseline="0" dirty="0" smtClean="0"/>
+              <a:t>ответ со списком точек. обратите внимание также на лог сервера – там пишется когда мы запрашивали список точек</a:t>
+            </a:r>
             <a:endParaRPr lang="ru-RU" baseline="0" dirty="0" smtClean="0"/>
           </a:p>
         </p:txBody>
@@ -1393,7 +1924,7 @@
     </p:spTree>
     <p:extLst>
       <p:ext uri="{BB962C8B-B14F-4D97-AF65-F5344CB8AC3E}">
-        <p14:creationId xmlns:p14="http://schemas.microsoft.com/office/powerpoint/2010/main" val="1388075572"/>
+        <p14:creationId xmlns:p14="http://schemas.microsoft.com/office/powerpoint/2010/main" val="30834015"/>
       </p:ext>
     </p:extLst>
   </p:cSld>
@@ -1466,30 +1997,157 @@
             </a:pPr>
             <a:r>
               <a:rPr lang="ru-RU" baseline="0" dirty="0" smtClean="0"/>
-              <a:t>Ну и последний шаг – сделать очистку. Опять же , надо модифицировать две части – клиентскую и серверную</a:t>
-            </a:r>
-          </a:p>
-          <a:p>
-            <a:r>
-              <a:rPr lang="ru-RU" baseline="0" dirty="0" smtClean="0"/>
-              <a:t>На сервере перепишем </a:t>
+              <a:t>Теперь модифицируем клиентскую часть</a:t>
             </a:r>
             <a:r>
               <a:rPr lang="en-US" baseline="0" dirty="0" smtClean="0"/>
-              <a:t>if </a:t>
-            </a:r>
-            <a:r>
-              <a:rPr lang="ru-RU" baseline="0" dirty="0" smtClean="0"/>
-              <a:t>на </a:t>
+              <a:t>. </a:t>
+            </a:r>
+            <a:r>
+              <a:rPr lang="ru-RU" baseline="0" dirty="0" smtClean="0"/>
+              <a:t>Жирным выделены изменения. Часть </a:t>
+            </a:r>
+            <a:r>
+              <a:rPr lang="ru-RU" baseline="0" dirty="0" smtClean="0"/>
+              <a:t>кода уже написанного </a:t>
+            </a:r>
+            <a:r>
+              <a:rPr lang="ru-RU" baseline="0" dirty="0" smtClean="0"/>
+              <a:t>я опустил чтобы вместить на </a:t>
+            </a:r>
+            <a:r>
+              <a:rPr lang="ru-RU" baseline="0" dirty="0" smtClean="0"/>
+              <a:t>слайд</a:t>
+            </a:r>
+          </a:p>
+          <a:p>
+            <a:pPr marL="0" marR="0" indent="0" algn="l" defTabSz="914400" rtl="0" eaLnBrk="1" fontAlgn="auto" latinLnBrk="0" hangingPunct="1">
+              <a:lnSpc>
+                <a:spcPct val="100000"/>
+              </a:lnSpc>
+              <a:spcBef>
+                <a:spcPts val="0"/>
+              </a:spcBef>
+              <a:spcAft>
+                <a:spcPts val="0"/>
+              </a:spcAft>
+              <a:buClrTx/>
+              <a:buSzTx/>
+              <a:buFontTx/>
+              <a:buNone/>
+              <a:tabLst/>
+              <a:defRPr/>
+            </a:pPr>
+            <a:r>
+              <a:rPr lang="ru-RU" baseline="0" dirty="0" smtClean="0"/>
+              <a:t>Здесь также используем </a:t>
+            </a:r>
+            <a:r>
+              <a:rPr lang="en-US" baseline="0" dirty="0" err="1" smtClean="0"/>
+              <a:t>jquery</a:t>
             </a:r>
             <a:r>
               <a:rPr lang="en-US" baseline="0" dirty="0" smtClean="0"/>
-              <a:t>switch </a:t>
-            </a:r>
-            <a:r>
-              <a:rPr lang="ru-RU" baseline="0" dirty="0" smtClean="0"/>
-              <a:t>и добавим операцию удаления</a:t>
-            </a:r>
+              <a:t> </a:t>
+            </a:r>
+            <a:r>
+              <a:rPr lang="ru-RU" baseline="0" dirty="0" smtClean="0"/>
+              <a:t>для запроса, но тут нам еще надо обработать результат. Помните, мы </a:t>
+            </a:r>
+            <a:r>
+              <a:rPr lang="en-US" baseline="0" dirty="0" err="1" smtClean="0"/>
+              <a:t>JSON.stringify</a:t>
+            </a:r>
+            <a:r>
+              <a:rPr lang="en-US" baseline="0" dirty="0" smtClean="0"/>
+              <a:t> </a:t>
+            </a:r>
+            <a:r>
+              <a:rPr lang="ru-RU" baseline="0" dirty="0" smtClean="0"/>
+              <a:t>использовали чтобы превратить объекты в </a:t>
+            </a:r>
+            <a:r>
+              <a:rPr lang="ru-RU" baseline="0" dirty="0" err="1" smtClean="0"/>
+              <a:t>джейсон</a:t>
+            </a:r>
+            <a:r>
+              <a:rPr lang="ru-RU" baseline="0" dirty="0" smtClean="0"/>
+              <a:t>-строку? Здесь надо обратное сделать</a:t>
+            </a:r>
+          </a:p>
+          <a:p>
+            <a:pPr marL="0" marR="0" indent="0" algn="l" defTabSz="914400" rtl="0" eaLnBrk="1" fontAlgn="auto" latinLnBrk="0" hangingPunct="1">
+              <a:lnSpc>
+                <a:spcPct val="100000"/>
+              </a:lnSpc>
+              <a:spcBef>
+                <a:spcPts val="0"/>
+              </a:spcBef>
+              <a:spcAft>
+                <a:spcPts val="0"/>
+              </a:spcAft>
+              <a:buClrTx/>
+              <a:buSzTx/>
+              <a:buFontTx/>
+              <a:buNone/>
+              <a:tabLst/>
+              <a:defRPr/>
+            </a:pPr>
+            <a:r>
+              <a:rPr lang="ru-RU" baseline="0" dirty="0" smtClean="0"/>
+              <a:t>К счастью</a:t>
+            </a:r>
+            <a:r>
+              <a:rPr lang="en-US" baseline="0" dirty="0" smtClean="0"/>
+              <a:t>, </a:t>
+            </a:r>
+            <a:r>
+              <a:rPr lang="en-US" baseline="0" dirty="0" err="1" smtClean="0"/>
+              <a:t>jquery</a:t>
+            </a:r>
+            <a:r>
+              <a:rPr lang="en-US" baseline="0" dirty="0" smtClean="0"/>
+              <a:t> </a:t>
+            </a:r>
+            <a:r>
+              <a:rPr lang="ru-RU" baseline="0" dirty="0" smtClean="0"/>
+              <a:t>делает за нас. </a:t>
+            </a:r>
+          </a:p>
+          <a:p>
+            <a:pPr marL="0" marR="0" indent="0" algn="l" defTabSz="914400" rtl="0" eaLnBrk="1" fontAlgn="auto" latinLnBrk="0" hangingPunct="1">
+              <a:lnSpc>
+                <a:spcPct val="100000"/>
+              </a:lnSpc>
+              <a:spcBef>
+                <a:spcPts val="0"/>
+              </a:spcBef>
+              <a:spcAft>
+                <a:spcPts val="0"/>
+              </a:spcAft>
+              <a:buClrTx/>
+              <a:buSzTx/>
+              <a:buFontTx/>
+              <a:buNone/>
+              <a:tabLst/>
+              <a:defRPr/>
+            </a:pPr>
+            <a:r>
+              <a:rPr lang="ru-RU" baseline="0" dirty="0" smtClean="0"/>
+              <a:t>Попробуйте </a:t>
+            </a:r>
+            <a:r>
+              <a:rPr lang="ru-RU" baseline="0" dirty="0" err="1" smtClean="0"/>
+              <a:t>рестартовать</a:t>
+            </a:r>
+            <a:r>
+              <a:rPr lang="ru-RU" baseline="0" dirty="0" smtClean="0"/>
+              <a:t> сервер и обновить страницу</a:t>
+            </a:r>
+            <a:endParaRPr lang="ru-RU" baseline="0" dirty="0" smtClean="0"/>
+          </a:p>
+          <a:p>
+            <a:endParaRPr lang="ru-RU" baseline="0" dirty="0" smtClean="0"/>
           </a:p>
         </p:txBody>
       </p:sp>
@@ -1519,7 +2177,7 @@
     </p:spTree>
     <p:extLst>
       <p:ext uri="{BB962C8B-B14F-4D97-AF65-F5344CB8AC3E}">
-        <p14:creationId xmlns:p14="http://schemas.microsoft.com/office/powerpoint/2010/main" val="2931144533"/>
+        <p14:creationId xmlns:p14="http://schemas.microsoft.com/office/powerpoint/2010/main" val="1388075572"/>
       </p:ext>
     </p:extLst>
   </p:cSld>
@@ -1592,119 +2250,29 @@
             </a:pPr>
             <a:r>
               <a:rPr lang="ru-RU" baseline="0" dirty="0" smtClean="0"/>
-              <a:t>Единственно что надо изменить на клиенте – добавить дополнительный вызов </a:t>
-            </a:r>
-            <a:r>
-              <a:rPr lang="ru-RU" baseline="0" dirty="0" err="1" smtClean="0"/>
-              <a:t>реста</a:t>
-            </a:r>
-            <a:r>
-              <a:rPr lang="ru-RU" baseline="0" dirty="0" smtClean="0"/>
-              <a:t>. Кстати, обратите внимание что </a:t>
-            </a:r>
-            <a:r>
-              <a:rPr lang="ru-RU" baseline="0" dirty="0" err="1" smtClean="0"/>
-              <a:t>задизайнили</a:t>
-            </a:r>
-            <a:r>
-              <a:rPr lang="ru-RU" baseline="0" dirty="0" smtClean="0"/>
-              <a:t> почти правильный </a:t>
+              <a:t>Ну и последний шаг – сделать очистку. Опять же , надо модифицировать две части – клиентскую и серверную</a:t>
+            </a:r>
+          </a:p>
+          <a:p>
+            <a:r>
+              <a:rPr lang="ru-RU" baseline="0" dirty="0" smtClean="0"/>
+              <a:t>На сервере перепишем </a:t>
             </a:r>
             <a:r>
               <a:rPr lang="en-US" baseline="0" dirty="0" smtClean="0"/>
-              <a:t>REST API</a:t>
-            </a:r>
-          </a:p>
-          <a:p>
-            <a:pPr marL="0" marR="0" indent="0" algn="l" defTabSz="914400" rtl="0" eaLnBrk="1" fontAlgn="auto" latinLnBrk="0" hangingPunct="1">
-              <a:lnSpc>
-                <a:spcPct val="100000"/>
-              </a:lnSpc>
-              <a:spcBef>
-                <a:spcPts val="0"/>
-              </a:spcBef>
-              <a:spcAft>
-                <a:spcPts val="0"/>
-              </a:spcAft>
-              <a:buClrTx/>
-              <a:buSzTx/>
-              <a:buFontTx/>
-              <a:buNone/>
-              <a:tabLst/>
-              <a:defRPr/>
-            </a:pPr>
-            <a:r>
-              <a:rPr lang="ru-RU" baseline="0" dirty="0" smtClean="0"/>
-              <a:t>Теперь попробуйте протестировать все возможности приложения:</a:t>
-            </a:r>
-          </a:p>
-          <a:p>
-            <a:pPr marL="228600" marR="0" indent="-228600" algn="l" defTabSz="914400" rtl="0" eaLnBrk="1" fontAlgn="auto" latinLnBrk="0" hangingPunct="1">
-              <a:lnSpc>
-                <a:spcPct val="100000"/>
-              </a:lnSpc>
-              <a:spcBef>
-                <a:spcPts val="0"/>
-              </a:spcBef>
-              <a:spcAft>
-                <a:spcPts val="0"/>
-              </a:spcAft>
-              <a:buClrTx/>
-              <a:buSzTx/>
-              <a:buFontTx/>
-              <a:buAutoNum type="arabicParenR"/>
-              <a:tabLst/>
-              <a:defRPr/>
-            </a:pPr>
-            <a:r>
-              <a:rPr lang="ru-RU" baseline="0" dirty="0" smtClean="0"/>
-              <a:t>Добавление в базу данных точек</a:t>
-            </a:r>
-          </a:p>
-          <a:p>
-            <a:pPr marL="228600" marR="0" indent="-228600" algn="l" defTabSz="914400" rtl="0" eaLnBrk="1" fontAlgn="auto" latinLnBrk="0" hangingPunct="1">
-              <a:lnSpc>
-                <a:spcPct val="100000"/>
-              </a:lnSpc>
-              <a:spcBef>
-                <a:spcPts val="0"/>
-              </a:spcBef>
-              <a:spcAft>
-                <a:spcPts val="0"/>
-              </a:spcAft>
-              <a:buClrTx/>
-              <a:buSzTx/>
-              <a:buFontTx/>
-              <a:buAutoNum type="arabicParenR"/>
-              <a:tabLst/>
-              <a:defRPr/>
-            </a:pPr>
-            <a:r>
-              <a:rPr lang="ru-RU" baseline="0" dirty="0" smtClean="0"/>
-              <a:t>Загрузка из базы данных точек</a:t>
-            </a:r>
-          </a:p>
-          <a:p>
-            <a:pPr marL="228600" marR="0" indent="-228600" algn="l" defTabSz="914400" rtl="0" eaLnBrk="1" fontAlgn="auto" latinLnBrk="0" hangingPunct="1">
-              <a:lnSpc>
-                <a:spcPct val="100000"/>
-              </a:lnSpc>
-              <a:spcBef>
-                <a:spcPts val="0"/>
-              </a:spcBef>
-              <a:spcAft>
-                <a:spcPts val="0"/>
-              </a:spcAft>
-              <a:buClrTx/>
-              <a:buSzTx/>
-              <a:buFontTx/>
-              <a:buAutoNum type="arabicParenR"/>
-              <a:tabLst/>
-              <a:defRPr/>
-            </a:pPr>
-            <a:r>
-              <a:rPr lang="ru-RU" baseline="0" dirty="0" smtClean="0"/>
-              <a:t>Удаление точек</a:t>
+              <a:t>if </a:t>
+            </a:r>
+            <a:r>
+              <a:rPr lang="ru-RU" baseline="0" dirty="0" smtClean="0"/>
+              <a:t>на </a:t>
+            </a:r>
+            <a:r>
+              <a:rPr lang="en-US" baseline="0" dirty="0" smtClean="0"/>
+              <a:t>switch </a:t>
+            </a:r>
+            <a:r>
+              <a:rPr lang="ru-RU" baseline="0" dirty="0" smtClean="0"/>
+              <a:t>и добавим операцию удаления</a:t>
             </a:r>
           </a:p>
         </p:txBody>
@@ -1735,7 +2303,7 @@
     </p:spTree>
     <p:extLst>
       <p:ext uri="{BB962C8B-B14F-4D97-AF65-F5344CB8AC3E}">
-        <p14:creationId xmlns:p14="http://schemas.microsoft.com/office/powerpoint/2010/main" val="3086243246"/>
+        <p14:creationId xmlns:p14="http://schemas.microsoft.com/office/powerpoint/2010/main" val="2931144533"/>
       </p:ext>
     </p:extLst>
   </p:cSld>
@@ -1919,10 +2487,9 @@
               <a:defRPr/>
             </a:pPr>
             <a:r>
-              <a:rPr lang="ru-RU" baseline="0" smtClean="0"/>
+              <a:rPr lang="ru-RU" baseline="0" dirty="0" smtClean="0"/>
               <a:t>Удаление точек</a:t>
             </a:r>
-            <a:endParaRPr lang="ru-RU" baseline="0" dirty="0" smtClean="0"/>
           </a:p>
         </p:txBody>
       </p:sp>
@@ -1952,7 +2519,7 @@
     </p:spTree>
     <p:extLst>
       <p:ext uri="{BB962C8B-B14F-4D97-AF65-F5344CB8AC3E}">
-        <p14:creationId xmlns:p14="http://schemas.microsoft.com/office/powerpoint/2010/main" val="1419072833"/>
+        <p14:creationId xmlns:p14="http://schemas.microsoft.com/office/powerpoint/2010/main" val="3086243246"/>
       </p:ext>
     </p:extLst>
   </p:cSld>
@@ -2169,7 +2736,7 @@
     </p:spTree>
     <p:extLst>
       <p:ext uri="{BB962C8B-B14F-4D97-AF65-F5344CB8AC3E}">
-        <p14:creationId xmlns:p14="http://schemas.microsoft.com/office/powerpoint/2010/main" val="2857051424"/>
+        <p14:creationId xmlns:p14="http://schemas.microsoft.com/office/powerpoint/2010/main" val="1419072833"/>
       </p:ext>
     </p:extLst>
   </p:cSld>
@@ -2289,6 +2856,223 @@
     <p:extLst>
       <p:ext uri="{BB962C8B-B14F-4D97-AF65-F5344CB8AC3E}">
         <p14:creationId xmlns:p14="http://schemas.microsoft.com/office/powerpoint/2010/main" val="1293830579"/>
+      </p:ext>
+    </p:extLst>
+  </p:cSld>
+  <p:clrMapOvr>
+    <a:masterClrMapping/>
+  </p:clrMapOvr>
+</p:notes>
+</file>
+
+<file path=ppt/notesSlides/notesSlide20.xml><?xml version="1.0" encoding="utf-8"?>
+<p:notes xmlns:a="http://schemas.openxmlformats.org/drawingml/2006/main" xmlns:r="http://schemas.openxmlformats.org/officeDocument/2006/relationships" xmlns:p="http://schemas.openxmlformats.org/presentationml/2006/main">
+  <p:cSld>
+    <p:spTree>
+      <p:nvGrpSpPr>
+        <p:cNvPr id="1" name=""/>
+        <p:cNvGrpSpPr/>
+        <p:nvPr/>
+      </p:nvGrpSpPr>
+      <p:grpSpPr>
+        <a:xfrm>
+          <a:off x="0" y="0"/>
+          <a:ext cx="0" cy="0"/>
+          <a:chOff x="0" y="0"/>
+          <a:chExt cx="0" cy="0"/>
+        </a:xfrm>
+      </p:grpSpPr>
+      <p:sp>
+        <p:nvSpPr>
+          <p:cNvPr id="2" name="Образ слайда 1"/>
+          <p:cNvSpPr>
+            <a:spLocks noGrp="1" noRot="1" noChangeAspect="1"/>
+          </p:cNvSpPr>
+          <p:nvPr>
+            <p:ph type="sldImg"/>
+          </p:nvPr>
+        </p:nvSpPr>
+        <p:spPr/>
+      </p:sp>
+      <p:sp>
+        <p:nvSpPr>
+          <p:cNvPr id="3" name="Заметки 2"/>
+          <p:cNvSpPr>
+            <a:spLocks noGrp="1"/>
+          </p:cNvSpPr>
+          <p:nvPr>
+            <p:ph type="body" idx="1"/>
+          </p:nvPr>
+        </p:nvSpPr>
+        <p:spPr/>
+        <p:txBody>
+          <a:bodyPr/>
+          <a:lstStyle/>
+          <a:p>
+            <a:pPr marL="0" marR="0" indent="0" algn="l" defTabSz="914400" rtl="0" eaLnBrk="1" fontAlgn="auto" latinLnBrk="0" hangingPunct="1">
+              <a:lnSpc>
+                <a:spcPct val="100000"/>
+              </a:lnSpc>
+              <a:spcBef>
+                <a:spcPts val="0"/>
+              </a:spcBef>
+              <a:spcAft>
+                <a:spcPts val="0"/>
+              </a:spcAft>
+              <a:buClrTx/>
+              <a:buSzTx/>
+              <a:buFontTx/>
+              <a:buNone/>
+              <a:tabLst/>
+              <a:defRPr/>
+            </a:pPr>
+            <a:r>
+              <a:rPr lang="ru-RU" baseline="0" dirty="0" smtClean="0"/>
+              <a:t>Единственно что надо изменить на клиенте – добавить дополнительный вызов </a:t>
+            </a:r>
+            <a:r>
+              <a:rPr lang="ru-RU" baseline="0" dirty="0" err="1" smtClean="0"/>
+              <a:t>реста</a:t>
+            </a:r>
+            <a:r>
+              <a:rPr lang="ru-RU" baseline="0" dirty="0" smtClean="0"/>
+              <a:t>. Кстати, обратите внимание что </a:t>
+            </a:r>
+            <a:r>
+              <a:rPr lang="ru-RU" baseline="0" dirty="0" err="1" smtClean="0"/>
+              <a:t>задизайнили</a:t>
+            </a:r>
+            <a:r>
+              <a:rPr lang="ru-RU" baseline="0" dirty="0" smtClean="0"/>
+              <a:t> почти правильный </a:t>
+            </a:r>
+            <a:r>
+              <a:rPr lang="en-US" baseline="0" dirty="0" smtClean="0"/>
+              <a:t>REST API</a:t>
+            </a:r>
+          </a:p>
+          <a:p>
+            <a:pPr marL="0" marR="0" indent="0" algn="l" defTabSz="914400" rtl="0" eaLnBrk="1" fontAlgn="auto" latinLnBrk="0" hangingPunct="1">
+              <a:lnSpc>
+                <a:spcPct val="100000"/>
+              </a:lnSpc>
+              <a:spcBef>
+                <a:spcPts val="0"/>
+              </a:spcBef>
+              <a:spcAft>
+                <a:spcPts val="0"/>
+              </a:spcAft>
+              <a:buClrTx/>
+              <a:buSzTx/>
+              <a:buFontTx/>
+              <a:buNone/>
+              <a:tabLst/>
+              <a:defRPr/>
+            </a:pPr>
+            <a:r>
+              <a:rPr lang="ru-RU" baseline="0" dirty="0" smtClean="0"/>
+              <a:t>Теперь попробуйте протестировать все возможности приложения:</a:t>
+            </a:r>
+          </a:p>
+          <a:p>
+            <a:pPr marL="228600" marR="0" indent="-228600" algn="l" defTabSz="914400" rtl="0" eaLnBrk="1" fontAlgn="auto" latinLnBrk="0" hangingPunct="1">
+              <a:lnSpc>
+                <a:spcPct val="100000"/>
+              </a:lnSpc>
+              <a:spcBef>
+                <a:spcPts val="0"/>
+              </a:spcBef>
+              <a:spcAft>
+                <a:spcPts val="0"/>
+              </a:spcAft>
+              <a:buClrTx/>
+              <a:buSzTx/>
+              <a:buFontTx/>
+              <a:buAutoNum type="arabicParenR"/>
+              <a:tabLst/>
+              <a:defRPr/>
+            </a:pPr>
+            <a:r>
+              <a:rPr lang="ru-RU" baseline="0" dirty="0" smtClean="0"/>
+              <a:t>Добавление в базу данных точек</a:t>
+            </a:r>
+          </a:p>
+          <a:p>
+            <a:pPr marL="228600" marR="0" indent="-228600" algn="l" defTabSz="914400" rtl="0" eaLnBrk="1" fontAlgn="auto" latinLnBrk="0" hangingPunct="1">
+              <a:lnSpc>
+                <a:spcPct val="100000"/>
+              </a:lnSpc>
+              <a:spcBef>
+                <a:spcPts val="0"/>
+              </a:spcBef>
+              <a:spcAft>
+                <a:spcPts val="0"/>
+              </a:spcAft>
+              <a:buClrTx/>
+              <a:buSzTx/>
+              <a:buFontTx/>
+              <a:buAutoNum type="arabicParenR"/>
+              <a:tabLst/>
+              <a:defRPr/>
+            </a:pPr>
+            <a:r>
+              <a:rPr lang="ru-RU" baseline="0" dirty="0" smtClean="0"/>
+              <a:t>Загрузка из базы данных точек</a:t>
+            </a:r>
+          </a:p>
+          <a:p>
+            <a:pPr marL="228600" marR="0" indent="-228600" algn="l" defTabSz="914400" rtl="0" eaLnBrk="1" fontAlgn="auto" latinLnBrk="0" hangingPunct="1">
+              <a:lnSpc>
+                <a:spcPct val="100000"/>
+              </a:lnSpc>
+              <a:spcBef>
+                <a:spcPts val="0"/>
+              </a:spcBef>
+              <a:spcAft>
+                <a:spcPts val="0"/>
+              </a:spcAft>
+              <a:buClrTx/>
+              <a:buSzTx/>
+              <a:buFontTx/>
+              <a:buAutoNum type="arabicParenR"/>
+              <a:tabLst/>
+              <a:defRPr/>
+            </a:pPr>
+            <a:r>
+              <a:rPr lang="ru-RU" baseline="0" smtClean="0"/>
+              <a:t>Удаление точек</a:t>
+            </a:r>
+            <a:endParaRPr lang="ru-RU" baseline="0" dirty="0" smtClean="0"/>
+          </a:p>
+        </p:txBody>
+      </p:sp>
+      <p:sp>
+        <p:nvSpPr>
+          <p:cNvPr id="4" name="Номер слайда 3"/>
+          <p:cNvSpPr>
+            <a:spLocks noGrp="1"/>
+          </p:cNvSpPr>
+          <p:nvPr>
+            <p:ph type="sldNum" sz="quarter" idx="10"/>
+          </p:nvPr>
+        </p:nvSpPr>
+        <p:spPr/>
+        <p:txBody>
+          <a:bodyPr/>
+          <a:lstStyle/>
+          <a:p>
+            <a:fld id="{69F20A64-CA2A-48D0-965A-DED016791351}" type="slidenum">
+              <a:rPr lang="ru-RU" smtClean="0"/>
+              <a:t>20</a:t>
+            </a:fld>
+            <a:endParaRPr lang="ru-RU"/>
+          </a:p>
+        </p:txBody>
+      </p:sp>
+    </p:spTree>
+    <p:extLst>
+      <p:ext uri="{BB962C8B-B14F-4D97-AF65-F5344CB8AC3E}">
+        <p14:creationId xmlns:p14="http://schemas.microsoft.com/office/powerpoint/2010/main" val="2857051424"/>
       </p:ext>
     </p:extLst>
   </p:cSld>
@@ -2446,13 +3230,21 @@
           <a:bodyPr/>
           <a:lstStyle/>
           <a:p>
+            <a:pPr marL="228600" indent="-228600">
+              <a:buFont typeface="+mj-lt"/>
+              <a:buAutoNum type="arabicPeriod"/>
+            </a:pPr>
             <a:r>
               <a:rPr lang="ru-RU" dirty="0" smtClean="0"/>
               <a:t>Нам</a:t>
             </a:r>
             <a:r>
               <a:rPr lang="ru-RU" baseline="0" dirty="0" smtClean="0"/>
-              <a:t> понадобится создать несколько файлов: 1) </a:t>
+              <a:t> </a:t>
+            </a:r>
+            <a:r>
+              <a:rPr lang="ru-RU" baseline="0" dirty="0" smtClean="0"/>
+              <a:t>понадобится создать несколько файлов: 1) </a:t>
             </a:r>
             <a:r>
               <a:rPr lang="en-US" baseline="0" dirty="0" smtClean="0"/>
@@ -2468,10 +3260,18 @@
             </a:r>
             <a:r>
               <a:rPr lang="en-US" baseline="0" dirty="0" smtClean="0"/>
-              <a:t> file</a:t>
-            </a:r>
-          </a:p>
-          <a:p>
+              <a:t> </a:t>
+            </a:r>
+            <a:r>
+              <a:rPr lang="en-US" baseline="0" dirty="0" smtClean="0"/>
+              <a:t>file</a:t>
+            </a:r>
+          </a:p>
+          <a:p>
+            <a:pPr marL="228600" indent="-228600">
+              <a:buFont typeface="+mj-lt"/>
+              <a:buAutoNum type="arabicPeriod"/>
+            </a:pPr>
             <a:r>
               <a:rPr lang="en-US" baseline="0" dirty="0" smtClean="0"/>
               <a:t>Html </a:t>
@@ -2482,16 +3282,79 @@
             </a:r>
           </a:p>
           <a:p>
+            <a:pPr marL="685800" lvl="1" indent="-228600">
+              <a:buFont typeface="+mj-lt"/>
+              <a:buAutoNum type="arabicPeriod"/>
+            </a:pPr>
             <a:r>
               <a:rPr lang="en-US" baseline="0" dirty="0" smtClean="0"/>
               <a:t>TODO: </a:t>
             </a:r>
             <a:r>
               <a:rPr lang="ru-RU" baseline="0" dirty="0" smtClean="0"/>
-              <a:t>объяснить содержимое</a:t>
-            </a:r>
-          </a:p>
-          <a:p>
+              <a:t>объяснить </a:t>
+            </a:r>
+            <a:r>
+              <a:rPr lang="ru-RU" baseline="0" dirty="0" smtClean="0"/>
+              <a:t>содержимое. Ключевой акцент на подключение </a:t>
+            </a:r>
+            <a:r>
+              <a:rPr lang="en-US" baseline="0" dirty="0" err="1" smtClean="0"/>
+              <a:t>jquery</a:t>
+            </a:r>
+            <a:r>
+              <a:rPr lang="en-US" baseline="0" dirty="0" smtClean="0"/>
+              <a:t> </a:t>
+            </a:r>
+            <a:r>
+              <a:rPr lang="ru-RU" baseline="0" dirty="0" smtClean="0"/>
+              <a:t>и </a:t>
+            </a:r>
+            <a:r>
+              <a:rPr lang="en-US" baseline="0" dirty="0" smtClean="0"/>
+              <a:t>google maps. </a:t>
+            </a:r>
+            <a:r>
+              <a:rPr lang="ru-RU" baseline="0" dirty="0" smtClean="0"/>
+              <a:t>Для </a:t>
+            </a:r>
+            <a:r>
+              <a:rPr lang="en-US" baseline="0" dirty="0" smtClean="0"/>
+              <a:t>google maps </a:t>
+            </a:r>
+            <a:r>
+              <a:rPr lang="ru-RU" baseline="0" dirty="0" smtClean="0"/>
+              <a:t>объяснить строку подключения</a:t>
+            </a:r>
+          </a:p>
+          <a:p>
+            <a:pPr marL="1143000" lvl="2" indent="-228600">
+              <a:buFont typeface="+mj-lt"/>
+              <a:buAutoNum type="arabicPeriod"/>
+            </a:pPr>
+            <a:r>
+              <a:rPr lang="ru-RU" baseline="0" dirty="0" smtClean="0"/>
+              <a:t>Объяснить понятие объекта в </a:t>
+            </a:r>
+            <a:r>
+              <a:rPr lang="ru-RU" baseline="0" dirty="0" err="1" smtClean="0"/>
+              <a:t>яваскрипте</a:t>
+            </a:r>
+            <a:r>
+              <a:rPr lang="ru-RU" baseline="0" dirty="0" smtClean="0"/>
+              <a:t>, пространства имен и конструктора. Что такое </a:t>
+            </a:r>
+            <a:r>
+              <a:rPr lang="en-US" baseline="0" dirty="0" err="1" smtClean="0"/>
+              <a:t>getElementById</a:t>
+            </a:r>
+            <a:endParaRPr lang="ru-RU" baseline="0" dirty="0" smtClean="0"/>
+          </a:p>
+          <a:p>
+            <a:pPr marL="228600" indent="-228600">
+              <a:buFont typeface="+mj-lt"/>
+              <a:buAutoNum type="arabicPeriod"/>
+            </a:pPr>
             <a:r>
               <a:rPr lang="ru-RU" baseline="0" dirty="0" err="1" smtClean="0"/>
               <a:t>Яваскрипт</a:t>
@@ -2502,6 +3365,10 @@
             </a:r>
           </a:p>
           <a:p>
+            <a:pPr marL="685800" lvl="1" indent="-228600">
+              <a:buFont typeface="+mj-lt"/>
+              <a:buAutoNum type="arabicPeriod"/>
+            </a:pPr>
             <a:r>
               <a:rPr lang="ru-RU" baseline="0" dirty="0" smtClean="0"/>
               <a:t>Создайте файл </a:t>
@@ -2516,16 +3383,39 @@
             </a:r>
           </a:p>
           <a:p>
+            <a:pPr marL="685800" lvl="1" indent="-228600">
+              <a:buFont typeface="+mj-lt"/>
+              <a:buAutoNum type="arabicPeriod"/>
+            </a:pPr>
             <a:r>
               <a:rPr lang="en-US" baseline="0" dirty="0" smtClean="0"/>
               <a:t>TODO: </a:t>
             </a:r>
             <a:r>
               <a:rPr lang="ru-RU" baseline="0" dirty="0" smtClean="0"/>
-              <a:t>объяснить содержимое</a:t>
-            </a:r>
-          </a:p>
-          <a:p>
+              <a:t>объяснить </a:t>
+            </a:r>
+            <a:r>
+              <a:rPr lang="ru-RU" baseline="0" dirty="0" smtClean="0"/>
+              <a:t>содержимое</a:t>
+            </a:r>
+          </a:p>
+          <a:p>
+            <a:pPr marL="1143000" lvl="2" indent="-228600">
+              <a:buFont typeface="+mj-lt"/>
+              <a:buAutoNum type="arabicPeriod"/>
+            </a:pPr>
+            <a:r>
+              <a:rPr lang="ru-RU" baseline="0" dirty="0" smtClean="0"/>
+              <a:t>Основной акцент на координатах – что это координаты ВГУ</a:t>
+            </a:r>
+            <a:endParaRPr lang="ru-RU" baseline="0" dirty="0" smtClean="0"/>
+          </a:p>
+          <a:p>
+            <a:pPr marL="228600" indent="-228600">
+              <a:buFont typeface="+mj-lt"/>
+              <a:buAutoNum type="arabicPeriod"/>
+            </a:pPr>
             <a:r>
               <a:rPr lang="ru-RU" baseline="0" dirty="0" smtClean="0"/>
               <a:t>После того как вы заполнили файл, откройте в браузере </a:t>
@@ -2652,9 +3542,25 @@
             </a:r>
           </a:p>
           <a:p>
-            <a:r>
-              <a:rPr lang="ru-RU" baseline="0" dirty="0" smtClean="0"/>
-              <a:t>Отредактируйте файл как показано на слайде</a:t>
+            <a:pPr marL="228600" indent="-228600">
+              <a:buFont typeface="+mj-lt"/>
+              <a:buAutoNum type="arabicPeriod"/>
+            </a:pPr>
+            <a:r>
+              <a:rPr lang="ru-RU" baseline="0" dirty="0" smtClean="0"/>
+              <a:t>Отредактируйте </a:t>
+            </a:r>
+            <a:r>
+              <a:rPr lang="ru-RU" baseline="0" dirty="0" err="1" smtClean="0"/>
+              <a:t>яваскрипт</a:t>
+            </a:r>
+            <a:r>
+              <a:rPr lang="ru-RU" baseline="0" dirty="0" smtClean="0"/>
+              <a:t> файл </a:t>
+            </a:r>
+            <a:r>
+              <a:rPr lang="ru-RU" baseline="0" dirty="0" smtClean="0"/>
+              <a:t>как показано на слайде</a:t>
             </a:r>
             <a:r>
               <a:rPr lang="en-US" baseline="0" dirty="0" smtClean="0"/>
@@ -2670,7 +3576,56 @@
             </a:r>
             <a:r>
               <a:rPr lang="ru-RU" baseline="0" dirty="0" smtClean="0"/>
-              <a:t>файл. Попробуйте пощелкать на карте, теперь вы можете добавлять новые маркеры на карту</a:t>
+              <a:t>файл. </a:t>
+            </a:r>
+            <a:r>
+              <a:rPr lang="ru-RU" baseline="0" dirty="0" smtClean="0"/>
+              <a:t>Здесь</a:t>
+            </a:r>
+          </a:p>
+          <a:p>
+            <a:pPr marL="685800" lvl="1" indent="-228600">
+              <a:buFont typeface="+mj-lt"/>
+              <a:buAutoNum type="arabicPeriod"/>
+            </a:pPr>
+            <a:r>
+              <a:rPr lang="ru-RU" baseline="0" dirty="0" smtClean="0"/>
+              <a:t>Объяснить понятие </a:t>
+            </a:r>
+            <a:r>
+              <a:rPr lang="ru-RU" baseline="0" dirty="0" err="1" smtClean="0"/>
+              <a:t>колбэков</a:t>
+            </a:r>
+            <a:r>
+              <a:rPr lang="ru-RU" baseline="0" dirty="0" smtClean="0"/>
+              <a:t> в </a:t>
+            </a:r>
+            <a:r>
+              <a:rPr lang="ru-RU" baseline="0" dirty="0" err="1" smtClean="0"/>
+              <a:t>яваскрипте</a:t>
+            </a:r>
+            <a:r>
+              <a:rPr lang="ru-RU" baseline="0" dirty="0" smtClean="0"/>
+              <a:t>, что такое маркер, что делает </a:t>
+            </a:r>
+            <a:r>
+              <a:rPr lang="en-US" baseline="0" dirty="0" err="1" smtClean="0"/>
+              <a:t>panTo</a:t>
+            </a:r>
+            <a:endParaRPr lang="ru-RU" baseline="0" dirty="0" smtClean="0"/>
+          </a:p>
+          <a:p>
+            <a:pPr marL="228600" indent="-228600">
+              <a:buFont typeface="+mj-lt"/>
+              <a:buAutoNum type="arabicPeriod"/>
+            </a:pPr>
+            <a:r>
+              <a:rPr lang="ru-RU" baseline="0" dirty="0" smtClean="0"/>
+              <a:t>Попробуйте </a:t>
+            </a:r>
+            <a:r>
+              <a:rPr lang="ru-RU" baseline="0" dirty="0" smtClean="0"/>
+              <a:t>пощелкать на карте, теперь вы можете добавлять новые маркеры на карту</a:t>
             </a:r>
             <a:endParaRPr lang="ru-RU" dirty="0"/>
           </a:p>
@@ -2762,9 +3717,119 @@
             </a:r>
             <a:r>
               <a:rPr lang="ru-RU" baseline="0" dirty="0" smtClean="0"/>
-              <a:t> попробуем удалить маркеры с карты</a:t>
-            </a:r>
-            <a:endParaRPr lang="ru-RU" dirty="0"/>
+              <a:t> попробуем удалить маркеры с </a:t>
+            </a:r>
+            <a:r>
+              <a:rPr lang="ru-RU" baseline="0" dirty="0" smtClean="0"/>
+              <a:t>карты</a:t>
+            </a:r>
+          </a:p>
+          <a:p>
+            <a:r>
+              <a:rPr lang="ru-RU" baseline="0" dirty="0" smtClean="0"/>
+              <a:t>Основной акцент на:</a:t>
+            </a:r>
+          </a:p>
+          <a:p>
+            <a:pPr marL="228600" indent="-228600">
+              <a:buAutoNum type="arabicPeriod"/>
+            </a:pPr>
+            <a:r>
+              <a:rPr lang="ru-RU" baseline="0" dirty="0" smtClean="0"/>
+              <a:t>Нам нужен массив для маркеров. И он должен заполняться при клике (добавлении маркера)</a:t>
+            </a:r>
+          </a:p>
+          <a:p>
+            <a:pPr marL="228600" indent="-228600">
+              <a:buAutoNum type="arabicPeriod"/>
+            </a:pPr>
+            <a:r>
+              <a:rPr lang="ru-RU" baseline="0" dirty="0" smtClean="0"/>
+              <a:t>Обработчик кнопки удаление</a:t>
+            </a:r>
+          </a:p>
+          <a:p>
+            <a:pPr marL="685800" lvl="1" indent="-228600">
+              <a:buAutoNum type="arabicPeriod"/>
+            </a:pPr>
+            <a:r>
+              <a:rPr lang="ru-RU" baseline="0" dirty="0" smtClean="0"/>
+              <a:t>Привязка с помощью </a:t>
+            </a:r>
+            <a:r>
+              <a:rPr lang="en-US" baseline="0" dirty="0" smtClean="0"/>
+              <a:t>jQuery, </a:t>
+            </a:r>
+            <a:r>
+              <a:rPr lang="en-US" baseline="0" dirty="0" err="1" smtClean="0"/>
+              <a:t>css</a:t>
+            </a:r>
+            <a:r>
+              <a:rPr lang="en-US" baseline="0" dirty="0" smtClean="0"/>
+              <a:t>-</a:t>
+            </a:r>
+            <a:r>
+              <a:rPr lang="ru-RU" baseline="0" dirty="0" smtClean="0"/>
+              <a:t>селектор, опять же понятие </a:t>
+            </a:r>
+            <a:r>
+              <a:rPr lang="ru-RU" baseline="0" dirty="0" err="1" smtClean="0"/>
+              <a:t>колбэка</a:t>
+            </a:r>
+            <a:endParaRPr lang="ru-RU" baseline="0" dirty="0" smtClean="0"/>
+          </a:p>
+          <a:p>
+            <a:pPr marL="685800" lvl="1" indent="-228600">
+              <a:buAutoNum type="arabicPeriod"/>
+            </a:pPr>
+            <a:r>
+              <a:rPr lang="en-US" baseline="0" dirty="0" smtClean="0"/>
+              <a:t>$.each </a:t>
+            </a:r>
+            <a:r>
+              <a:rPr lang="ru-RU" baseline="0" dirty="0" smtClean="0"/>
+              <a:t>лучший вариант </a:t>
+            </a:r>
+            <a:r>
+              <a:rPr lang="en-US" baseline="0" dirty="0" smtClean="0"/>
+              <a:t>for </a:t>
+            </a:r>
+            <a:r>
+              <a:rPr lang="ru-RU" baseline="0" dirty="0" smtClean="0"/>
+              <a:t>цикла</a:t>
+            </a:r>
+          </a:p>
+          <a:p>
+            <a:pPr marL="685800" lvl="1" indent="-228600">
+              <a:buAutoNum type="arabicPeriod"/>
+            </a:pPr>
+            <a:r>
+              <a:rPr lang="ru-RU" baseline="0" dirty="0" smtClean="0"/>
+              <a:t>Удаление производится </a:t>
+            </a:r>
+            <a:r>
+              <a:rPr lang="ru-RU" baseline="0" dirty="0" err="1" smtClean="0"/>
+              <a:t>отвязыванием</a:t>
+            </a:r>
+            <a:r>
+              <a:rPr lang="ru-RU" baseline="0" dirty="0" smtClean="0"/>
+              <a:t> маркера от карты</a:t>
+            </a:r>
+          </a:p>
+          <a:p>
+            <a:pPr marL="685800" lvl="1" indent="-228600">
+              <a:buAutoNum type="arabicPeriod"/>
+            </a:pPr>
+            <a:endParaRPr lang="ru-RU" baseline="0" dirty="0" smtClean="0"/>
+          </a:p>
+          <a:p>
+            <a:pPr marL="0" lvl="0" indent="0">
+              <a:buNone/>
+            </a:pPr>
+            <a:r>
+              <a:rPr lang="ru-RU" baseline="0" dirty="0" smtClean="0"/>
+              <a:t>Кто найдет баг с переполнением памяти?</a:t>
+            </a:r>
           </a:p>
         </p:txBody>
       </p:sp>
@@ -2850,42 +3915,54 @@
           <a:p>
             <a:r>
               <a:rPr lang="ru-RU" dirty="0" smtClean="0"/>
-              <a:t>Со стандартным</a:t>
-            </a:r>
-            <a:r>
-              <a:rPr lang="ru-RU" baseline="0" dirty="0" smtClean="0"/>
-              <a:t> подходом поток больш</a:t>
-            </a:r>
-            <a:r>
-              <a:rPr lang="ru-RU" u="sng" baseline="0" dirty="0" smtClean="0"/>
-              <a:t>у</a:t>
-            </a:r>
-            <a:r>
-              <a:rPr lang="ru-RU" baseline="0" dirty="0" smtClean="0"/>
-              <a:t>ю (если даже не б</a:t>
-            </a:r>
-            <a:r>
-              <a:rPr lang="ru-RU" u="sng" baseline="0" dirty="0" smtClean="0"/>
-              <a:t>о</a:t>
-            </a:r>
-            <a:r>
-              <a:rPr lang="ru-RU" baseline="0" dirty="0" smtClean="0"/>
-              <a:t>льшую) часть времени проводит, ожидая пока произойдет операция ввода – вывода</a:t>
-            </a:r>
-          </a:p>
-          <a:p>
-            <a:r>
-              <a:rPr lang="ru-RU" baseline="0" dirty="0" smtClean="0"/>
-              <a:t>Это может быть чтение с диска, сеть, БД</a:t>
+              <a:t>Что такое </a:t>
+            </a:r>
+            <a:r>
+              <a:rPr lang="en-US" dirty="0" smtClean="0"/>
+              <a:t>node.js</a:t>
+            </a:r>
+          </a:p>
+          <a:p>
+            <a:r>
+              <a:rPr lang="en-US" baseline="0" dirty="0" smtClean="0"/>
+              <a:t>Node.js – </a:t>
+            </a:r>
+            <a:r>
+              <a:rPr lang="ru-RU" baseline="0" dirty="0" smtClean="0"/>
+              <a:t>движок который позволяет писать серверный код на </a:t>
+            </a:r>
+            <a:r>
+              <a:rPr lang="ru-RU" baseline="0" dirty="0" err="1" smtClean="0"/>
+              <a:t>яваскрипте</a:t>
             </a:r>
             <a:endParaRPr lang="en-US" baseline="0" dirty="0" smtClean="0"/>
           </a:p>
           <a:p>
             <a:r>
-              <a:rPr lang="ru-RU" baseline="0" dirty="0" smtClean="0"/>
-              <a:t>Типичным способом решения этой проблемы является добавление еще одного потока</a:t>
-            </a:r>
-            <a:endParaRPr lang="ru-RU" dirty="0"/>
+              <a:rPr lang="en-US" baseline="0" dirty="0" smtClean="0"/>
+              <a:t>! </a:t>
+            </a:r>
+            <a:r>
+              <a:rPr lang="ru-RU" baseline="0" dirty="0" smtClean="0"/>
+              <a:t>Ядро хрома</a:t>
+            </a:r>
+          </a:p>
+          <a:p>
+            <a:r>
+              <a:rPr lang="ru-RU" baseline="0" dirty="0" smtClean="0"/>
+              <a:t>Поэтому весь код который мы сегодня будем писать будет </a:t>
+            </a:r>
+            <a:r>
+              <a:rPr lang="ru-RU" baseline="0" dirty="0" err="1" smtClean="0"/>
+              <a:t>яваскрипт</a:t>
+            </a:r>
+            <a:r>
+              <a:rPr lang="ru-RU" baseline="0" dirty="0" smtClean="0"/>
+              <a:t> кодом.</a:t>
+            </a:r>
+          </a:p>
+          <a:p>
+            <a:endParaRPr lang="ru-RU" dirty="0" smtClean="0"/>
           </a:p>
         </p:txBody>
       </p:sp>
@@ -2970,64 +4047,65 @@
           <a:lstStyle/>
           <a:p>
             <a:r>
+              <a:rPr lang="ru-RU" dirty="0" smtClean="0"/>
+              <a:t>Основная </a:t>
+            </a:r>
+            <a:r>
+              <a:rPr lang="ru-RU" dirty="0" err="1" smtClean="0"/>
+              <a:t>фича</a:t>
+            </a:r>
+            <a:r>
+              <a:rPr lang="ru-RU" dirty="0" smtClean="0"/>
+              <a:t> – </a:t>
+            </a:r>
+            <a:r>
               <a:rPr lang="en-US" dirty="0" smtClean="0"/>
-              <a:t>Node.js</a:t>
-            </a:r>
-            <a:r>
-              <a:rPr lang="en-US" baseline="0" dirty="0" smtClean="0"/>
-              <a:t> </a:t>
-            </a:r>
-            <a:r>
-              <a:rPr lang="ru-RU" baseline="0" dirty="0" smtClean="0"/>
-              <a:t>использует Событийно-Ориентированное программирование. Каждая операция, которая может привести к блокировке, разбивается на две части</a:t>
-            </a:r>
-          </a:p>
-          <a:p>
-            <a:r>
-              <a:rPr lang="ru-RU" baseline="0" dirty="0" smtClean="0"/>
-              <a:t>Первая часть подготавливает данные и инициирует операцию блокировки – и регистрирует </a:t>
-            </a:r>
-            <a:r>
-              <a:rPr lang="ru-RU" baseline="0" dirty="0" err="1" smtClean="0"/>
-              <a:t>колбэк</a:t>
-            </a:r>
-            <a:r>
-              <a:rPr lang="ru-RU" baseline="0" dirty="0" smtClean="0"/>
-              <a:t> (функцию которая будет вызвана при завершении ввода-вывода).</a:t>
-            </a:r>
-          </a:p>
-          <a:p>
-            <a:r>
-              <a:rPr lang="ru-RU" baseline="0" dirty="0" smtClean="0"/>
-              <a:t>Потом происходит ожидание завершения ввода вывода и когда операция завершена, происходит вызов </a:t>
-            </a:r>
-            <a:r>
-              <a:rPr lang="ru-RU" baseline="0" dirty="0" err="1" smtClean="0"/>
-              <a:t>колбэка</a:t>
-            </a:r>
-            <a:r>
-              <a:rPr lang="ru-RU" baseline="0" dirty="0" smtClean="0"/>
-              <a:t>.</a:t>
+              <a:t>event loop</a:t>
             </a:r>
           </a:p>
           <a:p>
             <a:r>
               <a:rPr lang="ru-RU" dirty="0" smtClean="0"/>
-              <a:t>При этом</a:t>
-            </a:r>
-            <a:r>
-              <a:rPr lang="ru-RU" baseline="0" dirty="0" smtClean="0"/>
-              <a:t> для выполнения </a:t>
-            </a:r>
-            <a:r>
-              <a:rPr lang="ru-RU" baseline="0" dirty="0" err="1" smtClean="0"/>
-              <a:t>яваскрипт</a:t>
-            </a:r>
-            <a:r>
-              <a:rPr lang="ru-RU" baseline="0" dirty="0" smtClean="0"/>
-              <a:t> кода используется только один поток</a:t>
-            </a:r>
-            <a:endParaRPr lang="ru-RU" dirty="0" smtClean="0"/>
+              <a:t>Со </a:t>
+            </a:r>
+            <a:r>
+              <a:rPr lang="ru-RU" dirty="0" smtClean="0"/>
+              <a:t>стандартным</a:t>
+            </a:r>
+            <a:r>
+              <a:rPr lang="ru-RU" baseline="0" dirty="0" smtClean="0"/>
+              <a:t> подходом поток больш</a:t>
+            </a:r>
+            <a:r>
+              <a:rPr lang="ru-RU" u="sng" baseline="0" dirty="0" smtClean="0"/>
+              <a:t>у</a:t>
+            </a:r>
+            <a:r>
+              <a:rPr lang="ru-RU" baseline="0" dirty="0" smtClean="0"/>
+              <a:t>ю (если даже не б</a:t>
+            </a:r>
+            <a:r>
+              <a:rPr lang="ru-RU" u="sng" baseline="0" dirty="0" smtClean="0"/>
+              <a:t>о</a:t>
+            </a:r>
+            <a:r>
+              <a:rPr lang="ru-RU" baseline="0" dirty="0" smtClean="0"/>
+              <a:t>льшую) часть времени проводит, ожидая пока произойдет операция ввода – вывода</a:t>
+            </a:r>
+          </a:p>
+          <a:p>
+            <a:r>
+              <a:rPr lang="ru-RU" baseline="0" dirty="0" smtClean="0"/>
+              <a:t>Это может быть чтение с диска, сеть, БД</a:t>
+            </a:r>
+            <a:endParaRPr lang="en-US" baseline="0" dirty="0" smtClean="0"/>
+          </a:p>
+          <a:p>
+            <a:r>
+              <a:rPr lang="ru-RU" baseline="0" dirty="0" smtClean="0"/>
+              <a:t>Типичным способом решения этой проблемы является добавление еще одного потока</a:t>
+            </a:r>
+            <a:endParaRPr lang="ru-RU" dirty="0"/>
           </a:p>
         </p:txBody>
       </p:sp>
@@ -3057,7 +4135,7 @@
     </p:spTree>
     <p:extLst>
       <p:ext uri="{BB962C8B-B14F-4D97-AF65-F5344CB8AC3E}">
-        <p14:creationId xmlns:p14="http://schemas.microsoft.com/office/powerpoint/2010/main" val="4018193586"/>
+        <p14:creationId xmlns:p14="http://schemas.microsoft.com/office/powerpoint/2010/main" val="4177587819"/>
       </p:ext>
     </p:extLst>
   </p:cSld>
@@ -3112,12 +4190,54 @@
           <a:lstStyle/>
           <a:p>
             <a:r>
+              <a:rPr lang="en-US" dirty="0" smtClean="0"/>
+              <a:t>Node.js</a:t>
+            </a:r>
+            <a:r>
+              <a:rPr lang="en-US" baseline="0" dirty="0" smtClean="0"/>
+              <a:t> </a:t>
+            </a:r>
+            <a:r>
+              <a:rPr lang="ru-RU" baseline="0" dirty="0" smtClean="0"/>
+              <a:t>использует Событийно-Ориентированное программирование. Каждая операция, которая может привести к блокировке, разбивается на две части</a:t>
+            </a:r>
+          </a:p>
+          <a:p>
+            <a:r>
+              <a:rPr lang="ru-RU" baseline="0" dirty="0" smtClean="0"/>
+              <a:t>Первая часть подготавливает данные и инициирует операцию блокировки – и регистрирует </a:t>
+            </a:r>
+            <a:r>
+              <a:rPr lang="ru-RU" baseline="0" dirty="0" err="1" smtClean="0"/>
+              <a:t>колбэк</a:t>
+            </a:r>
+            <a:r>
+              <a:rPr lang="ru-RU" baseline="0" dirty="0" smtClean="0"/>
+              <a:t> (функцию которая будет вызвана при завершении ввода-вывода).</a:t>
+            </a:r>
+          </a:p>
+          <a:p>
+            <a:r>
+              <a:rPr lang="ru-RU" baseline="0" dirty="0" smtClean="0"/>
+              <a:t>Потом происходит ожидание завершения ввода вывода и когда операция завершена, происходит вызов </a:t>
+            </a:r>
+            <a:r>
+              <a:rPr lang="ru-RU" baseline="0" dirty="0" err="1" smtClean="0"/>
+              <a:t>колбэка</a:t>
+            </a:r>
+            <a:r>
+              <a:rPr lang="ru-RU" baseline="0" dirty="0" smtClean="0"/>
+              <a:t>.</a:t>
+            </a:r>
+          </a:p>
+          <a:p>
+            <a:r>
               <a:rPr lang="ru-RU" dirty="0" smtClean="0"/>
-              <a:t>Если же поток разгружается</a:t>
-            </a:r>
-            <a:r>
-              <a:rPr lang="ru-RU" baseline="0" dirty="0" smtClean="0"/>
-              <a:t> от операций ожидания ввода-вывода, чем же он занимается? Он выполняет другой </a:t>
+              <a:t>При этом</a:t>
+            </a:r>
+            <a:r>
+              <a:rPr lang="ru-RU" baseline="0" dirty="0" smtClean="0"/>
+              <a:t> для выполнения </a:t>
             </a:r>
             <a:r>
               <a:rPr lang="ru-RU" baseline="0" dirty="0" err="1" smtClean="0"/>
@@ -3125,23 +4245,9 @@
             </a:r>
             <a:r>
               <a:rPr lang="ru-RU" baseline="0" dirty="0" smtClean="0"/>
-              <a:t> код который находится в </a:t>
-            </a:r>
-            <a:r>
-              <a:rPr lang="ru-RU" baseline="0" dirty="0" err="1" smtClean="0"/>
-              <a:t>очерели</a:t>
-            </a:r>
-            <a:r>
-              <a:rPr lang="ru-RU" baseline="0" dirty="0" smtClean="0"/>
-              <a:t> на выполнение</a:t>
-            </a:r>
-          </a:p>
-          <a:p>
-            <a:r>
-              <a:rPr lang="ru-RU" baseline="0" dirty="0" smtClean="0"/>
-              <a:t>Например, запрос на вывод списка заказов от другого пользователя</a:t>
-            </a:r>
-            <a:endParaRPr lang="ru-RU" dirty="0"/>
+              <a:t> кода используется только один поток</a:t>
+            </a:r>
+            <a:endParaRPr lang="ru-RU" dirty="0" smtClean="0"/>
           </a:p>
         </p:txBody>
       </p:sp>
@@ -3171,7 +4277,7 @@
     </p:spTree>
     <p:extLst>
       <p:ext uri="{BB962C8B-B14F-4D97-AF65-F5344CB8AC3E}">
-        <p14:creationId xmlns:p14="http://schemas.microsoft.com/office/powerpoint/2010/main" val="3709005214"/>
+        <p14:creationId xmlns:p14="http://schemas.microsoft.com/office/powerpoint/2010/main" val="4018193586"/>
       </p:ext>
     </p:extLst>
   </p:cSld>
@@ -6121,226 +7227,846 @@
       </p:grpSpPr>
       <p:sp>
         <p:nvSpPr>
-          <p:cNvPr id="2" name="Заголовок 1"/>
-          <p:cNvSpPr>
-            <a:spLocks noGrp="1"/>
-          </p:cNvSpPr>
-          <p:nvPr>
-            <p:ph type="title"/>
-          </p:nvPr>
-        </p:nvSpPr>
-        <p:spPr/>
-        <p:txBody>
-          <a:bodyPr/>
-          <a:lstStyle/>
-          <a:p>
-            <a:r>
-              <a:rPr lang="en-US" dirty="0" smtClean="0"/>
-              <a:t>Hello World</a:t>
-            </a:r>
-            <a:endParaRPr lang="ru-RU" dirty="0"/>
-          </a:p>
-        </p:txBody>
-      </p:sp>
-      <p:sp>
-        <p:nvSpPr>
-          <p:cNvPr id="4" name="Прямоугольник 3"/>
+          <p:cNvPr id="23" name="Прямоугольник 22"/>
           <p:cNvSpPr/>
           <p:nvPr/>
         </p:nvSpPr>
         <p:spPr>
           <a:xfrm>
-            <a:off x="628650" y="1690689"/>
-            <a:ext cx="7148774" cy="3416320"/>
+            <a:off x="4945741" y="1453727"/>
+            <a:ext cx="3758083" cy="4994030"/>
           </a:xfrm>
           <a:prstGeom prst="rect">
             <a:avLst/>
           </a:prstGeom>
         </p:spPr>
-        <p:txBody>
-          <a:bodyPr wrap="square">
+        <p:style>
+          <a:lnRef idx="2">
+            <a:schemeClr val="accent3">
+              <a:shade val="50000"/>
+            </a:schemeClr>
+          </a:lnRef>
+          <a:fillRef idx="1">
+            <a:schemeClr val="accent3"/>
+          </a:fillRef>
+          <a:effectRef idx="0">
+            <a:schemeClr val="accent3"/>
+          </a:effectRef>
+          <a:fontRef idx="minor">
+            <a:schemeClr val="lt1"/>
+          </a:fontRef>
+        </p:style>
+        <p:txBody>
+          <a:bodyPr rtlCol="0" anchor="ctr"/>
+          <a:lstStyle/>
+          <a:p>
+            <a:pPr algn="ctr"/>
+            <a:endParaRPr lang="ru-RU"/>
+          </a:p>
+        </p:txBody>
+      </p:sp>
+      <p:sp>
+        <p:nvSpPr>
+          <p:cNvPr id="21" name="Прямоугольник 20"/>
+          <p:cNvSpPr/>
+          <p:nvPr/>
+        </p:nvSpPr>
+        <p:spPr>
+          <a:xfrm>
+            <a:off x="1045029" y="1446963"/>
+            <a:ext cx="3758083" cy="4994030"/>
+          </a:xfrm>
+          <a:prstGeom prst="rect">
+            <a:avLst/>
+          </a:prstGeom>
+        </p:spPr>
+        <p:style>
+          <a:lnRef idx="2">
+            <a:schemeClr val="accent3">
+              <a:shade val="50000"/>
+            </a:schemeClr>
+          </a:lnRef>
+          <a:fillRef idx="1">
+            <a:schemeClr val="accent3"/>
+          </a:fillRef>
+          <a:effectRef idx="0">
+            <a:schemeClr val="accent3"/>
+          </a:effectRef>
+          <a:fontRef idx="minor">
+            <a:schemeClr val="lt1"/>
+          </a:fontRef>
+        </p:style>
+        <p:txBody>
+          <a:bodyPr rtlCol="0" anchor="ctr"/>
+          <a:lstStyle/>
+          <a:p>
+            <a:pPr algn="ctr"/>
+            <a:endParaRPr lang="ru-RU"/>
+          </a:p>
+        </p:txBody>
+      </p:sp>
+      <p:sp>
+        <p:nvSpPr>
+          <p:cNvPr id="2" name="Заголовок 1"/>
+          <p:cNvSpPr>
+            <a:spLocks noGrp="1"/>
+          </p:cNvSpPr>
+          <p:nvPr>
+            <p:ph type="title"/>
+          </p:nvPr>
+        </p:nvSpPr>
+        <p:spPr>
+          <a:xfrm>
+            <a:off x="628650" y="3387"/>
+            <a:ext cx="7886700" cy="1325563"/>
+          </a:xfrm>
+        </p:spPr>
+        <p:txBody>
+          <a:bodyPr/>
+          <a:lstStyle/>
+          <a:p>
+            <a:r>
+              <a:rPr lang="en-US" dirty="0" smtClean="0"/>
+              <a:t>Node.js event loop</a:t>
+            </a:r>
+            <a:endParaRPr lang="ru-RU" dirty="0"/>
+          </a:p>
+        </p:txBody>
+      </p:sp>
+      <p:sp>
+        <p:nvSpPr>
+          <p:cNvPr id="4" name="Прямоугольник 3"/>
+          <p:cNvSpPr/>
+          <p:nvPr/>
+        </p:nvSpPr>
+        <p:spPr>
+          <a:xfrm>
+            <a:off x="1276865" y="1690689"/>
+            <a:ext cx="3377513" cy="517052"/>
+          </a:xfrm>
+          <a:prstGeom prst="rect">
+            <a:avLst/>
+          </a:prstGeom>
+        </p:spPr>
+        <p:style>
+          <a:lnRef idx="2">
+            <a:schemeClr val="accent1">
+              <a:shade val="50000"/>
+            </a:schemeClr>
+          </a:lnRef>
+          <a:fillRef idx="1">
+            <a:schemeClr val="accent1"/>
+          </a:fillRef>
+          <a:effectRef idx="0">
+            <a:schemeClr val="accent1"/>
+          </a:effectRef>
+          <a:fontRef idx="minor">
+            <a:schemeClr val="lt1"/>
+          </a:fontRef>
+        </p:style>
+        <p:txBody>
+          <a:bodyPr rtlCol="0" anchor="ctr"/>
+          <a:lstStyle/>
+          <a:p>
+            <a:pPr algn="ctr"/>
+            <a:r>
+              <a:rPr lang="en-US" dirty="0" smtClean="0"/>
+              <a:t>JS Code – Execute. Read file</a:t>
+            </a:r>
+            <a:endParaRPr lang="ru-RU" dirty="0"/>
+          </a:p>
+        </p:txBody>
+      </p:sp>
+      <p:sp>
+        <p:nvSpPr>
+          <p:cNvPr id="5" name="Прямоугольник 4"/>
+          <p:cNvSpPr/>
+          <p:nvPr/>
+        </p:nvSpPr>
+        <p:spPr>
+          <a:xfrm>
+            <a:off x="5137836" y="2207741"/>
+            <a:ext cx="3377514" cy="1466336"/>
+          </a:xfrm>
+          <a:prstGeom prst="rect">
+            <a:avLst/>
+          </a:prstGeom>
+        </p:spPr>
+        <p:style>
+          <a:lnRef idx="2">
+            <a:schemeClr val="accent4">
+              <a:shade val="50000"/>
+            </a:schemeClr>
+          </a:lnRef>
+          <a:fillRef idx="1">
+            <a:schemeClr val="accent4"/>
+          </a:fillRef>
+          <a:effectRef idx="0">
+            <a:schemeClr val="accent4"/>
+          </a:effectRef>
+          <a:fontRef idx="minor">
+            <a:schemeClr val="lt1"/>
+          </a:fontRef>
+        </p:style>
+        <p:txBody>
+          <a:bodyPr rtlCol="0" anchor="ctr"/>
+          <a:lstStyle/>
+          <a:p>
+            <a:pPr algn="ctr"/>
+            <a:r>
+              <a:rPr lang="en-US" dirty="0" smtClean="0"/>
+              <a:t>File I/O wait for file</a:t>
+            </a:r>
+            <a:endParaRPr lang="ru-RU" dirty="0"/>
+          </a:p>
+        </p:txBody>
+      </p:sp>
+      <p:sp>
+        <p:nvSpPr>
+          <p:cNvPr id="6" name="Прямоугольник 5"/>
+          <p:cNvSpPr/>
+          <p:nvPr/>
+        </p:nvSpPr>
+        <p:spPr>
+          <a:xfrm>
+            <a:off x="1276864" y="3680358"/>
+            <a:ext cx="3377514" cy="517052"/>
+          </a:xfrm>
+          <a:prstGeom prst="rect">
+            <a:avLst/>
+          </a:prstGeom>
+        </p:spPr>
+        <p:style>
+          <a:lnRef idx="2">
+            <a:schemeClr val="accent1">
+              <a:shade val="50000"/>
+            </a:schemeClr>
+          </a:lnRef>
+          <a:fillRef idx="1">
+            <a:schemeClr val="accent1"/>
+          </a:fillRef>
+          <a:effectRef idx="0">
+            <a:schemeClr val="accent1"/>
+          </a:effectRef>
+          <a:fontRef idx="minor">
+            <a:schemeClr val="lt1"/>
+          </a:fontRef>
+        </p:style>
+        <p:txBody>
+          <a:bodyPr rtlCol="0" anchor="ctr"/>
+          <a:lstStyle/>
+          <a:p>
+            <a:pPr algn="ctr"/>
+            <a:r>
+              <a:rPr lang="en-US" dirty="0" smtClean="0"/>
+              <a:t>JS Code – Execute. Parse JSON</a:t>
+            </a:r>
+            <a:endParaRPr lang="ru-RU" dirty="0"/>
+          </a:p>
+        </p:txBody>
+      </p:sp>
+      <p:sp>
+        <p:nvSpPr>
+          <p:cNvPr id="8" name="Прямоугольник 7"/>
+          <p:cNvSpPr/>
+          <p:nvPr/>
+        </p:nvSpPr>
+        <p:spPr>
+          <a:xfrm>
+            <a:off x="5137836" y="4716614"/>
+            <a:ext cx="3377514" cy="1466336"/>
+          </a:xfrm>
+          <a:prstGeom prst="rect">
+            <a:avLst/>
+          </a:prstGeom>
+        </p:spPr>
+        <p:style>
+          <a:lnRef idx="2">
+            <a:schemeClr val="accent4">
+              <a:shade val="50000"/>
+            </a:schemeClr>
+          </a:lnRef>
+          <a:fillRef idx="1">
+            <a:schemeClr val="accent4"/>
+          </a:fillRef>
+          <a:effectRef idx="0">
+            <a:schemeClr val="accent4"/>
+          </a:effectRef>
+          <a:fontRef idx="minor">
+            <a:schemeClr val="lt1"/>
+          </a:fontRef>
+        </p:style>
+        <p:txBody>
+          <a:bodyPr rtlCol="0" anchor="ctr"/>
+          <a:lstStyle/>
+          <a:p>
+            <a:pPr algn="ctr"/>
+            <a:r>
+              <a:rPr lang="en-US" dirty="0" smtClean="0"/>
+              <a:t>Network I/O wait for file</a:t>
+            </a:r>
+            <a:endParaRPr lang="ru-RU" dirty="0"/>
+          </a:p>
+        </p:txBody>
+      </p:sp>
+      <p:sp>
+        <p:nvSpPr>
+          <p:cNvPr id="9" name="Прямоугольник 8"/>
+          <p:cNvSpPr/>
+          <p:nvPr/>
+        </p:nvSpPr>
+        <p:spPr>
+          <a:xfrm>
+            <a:off x="1275054" y="4199562"/>
+            <a:ext cx="3377514" cy="517052"/>
+          </a:xfrm>
+          <a:prstGeom prst="rect">
+            <a:avLst/>
+          </a:prstGeom>
+        </p:spPr>
+        <p:style>
+          <a:lnRef idx="2">
+            <a:schemeClr val="accent1">
+              <a:shade val="50000"/>
+            </a:schemeClr>
+          </a:lnRef>
+          <a:fillRef idx="1">
+            <a:schemeClr val="accent1"/>
+          </a:fillRef>
+          <a:effectRef idx="0">
+            <a:schemeClr val="accent1"/>
+          </a:effectRef>
+          <a:fontRef idx="minor">
+            <a:schemeClr val="lt1"/>
+          </a:fontRef>
+        </p:style>
+        <p:txBody>
+          <a:bodyPr rtlCol="0" anchor="ctr"/>
+          <a:lstStyle/>
+          <a:p>
+            <a:pPr algn="ctr"/>
+            <a:r>
+              <a:rPr lang="en-US" dirty="0" smtClean="0"/>
+              <a:t>JS Code – Execute. Send to user</a:t>
+            </a:r>
+            <a:endParaRPr lang="ru-RU" dirty="0"/>
+          </a:p>
+        </p:txBody>
+      </p:sp>
+      <p:cxnSp>
+        <p:nvCxnSpPr>
+          <p:cNvPr id="10" name="Прямая со стрелкой 9"/>
+          <p:cNvCxnSpPr>
+            <a:stCxn id="4" idx="3"/>
+            <a:endCxn id="5" idx="0"/>
+          </p:cNvCxnSpPr>
+          <p:nvPr/>
+        </p:nvCxnSpPr>
+        <p:spPr>
+          <a:xfrm>
+            <a:off x="4654378" y="1949215"/>
+            <a:ext cx="2172215" cy="258526"/>
+          </a:xfrm>
+          <a:prstGeom prst="straightConnector1">
+            <a:avLst/>
+          </a:prstGeom>
+          <a:ln w="57150">
+            <a:tailEnd type="triangle" w="lg" len="lg"/>
+          </a:ln>
+        </p:spPr>
+        <p:style>
+          <a:lnRef idx="1">
+            <a:schemeClr val="accent1"/>
+          </a:lnRef>
+          <a:fillRef idx="0">
+            <a:schemeClr val="accent1"/>
+          </a:fillRef>
+          <a:effectRef idx="0">
+            <a:schemeClr val="accent1"/>
+          </a:effectRef>
+          <a:fontRef idx="minor">
+            <a:schemeClr val="tx1"/>
+          </a:fontRef>
+        </p:style>
+      </p:cxnSp>
+      <p:cxnSp>
+        <p:nvCxnSpPr>
+          <p:cNvPr id="11" name="Прямая со стрелкой 10"/>
+          <p:cNvCxnSpPr>
+            <a:stCxn id="5" idx="2"/>
+            <a:endCxn id="6" idx="3"/>
+          </p:cNvCxnSpPr>
+          <p:nvPr/>
+        </p:nvCxnSpPr>
+        <p:spPr>
+          <a:xfrm flipH="1">
+            <a:off x="4654378" y="3674077"/>
+            <a:ext cx="2172215" cy="264807"/>
+          </a:xfrm>
+          <a:prstGeom prst="straightConnector1">
+            <a:avLst/>
+          </a:prstGeom>
+          <a:ln w="57150">
+            <a:tailEnd type="triangle" w="lg" len="lg"/>
+          </a:ln>
+        </p:spPr>
+        <p:style>
+          <a:lnRef idx="1">
+            <a:schemeClr val="accent1"/>
+          </a:lnRef>
+          <a:fillRef idx="0">
+            <a:schemeClr val="accent1"/>
+          </a:fillRef>
+          <a:effectRef idx="0">
+            <a:schemeClr val="accent1"/>
+          </a:effectRef>
+          <a:fontRef idx="minor">
+            <a:schemeClr val="tx1"/>
+          </a:fontRef>
+        </p:style>
+      </p:cxnSp>
+      <p:cxnSp>
+        <p:nvCxnSpPr>
+          <p:cNvPr id="16" name="Прямая со стрелкой 15"/>
+          <p:cNvCxnSpPr/>
+          <p:nvPr/>
+        </p:nvCxnSpPr>
+        <p:spPr>
+          <a:xfrm>
+            <a:off x="4652568" y="4458088"/>
+            <a:ext cx="2172215" cy="258526"/>
+          </a:xfrm>
+          <a:prstGeom prst="straightConnector1">
+            <a:avLst/>
+          </a:prstGeom>
+          <a:ln w="57150">
+            <a:tailEnd type="triangle" w="lg" len="lg"/>
+          </a:ln>
+        </p:spPr>
+        <p:style>
+          <a:lnRef idx="1">
+            <a:schemeClr val="accent1"/>
+          </a:lnRef>
+          <a:fillRef idx="0">
+            <a:schemeClr val="accent1"/>
+          </a:fillRef>
+          <a:effectRef idx="0">
+            <a:schemeClr val="accent1"/>
+          </a:effectRef>
+          <a:fontRef idx="minor">
+            <a:schemeClr val="tx1"/>
+          </a:fontRef>
+        </p:style>
+      </p:cxnSp>
+      <p:cxnSp>
+        <p:nvCxnSpPr>
+          <p:cNvPr id="17" name="Прямая со стрелкой 16"/>
+          <p:cNvCxnSpPr/>
+          <p:nvPr/>
+        </p:nvCxnSpPr>
+        <p:spPr>
+          <a:xfrm flipH="1">
+            <a:off x="4572000" y="6182950"/>
+            <a:ext cx="2172215" cy="264807"/>
+          </a:xfrm>
+          <a:prstGeom prst="straightConnector1">
+            <a:avLst/>
+          </a:prstGeom>
+          <a:ln w="57150">
+            <a:tailEnd type="triangle" w="lg" len="lg"/>
+          </a:ln>
+        </p:spPr>
+        <p:style>
+          <a:lnRef idx="1">
+            <a:schemeClr val="accent1"/>
+          </a:lnRef>
+          <a:fillRef idx="0">
+            <a:schemeClr val="accent1"/>
+          </a:fillRef>
+          <a:effectRef idx="0">
+            <a:schemeClr val="accent1"/>
+          </a:effectRef>
+          <a:fontRef idx="minor">
+            <a:schemeClr val="tx1"/>
+          </a:fontRef>
+        </p:style>
+      </p:cxnSp>
+      <p:sp>
+        <p:nvSpPr>
+          <p:cNvPr id="13" name="Прямоугольник 12"/>
+          <p:cNvSpPr/>
+          <p:nvPr/>
+        </p:nvSpPr>
+        <p:spPr>
+          <a:xfrm>
+            <a:off x="1275055" y="2224217"/>
+            <a:ext cx="3377513" cy="405561"/>
+          </a:xfrm>
+          <a:prstGeom prst="rect">
+            <a:avLst/>
+          </a:prstGeom>
+        </p:spPr>
+        <p:style>
+          <a:lnRef idx="2">
+            <a:schemeClr val="accent6">
+              <a:shade val="50000"/>
+            </a:schemeClr>
+          </a:lnRef>
+          <a:fillRef idx="1">
+            <a:schemeClr val="accent6"/>
+          </a:fillRef>
+          <a:effectRef idx="0">
+            <a:schemeClr val="accent6"/>
+          </a:effectRef>
+          <a:fontRef idx="minor">
+            <a:schemeClr val="lt1"/>
+          </a:fontRef>
+        </p:style>
+        <p:txBody>
+          <a:bodyPr rtlCol="0" anchor="ctr"/>
+          <a:lstStyle/>
+          <a:p>
+            <a:pPr algn="ctr"/>
+            <a:r>
+              <a:rPr lang="en-US" dirty="0" smtClean="0"/>
+              <a:t>JS Code – Execute</a:t>
+            </a:r>
+            <a:r>
+              <a:rPr lang="ru-RU" dirty="0" smtClean="0"/>
+              <a:t> </a:t>
+            </a:r>
+            <a:r>
+              <a:rPr lang="en-US" dirty="0" smtClean="0"/>
+              <a:t>more code</a:t>
+            </a:r>
+            <a:endParaRPr lang="ru-RU" dirty="0"/>
+          </a:p>
+        </p:txBody>
+      </p:sp>
+      <p:sp>
+        <p:nvSpPr>
+          <p:cNvPr id="14" name="Прямоугольник 13"/>
+          <p:cNvSpPr/>
+          <p:nvPr/>
+        </p:nvSpPr>
+        <p:spPr>
+          <a:xfrm>
+            <a:off x="1275054" y="2642941"/>
+            <a:ext cx="3377513" cy="517052"/>
+          </a:xfrm>
+          <a:prstGeom prst="rect">
+            <a:avLst/>
+          </a:prstGeom>
+        </p:spPr>
+        <p:style>
+          <a:lnRef idx="2">
+            <a:schemeClr val="accent6">
+              <a:shade val="50000"/>
+            </a:schemeClr>
+          </a:lnRef>
+          <a:fillRef idx="1">
+            <a:schemeClr val="accent6"/>
+          </a:fillRef>
+          <a:effectRef idx="0">
+            <a:schemeClr val="accent6"/>
+          </a:effectRef>
+          <a:fontRef idx="minor">
+            <a:schemeClr val="lt1"/>
+          </a:fontRef>
+        </p:style>
+        <p:txBody>
+          <a:bodyPr rtlCol="0" anchor="ctr"/>
+          <a:lstStyle/>
+          <a:p>
+            <a:pPr algn="ctr"/>
+            <a:r>
+              <a:rPr lang="en-US" dirty="0" smtClean="0"/>
+              <a:t>JS Code – Execute</a:t>
+            </a:r>
+            <a:r>
+              <a:rPr lang="ru-RU" dirty="0" smtClean="0"/>
+              <a:t> </a:t>
+            </a:r>
+            <a:r>
+              <a:rPr lang="en-US" dirty="0" smtClean="0"/>
+              <a:t>more code</a:t>
+            </a:r>
+            <a:endParaRPr lang="ru-RU" dirty="0"/>
+          </a:p>
+        </p:txBody>
+      </p:sp>
+      <p:sp>
+        <p:nvSpPr>
+          <p:cNvPr id="15" name="Прямоугольник 14"/>
+          <p:cNvSpPr/>
+          <p:nvPr/>
+        </p:nvSpPr>
+        <p:spPr>
+          <a:xfrm>
+            <a:off x="1275055" y="3148666"/>
+            <a:ext cx="3377513" cy="517052"/>
+          </a:xfrm>
+          <a:prstGeom prst="rect">
+            <a:avLst/>
+          </a:prstGeom>
+        </p:spPr>
+        <p:style>
+          <a:lnRef idx="2">
+            <a:schemeClr val="accent6">
+              <a:shade val="50000"/>
+            </a:schemeClr>
+          </a:lnRef>
+          <a:fillRef idx="1">
+            <a:schemeClr val="accent6"/>
+          </a:fillRef>
+          <a:effectRef idx="0">
+            <a:schemeClr val="accent6"/>
+          </a:effectRef>
+          <a:fontRef idx="minor">
+            <a:schemeClr val="lt1"/>
+          </a:fontRef>
+        </p:style>
+        <p:txBody>
+          <a:bodyPr rtlCol="0" anchor="ctr"/>
+          <a:lstStyle/>
+          <a:p>
+            <a:pPr algn="ctr"/>
+            <a:r>
+              <a:rPr lang="en-US" dirty="0" smtClean="0"/>
+              <a:t>JS Code – Execute</a:t>
+            </a:r>
+            <a:r>
+              <a:rPr lang="ru-RU" dirty="0" smtClean="0"/>
+              <a:t> </a:t>
+            </a:r>
+            <a:r>
+              <a:rPr lang="en-US" dirty="0" smtClean="0"/>
+              <a:t>more code</a:t>
+            </a:r>
+            <a:endParaRPr lang="ru-RU" dirty="0"/>
+          </a:p>
+        </p:txBody>
+      </p:sp>
+      <p:sp>
+        <p:nvSpPr>
+          <p:cNvPr id="18" name="Прямоугольник 17"/>
+          <p:cNvSpPr/>
+          <p:nvPr/>
+        </p:nvSpPr>
+        <p:spPr>
+          <a:xfrm>
+            <a:off x="1275054" y="4705287"/>
+            <a:ext cx="3377513" cy="405561"/>
+          </a:xfrm>
+          <a:prstGeom prst="rect">
+            <a:avLst/>
+          </a:prstGeom>
+        </p:spPr>
+        <p:style>
+          <a:lnRef idx="2">
+            <a:schemeClr val="accent6">
+              <a:shade val="50000"/>
+            </a:schemeClr>
+          </a:lnRef>
+          <a:fillRef idx="1">
+            <a:schemeClr val="accent6"/>
+          </a:fillRef>
+          <a:effectRef idx="0">
+            <a:schemeClr val="accent6"/>
+          </a:effectRef>
+          <a:fontRef idx="minor">
+            <a:schemeClr val="lt1"/>
+          </a:fontRef>
+        </p:style>
+        <p:txBody>
+          <a:bodyPr rtlCol="0" anchor="ctr"/>
+          <a:lstStyle/>
+          <a:p>
+            <a:pPr algn="ctr"/>
+            <a:r>
+              <a:rPr lang="en-US" dirty="0" smtClean="0"/>
+              <a:t>JS Code – Execute</a:t>
+            </a:r>
+            <a:r>
+              <a:rPr lang="ru-RU" dirty="0" smtClean="0"/>
+              <a:t> </a:t>
+            </a:r>
+            <a:r>
+              <a:rPr lang="en-US" dirty="0" smtClean="0"/>
+              <a:t>more code</a:t>
+            </a:r>
+            <a:endParaRPr lang="ru-RU" dirty="0"/>
+          </a:p>
+        </p:txBody>
+      </p:sp>
+      <p:sp>
+        <p:nvSpPr>
+          <p:cNvPr id="19" name="Прямоугольник 18"/>
+          <p:cNvSpPr/>
+          <p:nvPr/>
+        </p:nvSpPr>
+        <p:spPr>
+          <a:xfrm>
+            <a:off x="1275053" y="5124011"/>
+            <a:ext cx="3377513" cy="517052"/>
+          </a:xfrm>
+          <a:prstGeom prst="rect">
+            <a:avLst/>
+          </a:prstGeom>
+        </p:spPr>
+        <p:style>
+          <a:lnRef idx="2">
+            <a:schemeClr val="accent6">
+              <a:shade val="50000"/>
+            </a:schemeClr>
+          </a:lnRef>
+          <a:fillRef idx="1">
+            <a:schemeClr val="accent6"/>
+          </a:fillRef>
+          <a:effectRef idx="0">
+            <a:schemeClr val="accent6"/>
+          </a:effectRef>
+          <a:fontRef idx="minor">
+            <a:schemeClr val="lt1"/>
+          </a:fontRef>
+        </p:style>
+        <p:txBody>
+          <a:bodyPr rtlCol="0" anchor="ctr"/>
+          <a:lstStyle/>
+          <a:p>
+            <a:pPr algn="ctr"/>
+            <a:r>
+              <a:rPr lang="en-US" dirty="0" smtClean="0"/>
+              <a:t>JS Code – Execute</a:t>
+            </a:r>
+            <a:r>
+              <a:rPr lang="ru-RU" dirty="0" smtClean="0"/>
+              <a:t> </a:t>
+            </a:r>
+            <a:r>
+              <a:rPr lang="en-US" dirty="0" smtClean="0"/>
+              <a:t>more code</a:t>
+            </a:r>
+            <a:endParaRPr lang="ru-RU" dirty="0"/>
+          </a:p>
+        </p:txBody>
+      </p:sp>
+      <p:sp>
+        <p:nvSpPr>
+          <p:cNvPr id="20" name="Прямоугольник 19"/>
+          <p:cNvSpPr/>
+          <p:nvPr/>
+        </p:nvSpPr>
+        <p:spPr>
+          <a:xfrm>
+            <a:off x="1275054" y="5629736"/>
+            <a:ext cx="3377513" cy="517052"/>
+          </a:xfrm>
+          <a:prstGeom prst="rect">
+            <a:avLst/>
+          </a:prstGeom>
+        </p:spPr>
+        <p:style>
+          <a:lnRef idx="2">
+            <a:schemeClr val="accent6">
+              <a:shade val="50000"/>
+            </a:schemeClr>
+          </a:lnRef>
+          <a:fillRef idx="1">
+            <a:schemeClr val="accent6"/>
+          </a:fillRef>
+          <a:effectRef idx="0">
+            <a:schemeClr val="accent6"/>
+          </a:effectRef>
+          <a:fontRef idx="minor">
+            <a:schemeClr val="lt1"/>
+          </a:fontRef>
+        </p:style>
+        <p:txBody>
+          <a:bodyPr rtlCol="0" anchor="ctr"/>
+          <a:lstStyle/>
+          <a:p>
+            <a:pPr algn="ctr"/>
+            <a:r>
+              <a:rPr lang="en-US" dirty="0" smtClean="0"/>
+              <a:t>JS Code – Execute</a:t>
+            </a:r>
+            <a:r>
+              <a:rPr lang="ru-RU" dirty="0" smtClean="0"/>
+              <a:t> </a:t>
+            </a:r>
+            <a:r>
+              <a:rPr lang="en-US" dirty="0" smtClean="0"/>
+              <a:t>more code</a:t>
+            </a:r>
+            <a:endParaRPr lang="ru-RU" dirty="0"/>
+          </a:p>
+        </p:txBody>
+      </p:sp>
+      <p:sp>
+        <p:nvSpPr>
+          <p:cNvPr id="25" name="TextBox 24"/>
+          <p:cNvSpPr txBox="1"/>
+          <p:nvPr/>
+        </p:nvSpPr>
+        <p:spPr>
+          <a:xfrm>
+            <a:off x="5932476" y="923660"/>
+            <a:ext cx="1825564" cy="584775"/>
+          </a:xfrm>
+          <a:prstGeom prst="rect">
+            <a:avLst/>
+          </a:prstGeom>
+          <a:noFill/>
+        </p:spPr>
+        <p:txBody>
+          <a:bodyPr wrap="none" rtlCol="0">
             <a:spAutoFit/>
           </a:bodyPr>
           <a:lstStyle/>
           <a:p>
             <a:r>
-              <a:rPr lang="ru-RU" sz="2400" dirty="0" err="1" smtClean="0"/>
-              <a:t>const</a:t>
-            </a:r>
-            <a:r>
-              <a:rPr lang="ru-RU" sz="2400" dirty="0" smtClean="0"/>
-              <a:t> </a:t>
-            </a:r>
-            <a:r>
-              <a:rPr lang="ru-RU" sz="2400" dirty="0" err="1" smtClean="0"/>
-              <a:t>http</a:t>
-            </a:r>
-            <a:r>
-              <a:rPr lang="ru-RU" sz="2400" dirty="0" smtClean="0"/>
-              <a:t> = </a:t>
-            </a:r>
-            <a:r>
-              <a:rPr lang="ru-RU" sz="2400" dirty="0" err="1" smtClean="0"/>
-              <a:t>require</a:t>
-            </a:r>
-            <a:r>
-              <a:rPr lang="ru-RU" sz="2400" dirty="0" smtClean="0"/>
-              <a:t>('</a:t>
-            </a:r>
-            <a:r>
-              <a:rPr lang="ru-RU" sz="2400" dirty="0" err="1" smtClean="0"/>
-              <a:t>http</a:t>
-            </a:r>
-            <a:r>
-              <a:rPr lang="ru-RU" sz="2400" dirty="0" smtClean="0"/>
-              <a:t>');</a:t>
-            </a:r>
-          </a:p>
-          <a:p>
-            <a:endParaRPr lang="ru-RU" sz="2400" dirty="0" smtClean="0"/>
-          </a:p>
-          <a:p>
-            <a:r>
-              <a:rPr lang="ru-RU" sz="2400" dirty="0" err="1" smtClean="0"/>
-              <a:t>const</a:t>
-            </a:r>
-            <a:r>
-              <a:rPr lang="ru-RU" sz="2400" dirty="0" smtClean="0"/>
-              <a:t> </a:t>
-            </a:r>
-            <a:r>
-              <a:rPr lang="ru-RU" sz="2400" dirty="0" err="1" smtClean="0"/>
-              <a:t>server</a:t>
-            </a:r>
-            <a:r>
-              <a:rPr lang="ru-RU" sz="2400" dirty="0" smtClean="0"/>
-              <a:t> = </a:t>
-            </a:r>
-            <a:r>
-              <a:rPr lang="ru-RU" sz="2400" dirty="0" err="1" smtClean="0"/>
-              <a:t>http.createServer</a:t>
-            </a:r>
-            <a:r>
-              <a:rPr lang="ru-RU" sz="2400" dirty="0" smtClean="0"/>
-              <a:t>(</a:t>
-            </a:r>
-            <a:r>
-              <a:rPr lang="ru-RU" sz="2400" dirty="0" err="1" smtClean="0"/>
-              <a:t>function</a:t>
-            </a:r>
-            <a:r>
-              <a:rPr lang="ru-RU" sz="2400" dirty="0" smtClean="0"/>
-              <a:t>(</a:t>
-            </a:r>
-            <a:r>
-              <a:rPr lang="ru-RU" sz="2400" dirty="0" err="1" smtClean="0"/>
-              <a:t>req</a:t>
-            </a:r>
-            <a:r>
-              <a:rPr lang="ru-RU" sz="2400" dirty="0" smtClean="0"/>
-              <a:t>, </a:t>
-            </a:r>
-            <a:r>
-              <a:rPr lang="ru-RU" sz="2400" dirty="0" err="1" smtClean="0"/>
-              <a:t>res</a:t>
-            </a:r>
-            <a:r>
-              <a:rPr lang="ru-RU" sz="2400" dirty="0" smtClean="0"/>
-              <a:t>) {</a:t>
-            </a:r>
-          </a:p>
-          <a:p>
-            <a:r>
-              <a:rPr lang="ru-RU" sz="2400" dirty="0" smtClean="0"/>
-              <a:t>  </a:t>
-            </a:r>
-            <a:r>
-              <a:rPr lang="ru-RU" sz="2400" dirty="0" err="1" smtClean="0"/>
-              <a:t>res.end</a:t>
-            </a:r>
-            <a:r>
-              <a:rPr lang="ru-RU" sz="2400" dirty="0" smtClean="0"/>
-              <a:t>('</a:t>
-            </a:r>
-            <a:r>
-              <a:rPr lang="ru-RU" sz="2400" dirty="0" err="1" smtClean="0"/>
-              <a:t>Hello</a:t>
-            </a:r>
-            <a:r>
-              <a:rPr lang="ru-RU" sz="2400" dirty="0" smtClean="0"/>
-              <a:t> </a:t>
-            </a:r>
-            <a:r>
-              <a:rPr lang="ru-RU" sz="2400" dirty="0" err="1" smtClean="0"/>
-              <a:t>World</a:t>
-            </a:r>
-            <a:r>
-              <a:rPr lang="ru-RU" sz="2400" dirty="0" smtClean="0"/>
-              <a:t>');</a:t>
-            </a:r>
-          </a:p>
-          <a:p>
-            <a:r>
-              <a:rPr lang="ru-RU" sz="2400" dirty="0" smtClean="0"/>
-              <a:t>});</a:t>
-            </a:r>
-          </a:p>
-          <a:p>
-            <a:endParaRPr lang="ru-RU" sz="2400" dirty="0" smtClean="0"/>
-          </a:p>
-          <a:p>
-            <a:r>
-              <a:rPr lang="ru-RU" sz="2400" dirty="0" err="1" smtClean="0"/>
-              <a:t>server.listen</a:t>
-            </a:r>
-            <a:r>
-              <a:rPr lang="ru-RU" sz="2400" dirty="0" smtClean="0"/>
-              <a:t>(8080, "127.0.0.1", </a:t>
-            </a:r>
-            <a:r>
-              <a:rPr lang="ru-RU" sz="2400" dirty="0" err="1" smtClean="0"/>
-              <a:t>function</a:t>
-            </a:r>
-            <a:r>
-              <a:rPr lang="ru-RU" sz="2400" dirty="0" smtClean="0"/>
-              <a:t>() {</a:t>
-            </a:r>
-          </a:p>
-          <a:p>
-            <a:r>
-              <a:rPr lang="ru-RU" sz="2400" dirty="0" smtClean="0"/>
-              <a:t>  console.log('</a:t>
-            </a:r>
-            <a:r>
-              <a:rPr lang="ru-RU" sz="2400" dirty="0" err="1" smtClean="0"/>
-              <a:t>Server</a:t>
-            </a:r>
-            <a:r>
-              <a:rPr lang="ru-RU" sz="2400" dirty="0" smtClean="0"/>
-              <a:t> </a:t>
-            </a:r>
-            <a:r>
-              <a:rPr lang="ru-RU" sz="2400" dirty="0" err="1" smtClean="0"/>
-              <a:t>running</a:t>
-            </a:r>
-            <a:r>
-              <a:rPr lang="ru-RU" sz="2400" dirty="0" smtClean="0"/>
-              <a:t>...');</a:t>
-            </a:r>
-          </a:p>
-          <a:p>
-            <a:r>
-              <a:rPr lang="ru-RU" sz="2400" dirty="0" smtClean="0"/>
-              <a:t>});</a:t>
-            </a:r>
-            <a:endParaRPr lang="ru-RU" sz="2400" dirty="0"/>
+              <a:rPr lang="en-US" sz="3200" dirty="0" smtClean="0"/>
+              <a:t>IO Thread</a:t>
+            </a:r>
+            <a:endParaRPr lang="ru-RU" sz="3200" dirty="0"/>
+          </a:p>
+        </p:txBody>
+      </p:sp>
+      <p:sp>
+        <p:nvSpPr>
+          <p:cNvPr id="26" name="TextBox 25"/>
+          <p:cNvSpPr txBox="1"/>
+          <p:nvPr/>
+        </p:nvSpPr>
+        <p:spPr>
+          <a:xfrm>
+            <a:off x="1969026" y="953907"/>
+            <a:ext cx="1769459" cy="584775"/>
+          </a:xfrm>
+          <a:prstGeom prst="rect">
+            <a:avLst/>
+          </a:prstGeom>
+          <a:noFill/>
+        </p:spPr>
+        <p:txBody>
+          <a:bodyPr wrap="none" rtlCol="0">
+            <a:spAutoFit/>
+          </a:bodyPr>
+          <a:lstStyle/>
+          <a:p>
+            <a:r>
+              <a:rPr lang="en-US" sz="3200" dirty="0" smtClean="0"/>
+              <a:t>JS Thread</a:t>
+            </a:r>
+            <a:endParaRPr lang="ru-RU" sz="3200" dirty="0"/>
           </a:p>
         </p:txBody>
       </p:sp>
     </p:spTree>
     <p:extLst>
       <p:ext uri="{BB962C8B-B14F-4D97-AF65-F5344CB8AC3E}">
-        <p14:creationId xmlns:p14="http://schemas.microsoft.com/office/powerpoint/2010/main" val="2364886358"/>
+        <p14:creationId xmlns:p14="http://schemas.microsoft.com/office/powerpoint/2010/main" val="2135072480"/>
       </p:ext>
     </p:extLst>
   </p:cSld>
@@ -6384,31 +8110,14 @@
             <p:ph type="title"/>
           </p:nvPr>
         </p:nvSpPr>
-        <p:spPr>
-          <a:xfrm>
-            <a:off x="628650" y="-167436"/>
-            <a:ext cx="7886700" cy="1325563"/>
-          </a:xfrm>
-        </p:spPr>
+        <p:spPr/>
         <p:txBody>
           <a:bodyPr/>
           <a:lstStyle/>
           <a:p>
             <a:r>
-              <a:rPr lang="en-US" dirty="0" err="1" smtClean="0"/>
-              <a:t>MongoDB</a:t>
-            </a:r>
-            <a:r>
               <a:rPr lang="en-US" dirty="0" smtClean="0"/>
-              <a:t> Storage:</a:t>
-            </a:r>
-            <a:r>
-              <a:rPr lang="ru-RU" dirty="0" smtClean="0"/>
-              <a:t> </a:t>
-            </a:r>
-            <a:r>
-              <a:rPr lang="en-US" dirty="0" smtClean="0"/>
-              <a:t>Add</a:t>
+              <a:t>Hello World</a:t>
             </a:r>
             <a:endParaRPr lang="ru-RU" dirty="0"/>
           </a:p>
@@ -6422,8 +8131,8 @@
         </p:nvSpPr>
         <p:spPr>
           <a:xfrm>
-            <a:off x="628650" y="794802"/>
-            <a:ext cx="7148774" cy="6001643"/>
+            <a:off x="628650" y="1690689"/>
+            <a:ext cx="7148774" cy="3416320"/>
           </a:xfrm>
           <a:prstGeom prst="rect">
             <a:avLst/>
@@ -6436,424 +8145,189 @@
           <a:lstStyle/>
           <a:p>
             <a:r>
-              <a:rPr lang="en-US" sz="1600" dirty="0" err="1" smtClean="0"/>
+              <a:rPr lang="ru-RU" sz="2400" dirty="0" err="1" smtClean="0"/>
               <a:t>const</a:t>
             </a:r>
             <a:r>
-              <a:rPr lang="en-US" sz="1600" dirty="0" smtClean="0"/>
-              <a:t> http = require('http');</a:t>
-            </a:r>
-          </a:p>
-          <a:p>
-            <a:r>
-              <a:rPr lang="en-US" sz="1600" b="1" dirty="0" err="1" smtClean="0"/>
+              <a:rPr lang="ru-RU" sz="2400" dirty="0" smtClean="0"/>
+              <a:t> </a:t>
+            </a:r>
+            <a:r>
+              <a:rPr lang="ru-RU" sz="2400" dirty="0" err="1" smtClean="0"/>
+              <a:t>http</a:t>
+            </a:r>
+            <a:r>
+              <a:rPr lang="ru-RU" sz="2400" dirty="0" smtClean="0"/>
+              <a:t> = </a:t>
+            </a:r>
+            <a:r>
+              <a:rPr lang="ru-RU" sz="2400" dirty="0" err="1" smtClean="0"/>
+              <a:t>require</a:t>
+            </a:r>
+            <a:r>
+              <a:rPr lang="ru-RU" sz="2400" dirty="0" smtClean="0"/>
+              <a:t>('</a:t>
+            </a:r>
+            <a:r>
+              <a:rPr lang="ru-RU" sz="2400" dirty="0" err="1" smtClean="0"/>
+              <a:t>http</a:t>
+            </a:r>
+            <a:r>
+              <a:rPr lang="ru-RU" sz="2400" dirty="0" smtClean="0"/>
+              <a:t>');</a:t>
+            </a:r>
+          </a:p>
+          <a:p>
+            <a:endParaRPr lang="ru-RU" sz="2400" dirty="0" smtClean="0"/>
+          </a:p>
+          <a:p>
+            <a:r>
+              <a:rPr lang="ru-RU" sz="2400" dirty="0" err="1" smtClean="0"/>
               <a:t>const</a:t>
             </a:r>
             <a:r>
-              <a:rPr lang="en-US" sz="1600" b="1" dirty="0" smtClean="0"/>
+              <a:rPr lang="ru-RU" sz="2400" dirty="0" smtClean="0"/>
               <a:t> </a:t>
             </a:r>
             <a:r>
-              <a:rPr lang="en-US" sz="1600" b="1" dirty="0" err="1" smtClean="0"/>
-              <a:t>url</a:t>
-            </a:r>
-            <a:r>
-              <a:rPr lang="en-US" sz="1600" b="1" dirty="0" smtClean="0"/>
-              <a:t> = require('</a:t>
-            </a:r>
-            <a:r>
-              <a:rPr lang="en-US" sz="1600" b="1" dirty="0" err="1" smtClean="0"/>
-              <a:t>url</a:t>
-            </a:r>
-            <a:r>
-              <a:rPr lang="en-US" sz="1600" b="1" dirty="0" smtClean="0"/>
+              <a:rPr lang="ru-RU" sz="2400" dirty="0" err="1" smtClean="0"/>
+              <a:t>server</a:t>
+            </a:r>
+            <a:r>
+              <a:rPr lang="ru-RU" sz="2400" dirty="0" smtClean="0"/>
+              <a:t> = </a:t>
+            </a:r>
+            <a:r>
+              <a:rPr lang="ru-RU" sz="2400" dirty="0" err="1" smtClean="0"/>
+              <a:t>http.createServer</a:t>
+            </a:r>
+            <a:r>
+              <a:rPr lang="ru-RU" sz="2400" dirty="0" smtClean="0"/>
+              <a:t>(</a:t>
+            </a:r>
+            <a:r>
+              <a:rPr lang="ru-RU" sz="2400" dirty="0" err="1" smtClean="0"/>
+              <a:t>function</a:t>
+            </a:r>
+            <a:r>
+              <a:rPr lang="ru-RU" sz="2400" dirty="0" smtClean="0"/>
+              <a:t>(</a:t>
+            </a:r>
+            <a:r>
+              <a:rPr lang="ru-RU" sz="2400" dirty="0" err="1" smtClean="0"/>
+              <a:t>req</a:t>
+            </a:r>
+            <a:r>
+              <a:rPr lang="ru-RU" sz="2400" dirty="0" smtClean="0"/>
+              <a:t>, </a:t>
+            </a:r>
+            <a:r>
+              <a:rPr lang="ru-RU" sz="2400" dirty="0" err="1" smtClean="0"/>
+              <a:t>res</a:t>
+            </a:r>
+            <a:r>
+              <a:rPr lang="ru-RU" sz="2400" dirty="0" smtClean="0"/>
+              <a:t>) {</a:t>
+            </a:r>
+          </a:p>
+          <a:p>
+            <a:r>
+              <a:rPr lang="ru-RU" sz="2400" dirty="0" smtClean="0"/>
+              <a:t>  </a:t>
+            </a:r>
+            <a:r>
+              <a:rPr lang="ru-RU" sz="2400" dirty="0" err="1" smtClean="0"/>
+              <a:t>res.end</a:t>
+            </a:r>
+            <a:r>
+              <a:rPr lang="ru-RU" sz="2400" dirty="0" smtClean="0"/>
+              <a:t>('</a:t>
+            </a:r>
+            <a:r>
+              <a:rPr lang="ru-RU" sz="2400" dirty="0" err="1" smtClean="0"/>
+              <a:t>Hello</a:t>
+            </a:r>
+            <a:r>
+              <a:rPr lang="ru-RU" sz="2400" dirty="0" smtClean="0"/>
+              <a:t> </a:t>
+            </a:r>
+            <a:r>
+              <a:rPr lang="ru-RU" sz="2400" dirty="0" err="1" smtClean="0"/>
+              <a:t>World</a:t>
+            </a:r>
+            <a:r>
+              <a:rPr lang="ru-RU" sz="2400" dirty="0" smtClean="0"/>
               <a:t>');</a:t>
             </a:r>
           </a:p>
           <a:p>
             <a:r>
-              <a:rPr lang="en-US" sz="1600" b="1" dirty="0" err="1" smtClean="0"/>
-              <a:t>const</a:t>
-            </a:r>
-            <a:r>
-              <a:rPr lang="en-US" sz="1600" b="1" dirty="0" smtClean="0"/>
+              <a:rPr lang="ru-RU" sz="2400" dirty="0" smtClean="0"/>
+              <a:t>});</a:t>
+            </a:r>
+          </a:p>
+          <a:p>
+            <a:endParaRPr lang="ru-RU" sz="2400" dirty="0" smtClean="0"/>
+          </a:p>
+          <a:p>
+            <a:r>
+              <a:rPr lang="ru-RU" sz="2400" dirty="0" err="1" smtClean="0"/>
+              <a:t>server.listen</a:t>
+            </a:r>
+            <a:r>
+              <a:rPr lang="ru-RU" sz="2400" dirty="0" smtClean="0"/>
+              <a:t>(8080, "127.0.0.1", </a:t>
+            </a:r>
+            <a:r>
+              <a:rPr lang="ru-RU" sz="2400" dirty="0" err="1" smtClean="0"/>
+              <a:t>function</a:t>
+            </a:r>
+            <a:r>
+              <a:rPr lang="ru-RU" sz="2400" dirty="0" smtClean="0"/>
+              <a:t>() {</a:t>
+            </a:r>
+          </a:p>
+          <a:p>
+            <a:r>
+              <a:rPr lang="ru-RU" sz="2400" dirty="0" smtClean="0"/>
+              <a:t>  console.log('</a:t>
+            </a:r>
+            <a:r>
+              <a:rPr lang="ru-RU" sz="2400" dirty="0" err="1" smtClean="0"/>
+              <a:t>Server</a:t>
+            </a:r>
+            <a:r>
+              <a:rPr lang="ru-RU" sz="2400" dirty="0" smtClean="0"/>
               <a:t> </a:t>
             </a:r>
             <a:r>
-              <a:rPr lang="en-US" sz="1600" b="1" dirty="0" err="1" smtClean="0"/>
-              <a:t>MongoClient</a:t>
-            </a:r>
-            <a:r>
-              <a:rPr lang="en-US" sz="1600" b="1" dirty="0" smtClean="0"/>
-              <a:t> = require('</a:t>
-            </a:r>
-            <a:r>
-              <a:rPr lang="en-US" sz="1600" b="1" dirty="0" err="1" smtClean="0"/>
-              <a:t>mongodb</a:t>
-            </a:r>
-            <a:r>
-              <a:rPr lang="en-US" sz="1600" b="1" dirty="0" smtClean="0"/>
-              <a:t>').</a:t>
-            </a:r>
-            <a:r>
-              <a:rPr lang="en-US" sz="1600" b="1" dirty="0" err="1" smtClean="0"/>
-              <a:t>MongoClient</a:t>
-            </a:r>
-            <a:r>
-              <a:rPr lang="en-US" sz="1600" b="1" dirty="0" smtClean="0"/>
-              <a:t>;</a:t>
-            </a:r>
-          </a:p>
-          <a:p>
-            <a:r>
-              <a:rPr lang="en-US" sz="1600" b="1" dirty="0" err="1" smtClean="0"/>
-              <a:t>const</a:t>
-            </a:r>
-            <a:r>
-              <a:rPr lang="en-US" sz="1600" b="1" dirty="0" smtClean="0"/>
-              <a:t> </a:t>
-            </a:r>
-            <a:r>
-              <a:rPr lang="en-US" sz="1600" b="1" dirty="0" err="1" smtClean="0"/>
-              <a:t>mongoUrl</a:t>
-            </a:r>
-            <a:r>
-              <a:rPr lang="en-US" sz="1600" b="1" dirty="0" smtClean="0"/>
-              <a:t> = '</a:t>
-            </a:r>
-            <a:r>
-              <a:rPr lang="en-US" sz="1600" b="1" dirty="0" err="1" smtClean="0"/>
-              <a:t>mongodb</a:t>
-            </a:r>
-            <a:r>
-              <a:rPr lang="en-US" sz="1600" b="1" dirty="0" smtClean="0"/>
-              <a:t>://localhost:27017/map';</a:t>
-            </a:r>
-          </a:p>
-          <a:p>
-            <a:endParaRPr lang="en-US" sz="1600" b="1" dirty="0" smtClean="0"/>
-          </a:p>
-          <a:p>
-            <a:r>
-              <a:rPr lang="en-US" sz="1600" b="1" dirty="0" err="1" smtClean="0"/>
-              <a:t>const</a:t>
-            </a:r>
-            <a:r>
-              <a:rPr lang="en-US" sz="1600" b="1" dirty="0" smtClean="0"/>
-              <a:t> server = </a:t>
-            </a:r>
-            <a:r>
-              <a:rPr lang="en-US" sz="1600" b="1" dirty="0" err="1" smtClean="0"/>
-              <a:t>http.createServer</a:t>
-            </a:r>
-            <a:r>
-              <a:rPr lang="en-US" sz="1600" b="1" dirty="0" smtClean="0"/>
-              <a:t>(function(</a:t>
-            </a:r>
-            <a:r>
-              <a:rPr lang="en-US" sz="1600" b="1" dirty="0" err="1" smtClean="0"/>
-              <a:t>req</a:t>
-            </a:r>
-            <a:r>
-              <a:rPr lang="en-US" sz="1600" b="1" dirty="0" smtClean="0"/>
-              <a:t>, res) {</a:t>
-            </a:r>
-          </a:p>
-          <a:p>
-            <a:r>
-              <a:rPr lang="en-US" sz="1600" b="1" dirty="0" smtClean="0"/>
-              <a:t>    if (</a:t>
-            </a:r>
-            <a:r>
-              <a:rPr lang="en-US" sz="1600" b="1" dirty="0" err="1" smtClean="0"/>
-              <a:t>req.method</a:t>
-            </a:r>
-            <a:r>
-              <a:rPr lang="en-US" sz="1600" b="1" dirty="0" smtClean="0"/>
-              <a:t> == 'POST') {</a:t>
-            </a:r>
-          </a:p>
-          <a:p>
-            <a:r>
-              <a:rPr lang="en-US" sz="1600" b="1" dirty="0" smtClean="0"/>
-              <a:t>        </a:t>
-            </a:r>
-            <a:r>
-              <a:rPr lang="en-US" sz="1600" b="1" dirty="0" err="1" smtClean="0"/>
-              <a:t>var</a:t>
-            </a:r>
-            <a:r>
-              <a:rPr lang="en-US" sz="1600" b="1" dirty="0" smtClean="0"/>
-              <a:t> </a:t>
-            </a:r>
-            <a:r>
-              <a:rPr lang="en-US" sz="1600" b="1" dirty="0" err="1" smtClean="0"/>
-              <a:t>params</a:t>
-            </a:r>
-            <a:r>
-              <a:rPr lang="en-US" sz="1600" b="1" dirty="0" smtClean="0"/>
-              <a:t> = </a:t>
-            </a:r>
-            <a:r>
-              <a:rPr lang="en-US" sz="1600" b="1" dirty="0" err="1" smtClean="0"/>
-              <a:t>url.parse</a:t>
-            </a:r>
-            <a:r>
-              <a:rPr lang="en-US" sz="1600" b="1" dirty="0" smtClean="0"/>
-              <a:t>(req.url, true).query;</a:t>
-            </a:r>
-          </a:p>
-          <a:p>
-            <a:r>
-              <a:rPr lang="en-US" sz="1600" b="1" dirty="0" smtClean="0"/>
-              <a:t>        </a:t>
-            </a:r>
-            <a:r>
-              <a:rPr lang="en-US" sz="1600" b="1" dirty="0" err="1" smtClean="0"/>
-              <a:t>MongoClient.connect</a:t>
-            </a:r>
-            <a:r>
-              <a:rPr lang="en-US" sz="1600" b="1" dirty="0" smtClean="0"/>
-              <a:t>(</a:t>
-            </a:r>
-            <a:r>
-              <a:rPr lang="en-US" sz="1600" b="1" dirty="0" err="1" smtClean="0"/>
-              <a:t>mongoUrl</a:t>
-            </a:r>
-            <a:r>
-              <a:rPr lang="en-US" sz="1600" b="1" dirty="0" smtClean="0"/>
-              <a:t>, function(err, </a:t>
-            </a:r>
-            <a:r>
-              <a:rPr lang="en-US" sz="1600" b="1" dirty="0" err="1" smtClean="0"/>
-              <a:t>db</a:t>
-            </a:r>
-            <a:r>
-              <a:rPr lang="en-US" sz="1600" b="1" dirty="0" smtClean="0"/>
-              <a:t>) {</a:t>
-            </a:r>
-          </a:p>
-          <a:p>
-            <a:r>
-              <a:rPr lang="en-US" sz="1600" b="1" dirty="0" smtClean="0"/>
-              <a:t>            </a:t>
-            </a:r>
-            <a:r>
-              <a:rPr lang="en-US" sz="1600" b="1" dirty="0" err="1" smtClean="0"/>
-              <a:t>var</a:t>
-            </a:r>
-            <a:r>
-              <a:rPr lang="en-US" sz="1600" b="1" dirty="0" smtClean="0"/>
-              <a:t> collection = </a:t>
-            </a:r>
-            <a:r>
-              <a:rPr lang="en-US" sz="1600" b="1" dirty="0" err="1" smtClean="0"/>
-              <a:t>db.collection</a:t>
-            </a:r>
-            <a:r>
-              <a:rPr lang="en-US" sz="1600" b="1" dirty="0" smtClean="0"/>
-              <a:t>('points');</a:t>
-            </a:r>
-          </a:p>
-          <a:p>
-            <a:r>
-              <a:rPr lang="en-US" sz="1600" b="1" dirty="0" smtClean="0"/>
-              <a:t>            </a:t>
-            </a:r>
-            <a:r>
-              <a:rPr lang="en-US" sz="1600" b="1" dirty="0" err="1" smtClean="0"/>
-              <a:t>collection.insertOne</a:t>
-            </a:r>
-            <a:r>
-              <a:rPr lang="en-US" sz="1600" b="1" dirty="0" smtClean="0"/>
-              <a:t>({</a:t>
-            </a:r>
-            <a:r>
-              <a:rPr lang="ru-RU" sz="1600" b="1" dirty="0" smtClean="0"/>
-              <a:t> </a:t>
-            </a:r>
-            <a:r>
-              <a:rPr lang="en-US" sz="1600" b="1" dirty="0" err="1" smtClean="0"/>
-              <a:t>lat</a:t>
-            </a:r>
-            <a:r>
-              <a:rPr lang="en-US" sz="1600" b="1" dirty="0" smtClean="0"/>
-              <a:t>: </a:t>
-            </a:r>
-            <a:r>
-              <a:rPr lang="en-US" sz="1600" b="1" dirty="0" err="1" smtClean="0"/>
-              <a:t>parseFloat</a:t>
-            </a:r>
-            <a:r>
-              <a:rPr lang="en-US" sz="1600" b="1" dirty="0" smtClean="0"/>
-              <a:t>(</a:t>
-            </a:r>
-            <a:r>
-              <a:rPr lang="en-US" sz="1600" b="1" dirty="0" err="1" smtClean="0"/>
-              <a:t>params.lat</a:t>
-            </a:r>
-            <a:r>
-              <a:rPr lang="en-US" sz="1600" b="1" dirty="0" smtClean="0"/>
-              <a:t>), </a:t>
-            </a:r>
-            <a:endParaRPr lang="ru-RU" sz="1600" b="1" dirty="0" smtClean="0"/>
-          </a:p>
-          <a:p>
-            <a:r>
-              <a:rPr lang="ru-RU" sz="1600" b="1" dirty="0" smtClean="0"/>
-              <a:t>		            </a:t>
-            </a:r>
-            <a:r>
-              <a:rPr lang="en-US" sz="1600" b="1" dirty="0" err="1" smtClean="0"/>
-              <a:t>lng</a:t>
-            </a:r>
-            <a:r>
-              <a:rPr lang="en-US" sz="1600" b="1" dirty="0" smtClean="0"/>
-              <a:t>: </a:t>
-            </a:r>
-            <a:r>
-              <a:rPr lang="en-US" sz="1600" b="1" dirty="0" err="1" smtClean="0"/>
-              <a:t>parseFloat</a:t>
-            </a:r>
-            <a:r>
-              <a:rPr lang="en-US" sz="1600" b="1" dirty="0" smtClean="0"/>
-              <a:t>(</a:t>
-            </a:r>
-            <a:r>
-              <a:rPr lang="en-US" sz="1600" b="1" dirty="0" err="1" smtClean="0"/>
-              <a:t>params.lng</a:t>
-            </a:r>
-            <a:r>
-              <a:rPr lang="en-US" sz="1600" b="1" dirty="0" smtClean="0"/>
-              <a:t>)</a:t>
-            </a:r>
-            <a:r>
-              <a:rPr lang="ru-RU" sz="1600" b="1" dirty="0" smtClean="0"/>
-              <a:t> </a:t>
-            </a:r>
-            <a:r>
-              <a:rPr lang="en-US" sz="1600" b="1" dirty="0" smtClean="0"/>
-              <a:t>},  </a:t>
-            </a:r>
-          </a:p>
-          <a:p>
-            <a:r>
-              <a:rPr lang="en-US" sz="1600" b="1" dirty="0" smtClean="0"/>
-              <a:t>              function(err, result) {</a:t>
-            </a:r>
-          </a:p>
-          <a:p>
-            <a:r>
-              <a:rPr lang="en-US" sz="1600" b="1" dirty="0" smtClean="0"/>
-              <a:t>                console.log("Inserted new point " + </a:t>
-            </a:r>
-            <a:r>
-              <a:rPr lang="en-US" sz="1600" b="1" dirty="0" err="1" smtClean="0"/>
-              <a:t>params.lat</a:t>
-            </a:r>
-            <a:r>
-              <a:rPr lang="en-US" sz="1600" b="1" dirty="0" smtClean="0"/>
-              <a:t> + "," + </a:t>
-            </a:r>
-            <a:r>
-              <a:rPr lang="en-US" sz="1600" b="1" dirty="0" err="1" smtClean="0"/>
-              <a:t>params.lng</a:t>
-            </a:r>
-            <a:r>
-              <a:rPr lang="en-US" sz="1600" b="1" dirty="0" smtClean="0"/>
-              <a:t>);</a:t>
-            </a:r>
-          </a:p>
-          <a:p>
-            <a:r>
-              <a:rPr lang="en-US" sz="1600" b="1" dirty="0" smtClean="0"/>
-              <a:t>                </a:t>
-            </a:r>
-            <a:r>
-              <a:rPr lang="en-US" sz="1600" b="1" dirty="0" err="1" smtClean="0"/>
-              <a:t>db.close</a:t>
-            </a:r>
-            <a:r>
-              <a:rPr lang="en-US" sz="1600" b="1" dirty="0" smtClean="0"/>
-              <a:t>();                </a:t>
-            </a:r>
-          </a:p>
-          <a:p>
-            <a:r>
-              <a:rPr lang="en-US" sz="1600" b="1" dirty="0" smtClean="0"/>
-              <a:t>                </a:t>
-            </a:r>
-            <a:r>
-              <a:rPr lang="en-US" sz="1600" b="1" dirty="0" err="1" smtClean="0"/>
-              <a:t>res.end</a:t>
-            </a:r>
-            <a:r>
-              <a:rPr lang="en-US" sz="1600" b="1" dirty="0" smtClean="0"/>
-              <a:t>();</a:t>
-            </a:r>
-          </a:p>
-          <a:p>
-            <a:r>
-              <a:rPr lang="en-US" sz="1600" b="1" dirty="0" smtClean="0"/>
-              <a:t>            });</a:t>
-            </a:r>
-          </a:p>
-          <a:p>
-            <a:r>
-              <a:rPr lang="en-US" sz="1600" b="1" dirty="0" smtClean="0"/>
-              <a:t>        });        </a:t>
-            </a:r>
-          </a:p>
-          <a:p>
-            <a:r>
-              <a:rPr lang="en-US" sz="1600" b="1" dirty="0" smtClean="0"/>
-              <a:t>    }</a:t>
-            </a:r>
-          </a:p>
-          <a:p>
-            <a:r>
-              <a:rPr lang="en-US" sz="1600" dirty="0" smtClean="0"/>
+              <a:rPr lang="ru-RU" sz="2400" dirty="0" err="1" smtClean="0"/>
+              <a:t>running</a:t>
+            </a:r>
+            <a:r>
+              <a:rPr lang="ru-RU" sz="2400" dirty="0" smtClean="0"/>
+              <a:t>...');</a:t>
+            </a:r>
+          </a:p>
+          <a:p>
+            <a:r>
+              <a:rPr lang="ru-RU" sz="2400" dirty="0" smtClean="0"/>
               <a:t>});</a:t>
             </a:r>
-          </a:p>
-          <a:p>
-            <a:endParaRPr lang="en-US" sz="1600" dirty="0" smtClean="0"/>
-          </a:p>
-          <a:p>
-            <a:r>
-              <a:rPr lang="en-US" sz="1600" dirty="0" err="1" smtClean="0"/>
-              <a:t>server.listen</a:t>
-            </a:r>
-            <a:r>
-              <a:rPr lang="en-US" sz="1600" dirty="0" smtClean="0"/>
-              <a:t>(8080, '127.0.0.1', function() {</a:t>
-            </a:r>
-          </a:p>
-          <a:p>
-            <a:r>
-              <a:rPr lang="en-US" sz="1600" dirty="0" smtClean="0"/>
-              <a:t>  console.log('Server running...');</a:t>
-            </a:r>
-          </a:p>
-          <a:p>
-            <a:r>
-              <a:rPr lang="en-US" sz="1600" dirty="0" smtClean="0"/>
-              <a:t>});</a:t>
-            </a:r>
-            <a:endParaRPr lang="ru-RU" sz="1600" dirty="0"/>
-          </a:p>
-        </p:txBody>
-      </p:sp>
-      <p:sp>
-        <p:nvSpPr>
-          <p:cNvPr id="3" name="TextBox 2"/>
+            <a:endParaRPr lang="ru-RU" sz="2400" dirty="0"/>
+          </a:p>
+        </p:txBody>
+      </p:sp>
+      <p:sp>
+        <p:nvSpPr>
+          <p:cNvPr id="5" name="TextBox 4"/>
           <p:cNvSpPr txBox="1"/>
           <p:nvPr/>
         </p:nvSpPr>
         <p:spPr>
           <a:xfrm>
-            <a:off x="6360607" y="1266092"/>
-            <a:ext cx="2134495" cy="523220"/>
+            <a:off x="4714352" y="5548365"/>
+            <a:ext cx="2050561" cy="523220"/>
           </a:xfrm>
           <a:prstGeom prst="rect">
             <a:avLst/>
@@ -6875,44 +8349,15 @@
           <a:p>
             <a:r>
               <a:rPr lang="en-US" sz="2800" dirty="0" smtClean="0"/>
-              <a:t>map-server.js</a:t>
-            </a:r>
-            <a:endParaRPr lang="ru-RU" sz="2800" dirty="0"/>
-          </a:p>
-        </p:txBody>
-      </p:sp>
-      <p:sp>
-        <p:nvSpPr>
-          <p:cNvPr id="5" name="TextBox 4"/>
-          <p:cNvSpPr txBox="1"/>
-          <p:nvPr/>
-        </p:nvSpPr>
-        <p:spPr>
-          <a:xfrm>
-            <a:off x="4714352" y="5548365"/>
-            <a:ext cx="2961645" cy="523220"/>
-          </a:xfrm>
-          <a:prstGeom prst="rect">
-            <a:avLst/>
-          </a:prstGeom>
-          <a:noFill/>
-          <a:ln>
-            <a:solidFill>
-              <a:schemeClr val="accent6">
-                <a:shade val="50000"/>
-              </a:schemeClr>
-            </a:solidFill>
-          </a:ln>
-        </p:spPr>
-        <p:txBody>
-          <a:bodyPr wrap="none" rtlCol="0">
-            <a:spAutoFit/>
-          </a:bodyPr>
-          <a:lstStyle/>
-          <a:p>
+              <a:t>node </a:t>
+            </a:r>
             <a:r>
               <a:rPr lang="en-US" sz="2800" dirty="0" smtClean="0"/>
-              <a:t>node map-server.js</a:t>
+              <a:t>hello</a:t>
+            </a:r>
+            <a:r>
+              <a:rPr lang="en-US" sz="2800" dirty="0" smtClean="0"/>
+              <a:t>.js</a:t>
             </a:r>
             <a:endParaRPr lang="ru-RU" sz="2800" dirty="0"/>
           </a:p>
@@ -6921,7 +8366,7 @@
     </p:spTree>
     <p:extLst>
       <p:ext uri="{BB962C8B-B14F-4D97-AF65-F5344CB8AC3E}">
-        <p14:creationId xmlns:p14="http://schemas.microsoft.com/office/powerpoint/2010/main" val="2875558431"/>
+        <p14:creationId xmlns:p14="http://schemas.microsoft.com/office/powerpoint/2010/main" val="2364886358"/>
       </p:ext>
     </p:extLst>
   </p:cSld>
@@ -7004,7 +8449,7 @@
         <p:spPr>
           <a:xfrm>
             <a:off x="628650" y="794802"/>
-            <a:ext cx="7148774" cy="5416868"/>
+            <a:ext cx="7148774" cy="6001643"/>
           </a:xfrm>
           <a:prstGeom prst="rect">
             <a:avLst/>
@@ -7016,271 +8461,412 @@
           </a:bodyPr>
           <a:lstStyle/>
           <a:p>
-            <a:endParaRPr lang="en-US" dirty="0" smtClean="0"/>
-          </a:p>
-          <a:p>
-            <a:r>
-              <a:rPr lang="en-US" dirty="0" smtClean="0"/>
-              <a:t>function </a:t>
-            </a:r>
-            <a:r>
-              <a:rPr lang="en-US" dirty="0" err="1" smtClean="0"/>
-              <a:t>initMap</a:t>
-            </a:r>
-            <a:r>
-              <a:rPr lang="en-US" dirty="0" smtClean="0"/>
-              <a:t>() {</a:t>
-            </a:r>
-          </a:p>
-          <a:p>
-            <a:r>
-              <a:rPr lang="en-US" dirty="0" smtClean="0"/>
-              <a:t>    </a:t>
-            </a:r>
-            <a:r>
-              <a:rPr lang="en-US" dirty="0" err="1" smtClean="0"/>
+            <a:r>
+              <a:rPr lang="en-US" sz="1600" dirty="0" err="1" smtClean="0"/>
+              <a:t>const</a:t>
+            </a:r>
+            <a:r>
+              <a:rPr lang="en-US" sz="1600" dirty="0" smtClean="0"/>
+              <a:t> http = require('http');</a:t>
+            </a:r>
+          </a:p>
+          <a:p>
+            <a:r>
+              <a:rPr lang="en-US" sz="1600" b="1" dirty="0" err="1" smtClean="0"/>
+              <a:t>const</a:t>
+            </a:r>
+            <a:r>
+              <a:rPr lang="en-US" sz="1600" b="1" dirty="0" smtClean="0"/>
+              <a:t> </a:t>
+            </a:r>
+            <a:r>
+              <a:rPr lang="en-US" sz="1600" b="1" dirty="0" err="1" smtClean="0"/>
+              <a:t>url</a:t>
+            </a:r>
+            <a:r>
+              <a:rPr lang="en-US" sz="1600" b="1" dirty="0" smtClean="0"/>
+              <a:t> = require('</a:t>
+            </a:r>
+            <a:r>
+              <a:rPr lang="en-US" sz="1600" b="1" dirty="0" err="1" smtClean="0"/>
+              <a:t>url</a:t>
+            </a:r>
+            <a:r>
+              <a:rPr lang="en-US" sz="1600" b="1" dirty="0" smtClean="0"/>
+              <a:t>');</a:t>
+            </a:r>
+          </a:p>
+          <a:p>
+            <a:r>
+              <a:rPr lang="en-US" sz="1600" b="1" dirty="0" err="1" smtClean="0"/>
+              <a:t>const</a:t>
+            </a:r>
+            <a:r>
+              <a:rPr lang="en-US" sz="1600" b="1" dirty="0" smtClean="0"/>
+              <a:t> </a:t>
+            </a:r>
+            <a:r>
+              <a:rPr lang="en-US" sz="1600" b="1" dirty="0" err="1" smtClean="0"/>
+              <a:t>MongoClient</a:t>
+            </a:r>
+            <a:r>
+              <a:rPr lang="en-US" sz="1600" b="1" dirty="0" smtClean="0"/>
+              <a:t> = require('</a:t>
+            </a:r>
+            <a:r>
+              <a:rPr lang="en-US" sz="1600" b="1" dirty="0" err="1" smtClean="0"/>
+              <a:t>mongodb</a:t>
+            </a:r>
+            <a:r>
+              <a:rPr lang="en-US" sz="1600" b="1" dirty="0" smtClean="0"/>
+              <a:t>').</a:t>
+            </a:r>
+            <a:r>
+              <a:rPr lang="en-US" sz="1600" b="1" dirty="0" err="1" smtClean="0"/>
+              <a:t>MongoClient</a:t>
+            </a:r>
+            <a:r>
+              <a:rPr lang="en-US" sz="1600" b="1" dirty="0" smtClean="0"/>
+              <a:t>;</a:t>
+            </a:r>
+          </a:p>
+          <a:p>
+            <a:r>
+              <a:rPr lang="en-US" sz="1600" b="1" dirty="0" err="1" smtClean="0"/>
+              <a:t>const</a:t>
+            </a:r>
+            <a:r>
+              <a:rPr lang="en-US" sz="1600" b="1" dirty="0" smtClean="0"/>
+              <a:t> </a:t>
+            </a:r>
+            <a:r>
+              <a:rPr lang="en-US" sz="1600" b="1" dirty="0" err="1" smtClean="0"/>
+              <a:t>mongoUrl</a:t>
+            </a:r>
+            <a:r>
+              <a:rPr lang="en-US" sz="1600" b="1" dirty="0" smtClean="0"/>
+              <a:t> = '</a:t>
+            </a:r>
+            <a:r>
+              <a:rPr lang="en-US" sz="1600" b="1" dirty="0" err="1" smtClean="0"/>
+              <a:t>mongodb</a:t>
+            </a:r>
+            <a:r>
+              <a:rPr lang="en-US" sz="1600" b="1" dirty="0" smtClean="0"/>
+              <a:t>://localhost:27017/map';</a:t>
+            </a:r>
+          </a:p>
+          <a:p>
+            <a:endParaRPr lang="en-US" sz="1600" b="1" dirty="0" smtClean="0"/>
+          </a:p>
+          <a:p>
+            <a:r>
+              <a:rPr lang="en-US" sz="1600" dirty="0" err="1" smtClean="0"/>
+              <a:t>const</a:t>
+            </a:r>
+            <a:r>
+              <a:rPr lang="en-US" sz="1600" dirty="0" smtClean="0"/>
+              <a:t> server = </a:t>
+            </a:r>
+            <a:r>
+              <a:rPr lang="en-US" sz="1600" dirty="0" err="1" smtClean="0"/>
+              <a:t>http.createServer</a:t>
+            </a:r>
+            <a:r>
+              <a:rPr lang="en-US" sz="1600" dirty="0" smtClean="0"/>
+              <a:t>(function(</a:t>
+            </a:r>
+            <a:r>
+              <a:rPr lang="en-US" sz="1600" dirty="0" err="1" smtClean="0"/>
+              <a:t>req</a:t>
+            </a:r>
+            <a:r>
+              <a:rPr lang="en-US" sz="1600" dirty="0" smtClean="0"/>
+              <a:t>, res) {</a:t>
+            </a:r>
+          </a:p>
+          <a:p>
+            <a:r>
+              <a:rPr lang="en-US" sz="1600" b="1" dirty="0" smtClean="0"/>
+              <a:t>    if (</a:t>
+            </a:r>
+            <a:r>
+              <a:rPr lang="en-US" sz="1600" b="1" dirty="0" err="1" smtClean="0"/>
+              <a:t>req.method</a:t>
+            </a:r>
+            <a:r>
+              <a:rPr lang="en-US" sz="1600" b="1" dirty="0" smtClean="0"/>
+              <a:t> == 'POST') {</a:t>
+            </a:r>
+          </a:p>
+          <a:p>
+            <a:r>
+              <a:rPr lang="en-US" sz="1600" b="1" dirty="0" smtClean="0"/>
+              <a:t>        </a:t>
+            </a:r>
+            <a:r>
+              <a:rPr lang="en-US" sz="1600" b="1" dirty="0" err="1" smtClean="0"/>
               <a:t>var</a:t>
             </a:r>
             <a:r>
-              <a:rPr lang="en-US" dirty="0" smtClean="0"/>
-              <a:t> current = {</a:t>
-            </a:r>
-            <a:r>
-              <a:rPr lang="en-US" dirty="0" err="1" smtClean="0"/>
+              <a:rPr lang="en-US" sz="1600" b="1" dirty="0" smtClean="0"/>
+              <a:t> </a:t>
+            </a:r>
+            <a:r>
+              <a:rPr lang="en-US" sz="1600" b="1" dirty="0" err="1" smtClean="0"/>
+              <a:t>params</a:t>
+            </a:r>
+            <a:r>
+              <a:rPr lang="en-US" sz="1600" b="1" dirty="0" smtClean="0"/>
+              <a:t> = </a:t>
+            </a:r>
+            <a:r>
+              <a:rPr lang="en-US" sz="1600" b="1" dirty="0" err="1" smtClean="0"/>
+              <a:t>url.parse</a:t>
+            </a:r>
+            <a:r>
+              <a:rPr lang="en-US" sz="1600" b="1" dirty="0" smtClean="0"/>
+              <a:t>(req.url, true).query;</a:t>
+            </a:r>
+          </a:p>
+          <a:p>
+            <a:r>
+              <a:rPr lang="en-US" sz="1600" b="1" dirty="0" smtClean="0"/>
+              <a:t>        </a:t>
+            </a:r>
+            <a:r>
+              <a:rPr lang="en-US" sz="1600" b="1" dirty="0" err="1" smtClean="0"/>
+              <a:t>MongoClient.connect</a:t>
+            </a:r>
+            <a:r>
+              <a:rPr lang="en-US" sz="1600" b="1" dirty="0" smtClean="0"/>
+              <a:t>(</a:t>
+            </a:r>
+            <a:r>
+              <a:rPr lang="en-US" sz="1600" b="1" dirty="0" err="1" smtClean="0"/>
+              <a:t>mongoUrl</a:t>
+            </a:r>
+            <a:r>
+              <a:rPr lang="en-US" sz="1600" b="1" dirty="0" smtClean="0"/>
+              <a:t>, function(err, </a:t>
+            </a:r>
+            <a:r>
+              <a:rPr lang="en-US" sz="1600" b="1" dirty="0" err="1" smtClean="0"/>
+              <a:t>db</a:t>
+            </a:r>
+            <a:r>
+              <a:rPr lang="en-US" sz="1600" b="1" dirty="0" smtClean="0"/>
+              <a:t>) {</a:t>
+            </a:r>
+          </a:p>
+          <a:p>
+            <a:r>
+              <a:rPr lang="en-US" sz="1600" b="1" dirty="0" smtClean="0"/>
+              <a:t>            </a:t>
+            </a:r>
+            <a:r>
+              <a:rPr lang="en-US" sz="1600" b="1" dirty="0" err="1" smtClean="0"/>
+              <a:t>var</a:t>
+            </a:r>
+            <a:r>
+              <a:rPr lang="en-US" sz="1600" b="1" dirty="0" smtClean="0"/>
+              <a:t> collection = </a:t>
+            </a:r>
+            <a:r>
+              <a:rPr lang="en-US" sz="1600" b="1" dirty="0" err="1" smtClean="0"/>
+              <a:t>db.collection</a:t>
+            </a:r>
+            <a:r>
+              <a:rPr lang="en-US" sz="1600" b="1" dirty="0" smtClean="0"/>
+              <a:t>('points');</a:t>
+            </a:r>
+          </a:p>
+          <a:p>
+            <a:r>
+              <a:rPr lang="en-US" sz="1600" b="1" dirty="0" smtClean="0"/>
+              <a:t>            </a:t>
+            </a:r>
+            <a:r>
+              <a:rPr lang="en-US" sz="1600" b="1" dirty="0" err="1" smtClean="0"/>
+              <a:t>collection.insertOne</a:t>
+            </a:r>
+            <a:r>
+              <a:rPr lang="en-US" sz="1600" b="1" dirty="0" smtClean="0"/>
+              <a:t>({</a:t>
+            </a:r>
+            <a:r>
+              <a:rPr lang="ru-RU" sz="1600" b="1" dirty="0" smtClean="0"/>
+              <a:t> </a:t>
+            </a:r>
+            <a:r>
+              <a:rPr lang="en-US" sz="1600" b="1" dirty="0" err="1" smtClean="0"/>
               <a:t>lat</a:t>
             </a:r>
             <a:r>
-              <a:rPr lang="en-US" dirty="0" smtClean="0"/>
-              <a:t>: 55.1776271, </a:t>
-            </a:r>
-            <a:r>
-              <a:rPr lang="en-US" dirty="0" err="1" smtClean="0"/>
+              <a:rPr lang="en-US" sz="1600" b="1" dirty="0" smtClean="0"/>
+              <a:t>: </a:t>
+            </a:r>
+            <a:r>
+              <a:rPr lang="en-US" sz="1600" b="1" dirty="0" err="1" smtClean="0"/>
+              <a:t>parseFloat</a:t>
+            </a:r>
+            <a:r>
+              <a:rPr lang="en-US" sz="1600" b="1" dirty="0" smtClean="0"/>
+              <a:t>(</a:t>
+            </a:r>
+            <a:r>
+              <a:rPr lang="en-US" sz="1600" b="1" dirty="0" err="1" smtClean="0"/>
+              <a:t>params.lat</a:t>
+            </a:r>
+            <a:r>
+              <a:rPr lang="en-US" sz="1600" b="1" dirty="0" smtClean="0"/>
+              <a:t>), </a:t>
+            </a:r>
+            <a:endParaRPr lang="ru-RU" sz="1600" b="1" dirty="0" smtClean="0"/>
+          </a:p>
+          <a:p>
+            <a:r>
+              <a:rPr lang="ru-RU" sz="1600" b="1" dirty="0" smtClean="0"/>
+              <a:t>		            </a:t>
+            </a:r>
+            <a:r>
+              <a:rPr lang="en-US" sz="1600" b="1" dirty="0" err="1" smtClean="0"/>
               <a:t>lng</a:t>
             </a:r>
             <a:r>
-              <a:rPr lang="en-US" dirty="0" smtClean="0"/>
-              <a:t>: 30.2252502};</a:t>
-            </a:r>
-          </a:p>
-          <a:p>
-            <a:r>
-              <a:rPr lang="en-US" dirty="0" smtClean="0"/>
-              <a:t>    </a:t>
-            </a:r>
-            <a:r>
-              <a:rPr lang="en-US" dirty="0" err="1" smtClean="0"/>
-              <a:t>var</a:t>
-            </a:r>
-            <a:r>
-              <a:rPr lang="en-US" dirty="0" smtClean="0"/>
-              <a:t> markers = [];</a:t>
-            </a:r>
-          </a:p>
-          <a:p>
-            <a:r>
-              <a:rPr lang="en-US" dirty="0" smtClean="0"/>
-              <a:t>    </a:t>
-            </a:r>
-            <a:r>
-              <a:rPr lang="en-US" dirty="0" err="1" smtClean="0"/>
-              <a:t>var</a:t>
-            </a:r>
-            <a:r>
-              <a:rPr lang="en-US" dirty="0" smtClean="0"/>
-              <a:t> map = new </a:t>
-            </a:r>
-            <a:r>
-              <a:rPr lang="en-US" dirty="0" err="1" smtClean="0"/>
-              <a:t>google.maps.Map</a:t>
-            </a:r>
-            <a:r>
-              <a:rPr lang="en-US" dirty="0" smtClean="0"/>
+              <a:rPr lang="en-US" sz="1600" b="1" dirty="0" smtClean="0"/>
+              <a:t>: </a:t>
+            </a:r>
+            <a:r>
+              <a:rPr lang="en-US" sz="1600" b="1" dirty="0" err="1" smtClean="0"/>
+              <a:t>parseFloat</a:t>
+            </a:r>
+            <a:r>
+              <a:rPr lang="en-US" sz="1600" b="1" dirty="0" smtClean="0"/>
               <a:t>(</a:t>
             </a:r>
             <a:r>
-              <a:rPr lang="en-US" dirty="0" err="1" smtClean="0"/>
-              <a:t>document.getElementById</a:t>
-            </a:r>
-            <a:r>
-              <a:rPr lang="en-US" dirty="0" smtClean="0"/>
-              <a:t>('map'), {</a:t>
-            </a:r>
-          </a:p>
-          <a:p>
-            <a:r>
-              <a:rPr lang="en-US" dirty="0" smtClean="0"/>
-              <a:t>      zoom: 14,</a:t>
-            </a:r>
-          </a:p>
-          <a:p>
-            <a:r>
-              <a:rPr lang="en-US" dirty="0" smtClean="0"/>
-              <a:t>      center: current</a:t>
-            </a:r>
-          </a:p>
-          <a:p>
-            <a:r>
-              <a:rPr lang="en-US" dirty="0" smtClean="0"/>
-              <a:t>    });</a:t>
-            </a:r>
-          </a:p>
-          <a:p>
-            <a:r>
-              <a:rPr lang="en-US" dirty="0" smtClean="0"/>
-              <a:t>    </a:t>
-            </a:r>
-            <a:r>
-              <a:rPr lang="en-US" dirty="0" err="1" smtClean="0"/>
-              <a:t>map.addListener</a:t>
-            </a:r>
-            <a:r>
-              <a:rPr lang="en-US" dirty="0" smtClean="0"/>
-              <a:t>('click', function(e) {</a:t>
-            </a:r>
-          </a:p>
-          <a:p>
-            <a:r>
-              <a:rPr lang="en-US" sz="2000" b="1" dirty="0" smtClean="0"/>
-              <a:t>        $.post( 'http://localhost:8080/</a:t>
-            </a:r>
-            <a:r>
-              <a:rPr lang="en-US" sz="2000" b="1" dirty="0" err="1" smtClean="0"/>
-              <a:t>points?lat</a:t>
-            </a:r>
-            <a:r>
-              <a:rPr lang="en-US" sz="2000" b="1" dirty="0" smtClean="0"/>
-              <a:t>=' + </a:t>
-            </a:r>
-            <a:r>
-              <a:rPr lang="en-US" sz="2000" b="1" dirty="0" err="1" smtClean="0"/>
-              <a:t>e.latLng.lat</a:t>
-            </a:r>
-            <a:r>
-              <a:rPr lang="en-US" sz="2000" b="1" dirty="0" smtClean="0"/>
-              <a:t>() + </a:t>
-            </a:r>
-          </a:p>
-          <a:p>
-            <a:r>
-              <a:rPr lang="en-US" sz="2000" b="1" dirty="0"/>
-              <a:t>	</a:t>
-            </a:r>
-            <a:r>
-              <a:rPr lang="en-US" sz="2000" b="1" dirty="0" smtClean="0"/>
-              <a:t>	'&amp;</a:t>
-            </a:r>
-            <a:r>
-              <a:rPr lang="en-US" sz="2000" b="1" dirty="0" err="1" smtClean="0"/>
-              <a:t>lng</a:t>
-            </a:r>
-            <a:r>
-              <a:rPr lang="en-US" sz="2000" b="1" dirty="0" smtClean="0"/>
-              <a:t>=' + </a:t>
-            </a:r>
-            <a:r>
-              <a:rPr lang="en-US" sz="2000" b="1" dirty="0" err="1" smtClean="0"/>
-              <a:t>e.latLng.lng</a:t>
-            </a:r>
-            <a:r>
-              <a:rPr lang="en-US" sz="2000" b="1" dirty="0" smtClean="0"/>
-              <a:t>());        </a:t>
-            </a:r>
-          </a:p>
-          <a:p>
-            <a:r>
-              <a:rPr lang="en-US" dirty="0" smtClean="0"/>
-              <a:t>        </a:t>
-            </a:r>
-            <a:r>
-              <a:rPr lang="en-US" dirty="0" err="1" smtClean="0"/>
-              <a:t>var</a:t>
-            </a:r>
-            <a:r>
-              <a:rPr lang="en-US" dirty="0" smtClean="0"/>
-              <a:t> marker = new </a:t>
-            </a:r>
-            <a:r>
-              <a:rPr lang="en-US" dirty="0" err="1" smtClean="0"/>
-              <a:t>google.maps.Marker</a:t>
-            </a:r>
-            <a:r>
-              <a:rPr lang="en-US" dirty="0" smtClean="0"/>
-              <a:t>({</a:t>
-            </a:r>
-          </a:p>
-          <a:p>
-            <a:r>
-              <a:rPr lang="en-US" dirty="0" smtClean="0"/>
-              <a:t>          position: </a:t>
-            </a:r>
-            <a:r>
-              <a:rPr lang="en-US" dirty="0" err="1" smtClean="0"/>
-              <a:t>e.latLng</a:t>
-            </a:r>
-            <a:r>
-              <a:rPr lang="en-US" dirty="0" smtClean="0"/>
-              <a:t>,</a:t>
-            </a:r>
-          </a:p>
-          <a:p>
-            <a:r>
-              <a:rPr lang="en-US" dirty="0" smtClean="0"/>
-              <a:t>          map: map</a:t>
-            </a:r>
-          </a:p>
-          <a:p>
-            <a:r>
-              <a:rPr lang="en-US" dirty="0" smtClean="0"/>
-              <a:t>        });</a:t>
-            </a:r>
-          </a:p>
-          <a:p>
-            <a:r>
-              <a:rPr lang="en-US" dirty="0" smtClean="0"/>
-              <a:t>        </a:t>
-            </a:r>
-            <a:r>
-              <a:rPr lang="en-US" dirty="0" err="1" smtClean="0"/>
-              <a:t>map.panTo</a:t>
-            </a:r>
-            <a:r>
-              <a:rPr lang="en-US" dirty="0" smtClean="0"/>
-              <a:t>(</a:t>
-            </a:r>
-            <a:r>
-              <a:rPr lang="en-US" dirty="0" err="1" smtClean="0"/>
-              <a:t>e.latLng</a:t>
-            </a:r>
-            <a:r>
-              <a:rPr lang="en-US" dirty="0" smtClean="0"/>
+              <a:rPr lang="en-US" sz="1600" b="1" dirty="0" err="1" smtClean="0"/>
+              <a:t>params.lng</a:t>
+            </a:r>
+            <a:r>
+              <a:rPr lang="en-US" sz="1600" b="1" dirty="0" smtClean="0"/>
+              <a:t>)</a:t>
+            </a:r>
+            <a:r>
+              <a:rPr lang="ru-RU" sz="1600" b="1" dirty="0" smtClean="0"/>
+              <a:t> </a:t>
+            </a:r>
+            <a:r>
+              <a:rPr lang="en-US" sz="1600" b="1" dirty="0" smtClean="0"/>
+              <a:t>},  </a:t>
+            </a:r>
+          </a:p>
+          <a:p>
+            <a:r>
+              <a:rPr lang="en-US" sz="1600" b="1" dirty="0" smtClean="0"/>
+              <a:t>              function(err, result) {</a:t>
+            </a:r>
+          </a:p>
+          <a:p>
+            <a:r>
+              <a:rPr lang="en-US" sz="1600" b="1" dirty="0" smtClean="0"/>
+              <a:t>                console.log("Inserted new point " + </a:t>
+            </a:r>
+            <a:r>
+              <a:rPr lang="en-US" sz="1600" b="1" dirty="0" err="1" smtClean="0"/>
+              <a:t>params.lat</a:t>
+            </a:r>
+            <a:r>
+              <a:rPr lang="en-US" sz="1600" b="1" dirty="0" smtClean="0"/>
+              <a:t> + "," + </a:t>
+            </a:r>
+            <a:r>
+              <a:rPr lang="en-US" sz="1600" b="1" dirty="0" err="1" smtClean="0"/>
+              <a:t>params.lng</a:t>
+            </a:r>
+            <a:r>
+              <a:rPr lang="en-US" sz="1600" b="1" dirty="0" smtClean="0"/>
               <a:t>);</a:t>
             </a:r>
           </a:p>
           <a:p>
             <a:r>
-              <a:rPr lang="en-US" dirty="0" smtClean="0"/>
-              <a:t>        </a:t>
-            </a:r>
-            <a:r>
-              <a:rPr lang="en-US" dirty="0" err="1" smtClean="0"/>
-              <a:t>markers.push</a:t>
-            </a:r>
-            <a:r>
-              <a:rPr lang="en-US" dirty="0" smtClean="0"/>
-              <a:t>(marker);</a:t>
-            </a:r>
-          </a:p>
-          <a:p>
-            <a:r>
-              <a:rPr lang="en-US" dirty="0" smtClean="0"/>
-              <a:t>    });</a:t>
-            </a:r>
-          </a:p>
-          <a:p>
-            <a:r>
-              <a:rPr lang="en-US" dirty="0" smtClean="0"/>
-              <a:t>}</a:t>
-            </a:r>
+              <a:rPr lang="en-US" sz="1600" b="1" dirty="0" smtClean="0"/>
+              <a:t>                </a:t>
+            </a:r>
+            <a:r>
+              <a:rPr lang="en-US" sz="1600" b="1" dirty="0" err="1" smtClean="0"/>
+              <a:t>db.close</a:t>
+            </a:r>
+            <a:r>
+              <a:rPr lang="en-US" sz="1600" b="1" dirty="0" smtClean="0"/>
+              <a:t>();                </a:t>
+            </a:r>
+          </a:p>
+          <a:p>
+            <a:r>
+              <a:rPr lang="en-US" sz="1600" b="1" dirty="0" smtClean="0"/>
+              <a:t>                </a:t>
+            </a:r>
+            <a:r>
+              <a:rPr lang="en-US" sz="1600" b="1" dirty="0" err="1" smtClean="0"/>
+              <a:t>res.end</a:t>
+            </a:r>
+            <a:r>
+              <a:rPr lang="en-US" sz="1600" b="1" dirty="0" smtClean="0"/>
+              <a:t>();</a:t>
+            </a:r>
+          </a:p>
+          <a:p>
+            <a:r>
+              <a:rPr lang="en-US" sz="1600" b="1" dirty="0" smtClean="0"/>
+              <a:t>            });</a:t>
+            </a:r>
+          </a:p>
+          <a:p>
+            <a:r>
+              <a:rPr lang="en-US" sz="1600" b="1" dirty="0" smtClean="0"/>
+              <a:t>        });        </a:t>
+            </a:r>
+          </a:p>
+          <a:p>
+            <a:r>
+              <a:rPr lang="en-US" sz="1600" b="1" dirty="0" smtClean="0"/>
+              <a:t>    }</a:t>
+            </a:r>
+          </a:p>
+          <a:p>
+            <a:r>
+              <a:rPr lang="en-US" sz="1600" dirty="0" smtClean="0"/>
+              <a:t>});</a:t>
+            </a:r>
+          </a:p>
+          <a:p>
+            <a:endParaRPr lang="en-US" sz="1600" dirty="0" smtClean="0"/>
+          </a:p>
+          <a:p>
+            <a:r>
+              <a:rPr lang="en-US" sz="1600" dirty="0" err="1" smtClean="0"/>
+              <a:t>server.listen</a:t>
+            </a:r>
+            <a:r>
+              <a:rPr lang="en-US" sz="1600" dirty="0" smtClean="0"/>
+              <a:t>(8080, '127.0.0.1', function() {</a:t>
+            </a:r>
+          </a:p>
+          <a:p>
+            <a:r>
+              <a:rPr lang="en-US" sz="1600" dirty="0" smtClean="0"/>
+              <a:t>  console.log('Server running...');</a:t>
+            </a:r>
+          </a:p>
+          <a:p>
+            <a:r>
+              <a:rPr lang="en-US" sz="1600" dirty="0" smtClean="0"/>
+              <a:t>});</a:t>
+            </a:r>
+            <a:endParaRPr lang="ru-RU" sz="1600" dirty="0"/>
           </a:p>
         </p:txBody>
       </p:sp>
@@ -7293,7 +8879,7 @@
         <p:spPr>
           <a:xfrm>
             <a:off x="6360607" y="1266092"/>
-            <a:ext cx="2061655" cy="523220"/>
+            <a:ext cx="2134495" cy="523220"/>
           </a:xfrm>
           <a:prstGeom prst="rect">
             <a:avLst/>
@@ -7315,7 +8901,101 @@
           <a:p>
             <a:r>
               <a:rPr lang="en-US" sz="2800" dirty="0" smtClean="0"/>
-              <a:t>map-client.js</a:t>
+              <a:t>map-server.js</a:t>
+            </a:r>
+            <a:endParaRPr lang="ru-RU" sz="2800" dirty="0"/>
+          </a:p>
+        </p:txBody>
+      </p:sp>
+      <p:sp>
+        <p:nvSpPr>
+          <p:cNvPr id="5" name="TextBox 4"/>
+          <p:cNvSpPr txBox="1"/>
+          <p:nvPr/>
+        </p:nvSpPr>
+        <p:spPr>
+          <a:xfrm>
+            <a:off x="4714352" y="5548365"/>
+            <a:ext cx="2961645" cy="523220"/>
+          </a:xfrm>
+          <a:prstGeom prst="rect">
+            <a:avLst/>
+          </a:prstGeom>
+          <a:noFill/>
+          <a:ln>
+            <a:solidFill>
+              <a:schemeClr val="accent6">
+                <a:shade val="50000"/>
+              </a:schemeClr>
+            </a:solidFill>
+          </a:ln>
+        </p:spPr>
+        <p:txBody>
+          <a:bodyPr wrap="none" rtlCol="0">
+            <a:spAutoFit/>
+          </a:bodyPr>
+          <a:lstStyle/>
+          <a:p>
+            <a:r>
+              <a:rPr lang="en-US" sz="2800" dirty="0" smtClean="0"/>
+              <a:t>node map-server.js</a:t>
+            </a:r>
+            <a:endParaRPr lang="ru-RU" sz="2800" dirty="0"/>
+          </a:p>
+        </p:txBody>
+      </p:sp>
+      <p:sp>
+        <p:nvSpPr>
+          <p:cNvPr id="6" name="TextBox 5"/>
+          <p:cNvSpPr txBox="1"/>
+          <p:nvPr/>
+        </p:nvSpPr>
+        <p:spPr>
+          <a:xfrm>
+            <a:off x="4714351" y="4823505"/>
+            <a:ext cx="4409605" cy="523220"/>
+          </a:xfrm>
+          <a:prstGeom prst="rect">
+            <a:avLst/>
+          </a:prstGeom>
+          <a:noFill/>
+          <a:ln>
+            <a:solidFill>
+              <a:schemeClr val="accent6">
+                <a:shade val="50000"/>
+              </a:schemeClr>
+            </a:solidFill>
+          </a:ln>
+        </p:spPr>
+        <p:txBody>
+          <a:bodyPr wrap="none" rtlCol="0">
+            <a:spAutoFit/>
+          </a:bodyPr>
+          <a:lstStyle/>
+          <a:p>
+            <a:r>
+              <a:rPr lang="en-US" sz="2800" dirty="0" err="1" smtClean="0"/>
+              <a:t>mongo</a:t>
+            </a:r>
+            <a:r>
+              <a:rPr lang="en-US" sz="2800" dirty="0" err="1"/>
+              <a:t>d</a:t>
+            </a:r>
+            <a:r>
+              <a:rPr lang="en-US" sz="2800" dirty="0" smtClean="0"/>
+              <a:t> --</a:t>
+            </a:r>
+            <a:r>
+              <a:rPr lang="en-US" sz="2800" dirty="0" err="1" smtClean="0"/>
+              <a:t>config</a:t>
+            </a:r>
+            <a:r>
+              <a:rPr lang="en-US" sz="2800" dirty="0" smtClean="0"/>
+              <a:t> </a:t>
+            </a:r>
+            <a:r>
+              <a:rPr lang="en-US" sz="2800" dirty="0" err="1" smtClean="0"/>
+              <a:t>mongo.conf</a:t>
             </a:r>
             <a:endParaRPr lang="ru-RU" sz="2800" dirty="0"/>
           </a:p>
@@ -7324,7 +9004,7 @@
     </p:spTree>
     <p:extLst>
       <p:ext uri="{BB962C8B-B14F-4D97-AF65-F5344CB8AC3E}">
-        <p14:creationId xmlns:p14="http://schemas.microsoft.com/office/powerpoint/2010/main" val="1526769913"/>
+        <p14:creationId xmlns:p14="http://schemas.microsoft.com/office/powerpoint/2010/main" val="2875558431"/>
       </p:ext>
     </p:extLst>
   </p:cSld>
@@ -7406,8 +9086,8 @@
         </p:nvSpPr>
         <p:spPr>
           <a:xfrm>
-            <a:off x="709037" y="2181475"/>
-            <a:ext cx="7148774" cy="2308324"/>
+            <a:off x="628650" y="794802"/>
+            <a:ext cx="7148774" cy="5416868"/>
           </a:xfrm>
           <a:prstGeom prst="rect">
             <a:avLst/>
@@ -7419,44 +9099,315 @@
           </a:bodyPr>
           <a:lstStyle/>
           <a:p>
-            <a:r>
-              <a:rPr lang="en-US" sz="3600" dirty="0" smtClean="0"/>
-              <a:t>show </a:t>
-            </a:r>
-            <a:r>
-              <a:rPr lang="en-US" sz="3600" dirty="0" err="1" smtClean="0"/>
-              <a:t>dbs</a:t>
-            </a:r>
-            <a:endParaRPr lang="en-US" sz="3600" dirty="0" smtClean="0"/>
-          </a:p>
-          <a:p>
-            <a:r>
-              <a:rPr lang="en-US" sz="3600" dirty="0" smtClean="0"/>
-              <a:t>use map</a:t>
-            </a:r>
-          </a:p>
-          <a:p>
-            <a:r>
-              <a:rPr lang="en-US" sz="3600" dirty="0" smtClean="0"/>
-              <a:t>show collections</a:t>
-            </a:r>
-          </a:p>
-          <a:p>
-            <a:r>
-              <a:rPr lang="en-US" sz="3600" dirty="0" err="1" smtClean="0"/>
-              <a:t>db.points.find</a:t>
-            </a:r>
-            <a:r>
-              <a:rPr lang="en-US" sz="3600" dirty="0" smtClean="0"/>
-              <a:t>({})</a:t>
-            </a:r>
+            <a:endParaRPr lang="en-US" dirty="0" smtClean="0"/>
+          </a:p>
+          <a:p>
+            <a:r>
+              <a:rPr lang="en-US" dirty="0" smtClean="0"/>
+              <a:t>function </a:t>
+            </a:r>
+            <a:r>
+              <a:rPr lang="en-US" dirty="0" err="1" smtClean="0"/>
+              <a:t>initMap</a:t>
+            </a:r>
+            <a:r>
+              <a:rPr lang="en-US" dirty="0" smtClean="0"/>
+              <a:t>() {</a:t>
+            </a:r>
+          </a:p>
+          <a:p>
+            <a:r>
+              <a:rPr lang="en-US" dirty="0" smtClean="0"/>
+              <a:t>    </a:t>
+            </a:r>
+            <a:r>
+              <a:rPr lang="en-US" dirty="0" err="1" smtClean="0"/>
+              <a:t>var</a:t>
+            </a:r>
+            <a:r>
+              <a:rPr lang="en-US" dirty="0" smtClean="0"/>
+              <a:t> current = {</a:t>
+            </a:r>
+            <a:r>
+              <a:rPr lang="en-US" dirty="0" err="1" smtClean="0"/>
+              <a:t>lat</a:t>
+            </a:r>
+            <a:r>
+              <a:rPr lang="en-US" dirty="0" smtClean="0"/>
+              <a:t>: 55.1776271, </a:t>
+            </a:r>
+            <a:r>
+              <a:rPr lang="en-US" dirty="0" err="1" smtClean="0"/>
+              <a:t>lng</a:t>
+            </a:r>
+            <a:r>
+              <a:rPr lang="en-US" dirty="0" smtClean="0"/>
+              <a:t>: 30.2252502};</a:t>
+            </a:r>
+          </a:p>
+          <a:p>
+            <a:r>
+              <a:rPr lang="en-US" dirty="0" smtClean="0"/>
+              <a:t>    </a:t>
+            </a:r>
+            <a:r>
+              <a:rPr lang="en-US" dirty="0" err="1" smtClean="0"/>
+              <a:t>var</a:t>
+            </a:r>
+            <a:r>
+              <a:rPr lang="en-US" dirty="0" smtClean="0"/>
+              <a:t> markers = [];</a:t>
+            </a:r>
+          </a:p>
+          <a:p>
+            <a:r>
+              <a:rPr lang="en-US" dirty="0" smtClean="0"/>
+              <a:t>    </a:t>
+            </a:r>
+            <a:r>
+              <a:rPr lang="en-US" dirty="0" err="1" smtClean="0"/>
+              <a:t>var</a:t>
+            </a:r>
+            <a:r>
+              <a:rPr lang="en-US" dirty="0" smtClean="0"/>
+              <a:t> map = new </a:t>
+            </a:r>
+            <a:r>
+              <a:rPr lang="en-US" dirty="0" err="1" smtClean="0"/>
+              <a:t>google.maps.Map</a:t>
+            </a:r>
+            <a:r>
+              <a:rPr lang="en-US" dirty="0" smtClean="0"/>
+              <a:t>(</a:t>
+            </a:r>
+            <a:r>
+              <a:rPr lang="en-US" dirty="0" err="1" smtClean="0"/>
+              <a:t>document.getElementById</a:t>
+            </a:r>
+            <a:r>
+              <a:rPr lang="en-US" dirty="0" smtClean="0"/>
+              <a:t>('map'), {</a:t>
+            </a:r>
+          </a:p>
+          <a:p>
+            <a:r>
+              <a:rPr lang="en-US" dirty="0" smtClean="0"/>
+              <a:t>      zoom: 14,</a:t>
+            </a:r>
+          </a:p>
+          <a:p>
+            <a:r>
+              <a:rPr lang="en-US" dirty="0" smtClean="0"/>
+              <a:t>      center: current</a:t>
+            </a:r>
+          </a:p>
+          <a:p>
+            <a:r>
+              <a:rPr lang="en-US" dirty="0" smtClean="0"/>
+              <a:t>    });</a:t>
+            </a:r>
+          </a:p>
+          <a:p>
+            <a:r>
+              <a:rPr lang="en-US" dirty="0" smtClean="0"/>
+              <a:t>    </a:t>
+            </a:r>
+            <a:r>
+              <a:rPr lang="en-US" dirty="0" err="1" smtClean="0"/>
+              <a:t>map.addListener</a:t>
+            </a:r>
+            <a:r>
+              <a:rPr lang="en-US" dirty="0" smtClean="0"/>
+              <a:t>('click', function(e) {</a:t>
+            </a:r>
+          </a:p>
+          <a:p>
+            <a:r>
+              <a:rPr lang="en-US" sz="2000" b="1" dirty="0" smtClean="0"/>
+              <a:t>        $.post( 'http://localhost:8080/</a:t>
+            </a:r>
+            <a:r>
+              <a:rPr lang="en-US" sz="2000" b="1" dirty="0" err="1" smtClean="0"/>
+              <a:t>points?lat</a:t>
+            </a:r>
+            <a:r>
+              <a:rPr lang="en-US" sz="2000" b="1" dirty="0" smtClean="0"/>
+              <a:t>=' + </a:t>
+            </a:r>
+            <a:r>
+              <a:rPr lang="en-US" sz="2000" b="1" dirty="0" err="1" smtClean="0"/>
+              <a:t>e.latLng.lat</a:t>
+            </a:r>
+            <a:r>
+              <a:rPr lang="en-US" sz="2000" b="1" dirty="0" smtClean="0"/>
+              <a:t>() + </a:t>
+            </a:r>
+          </a:p>
+          <a:p>
+            <a:r>
+              <a:rPr lang="en-US" sz="2000" b="1" dirty="0"/>
+              <a:t>	</a:t>
+            </a:r>
+            <a:r>
+              <a:rPr lang="en-US" sz="2000" b="1" dirty="0" smtClean="0"/>
+              <a:t>	'&amp;</a:t>
+            </a:r>
+            <a:r>
+              <a:rPr lang="en-US" sz="2000" b="1" dirty="0" err="1" smtClean="0"/>
+              <a:t>lng</a:t>
+            </a:r>
+            <a:r>
+              <a:rPr lang="en-US" sz="2000" b="1" dirty="0" smtClean="0"/>
+              <a:t>=' + </a:t>
+            </a:r>
+            <a:r>
+              <a:rPr lang="en-US" sz="2000" b="1" dirty="0" err="1" smtClean="0"/>
+              <a:t>e.latLng.lng</a:t>
+            </a:r>
+            <a:r>
+              <a:rPr lang="en-US" sz="2000" b="1" dirty="0" smtClean="0"/>
+              <a:t>());        </a:t>
+            </a:r>
+          </a:p>
+          <a:p>
+            <a:r>
+              <a:rPr lang="en-US" dirty="0" smtClean="0"/>
+              <a:t>        </a:t>
+            </a:r>
+            <a:r>
+              <a:rPr lang="en-US" dirty="0" err="1" smtClean="0"/>
+              <a:t>var</a:t>
+            </a:r>
+            <a:r>
+              <a:rPr lang="en-US" dirty="0" smtClean="0"/>
+              <a:t> marker = new </a:t>
+            </a:r>
+            <a:r>
+              <a:rPr lang="en-US" dirty="0" err="1" smtClean="0"/>
+              <a:t>google.maps.Marker</a:t>
+            </a:r>
+            <a:r>
+              <a:rPr lang="en-US" dirty="0" smtClean="0"/>
+              <a:t>({</a:t>
+            </a:r>
+          </a:p>
+          <a:p>
+            <a:r>
+              <a:rPr lang="en-US" dirty="0" smtClean="0"/>
+              <a:t>          position: </a:t>
+            </a:r>
+            <a:r>
+              <a:rPr lang="en-US" dirty="0" err="1" smtClean="0"/>
+              <a:t>e.latLng</a:t>
+            </a:r>
+            <a:r>
+              <a:rPr lang="en-US" dirty="0" smtClean="0"/>
+              <a:t>,</a:t>
+            </a:r>
+          </a:p>
+          <a:p>
+            <a:r>
+              <a:rPr lang="en-US" dirty="0" smtClean="0"/>
+              <a:t>          map: map</a:t>
+            </a:r>
+          </a:p>
+          <a:p>
+            <a:r>
+              <a:rPr lang="en-US" dirty="0" smtClean="0"/>
+              <a:t>        });</a:t>
+            </a:r>
+          </a:p>
+          <a:p>
+            <a:r>
+              <a:rPr lang="en-US" dirty="0" smtClean="0"/>
+              <a:t>        </a:t>
+            </a:r>
+            <a:r>
+              <a:rPr lang="en-US" dirty="0" err="1" smtClean="0"/>
+              <a:t>map.panTo</a:t>
+            </a:r>
+            <a:r>
+              <a:rPr lang="en-US" dirty="0" smtClean="0"/>
+              <a:t>(</a:t>
+            </a:r>
+            <a:r>
+              <a:rPr lang="en-US" dirty="0" err="1" smtClean="0"/>
+              <a:t>e.latLng</a:t>
+            </a:r>
+            <a:r>
+              <a:rPr lang="en-US" dirty="0" smtClean="0"/>
+              <a:t>);</a:t>
+            </a:r>
+          </a:p>
+          <a:p>
+            <a:r>
+              <a:rPr lang="en-US" dirty="0" smtClean="0"/>
+              <a:t>        </a:t>
+            </a:r>
+            <a:r>
+              <a:rPr lang="en-US" dirty="0" err="1" smtClean="0"/>
+              <a:t>markers.push</a:t>
+            </a:r>
+            <a:r>
+              <a:rPr lang="en-US" dirty="0" smtClean="0"/>
+              <a:t>(marker);</a:t>
+            </a:r>
+          </a:p>
+          <a:p>
+            <a:r>
+              <a:rPr lang="en-US" dirty="0" smtClean="0"/>
+              <a:t>    });</a:t>
+            </a:r>
+          </a:p>
+          <a:p>
+            <a:r>
+              <a:rPr lang="en-US" dirty="0" smtClean="0"/>
+              <a:t>}</a:t>
+            </a:r>
+          </a:p>
+        </p:txBody>
+      </p:sp>
+      <p:sp>
+        <p:nvSpPr>
+          <p:cNvPr id="3" name="TextBox 2"/>
+          <p:cNvSpPr txBox="1"/>
+          <p:nvPr/>
+        </p:nvSpPr>
+        <p:spPr>
+          <a:xfrm>
+            <a:off x="6360607" y="1266092"/>
+            <a:ext cx="2061655" cy="523220"/>
+          </a:xfrm>
+          <a:prstGeom prst="rect">
+            <a:avLst/>
+          </a:prstGeom>
+          <a:noFill/>
+          <a:ln>
+            <a:solidFill>
+              <a:schemeClr val="accent6">
+                <a:shade val="50000"/>
+              </a:schemeClr>
+            </a:solidFill>
+          </a:ln>
+        </p:spPr>
+        <p:txBody>
+          <a:bodyPr wrap="none" rtlCol="0">
+            <a:spAutoFit/>
+          </a:bodyPr>
+          <a:lstStyle/>
+          <a:p>
+            <a:r>
+              <a:rPr lang="en-US" sz="2800" dirty="0" smtClean="0"/>
+              <a:t>map-client.js</a:t>
+            </a:r>
+            <a:endParaRPr lang="ru-RU" sz="2800" dirty="0"/>
           </a:p>
         </p:txBody>
       </p:sp>
     </p:spTree>
     <p:extLst>
       <p:ext uri="{BB962C8B-B14F-4D97-AF65-F5344CB8AC3E}">
-        <p14:creationId xmlns:p14="http://schemas.microsoft.com/office/powerpoint/2010/main" val="217875882"/>
+        <p14:creationId xmlns:p14="http://schemas.microsoft.com/office/powerpoint/2010/main" val="1526769913"/>
       </p:ext>
     </p:extLst>
   </p:cSld>
@@ -7524,7 +9475,7 @@
             </a:r>
             <a:r>
               <a:rPr lang="en-US" dirty="0" smtClean="0"/>
-              <a:t>Load</a:t>
+              <a:t>Add</a:t>
             </a:r>
             <a:endParaRPr lang="ru-RU" dirty="0"/>
           </a:p>
@@ -7538,8 +9489,8 @@
         </p:nvSpPr>
         <p:spPr>
           <a:xfrm>
-            <a:off x="628650" y="794802"/>
-            <a:ext cx="7148774" cy="5816977"/>
+            <a:off x="709037" y="2181475"/>
+            <a:ext cx="7148774" cy="2308324"/>
           </a:xfrm>
           <a:prstGeom prst="rect">
             <a:avLst/>
@@ -7552,473 +9503,49 @@
           <a:lstStyle/>
           <a:p>
             <a:r>
-              <a:rPr lang="en-US" sz="1200" dirty="0" err="1" smtClean="0"/>
-              <a:t>const</a:t>
-            </a:r>
-            <a:r>
-              <a:rPr lang="en-US" sz="1200" dirty="0" smtClean="0"/>
-              <a:t> server = </a:t>
-            </a:r>
-            <a:r>
-              <a:rPr lang="en-US" sz="1200" dirty="0" err="1" smtClean="0"/>
-              <a:t>http.createServer</a:t>
-            </a:r>
-            <a:r>
-              <a:rPr lang="en-US" sz="1200" dirty="0" smtClean="0"/>
-              <a:t>(function(</a:t>
-            </a:r>
-            <a:r>
-              <a:rPr lang="en-US" sz="1200" dirty="0" err="1" smtClean="0"/>
-              <a:t>req</a:t>
-            </a:r>
-            <a:r>
-              <a:rPr lang="en-US" sz="1200" dirty="0" smtClean="0"/>
-              <a:t>, res) {</a:t>
-            </a:r>
-          </a:p>
-          <a:p>
-            <a:r>
-              <a:rPr lang="en-US" sz="1600" b="1" dirty="0" smtClean="0"/>
-              <a:t>    </a:t>
-            </a:r>
-            <a:r>
-              <a:rPr lang="en-US" sz="1600" b="1" dirty="0" err="1" smtClean="0"/>
-              <a:t>res.setHeader</a:t>
-            </a:r>
-            <a:r>
-              <a:rPr lang="en-US" sz="1600" b="1" dirty="0" smtClean="0"/>
-              <a:t>('Access-Control-Allow-Origin', '*');</a:t>
-            </a:r>
-          </a:p>
-          <a:p>
-            <a:r>
-              <a:rPr lang="en-US" sz="1600" b="1" dirty="0" smtClean="0"/>
-              <a:t>    </a:t>
-            </a:r>
-            <a:r>
-              <a:rPr lang="en-US" sz="1600" b="1" dirty="0" err="1" smtClean="0"/>
-              <a:t>res.setHeader</a:t>
-            </a:r>
-            <a:r>
-              <a:rPr lang="en-US" sz="1600" b="1" dirty="0" smtClean="0"/>
-              <a:t>('Access-Control-Allow-Methods', 'POST, GET, OPTIONS, DELETE');</a:t>
-            </a:r>
-          </a:p>
-          <a:p>
-            <a:r>
-              <a:rPr lang="en-US" sz="1200" dirty="0" smtClean="0"/>
-              <a:t>    if (</a:t>
-            </a:r>
-            <a:r>
-              <a:rPr lang="en-US" sz="1200" dirty="0" err="1" smtClean="0"/>
-              <a:t>req.method</a:t>
-            </a:r>
-            <a:r>
-              <a:rPr lang="en-US" sz="1200" dirty="0" smtClean="0"/>
-              <a:t> == 'POST') {</a:t>
-            </a:r>
-          </a:p>
-          <a:p>
-            <a:r>
-              <a:rPr lang="en-US" sz="1200" dirty="0" smtClean="0"/>
-              <a:t>        </a:t>
-            </a:r>
-            <a:r>
-              <a:rPr lang="en-US" sz="1200" dirty="0" err="1" smtClean="0"/>
-              <a:t>var</a:t>
-            </a:r>
-            <a:r>
-              <a:rPr lang="en-US" sz="1200" dirty="0" smtClean="0"/>
-              <a:t> </a:t>
-            </a:r>
-            <a:r>
-              <a:rPr lang="en-US" sz="1200" dirty="0" err="1" smtClean="0"/>
-              <a:t>params</a:t>
-            </a:r>
-            <a:r>
-              <a:rPr lang="en-US" sz="1200" dirty="0" smtClean="0"/>
-              <a:t> = </a:t>
-            </a:r>
-            <a:r>
-              <a:rPr lang="en-US" sz="1200" dirty="0" err="1" smtClean="0"/>
-              <a:t>url.parse</a:t>
-            </a:r>
-            <a:r>
-              <a:rPr lang="en-US" sz="1200" dirty="0" smtClean="0"/>
-              <a:t>(req.url, true).query;</a:t>
-            </a:r>
-          </a:p>
-          <a:p>
-            <a:r>
-              <a:rPr lang="en-US" sz="1200" dirty="0" smtClean="0"/>
-              <a:t>        </a:t>
-            </a:r>
-            <a:r>
-              <a:rPr lang="en-US" sz="1200" dirty="0" err="1" smtClean="0"/>
-              <a:t>MongoClient.connect</a:t>
-            </a:r>
-            <a:r>
-              <a:rPr lang="en-US" sz="1200" dirty="0" smtClean="0"/>
-              <a:t>(</a:t>
-            </a:r>
-            <a:r>
-              <a:rPr lang="en-US" sz="1200" dirty="0" err="1" smtClean="0"/>
-              <a:t>mongoUrl</a:t>
-            </a:r>
-            <a:r>
-              <a:rPr lang="en-US" sz="1200" dirty="0" smtClean="0"/>
-              <a:t>, function(err, </a:t>
-            </a:r>
-            <a:r>
-              <a:rPr lang="en-US" sz="1200" dirty="0" err="1" smtClean="0"/>
-              <a:t>db</a:t>
-            </a:r>
-            <a:r>
-              <a:rPr lang="en-US" sz="1200" dirty="0" smtClean="0"/>
-              <a:t>) {</a:t>
-            </a:r>
-          </a:p>
-          <a:p>
-            <a:r>
-              <a:rPr lang="en-US" sz="1200" dirty="0" smtClean="0"/>
-              <a:t>            </a:t>
-            </a:r>
-            <a:r>
-              <a:rPr lang="en-US" sz="1200" dirty="0" err="1" smtClean="0"/>
-              <a:t>var</a:t>
-            </a:r>
-            <a:r>
-              <a:rPr lang="en-US" sz="1200" dirty="0" smtClean="0"/>
-              <a:t> collection = </a:t>
-            </a:r>
-            <a:r>
-              <a:rPr lang="en-US" sz="1200" dirty="0" err="1" smtClean="0"/>
-              <a:t>db.collection</a:t>
-            </a:r>
-            <a:r>
-              <a:rPr lang="en-US" sz="1200" dirty="0" smtClean="0"/>
-              <a:t>('points');</a:t>
-            </a:r>
-          </a:p>
-          <a:p>
-            <a:r>
-              <a:rPr lang="en-US" sz="1200" dirty="0" smtClean="0"/>
-              <a:t>            </a:t>
-            </a:r>
-            <a:r>
-              <a:rPr lang="en-US" sz="1200" dirty="0" err="1" smtClean="0"/>
-              <a:t>collection.insertOne</a:t>
-            </a:r>
-            <a:r>
-              <a:rPr lang="en-US" sz="1200" dirty="0" smtClean="0"/>
-              <a:t>({</a:t>
-            </a:r>
-            <a:r>
-              <a:rPr lang="en-US" sz="1200" dirty="0" err="1" smtClean="0"/>
-              <a:t>lat</a:t>
-            </a:r>
-            <a:r>
-              <a:rPr lang="en-US" sz="1200" dirty="0" smtClean="0"/>
-              <a:t>: </a:t>
-            </a:r>
-            <a:r>
-              <a:rPr lang="en-US" sz="1200" dirty="0" err="1" smtClean="0"/>
-              <a:t>parseFloat</a:t>
-            </a:r>
-            <a:r>
-              <a:rPr lang="en-US" sz="1200" dirty="0" smtClean="0"/>
-              <a:t>(</a:t>
-            </a:r>
-            <a:r>
-              <a:rPr lang="en-US" sz="1200" dirty="0" err="1" smtClean="0"/>
-              <a:t>params.lat</a:t>
-            </a:r>
-            <a:r>
-              <a:rPr lang="en-US" sz="1200" dirty="0" smtClean="0"/>
-              <a:t>), </a:t>
-            </a:r>
-            <a:r>
-              <a:rPr lang="en-US" sz="1200" dirty="0" err="1" smtClean="0"/>
-              <a:t>lng</a:t>
-            </a:r>
-            <a:r>
-              <a:rPr lang="en-US" sz="1200" dirty="0" smtClean="0"/>
-              <a:t>: </a:t>
-            </a:r>
-            <a:r>
-              <a:rPr lang="en-US" sz="1200" dirty="0" err="1" smtClean="0"/>
-              <a:t>parseFloat</a:t>
-            </a:r>
-            <a:r>
-              <a:rPr lang="en-US" sz="1200" dirty="0" smtClean="0"/>
-              <a:t>(</a:t>
-            </a:r>
-            <a:r>
-              <a:rPr lang="en-US" sz="1200" dirty="0" err="1" smtClean="0"/>
-              <a:t>params.lng</a:t>
-            </a:r>
-            <a:r>
-              <a:rPr lang="en-US" sz="1200" dirty="0" smtClean="0"/>
-              <a:t>)}, function(err, result) {</a:t>
-            </a:r>
-          </a:p>
-          <a:p>
-            <a:r>
-              <a:rPr lang="en-US" sz="1200" dirty="0" smtClean="0"/>
-              <a:t>                console.log("Inserted new point " + </a:t>
-            </a:r>
-            <a:r>
-              <a:rPr lang="en-US" sz="1200" dirty="0" err="1" smtClean="0"/>
-              <a:t>params.lat</a:t>
-            </a:r>
-            <a:r>
-              <a:rPr lang="en-US" sz="1200" dirty="0" smtClean="0"/>
-              <a:t> + "," + </a:t>
-            </a:r>
-            <a:r>
-              <a:rPr lang="en-US" sz="1200" dirty="0" err="1" smtClean="0"/>
-              <a:t>params.lng</a:t>
-            </a:r>
-            <a:r>
-              <a:rPr lang="en-US" sz="1200" dirty="0" smtClean="0"/>
-              <a:t>);</a:t>
-            </a:r>
-          </a:p>
-          <a:p>
-            <a:r>
-              <a:rPr lang="en-US" sz="1200" dirty="0" smtClean="0"/>
-              <a:t>                </a:t>
-            </a:r>
-            <a:r>
-              <a:rPr lang="en-US" sz="1200" dirty="0" err="1" smtClean="0"/>
-              <a:t>db.close</a:t>
-            </a:r>
-            <a:r>
-              <a:rPr lang="en-US" sz="1200" dirty="0" smtClean="0"/>
-              <a:t>();                </a:t>
-            </a:r>
-          </a:p>
-          <a:p>
-            <a:r>
-              <a:rPr lang="en-US" sz="1200" dirty="0" smtClean="0"/>
-              <a:t>                </a:t>
-            </a:r>
-            <a:r>
-              <a:rPr lang="en-US" sz="1200" dirty="0" err="1" smtClean="0"/>
-              <a:t>res.end</a:t>
-            </a:r>
-            <a:r>
-              <a:rPr lang="en-US" sz="1200" dirty="0" smtClean="0"/>
-              <a:t>();</a:t>
-            </a:r>
-          </a:p>
-          <a:p>
-            <a:r>
-              <a:rPr lang="en-US" sz="1200" dirty="0" smtClean="0"/>
-              <a:t>            });</a:t>
-            </a:r>
-          </a:p>
-          <a:p>
-            <a:r>
-              <a:rPr lang="en-US" sz="1200" dirty="0" smtClean="0"/>
-              <a:t>        });        </a:t>
-            </a:r>
-          </a:p>
-          <a:p>
-            <a:r>
-              <a:rPr lang="en-US" sz="1200" dirty="0" smtClean="0"/>
-              <a:t>    }</a:t>
-            </a:r>
-          </a:p>
-          <a:p>
-            <a:r>
-              <a:rPr lang="en-US" sz="1600" b="1" dirty="0" smtClean="0"/>
-              <a:t>    if (</a:t>
-            </a:r>
-            <a:r>
-              <a:rPr lang="en-US" sz="1600" b="1" dirty="0" err="1" smtClean="0"/>
-              <a:t>req.method</a:t>
-            </a:r>
-            <a:r>
-              <a:rPr lang="en-US" sz="1600" b="1" dirty="0" smtClean="0"/>
-              <a:t> == 'GET') {</a:t>
-            </a:r>
-          </a:p>
-          <a:p>
-            <a:r>
-              <a:rPr lang="en-US" sz="1600" b="1" dirty="0" smtClean="0"/>
-              <a:t>        </a:t>
-            </a:r>
-            <a:r>
-              <a:rPr lang="en-US" sz="1600" b="1" dirty="0" err="1" smtClean="0"/>
-              <a:t>MongoClient.connect</a:t>
-            </a:r>
-            <a:r>
-              <a:rPr lang="en-US" sz="1600" b="1" dirty="0" smtClean="0"/>
-              <a:t>(</a:t>
-            </a:r>
-            <a:r>
-              <a:rPr lang="en-US" sz="1600" b="1" dirty="0" err="1" smtClean="0"/>
-              <a:t>mongoUrl</a:t>
-            </a:r>
-            <a:r>
-              <a:rPr lang="en-US" sz="1600" b="1" dirty="0" smtClean="0"/>
-              <a:t>, function(err, </a:t>
-            </a:r>
-            <a:r>
-              <a:rPr lang="en-US" sz="1600" b="1" dirty="0" err="1" smtClean="0"/>
-              <a:t>db</a:t>
-            </a:r>
-            <a:r>
-              <a:rPr lang="en-US" sz="1600" b="1" dirty="0" smtClean="0"/>
-              <a:t>) {</a:t>
-            </a:r>
-          </a:p>
-          <a:p>
-            <a:r>
-              <a:rPr lang="en-US" sz="1600" b="1" dirty="0" smtClean="0"/>
-              <a:t>            </a:t>
-            </a:r>
-            <a:r>
-              <a:rPr lang="en-US" sz="1600" b="1" dirty="0" err="1" smtClean="0"/>
-              <a:t>var</a:t>
-            </a:r>
-            <a:r>
-              <a:rPr lang="en-US" sz="1600" b="1" dirty="0" smtClean="0"/>
-              <a:t> collection = </a:t>
-            </a:r>
-            <a:r>
-              <a:rPr lang="en-US" sz="1600" b="1" dirty="0" err="1" smtClean="0"/>
-              <a:t>db.collection</a:t>
-            </a:r>
-            <a:r>
-              <a:rPr lang="en-US" sz="1600" b="1" dirty="0" smtClean="0"/>
-              <a:t>('points');</a:t>
-            </a:r>
-          </a:p>
-          <a:p>
-            <a:r>
-              <a:rPr lang="en-US" sz="1600" b="1" dirty="0" smtClean="0"/>
-              <a:t>            </a:t>
-            </a:r>
-            <a:r>
-              <a:rPr lang="en-US" sz="1600" b="1" dirty="0" err="1" smtClean="0"/>
-              <a:t>collection.find</a:t>
-            </a:r>
-            <a:r>
-              <a:rPr lang="en-US" sz="1600" b="1" dirty="0" smtClean="0"/>
-              <a:t>({}).</a:t>
-            </a:r>
-            <a:r>
-              <a:rPr lang="en-US" sz="1600" b="1" dirty="0" err="1" smtClean="0"/>
-              <a:t>toArray</a:t>
-            </a:r>
-            <a:r>
-              <a:rPr lang="en-US" sz="1600" b="1" dirty="0" smtClean="0"/>
-              <a:t>(function(err, points) {</a:t>
-            </a:r>
-          </a:p>
-          <a:p>
-            <a:r>
-              <a:rPr lang="en-US" sz="1600" b="1" dirty="0" smtClean="0"/>
-              <a:t>                console.log("Retrieving all points");</a:t>
-            </a:r>
-          </a:p>
-          <a:p>
-            <a:r>
-              <a:rPr lang="en-US" sz="1600" b="1" dirty="0" smtClean="0"/>
-              <a:t>                </a:t>
-            </a:r>
-            <a:r>
-              <a:rPr lang="en-US" sz="1600" b="1" dirty="0" err="1" smtClean="0"/>
-              <a:t>db.close</a:t>
-            </a:r>
-            <a:r>
-              <a:rPr lang="en-US" sz="1600" b="1" dirty="0" smtClean="0"/>
-              <a:t>();</a:t>
-            </a:r>
-          </a:p>
-          <a:p>
-            <a:r>
-              <a:rPr lang="en-US" sz="1600" b="1" dirty="0" smtClean="0"/>
-              <a:t>                </a:t>
-            </a:r>
-            <a:r>
-              <a:rPr lang="en-US" sz="1600" b="1" dirty="0" err="1" smtClean="0"/>
-              <a:t>res.setHeader</a:t>
-            </a:r>
-            <a:r>
-              <a:rPr lang="en-US" sz="1600" b="1" dirty="0" smtClean="0"/>
-              <a:t>('Content-Type', 'application/</a:t>
-            </a:r>
-            <a:r>
-              <a:rPr lang="en-US" sz="1600" b="1" dirty="0" err="1" smtClean="0"/>
-              <a:t>json</a:t>
-            </a:r>
-            <a:r>
-              <a:rPr lang="en-US" sz="1600" b="1" dirty="0" smtClean="0"/>
-              <a:t>');</a:t>
-            </a:r>
-          </a:p>
-          <a:p>
-            <a:r>
-              <a:rPr lang="en-US" sz="1600" b="1" dirty="0" smtClean="0"/>
-              <a:t>                </a:t>
-            </a:r>
-            <a:r>
-              <a:rPr lang="en-US" sz="1600" b="1" dirty="0" err="1" smtClean="0"/>
-              <a:t>res.end</a:t>
-            </a:r>
-            <a:r>
-              <a:rPr lang="en-US" sz="1600" b="1" dirty="0" smtClean="0"/>
-              <a:t>(</a:t>
-            </a:r>
-            <a:r>
-              <a:rPr lang="en-US" sz="1600" b="1" dirty="0" err="1" smtClean="0"/>
-              <a:t>JSON.stringify</a:t>
-            </a:r>
-            <a:r>
-              <a:rPr lang="en-US" sz="1600" b="1" dirty="0" smtClean="0"/>
-              <a:t>(points));</a:t>
-            </a:r>
-          </a:p>
-          <a:p>
-            <a:r>
-              <a:rPr lang="en-US" sz="1600" b="1" dirty="0" smtClean="0"/>
-              <a:t>            });</a:t>
-            </a:r>
-          </a:p>
-          <a:p>
-            <a:r>
-              <a:rPr lang="en-US" sz="1600" b="1" dirty="0" smtClean="0"/>
-              <a:t>        });</a:t>
-            </a:r>
-          </a:p>
-          <a:p>
-            <a:r>
-              <a:rPr lang="en-US" sz="1600" b="1" dirty="0" smtClean="0"/>
-              <a:t>    }</a:t>
-            </a:r>
-          </a:p>
-          <a:p>
-            <a:r>
-              <a:rPr lang="en-US" sz="1600" dirty="0" smtClean="0"/>
-              <a:t>});</a:t>
-            </a:r>
-            <a:endParaRPr lang="ru-RU" sz="1600" dirty="0"/>
-          </a:p>
-        </p:txBody>
-      </p:sp>
-      <p:sp>
-        <p:nvSpPr>
-          <p:cNvPr id="3" name="TextBox 2"/>
+              <a:rPr lang="en-US" sz="3600" dirty="0" smtClean="0"/>
+              <a:t>show </a:t>
+            </a:r>
+            <a:r>
+              <a:rPr lang="en-US" sz="3600" dirty="0" err="1" smtClean="0"/>
+              <a:t>dbs</a:t>
+            </a:r>
+            <a:endParaRPr lang="en-US" sz="3600" dirty="0" smtClean="0"/>
+          </a:p>
+          <a:p>
+            <a:r>
+              <a:rPr lang="en-US" sz="3600" dirty="0" smtClean="0"/>
+              <a:t>use map</a:t>
+            </a:r>
+          </a:p>
+          <a:p>
+            <a:r>
+              <a:rPr lang="en-US" sz="3600" dirty="0" smtClean="0"/>
+              <a:t>show collections</a:t>
+            </a:r>
+          </a:p>
+          <a:p>
+            <a:r>
+              <a:rPr lang="en-US" sz="3600" dirty="0" err="1" smtClean="0"/>
+              <a:t>db.points.find</a:t>
+            </a:r>
+            <a:r>
+              <a:rPr lang="en-US" sz="3600" dirty="0" smtClean="0"/>
+              <a:t>({})</a:t>
+            </a:r>
+          </a:p>
+        </p:txBody>
+      </p:sp>
+      <p:sp>
+        <p:nvSpPr>
+          <p:cNvPr id="5" name="TextBox 4"/>
           <p:cNvSpPr txBox="1"/>
           <p:nvPr/>
         </p:nvSpPr>
         <p:spPr>
           <a:xfrm>
-            <a:off x="6541477" y="1607193"/>
-            <a:ext cx="2134495" cy="523220"/>
+            <a:off x="6573296" y="4813457"/>
+            <a:ext cx="1204945" cy="523220"/>
           </a:xfrm>
           <a:prstGeom prst="rect">
             <a:avLst/>
@@ -8040,81 +9567,7 @@
           <a:p>
             <a:r>
               <a:rPr lang="en-US" sz="2800" dirty="0" smtClean="0"/>
-              <a:t>map-server.js</a:t>
-            </a:r>
-            <a:endParaRPr lang="ru-RU" sz="2800" dirty="0"/>
-          </a:p>
-        </p:txBody>
-      </p:sp>
-      <p:sp>
-        <p:nvSpPr>
-          <p:cNvPr id="5" name="TextBox 4"/>
-          <p:cNvSpPr txBox="1"/>
-          <p:nvPr/>
-        </p:nvSpPr>
-        <p:spPr>
-          <a:xfrm>
-            <a:off x="2764972" y="5939707"/>
-            <a:ext cx="4352987" cy="523220"/>
-          </a:xfrm>
-          <a:prstGeom prst="rect">
-            <a:avLst/>
-          </a:prstGeom>
-          <a:noFill/>
-          <a:ln>
-            <a:solidFill>
-              <a:schemeClr val="accent6">
-                <a:shade val="50000"/>
-              </a:schemeClr>
-            </a:solidFill>
-          </a:ln>
-        </p:spPr>
-        <p:txBody>
-          <a:bodyPr wrap="none" rtlCol="0">
-            <a:spAutoFit/>
-          </a:bodyPr>
-          <a:lstStyle/>
-          <a:p>
-            <a:r>
-              <a:rPr lang="en-US" sz="2800" dirty="0" smtClean="0"/>
-              <a:t>http://localhost:8080/points</a:t>
-            </a:r>
-            <a:endParaRPr lang="ru-RU" sz="2800" dirty="0"/>
-          </a:p>
-        </p:txBody>
-      </p:sp>
-      <p:sp>
-        <p:nvSpPr>
-          <p:cNvPr id="6" name="TextBox 5"/>
-          <p:cNvSpPr txBox="1"/>
-          <p:nvPr/>
-        </p:nvSpPr>
-        <p:spPr>
-          <a:xfrm>
-            <a:off x="4815779" y="5267635"/>
-            <a:ext cx="2961645" cy="523220"/>
-          </a:xfrm>
-          <a:prstGeom prst="rect">
-            <a:avLst/>
-          </a:prstGeom>
-          <a:noFill/>
-          <a:ln>
-            <a:solidFill>
-              <a:schemeClr val="accent6">
-                <a:shade val="50000"/>
-              </a:schemeClr>
-            </a:solidFill>
-          </a:ln>
-        </p:spPr>
-        <p:txBody>
-          <a:bodyPr wrap="none" rtlCol="0">
-            <a:spAutoFit/>
-          </a:bodyPr>
-          <a:lstStyle/>
-          <a:p>
-            <a:r>
-              <a:rPr lang="en-US" sz="2800" dirty="0" smtClean="0"/>
-              <a:t>node map-server.js</a:t>
+              <a:t>mongo</a:t>
             </a:r>
             <a:endParaRPr lang="ru-RU" sz="2800" dirty="0"/>
           </a:p>
@@ -8123,7 +9576,7 @@
     </p:spTree>
     <p:extLst>
       <p:ext uri="{BB962C8B-B14F-4D97-AF65-F5344CB8AC3E}">
-        <p14:creationId xmlns:p14="http://schemas.microsoft.com/office/powerpoint/2010/main" val="336438095"/>
+        <p14:creationId xmlns:p14="http://schemas.microsoft.com/office/powerpoint/2010/main" val="217875882"/>
       </p:ext>
     </p:extLst>
   </p:cSld>
@@ -8205,8 +9658,8 @@
         </p:nvSpPr>
         <p:spPr>
           <a:xfrm>
-            <a:off x="628650" y="753626"/>
-            <a:ext cx="7886700" cy="5909310"/>
+            <a:off x="628650" y="794802"/>
+            <a:ext cx="7148774" cy="5816977"/>
           </a:xfrm>
           <a:prstGeom prst="rect">
             <a:avLst/>
@@ -8218,170 +9671,461 @@
           </a:bodyPr>
           <a:lstStyle/>
           <a:p>
-            <a:endParaRPr lang="en-US" dirty="0" smtClean="0"/>
-          </a:p>
-          <a:p>
-            <a:r>
-              <a:rPr lang="en-US" dirty="0" smtClean="0"/>
-              <a:t>function </a:t>
-            </a:r>
-            <a:r>
-              <a:rPr lang="en-US" dirty="0" err="1" smtClean="0"/>
-              <a:t>initMap</a:t>
-            </a:r>
-            <a:r>
-              <a:rPr lang="en-US" dirty="0" smtClean="0"/>
-              <a:t>() {</a:t>
-            </a:r>
-          </a:p>
-          <a:p>
-            <a:r>
-              <a:rPr lang="en-US" dirty="0"/>
-              <a:t>	</a:t>
-            </a:r>
-            <a:r>
-              <a:rPr lang="en-US" dirty="0" smtClean="0"/>
-              <a:t>….</a:t>
-            </a:r>
-          </a:p>
-          <a:p>
-            <a:r>
-              <a:rPr lang="en-US" dirty="0"/>
+            <a:r>
+              <a:rPr lang="en-US" sz="1200" dirty="0" err="1" smtClean="0"/>
+              <a:t>const</a:t>
+            </a:r>
+            <a:r>
+              <a:rPr lang="en-US" sz="1200" dirty="0" smtClean="0"/>
+              <a:t> server = </a:t>
+            </a:r>
+            <a:r>
+              <a:rPr lang="en-US" sz="1200" dirty="0" err="1" smtClean="0"/>
+              <a:t>http.createServer</a:t>
+            </a:r>
+            <a:r>
+              <a:rPr lang="en-US" sz="1200" dirty="0" smtClean="0"/>
+              <a:t>(function(</a:t>
+            </a:r>
+            <a:r>
+              <a:rPr lang="en-US" sz="1200" dirty="0" err="1" smtClean="0"/>
+              <a:t>req</a:t>
+            </a:r>
+            <a:r>
+              <a:rPr lang="en-US" sz="1200" dirty="0" smtClean="0"/>
+              <a:t>, res) {</a:t>
+            </a:r>
+          </a:p>
+          <a:p>
+            <a:r>
+              <a:rPr lang="en-US" sz="1600" b="1" dirty="0" smtClean="0"/>
+              <a:t>    </a:t>
+            </a:r>
+            <a:r>
+              <a:rPr lang="en-US" sz="1600" b="1" dirty="0" err="1" smtClean="0"/>
+              <a:t>res.setHeader</a:t>
+            </a:r>
+            <a:r>
+              <a:rPr lang="en-US" sz="1600" b="1" dirty="0" smtClean="0"/>
+              <a:t>('Access-Control-Allow-Origin', '*');</a:t>
+            </a:r>
+          </a:p>
+          <a:p>
+            <a:r>
+              <a:rPr lang="en-US" sz="1600" b="1" dirty="0" smtClean="0"/>
+              <a:t>    </a:t>
+            </a:r>
+            <a:r>
+              <a:rPr lang="en-US" sz="1600" b="1" dirty="0" err="1" smtClean="0"/>
+              <a:t>res.setHeader</a:t>
+            </a:r>
+            <a:r>
+              <a:rPr lang="en-US" sz="1600" b="1" dirty="0" smtClean="0"/>
+              <a:t>('Access-Control-Allow-Methods', 'POST, GET, OPTIONS, DELETE');</a:t>
+            </a:r>
+          </a:p>
+          <a:p>
+            <a:r>
+              <a:rPr lang="en-US" sz="1200" dirty="0" smtClean="0"/>
+              <a:t>    if (</a:t>
+            </a:r>
+            <a:r>
+              <a:rPr lang="en-US" sz="1200" dirty="0" err="1" smtClean="0"/>
+              <a:t>req.method</a:t>
+            </a:r>
+            <a:r>
+              <a:rPr lang="en-US" sz="1200" dirty="0" smtClean="0"/>
+              <a:t> == 'POST') {</a:t>
+            </a:r>
+          </a:p>
+          <a:p>
+            <a:r>
+              <a:rPr lang="en-US" sz="1200" dirty="0" smtClean="0"/>
+              <a:t>        </a:t>
+            </a:r>
+            <a:r>
+              <a:rPr lang="en-US" sz="1200" dirty="0" err="1" smtClean="0"/>
+              <a:t>var</a:t>
+            </a:r>
+            <a:r>
+              <a:rPr lang="en-US" sz="1200" dirty="0" smtClean="0"/>
               <a:t> </a:t>
             </a:r>
             <a:r>
-              <a:rPr lang="en-US" dirty="0" smtClean="0"/>
-              <a:t>   </a:t>
-            </a:r>
-            <a:r>
-              <a:rPr lang="en-US" dirty="0" err="1" smtClean="0"/>
-              <a:t>map.addListener</a:t>
-            </a:r>
-            <a:r>
-              <a:rPr lang="en-US" dirty="0" smtClean="0"/>
-              <a:t>('click', function(e) {</a:t>
-            </a:r>
-          </a:p>
-          <a:p>
-            <a:r>
-              <a:rPr lang="en-US" dirty="0"/>
-              <a:t>	</a:t>
-            </a:r>
-            <a:r>
-              <a:rPr lang="en-US" dirty="0" smtClean="0"/>
-              <a:t>….</a:t>
-            </a:r>
-          </a:p>
-          <a:p>
-            <a:r>
-              <a:rPr lang="en-US" dirty="0" smtClean="0"/>
-              <a:t>    });</a:t>
-            </a:r>
-          </a:p>
-          <a:p>
-            <a:r>
-              <a:rPr lang="en-US" sz="2400" b="1" dirty="0" smtClean="0"/>
-              <a:t>   $.get("http://localhost:8080/points", function(data) {</a:t>
-            </a:r>
-          </a:p>
-          <a:p>
-            <a:r>
-              <a:rPr lang="en-US" sz="2400" b="1" dirty="0" smtClean="0"/>
-              <a:t>        $.each(data, function(</a:t>
-            </a:r>
-            <a:r>
-              <a:rPr lang="en-US" sz="2400" b="1" dirty="0" err="1" smtClean="0"/>
-              <a:t>idx</a:t>
-            </a:r>
-            <a:r>
-              <a:rPr lang="en-US" sz="2400" b="1" dirty="0" smtClean="0"/>
-              <a:t>, value) {</a:t>
-            </a:r>
-          </a:p>
-          <a:p>
-            <a:r>
-              <a:rPr lang="en-US" sz="2400" b="1" dirty="0" smtClean="0"/>
+              <a:rPr lang="en-US" sz="1200" dirty="0" err="1" smtClean="0"/>
+              <a:t>params</a:t>
+            </a:r>
+            <a:r>
+              <a:rPr lang="en-US" sz="1200" dirty="0" smtClean="0"/>
+              <a:t> = </a:t>
+            </a:r>
+            <a:r>
+              <a:rPr lang="en-US" sz="1200" dirty="0" err="1" smtClean="0"/>
+              <a:t>url.parse</a:t>
+            </a:r>
+            <a:r>
+              <a:rPr lang="en-US" sz="1200" dirty="0" smtClean="0"/>
+              <a:t>(req.url, true).query;</a:t>
+            </a:r>
+          </a:p>
+          <a:p>
+            <a:r>
+              <a:rPr lang="en-US" sz="1200" dirty="0" smtClean="0"/>
+              <a:t>        </a:t>
+            </a:r>
+            <a:r>
+              <a:rPr lang="en-US" sz="1200" dirty="0" err="1" smtClean="0"/>
+              <a:t>MongoClient.connect</a:t>
+            </a:r>
+            <a:r>
+              <a:rPr lang="en-US" sz="1200" dirty="0" smtClean="0"/>
+              <a:t>(</a:t>
+            </a:r>
+            <a:r>
+              <a:rPr lang="en-US" sz="1200" dirty="0" err="1" smtClean="0"/>
+              <a:t>mongoUrl</a:t>
+            </a:r>
+            <a:r>
+              <a:rPr lang="en-US" sz="1200" dirty="0" smtClean="0"/>
+              <a:t>, function(err, </a:t>
+            </a:r>
+            <a:r>
+              <a:rPr lang="en-US" sz="1200" dirty="0" err="1" smtClean="0"/>
+              <a:t>db</a:t>
+            </a:r>
+            <a:r>
+              <a:rPr lang="en-US" sz="1200" dirty="0" smtClean="0"/>
+              <a:t>) {</a:t>
+            </a:r>
+          </a:p>
+          <a:p>
+            <a:r>
+              <a:rPr lang="en-US" sz="1200" dirty="0" smtClean="0"/>
               <a:t>            </a:t>
             </a:r>
             <a:r>
-              <a:rPr lang="en-US" sz="2400" b="1" dirty="0" err="1" smtClean="0"/>
+              <a:rPr lang="en-US" sz="1200" dirty="0" err="1" smtClean="0"/>
               <a:t>var</a:t>
             </a:r>
             <a:r>
-              <a:rPr lang="en-US" sz="2400" b="1" dirty="0" smtClean="0"/>
-              <a:t> marker = new </a:t>
-            </a:r>
-            <a:r>
-              <a:rPr lang="en-US" sz="2400" b="1" dirty="0" err="1" smtClean="0"/>
-              <a:t>google.maps.Marker</a:t>
-            </a:r>
-            <a:r>
-              <a:rPr lang="en-US" sz="2400" b="1" dirty="0" smtClean="0"/>
+              <a:rPr lang="en-US" sz="1200" dirty="0" smtClean="0"/>
+              <a:t> collection = </a:t>
+            </a:r>
+            <a:r>
+              <a:rPr lang="en-US" sz="1200" dirty="0" err="1" smtClean="0"/>
+              <a:t>db.collection</a:t>
+            </a:r>
+            <a:r>
+              <a:rPr lang="en-US" sz="1200" dirty="0" smtClean="0"/>
+              <a:t>('points');</a:t>
+            </a:r>
+          </a:p>
+          <a:p>
+            <a:r>
+              <a:rPr lang="en-US" sz="1200" dirty="0" smtClean="0"/>
+              <a:t>            </a:t>
+            </a:r>
+            <a:r>
+              <a:rPr lang="en-US" sz="1200" dirty="0" err="1" smtClean="0"/>
+              <a:t>collection.insertOne</a:t>
+            </a:r>
+            <a:r>
+              <a:rPr lang="en-US" sz="1200" dirty="0" smtClean="0"/>
               <a:t>({</a:t>
             </a:r>
-          </a:p>
-          <a:p>
-            <a:r>
-              <a:rPr lang="en-US" sz="2400" b="1" dirty="0" smtClean="0"/>
-              <a:t>                position: value,</a:t>
-            </a:r>
-          </a:p>
-          <a:p>
-            <a:r>
-              <a:rPr lang="en-US" sz="2400" b="1" dirty="0" smtClean="0"/>
-              <a:t>                map: map</a:t>
-            </a:r>
-          </a:p>
-          <a:p>
-            <a:r>
-              <a:rPr lang="en-US" sz="2400" b="1" dirty="0" smtClean="0"/>
+            <a:r>
+              <a:rPr lang="en-US" sz="1200" dirty="0" err="1" smtClean="0"/>
+              <a:t>lat</a:t>
+            </a:r>
+            <a:r>
+              <a:rPr lang="en-US" sz="1200" dirty="0" smtClean="0"/>
+              <a:t>: </a:t>
+            </a:r>
+            <a:r>
+              <a:rPr lang="en-US" sz="1200" dirty="0" err="1" smtClean="0"/>
+              <a:t>parseFloat</a:t>
+            </a:r>
+            <a:r>
+              <a:rPr lang="en-US" sz="1200" dirty="0" smtClean="0"/>
+              <a:t>(</a:t>
+            </a:r>
+            <a:r>
+              <a:rPr lang="en-US" sz="1200" dirty="0" err="1" smtClean="0"/>
+              <a:t>params.lat</a:t>
+            </a:r>
+            <a:r>
+              <a:rPr lang="en-US" sz="1200" dirty="0" smtClean="0"/>
+              <a:t>), </a:t>
+            </a:r>
+            <a:r>
+              <a:rPr lang="en-US" sz="1200" dirty="0" err="1" smtClean="0"/>
+              <a:t>lng</a:t>
+            </a:r>
+            <a:r>
+              <a:rPr lang="en-US" sz="1200" dirty="0" smtClean="0"/>
+              <a:t>: </a:t>
+            </a:r>
+            <a:r>
+              <a:rPr lang="en-US" sz="1200" dirty="0" err="1" smtClean="0"/>
+              <a:t>parseFloat</a:t>
+            </a:r>
+            <a:r>
+              <a:rPr lang="en-US" sz="1200" dirty="0" smtClean="0"/>
+              <a:t>(</a:t>
+            </a:r>
+            <a:r>
+              <a:rPr lang="en-US" sz="1200" dirty="0" err="1" smtClean="0"/>
+              <a:t>params.lng</a:t>
+            </a:r>
+            <a:r>
+              <a:rPr lang="en-US" sz="1200" dirty="0" smtClean="0"/>
+              <a:t>)}, function(err, result) {</a:t>
+            </a:r>
+          </a:p>
+          <a:p>
+            <a:r>
+              <a:rPr lang="en-US" sz="1200" dirty="0" smtClean="0"/>
+              <a:t>                console.log("Inserted new point " + </a:t>
+            </a:r>
+            <a:r>
+              <a:rPr lang="en-US" sz="1200" dirty="0" err="1" smtClean="0"/>
+              <a:t>params.lat</a:t>
+            </a:r>
+            <a:r>
+              <a:rPr lang="en-US" sz="1200" dirty="0" smtClean="0"/>
+              <a:t> + "," + </a:t>
+            </a:r>
+            <a:r>
+              <a:rPr lang="en-US" sz="1200" dirty="0" err="1" smtClean="0"/>
+              <a:t>params.lng</a:t>
+            </a:r>
+            <a:r>
+              <a:rPr lang="en-US" sz="1200" dirty="0" smtClean="0"/>
+              <a:t>);</a:t>
+            </a:r>
+          </a:p>
+          <a:p>
+            <a:r>
+              <a:rPr lang="en-US" sz="1200" dirty="0" smtClean="0"/>
+              <a:t>                </a:t>
+            </a:r>
+            <a:r>
+              <a:rPr lang="en-US" sz="1200" dirty="0" err="1" smtClean="0"/>
+              <a:t>db.close</a:t>
+            </a:r>
+            <a:r>
+              <a:rPr lang="en-US" sz="1200" dirty="0" smtClean="0"/>
+              <a:t>();                </a:t>
+            </a:r>
+          </a:p>
+          <a:p>
+            <a:r>
+              <a:rPr lang="en-US" sz="1200" dirty="0" smtClean="0"/>
+              <a:t>                </a:t>
+            </a:r>
+            <a:r>
+              <a:rPr lang="en-US" sz="1200" dirty="0" err="1" smtClean="0"/>
+              <a:t>res.end</a:t>
+            </a:r>
+            <a:r>
+              <a:rPr lang="en-US" sz="1200" dirty="0" smtClean="0"/>
+              <a:t>();</a:t>
+            </a:r>
+          </a:p>
+          <a:p>
+            <a:r>
+              <a:rPr lang="en-US" sz="1200" dirty="0" smtClean="0"/>
               <a:t>            });</a:t>
             </a:r>
           </a:p>
           <a:p>
             <a:r>
-              <a:rPr lang="en-US" sz="2400" b="1" dirty="0" smtClean="0"/>
+              <a:rPr lang="en-US" sz="1200" dirty="0" smtClean="0"/>
+              <a:t>        });        </a:t>
+            </a:r>
+          </a:p>
+          <a:p>
+            <a:r>
+              <a:rPr lang="en-US" sz="1200" dirty="0" smtClean="0"/>
+              <a:t>    }</a:t>
+            </a:r>
+          </a:p>
+          <a:p>
+            <a:r>
+              <a:rPr lang="en-US" sz="1600" b="1" dirty="0" smtClean="0"/>
+              <a:t>    if (</a:t>
+            </a:r>
+            <a:r>
+              <a:rPr lang="en-US" sz="1600" b="1" dirty="0" err="1" smtClean="0"/>
+              <a:t>req.method</a:t>
+            </a:r>
+            <a:r>
+              <a:rPr lang="en-US" sz="1600" b="1" dirty="0" smtClean="0"/>
+              <a:t> == 'GET') {</a:t>
+            </a:r>
+          </a:p>
+          <a:p>
+            <a:r>
+              <a:rPr lang="en-US" sz="1600" b="1" dirty="0" smtClean="0"/>
+              <a:t>        </a:t>
+            </a:r>
+            <a:r>
+              <a:rPr lang="en-US" sz="1600" b="1" dirty="0" err="1" smtClean="0"/>
+              <a:t>MongoClient.connect</a:t>
+            </a:r>
+            <a:r>
+              <a:rPr lang="en-US" sz="1600" b="1" dirty="0" smtClean="0"/>
+              <a:t>(</a:t>
+            </a:r>
+            <a:r>
+              <a:rPr lang="en-US" sz="1600" b="1" dirty="0" err="1" smtClean="0"/>
+              <a:t>mongoUrl</a:t>
+            </a:r>
+            <a:r>
+              <a:rPr lang="en-US" sz="1600" b="1" dirty="0" smtClean="0"/>
+              <a:t>, function(err, </a:t>
+            </a:r>
+            <a:r>
+              <a:rPr lang="en-US" sz="1600" b="1" dirty="0" err="1" smtClean="0"/>
+              <a:t>db</a:t>
+            </a:r>
+            <a:r>
+              <a:rPr lang="en-US" sz="1600" b="1" dirty="0" smtClean="0"/>
+              <a:t>) {</a:t>
+            </a:r>
+          </a:p>
+          <a:p>
+            <a:r>
+              <a:rPr lang="en-US" sz="1600" b="1" dirty="0" smtClean="0"/>
               <a:t>            </a:t>
             </a:r>
             <a:r>
-              <a:rPr lang="en-US" sz="2400" b="1" dirty="0" err="1" smtClean="0"/>
-              <a:t>markers.push</a:t>
-            </a:r>
-            <a:r>
-              <a:rPr lang="en-US" sz="2400" b="1" dirty="0" smtClean="0"/>
-              <a:t>(marker);</a:t>
-            </a:r>
-          </a:p>
-          <a:p>
-            <a:r>
-              <a:rPr lang="en-US" sz="2400" b="1" dirty="0" smtClean="0"/>
+              <a:rPr lang="en-US" sz="1600" b="1" dirty="0" err="1" smtClean="0"/>
+              <a:t>var</a:t>
+            </a:r>
+            <a:r>
+              <a:rPr lang="en-US" sz="1600" b="1" dirty="0" smtClean="0"/>
+              <a:t> collection = </a:t>
+            </a:r>
+            <a:r>
+              <a:rPr lang="en-US" sz="1600" b="1" dirty="0" err="1" smtClean="0"/>
+              <a:t>db.collection</a:t>
+            </a:r>
+            <a:r>
+              <a:rPr lang="en-US" sz="1600" b="1" dirty="0" smtClean="0"/>
+              <a:t>('points');</a:t>
+            </a:r>
+          </a:p>
+          <a:p>
+            <a:r>
+              <a:rPr lang="en-US" sz="1600" b="1" dirty="0" smtClean="0"/>
+              <a:t>            </a:t>
+            </a:r>
+            <a:r>
+              <a:rPr lang="en-US" sz="1600" b="1" dirty="0" err="1" smtClean="0"/>
+              <a:t>collection.find</a:t>
+            </a:r>
+            <a:r>
+              <a:rPr lang="en-US" sz="1600" b="1" dirty="0" smtClean="0"/>
+              <a:t>({}).</a:t>
+            </a:r>
+            <a:r>
+              <a:rPr lang="en-US" sz="1600" b="1" dirty="0" err="1" smtClean="0"/>
+              <a:t>toArray</a:t>
+            </a:r>
+            <a:r>
+              <a:rPr lang="en-US" sz="1600" b="1" dirty="0" smtClean="0"/>
+              <a:t>(function(err, points) {</a:t>
+            </a:r>
+          </a:p>
+          <a:p>
+            <a:r>
+              <a:rPr lang="en-US" sz="1600" b="1" dirty="0" smtClean="0"/>
+              <a:t>                console.log("Retrieving all points");</a:t>
+            </a:r>
+          </a:p>
+          <a:p>
+            <a:r>
+              <a:rPr lang="en-US" sz="1600" b="1" dirty="0" smtClean="0"/>
+              <a:t>                </a:t>
+            </a:r>
+            <a:r>
+              <a:rPr lang="en-US" sz="1600" b="1" dirty="0" err="1" smtClean="0"/>
+              <a:t>db.close</a:t>
+            </a:r>
+            <a:r>
+              <a:rPr lang="en-US" sz="1600" b="1" dirty="0" smtClean="0"/>
+              <a:t>();</a:t>
+            </a:r>
+          </a:p>
+          <a:p>
+            <a:r>
+              <a:rPr lang="en-US" sz="1600" b="1" dirty="0" smtClean="0"/>
+              <a:t>                </a:t>
+            </a:r>
+            <a:r>
+              <a:rPr lang="en-US" sz="1600" b="1" dirty="0" err="1" smtClean="0"/>
+              <a:t>res.setHeader</a:t>
+            </a:r>
+            <a:r>
+              <a:rPr lang="en-US" sz="1600" b="1" dirty="0" smtClean="0"/>
+              <a:t>('Content-Type', 'application/</a:t>
+            </a:r>
+            <a:r>
+              <a:rPr lang="en-US" sz="1600" b="1" dirty="0" err="1" smtClean="0"/>
+              <a:t>json</a:t>
+            </a:r>
+            <a:r>
+              <a:rPr lang="en-US" sz="1600" b="1" dirty="0" smtClean="0"/>
+              <a:t>');</a:t>
+            </a:r>
+          </a:p>
+          <a:p>
+            <a:r>
+              <a:rPr lang="en-US" sz="1600" b="1" dirty="0" smtClean="0"/>
+              <a:t>                </a:t>
+            </a:r>
+            <a:r>
+              <a:rPr lang="en-US" sz="1600" b="1" dirty="0" err="1" smtClean="0"/>
+              <a:t>res.end</a:t>
+            </a:r>
+            <a:r>
+              <a:rPr lang="en-US" sz="1600" b="1" dirty="0" smtClean="0"/>
+              <a:t>(</a:t>
+            </a:r>
+            <a:r>
+              <a:rPr lang="en-US" sz="1600" b="1" dirty="0" err="1" smtClean="0"/>
+              <a:t>JSON.stringify</a:t>
+            </a:r>
+            <a:r>
+              <a:rPr lang="en-US" sz="1600" b="1" dirty="0" smtClean="0"/>
+              <a:t>(points));</a:t>
+            </a:r>
+          </a:p>
+          <a:p>
+            <a:r>
+              <a:rPr lang="en-US" sz="1600" b="1" dirty="0" smtClean="0"/>
+              <a:t>            });</a:t>
+            </a:r>
+          </a:p>
+          <a:p>
+            <a:r>
+              <a:rPr lang="en-US" sz="1600" b="1" dirty="0" smtClean="0"/>
               <a:t>        });</a:t>
             </a:r>
           </a:p>
           <a:p>
             <a:r>
-              <a:rPr lang="en-US" sz="2400" b="1" dirty="0" smtClean="0"/>
-              <a:t>    });</a:t>
-            </a:r>
-          </a:p>
-          <a:p>
-            <a:r>
-              <a:rPr lang="en-US" dirty="0" smtClean="0"/>
-              <a:t>   $("#clear").click(function() {</a:t>
-            </a:r>
-          </a:p>
-          <a:p>
-            <a:r>
-              <a:rPr lang="en-US" dirty="0"/>
-              <a:t>	</a:t>
-            </a:r>
-            <a:r>
-              <a:rPr lang="en-US" dirty="0" smtClean="0"/>
-              <a:t>……..</a:t>
-            </a:r>
-          </a:p>
-          <a:p>
-            <a:endParaRPr lang="en-US" dirty="0" smtClean="0"/>
+              <a:rPr lang="en-US" sz="1600" b="1" dirty="0" smtClean="0"/>
+              <a:t>    }</a:t>
+            </a:r>
+          </a:p>
+          <a:p>
+            <a:r>
+              <a:rPr lang="en-US" sz="1600" dirty="0" smtClean="0"/>
+              <a:t>});</a:t>
+            </a:r>
+            <a:endParaRPr lang="ru-RU" sz="1600" dirty="0"/>
           </a:p>
         </p:txBody>
       </p:sp>
@@ -8393,8 +10137,8 @@
         </p:nvSpPr>
         <p:spPr>
           <a:xfrm>
-            <a:off x="6360607" y="1266092"/>
-            <a:ext cx="2061655" cy="523220"/>
+            <a:off x="6541477" y="1607193"/>
+            <a:ext cx="2134495" cy="523220"/>
           </a:xfrm>
           <a:prstGeom prst="rect">
             <a:avLst/>
@@ -8416,7 +10160,81 @@
           <a:p>
             <a:r>
               <a:rPr lang="en-US" sz="2800" dirty="0" smtClean="0"/>
-              <a:t>map-client.js</a:t>
+              <a:t>map-server.js</a:t>
+            </a:r>
+            <a:endParaRPr lang="ru-RU" sz="2800" dirty="0"/>
+          </a:p>
+        </p:txBody>
+      </p:sp>
+      <p:sp>
+        <p:nvSpPr>
+          <p:cNvPr id="5" name="TextBox 4"/>
+          <p:cNvSpPr txBox="1"/>
+          <p:nvPr/>
+        </p:nvSpPr>
+        <p:spPr>
+          <a:xfrm>
+            <a:off x="2764972" y="5939707"/>
+            <a:ext cx="4352987" cy="523220"/>
+          </a:xfrm>
+          <a:prstGeom prst="rect">
+            <a:avLst/>
+          </a:prstGeom>
+          <a:noFill/>
+          <a:ln>
+            <a:solidFill>
+              <a:schemeClr val="accent6">
+                <a:shade val="50000"/>
+              </a:schemeClr>
+            </a:solidFill>
+          </a:ln>
+        </p:spPr>
+        <p:txBody>
+          <a:bodyPr wrap="none" rtlCol="0">
+            <a:spAutoFit/>
+          </a:bodyPr>
+          <a:lstStyle/>
+          <a:p>
+            <a:r>
+              <a:rPr lang="en-US" sz="2800" dirty="0" smtClean="0"/>
+              <a:t>http://localhost:8080/points</a:t>
+            </a:r>
+            <a:endParaRPr lang="ru-RU" sz="2800" dirty="0"/>
+          </a:p>
+        </p:txBody>
+      </p:sp>
+      <p:sp>
+        <p:nvSpPr>
+          <p:cNvPr id="6" name="TextBox 5"/>
+          <p:cNvSpPr txBox="1"/>
+          <p:nvPr/>
+        </p:nvSpPr>
+        <p:spPr>
+          <a:xfrm>
+            <a:off x="4815779" y="5267635"/>
+            <a:ext cx="2961645" cy="523220"/>
+          </a:xfrm>
+          <a:prstGeom prst="rect">
+            <a:avLst/>
+          </a:prstGeom>
+          <a:noFill/>
+          <a:ln>
+            <a:solidFill>
+              <a:schemeClr val="accent6">
+                <a:shade val="50000"/>
+              </a:schemeClr>
+            </a:solidFill>
+          </a:ln>
+        </p:spPr>
+        <p:txBody>
+          <a:bodyPr wrap="none" rtlCol="0">
+            <a:spAutoFit/>
+          </a:bodyPr>
+          <a:lstStyle/>
+          <a:p>
+            <a:r>
+              <a:rPr lang="en-US" sz="2800" dirty="0" smtClean="0"/>
+              <a:t>node map-server.js</a:t>
             </a:r>
             <a:endParaRPr lang="ru-RU" sz="2800" dirty="0"/>
           </a:p>
@@ -8425,7 +10243,7 @@
     </p:spTree>
     <p:extLst>
       <p:ext uri="{BB962C8B-B14F-4D97-AF65-F5344CB8AC3E}">
-        <p14:creationId xmlns:p14="http://schemas.microsoft.com/office/powerpoint/2010/main" val="607105974"/>
+        <p14:creationId xmlns:p14="http://schemas.microsoft.com/office/powerpoint/2010/main" val="336438095"/>
       </p:ext>
     </p:extLst>
   </p:cSld>
@@ -8471,7 +10289,7 @@
         </p:nvSpPr>
         <p:spPr>
           <a:xfrm>
-            <a:off x="628650" y="-157388"/>
+            <a:off x="628650" y="-167436"/>
             <a:ext cx="7886700" cy="1325563"/>
           </a:xfrm>
         </p:spPr>
@@ -8493,7 +10311,7 @@
             </a:r>
             <a:r>
               <a:rPr lang="en-US" dirty="0" smtClean="0"/>
-              <a:t>Delete</a:t>
+              <a:t>Load</a:t>
             </a:r>
             <a:endParaRPr lang="ru-RU" dirty="0"/>
           </a:p>
@@ -8508,7 +10326,7 @@
         <p:spPr>
           <a:xfrm>
             <a:off x="628650" y="753626"/>
-            <a:ext cx="7886700" cy="6247864"/>
+            <a:ext cx="7886700" cy="5909310"/>
           </a:xfrm>
           <a:prstGeom prst="rect">
             <a:avLst/>
@@ -8520,351 +10338,170 @@
           </a:bodyPr>
           <a:lstStyle/>
           <a:p>
-            <a:r>
-              <a:rPr lang="en-US" sz="1600" dirty="0" err="1" smtClean="0"/>
-              <a:t>const</a:t>
-            </a:r>
-            <a:r>
-              <a:rPr lang="en-US" sz="1600" dirty="0" smtClean="0"/>
-              <a:t> server = </a:t>
-            </a:r>
-            <a:r>
-              <a:rPr lang="en-US" sz="1600" dirty="0" err="1" smtClean="0"/>
-              <a:t>http.createServer</a:t>
-            </a:r>
-            <a:r>
-              <a:rPr lang="en-US" sz="1600" dirty="0" smtClean="0"/>
-              <a:t>(function(</a:t>
-            </a:r>
-            <a:r>
-              <a:rPr lang="en-US" sz="1600" dirty="0" err="1" smtClean="0"/>
-              <a:t>req</a:t>
-            </a:r>
-            <a:r>
-              <a:rPr lang="en-US" sz="1600" dirty="0" smtClean="0"/>
-              <a:t>, res) {</a:t>
-            </a:r>
-          </a:p>
-          <a:p>
-            <a:r>
-              <a:rPr lang="en-US" sz="1600" dirty="0" smtClean="0"/>
+            <a:endParaRPr lang="en-US" dirty="0" smtClean="0"/>
+          </a:p>
+          <a:p>
+            <a:r>
+              <a:rPr lang="en-US" dirty="0" smtClean="0"/>
+              <a:t>function </a:t>
+            </a:r>
+            <a:r>
+              <a:rPr lang="en-US" dirty="0" err="1" smtClean="0"/>
+              <a:t>initMap</a:t>
+            </a:r>
+            <a:r>
+              <a:rPr lang="en-US" dirty="0" smtClean="0"/>
+              <a:t>() {</a:t>
+            </a:r>
+          </a:p>
+          <a:p>
+            <a:r>
+              <a:rPr lang="en-US" dirty="0"/>
+              <a:t>	</a:t>
+            </a:r>
+            <a:r>
+              <a:rPr lang="en-US" dirty="0" smtClean="0"/>
+              <a:t>….</a:t>
+            </a:r>
+          </a:p>
+          <a:p>
+            <a:r>
+              <a:rPr lang="en-US" dirty="0"/>
+              <a:t> </a:t>
+            </a:r>
+            <a:r>
+              <a:rPr lang="en-US" dirty="0" smtClean="0"/>
               <a:t>   </a:t>
             </a:r>
             <a:r>
-              <a:rPr lang="en-US" sz="1600" dirty="0" err="1" smtClean="0"/>
-              <a:t>res.setHeader</a:t>
-            </a:r>
-            <a:r>
-              <a:rPr lang="en-US" sz="1600" dirty="0" smtClean="0"/>
-              <a:t>('Access-Control-Allow-Origin', '*');</a:t>
-            </a:r>
-          </a:p>
-          <a:p>
-            <a:r>
-              <a:rPr lang="en-US" sz="1600" dirty="0" smtClean="0"/>
-              <a:t>   </a:t>
-            </a:r>
-            <a:r>
-              <a:rPr lang="en-US" sz="1600" dirty="0" err="1" smtClean="0"/>
-              <a:t>res.setHeader</a:t>
-            </a:r>
-            <a:r>
-              <a:rPr lang="en-US" sz="1600" dirty="0" smtClean="0"/>
-              <a:t>('Access-Control-Allow-Methods', 'POST, GET, OPTIONS, DELETE');</a:t>
-            </a:r>
-          </a:p>
-          <a:p>
-            <a:r>
-              <a:rPr lang="en-US" sz="1600" b="1" dirty="0" smtClean="0"/>
-              <a:t>   switch (</a:t>
-            </a:r>
-            <a:r>
-              <a:rPr lang="en-US" sz="1600" b="1" dirty="0" err="1" smtClean="0"/>
-              <a:t>req.method</a:t>
-            </a:r>
-            <a:r>
-              <a:rPr lang="en-US" sz="1600" b="1" dirty="0" smtClean="0"/>
-              <a:t>) {</a:t>
-            </a:r>
-          </a:p>
-          <a:p>
-            <a:r>
-              <a:rPr lang="en-US" sz="1600" b="1" dirty="0" smtClean="0"/>
-              <a:t>      case 'POST':  </a:t>
-            </a:r>
-            <a:r>
-              <a:rPr lang="en-US" sz="1600" dirty="0" err="1" smtClean="0"/>
+              <a:rPr lang="en-US" dirty="0" err="1" smtClean="0"/>
+              <a:t>map.addListener</a:t>
+            </a:r>
+            <a:r>
+              <a:rPr lang="en-US" dirty="0" smtClean="0"/>
+              <a:t>('click', function(e) {</a:t>
+            </a:r>
+          </a:p>
+          <a:p>
+            <a:r>
+              <a:rPr lang="en-US" dirty="0"/>
+              <a:t>	</a:t>
+            </a:r>
+            <a:r>
+              <a:rPr lang="en-US" dirty="0" smtClean="0"/>
+              <a:t>….</a:t>
+            </a:r>
+          </a:p>
+          <a:p>
+            <a:r>
+              <a:rPr lang="en-US" dirty="0" smtClean="0"/>
+              <a:t>    });</a:t>
+            </a:r>
+          </a:p>
+          <a:p>
+            <a:r>
+              <a:rPr lang="en-US" sz="2400" b="1" dirty="0" smtClean="0"/>
+              <a:t>   $.get("http://localhost:8080/points", function(data) {</a:t>
+            </a:r>
+          </a:p>
+          <a:p>
+            <a:r>
+              <a:rPr lang="en-US" sz="2400" b="1" dirty="0" smtClean="0"/>
+              <a:t>        $.each(data, function(</a:t>
+            </a:r>
+            <a:r>
+              <a:rPr lang="en-US" sz="2400" b="1" dirty="0" err="1" smtClean="0"/>
+              <a:t>idx</a:t>
+            </a:r>
+            <a:r>
+              <a:rPr lang="en-US" sz="2400" b="1" dirty="0" smtClean="0"/>
+              <a:t>, value) {</a:t>
+            </a:r>
+          </a:p>
+          <a:p>
+            <a:r>
+              <a:rPr lang="en-US" sz="2400" b="1" dirty="0" smtClean="0"/>
+              <a:t>            </a:t>
+            </a:r>
+            <a:r>
+              <a:rPr lang="en-US" sz="2400" b="1" dirty="0" err="1" smtClean="0"/>
               <a:t>var</a:t>
             </a:r>
             <a:r>
-              <a:rPr lang="en-US" sz="1600" dirty="0" smtClean="0"/>
-              <a:t> </a:t>
-            </a:r>
-            <a:r>
-              <a:rPr lang="en-US" sz="1600" dirty="0" err="1" smtClean="0"/>
-              <a:t>params</a:t>
-            </a:r>
-            <a:r>
-              <a:rPr lang="en-US" sz="1600" dirty="0" smtClean="0"/>
-              <a:t> = </a:t>
-            </a:r>
-            <a:r>
-              <a:rPr lang="en-US" sz="1600" dirty="0" err="1" smtClean="0"/>
-              <a:t>url.parse</a:t>
-            </a:r>
-            <a:r>
-              <a:rPr lang="en-US" sz="1600" dirty="0" smtClean="0"/>
-              <a:t>(req.url, true).query;</a:t>
-            </a:r>
-          </a:p>
-          <a:p>
-            <a:r>
-              <a:rPr lang="en-US" sz="1600" dirty="0" smtClean="0"/>
+              <a:rPr lang="en-US" sz="2400" b="1" dirty="0" smtClean="0"/>
+              <a:t> marker = new </a:t>
+            </a:r>
+            <a:r>
+              <a:rPr lang="en-US" sz="2400" b="1" dirty="0" err="1" smtClean="0"/>
+              <a:t>google.maps.Marker</a:t>
+            </a:r>
+            <a:r>
+              <a:rPr lang="en-US" sz="2400" b="1" dirty="0" smtClean="0"/>
+              <a:t>({</a:t>
+            </a:r>
+          </a:p>
+          <a:p>
+            <a:r>
+              <a:rPr lang="en-US" sz="2400" b="1" dirty="0" smtClean="0"/>
+              <a:t>                position: value,</a:t>
+            </a:r>
+          </a:p>
+          <a:p>
+            <a:r>
+              <a:rPr lang="en-US" sz="2400" b="1" dirty="0" smtClean="0"/>
+              <a:t>                map: map</a:t>
+            </a:r>
+          </a:p>
+          <a:p>
+            <a:r>
+              <a:rPr lang="en-US" sz="2400" b="1" dirty="0" smtClean="0"/>
+              <a:t>            });</a:t>
+            </a:r>
+          </a:p>
+          <a:p>
+            <a:r>
+              <a:rPr lang="en-US" sz="2400" b="1" dirty="0" smtClean="0"/>
+              <a:t>            </a:t>
+            </a:r>
+            <a:r>
+              <a:rPr lang="en-US" sz="2400" b="1" dirty="0" err="1" smtClean="0"/>
+              <a:t>markers.push</a:t>
+            </a:r>
+            <a:r>
+              <a:rPr lang="en-US" sz="2400" b="1" dirty="0" smtClean="0"/>
+              <a:t>(marker);</a:t>
+            </a:r>
+          </a:p>
+          <a:p>
+            <a:r>
+              <a:rPr lang="en-US" sz="2400" b="1" dirty="0" smtClean="0"/>
+              <a:t>        });</a:t>
+            </a:r>
+          </a:p>
+          <a:p>
+            <a:r>
+              <a:rPr lang="en-US" sz="2400" b="1" dirty="0" smtClean="0"/>
+              <a:t>    });</a:t>
+            </a:r>
+          </a:p>
+          <a:p>
+            <a:r>
+              <a:rPr lang="en-US" dirty="0" smtClean="0"/>
+              <a:t>   $("#clear").click(function() {</a:t>
+            </a:r>
+          </a:p>
+          <a:p>
+            <a:r>
+              <a:rPr lang="en-US" dirty="0"/>
               <a:t>	</a:t>
             </a:r>
             <a:r>
-              <a:rPr lang="en-US" sz="1600" dirty="0" err="1" smtClean="0"/>
-              <a:t>MongoClient.connect</a:t>
-            </a:r>
-            <a:r>
-              <a:rPr lang="en-US" sz="1600" dirty="0" smtClean="0"/>
-              <a:t>(</a:t>
-            </a:r>
-            <a:r>
-              <a:rPr lang="en-US" sz="1600" dirty="0" err="1" smtClean="0"/>
-              <a:t>mongoUrl</a:t>
-            </a:r>
-            <a:r>
-              <a:rPr lang="en-US" sz="1600" dirty="0" smtClean="0"/>
-              <a:t>, function(err, </a:t>
-            </a:r>
-            <a:r>
-              <a:rPr lang="en-US" sz="1600" dirty="0" err="1" smtClean="0"/>
-              <a:t>db</a:t>
-            </a:r>
-            <a:r>
-              <a:rPr lang="en-US" sz="1600" dirty="0" smtClean="0"/>
-              <a:t>) {</a:t>
-            </a:r>
-          </a:p>
-          <a:p>
-            <a:r>
-              <a:rPr lang="en-US" sz="1600" dirty="0"/>
-              <a:t>	</a:t>
-            </a:r>
-            <a:r>
-              <a:rPr lang="en-US" sz="1600" dirty="0" smtClean="0"/>
-              <a:t>	// no changes</a:t>
-            </a:r>
-          </a:p>
-          <a:p>
-            <a:r>
-              <a:rPr lang="en-US" sz="1600" dirty="0" smtClean="0"/>
-              <a:t>	}); </a:t>
-            </a:r>
-            <a:r>
-              <a:rPr lang="en-US" sz="1600" b="1" dirty="0" smtClean="0"/>
-              <a:t>break;</a:t>
-            </a:r>
-          </a:p>
-          <a:p>
-            <a:r>
-              <a:rPr lang="en-US" sz="1600" b="1" dirty="0" smtClean="0"/>
-              <a:t>     case 'GET': </a:t>
-            </a:r>
-            <a:r>
-              <a:rPr lang="en-US" sz="1600" dirty="0" err="1" smtClean="0"/>
-              <a:t>MongoClient.connect</a:t>
-            </a:r>
-            <a:r>
-              <a:rPr lang="en-US" sz="1600" dirty="0" smtClean="0"/>
-              <a:t>(</a:t>
-            </a:r>
-            <a:r>
-              <a:rPr lang="en-US" sz="1600" dirty="0" err="1" smtClean="0"/>
-              <a:t>mongoUrl</a:t>
-            </a:r>
-            <a:r>
-              <a:rPr lang="en-US" sz="1600" dirty="0" smtClean="0"/>
-              <a:t>, function(err, </a:t>
-            </a:r>
-            <a:r>
-              <a:rPr lang="en-US" sz="1600" dirty="0" err="1" smtClean="0"/>
-              <a:t>db</a:t>
-            </a:r>
-            <a:r>
-              <a:rPr lang="en-US" sz="1600" dirty="0" smtClean="0"/>
-              <a:t>) {</a:t>
-            </a:r>
-          </a:p>
-          <a:p>
-            <a:r>
-              <a:rPr lang="en-US" sz="1600" dirty="0" smtClean="0"/>
-              <a:t>		// no changes</a:t>
-            </a:r>
-          </a:p>
-          <a:p>
-            <a:r>
-              <a:rPr lang="en-US" sz="1600" dirty="0" smtClean="0"/>
-              <a:t>	}); </a:t>
-            </a:r>
-            <a:r>
-              <a:rPr lang="en-US" sz="1600" b="1" dirty="0" smtClean="0"/>
-              <a:t>break;</a:t>
-            </a:r>
-          </a:p>
-          <a:p>
-            <a:r>
-              <a:rPr lang="en-US" sz="1600" b="1" dirty="0" smtClean="0"/>
-              <a:t>     case 'DELETE':</a:t>
-            </a:r>
-          </a:p>
-          <a:p>
-            <a:r>
-              <a:rPr lang="en-US" sz="1600" b="1" dirty="0" smtClean="0"/>
-              <a:t>	</a:t>
-            </a:r>
-            <a:r>
-              <a:rPr lang="en-US" sz="1600" b="1" dirty="0" err="1" smtClean="0"/>
-              <a:t>MongoClient.connect</a:t>
-            </a:r>
-            <a:r>
-              <a:rPr lang="en-US" sz="1600" b="1" dirty="0" smtClean="0"/>
-              <a:t>(</a:t>
-            </a:r>
-            <a:r>
-              <a:rPr lang="en-US" sz="1600" b="1" dirty="0" err="1" smtClean="0"/>
-              <a:t>mongoUrl</a:t>
-            </a:r>
-            <a:r>
-              <a:rPr lang="en-US" sz="1600" b="1" dirty="0" smtClean="0"/>
-              <a:t>, function(err, </a:t>
-            </a:r>
-            <a:r>
-              <a:rPr lang="en-US" sz="1600" b="1" dirty="0" err="1" smtClean="0"/>
-              <a:t>db</a:t>
-            </a:r>
-            <a:r>
-              <a:rPr lang="en-US" sz="1600" b="1" dirty="0" smtClean="0"/>
-              <a:t>) {</a:t>
-            </a:r>
-          </a:p>
-          <a:p>
-            <a:r>
-              <a:rPr lang="en-US" sz="1600" b="1" dirty="0" smtClean="0"/>
-              <a:t>		</a:t>
-            </a:r>
-            <a:r>
-              <a:rPr lang="en-US" sz="1600" b="1" dirty="0" err="1" smtClean="0"/>
-              <a:t>var</a:t>
-            </a:r>
-            <a:r>
-              <a:rPr lang="en-US" sz="1600" b="1" dirty="0" smtClean="0"/>
-              <a:t> collection = </a:t>
-            </a:r>
-            <a:r>
-              <a:rPr lang="en-US" sz="1600" b="1" dirty="0" err="1" smtClean="0"/>
-              <a:t>db.collection</a:t>
-            </a:r>
-            <a:r>
-              <a:rPr lang="en-US" sz="1600" b="1" dirty="0" smtClean="0"/>
-              <a:t>('points');</a:t>
-            </a:r>
-          </a:p>
-          <a:p>
-            <a:r>
-              <a:rPr lang="en-US" sz="1600" b="1" dirty="0" smtClean="0"/>
-              <a:t>		</a:t>
-            </a:r>
-            <a:r>
-              <a:rPr lang="en-US" sz="1600" b="1" dirty="0" err="1" smtClean="0"/>
-              <a:t>collection.deleteMany</a:t>
-            </a:r>
-            <a:r>
-              <a:rPr lang="en-US" sz="1600" b="1" dirty="0" smtClean="0"/>
-              <a:t>({}, function(err, result) {</a:t>
-            </a:r>
-          </a:p>
-          <a:p>
-            <a:r>
-              <a:rPr lang="en-US" sz="1600" b="1" dirty="0" smtClean="0"/>
-              <a:t>			console.log("Removed all");</a:t>
-            </a:r>
-          </a:p>
-          <a:p>
-            <a:r>
-              <a:rPr lang="en-US" sz="1600" b="1" dirty="0" smtClean="0"/>
-              <a:t>			</a:t>
-            </a:r>
-            <a:r>
-              <a:rPr lang="en-US" sz="1600" b="1" dirty="0" err="1" smtClean="0"/>
-              <a:t>db.close</a:t>
-            </a:r>
-            <a:r>
-              <a:rPr lang="en-US" sz="1600" b="1" dirty="0" smtClean="0"/>
-              <a:t>();				</a:t>
-            </a:r>
-          </a:p>
-          <a:p>
-            <a:r>
-              <a:rPr lang="en-US" sz="1600" b="1" dirty="0" smtClean="0"/>
-              <a:t>			</a:t>
-            </a:r>
-            <a:r>
-              <a:rPr lang="en-US" sz="1600" b="1" dirty="0" err="1" smtClean="0"/>
-              <a:t>res.end</a:t>
-            </a:r>
-            <a:r>
-              <a:rPr lang="en-US" sz="1600" b="1" dirty="0" smtClean="0"/>
-              <a:t>();</a:t>
-            </a:r>
-          </a:p>
-          <a:p>
-            <a:r>
-              <a:rPr lang="en-US" sz="1600" b="1" dirty="0" smtClean="0"/>
-              <a:t>		});			</a:t>
-            </a:r>
-          </a:p>
-          <a:p>
-            <a:r>
-              <a:rPr lang="en-US" sz="1600" b="1" dirty="0" smtClean="0"/>
-              <a:t>	});</a:t>
-            </a:r>
-          </a:p>
-          <a:p>
-            <a:r>
-              <a:rPr lang="en-US" sz="1600" b="1" dirty="0" smtClean="0"/>
-              <a:t>	break;</a:t>
-            </a:r>
-          </a:p>
-          <a:p>
-            <a:r>
-              <a:rPr lang="en-US" sz="1600" b="1" dirty="0" smtClean="0"/>
-              <a:t>     default:</a:t>
-            </a:r>
-          </a:p>
-          <a:p>
-            <a:r>
-              <a:rPr lang="en-US" sz="1600" b="1" dirty="0" smtClean="0"/>
-              <a:t>	</a:t>
-            </a:r>
-            <a:r>
-              <a:rPr lang="en-US" sz="1600" b="1" dirty="0" err="1" smtClean="0"/>
-              <a:t>res.end</a:t>
-            </a:r>
-            <a:r>
-              <a:rPr lang="en-US" sz="1600" b="1" dirty="0" smtClean="0"/>
-              <a:t>();</a:t>
-            </a:r>
-          </a:p>
-          <a:p>
-            <a:r>
-              <a:rPr lang="en-US" sz="1600" dirty="0" smtClean="0"/>
-              <a:t> }</a:t>
-            </a:r>
-          </a:p>
-          <a:p>
-            <a:endParaRPr lang="en-US" sz="1600" dirty="0" smtClean="0"/>
+              <a:rPr lang="en-US" dirty="0" smtClean="0"/>
+              <a:t>……..</a:t>
+            </a:r>
+          </a:p>
+          <a:p>
+            <a:endParaRPr lang="en-US" dirty="0" smtClean="0"/>
           </a:p>
         </p:txBody>
       </p:sp>
@@ -8876,8 +10513,8 @@
         </p:nvSpPr>
         <p:spPr>
           <a:xfrm>
-            <a:off x="6380855" y="1555969"/>
-            <a:ext cx="2134495" cy="523220"/>
+            <a:off x="6360607" y="1266092"/>
+            <a:ext cx="2061655" cy="523220"/>
           </a:xfrm>
           <a:prstGeom prst="rect">
             <a:avLst/>
@@ -8899,7 +10536,7 @@
           <a:p>
             <a:r>
               <a:rPr lang="en-US" sz="2800" dirty="0" smtClean="0"/>
-              <a:t>map-server.js</a:t>
+              <a:t>map-client.js</a:t>
             </a:r>
             <a:endParaRPr lang="ru-RU" sz="2800" dirty="0"/>
           </a:p>
@@ -8908,7 +10545,7 @@
     </p:spTree>
     <p:extLst>
       <p:ext uri="{BB962C8B-B14F-4D97-AF65-F5344CB8AC3E}">
-        <p14:creationId xmlns:p14="http://schemas.microsoft.com/office/powerpoint/2010/main" val="2831821831"/>
+        <p14:creationId xmlns:p14="http://schemas.microsoft.com/office/powerpoint/2010/main" val="607105974"/>
       </p:ext>
     </p:extLst>
   </p:cSld>
@@ -8954,7 +10591,7 @@
         </p:nvSpPr>
         <p:spPr>
           <a:xfrm>
-            <a:off x="628650" y="-167436"/>
+            <a:off x="628650" y="-157388"/>
             <a:ext cx="7886700" cy="1325563"/>
           </a:xfrm>
         </p:spPr>
@@ -8990,8 +10627,8 @@
         </p:nvSpPr>
         <p:spPr>
           <a:xfrm>
-            <a:off x="628650" y="944544"/>
-            <a:ext cx="7886700" cy="3108543"/>
+            <a:off x="628650" y="753626"/>
+            <a:ext cx="7886700" cy="6247864"/>
           </a:xfrm>
           <a:prstGeom prst="rect">
             <a:avLst/>
@@ -9004,94 +10641,350 @@
           <a:lstStyle/>
           <a:p>
             <a:r>
-              <a:rPr lang="en-US" sz="2800" dirty="0" smtClean="0"/>
-              <a:t>$("#clear").click(function() {</a:t>
-            </a:r>
-          </a:p>
-          <a:p>
-            <a:r>
-              <a:rPr lang="ru-RU" sz="2800" dirty="0" smtClean="0"/>
-              <a:t>    </a:t>
-            </a:r>
-            <a:r>
-              <a:rPr lang="en-US" sz="2800" dirty="0" smtClean="0"/>
-              <a:t>$.each(markers, function(</a:t>
-            </a:r>
-            <a:r>
-              <a:rPr lang="en-US" sz="2800" dirty="0" err="1" smtClean="0"/>
-              <a:t>idx</a:t>
-            </a:r>
-            <a:r>
-              <a:rPr lang="en-US" sz="2800" dirty="0" smtClean="0"/>
-              <a:t>, value) {</a:t>
-            </a:r>
-          </a:p>
-          <a:p>
-            <a:r>
-              <a:rPr lang="ru-RU" sz="2800" dirty="0" smtClean="0"/>
-              <a:t>           </a:t>
-            </a:r>
-            <a:r>
-              <a:rPr lang="en-US" sz="2800" dirty="0" err="1" smtClean="0"/>
-              <a:t>value.setMap</a:t>
-            </a:r>
-            <a:r>
-              <a:rPr lang="en-US" sz="2800" dirty="0" smtClean="0"/>
-              <a:t>(null);</a:t>
-            </a:r>
-          </a:p>
-          <a:p>
-            <a:r>
-              <a:rPr lang="ru-RU" sz="2800" dirty="0"/>
+              <a:rPr lang="en-US" sz="1600" dirty="0" err="1" smtClean="0"/>
+              <a:t>const</a:t>
+            </a:r>
+            <a:r>
+              <a:rPr lang="en-US" sz="1600" dirty="0" smtClean="0"/>
+              <a:t> server = </a:t>
+            </a:r>
+            <a:r>
+              <a:rPr lang="en-US" sz="1600" dirty="0" err="1" smtClean="0"/>
+              <a:t>http.createServer</a:t>
+            </a:r>
+            <a:r>
+              <a:rPr lang="en-US" sz="1600" dirty="0" smtClean="0"/>
+              <a:t>(function(</a:t>
+            </a:r>
+            <a:r>
+              <a:rPr lang="en-US" sz="1600" dirty="0" err="1" smtClean="0"/>
+              <a:t>req</a:t>
+            </a:r>
+            <a:r>
+              <a:rPr lang="en-US" sz="1600" dirty="0" smtClean="0"/>
+              <a:t>, res) {</a:t>
+            </a:r>
+          </a:p>
+          <a:p>
+            <a:r>
+              <a:rPr lang="en-US" sz="1600" dirty="0" smtClean="0"/>
+              <a:t>   </a:t>
+            </a:r>
+            <a:r>
+              <a:rPr lang="en-US" sz="1600" dirty="0" err="1" smtClean="0"/>
+              <a:t>res.setHeader</a:t>
+            </a:r>
+            <a:r>
+              <a:rPr lang="en-US" sz="1600" dirty="0" smtClean="0"/>
+              <a:t>('Access-Control-Allow-Origin', '*');</a:t>
+            </a:r>
+          </a:p>
+          <a:p>
+            <a:r>
+              <a:rPr lang="en-US" sz="1600" dirty="0" smtClean="0"/>
+              <a:t>   </a:t>
+            </a:r>
+            <a:r>
+              <a:rPr lang="en-US" sz="1600" dirty="0" err="1" smtClean="0"/>
+              <a:t>res.setHeader</a:t>
+            </a:r>
+            <a:r>
+              <a:rPr lang="en-US" sz="1600" dirty="0" smtClean="0"/>
+              <a:t>('Access-Control-Allow-Methods', 'POST, GET, OPTIONS, DELETE');</a:t>
+            </a:r>
+          </a:p>
+          <a:p>
+            <a:r>
+              <a:rPr lang="en-US" sz="1600" b="1" dirty="0" smtClean="0"/>
+              <a:t>   switch (</a:t>
+            </a:r>
+            <a:r>
+              <a:rPr lang="en-US" sz="1600" b="1" dirty="0" err="1" smtClean="0"/>
+              <a:t>req.method</a:t>
+            </a:r>
+            <a:r>
+              <a:rPr lang="en-US" sz="1600" b="1" dirty="0" smtClean="0"/>
+              <a:t>) {</a:t>
+            </a:r>
+          </a:p>
+          <a:p>
+            <a:r>
+              <a:rPr lang="en-US" sz="1600" b="1" dirty="0" smtClean="0"/>
+              <a:t>      case 'POST':  </a:t>
+            </a:r>
+            <a:r>
+              <a:rPr lang="en-US" sz="1600" dirty="0" err="1" smtClean="0"/>
+              <a:t>var</a:t>
+            </a:r>
+            <a:r>
+              <a:rPr lang="en-US" sz="1600" dirty="0" smtClean="0"/>
               <a:t> </a:t>
             </a:r>
             <a:r>
-              <a:rPr lang="ru-RU" sz="2800" dirty="0" smtClean="0"/>
-              <a:t>    </a:t>
-            </a:r>
-            <a:r>
-              <a:rPr lang="en-US" sz="2800" dirty="0" smtClean="0"/>
-              <a:t>});</a:t>
-            </a:r>
-          </a:p>
-          <a:p>
-            <a:r>
-              <a:rPr lang="ru-RU" sz="2800" b="1" dirty="0" smtClean="0"/>
-              <a:t>     </a:t>
-            </a:r>
-            <a:r>
-              <a:rPr lang="en-US" sz="2800" b="1" dirty="0" smtClean="0"/>
-              <a:t>$.</a:t>
-            </a:r>
-            <a:r>
-              <a:rPr lang="en-US" sz="2800" b="1" dirty="0" err="1" smtClean="0"/>
-              <a:t>ajax</a:t>
-            </a:r>
-            <a:r>
-              <a:rPr lang="en-US" sz="2800" b="1" dirty="0" smtClean="0"/>
-              <a:t>({url: "http://localhost:8080/points", </a:t>
-            </a:r>
-            <a:endParaRPr lang="ru-RU" sz="2800" b="1" dirty="0" smtClean="0"/>
-          </a:p>
-          <a:p>
-            <a:r>
-              <a:rPr lang="ru-RU" sz="2800" b="1" dirty="0"/>
-              <a:t> </a:t>
-            </a:r>
-            <a:r>
-              <a:rPr lang="ru-RU" sz="2800" b="1" dirty="0" smtClean="0"/>
-              <a:t>                 </a:t>
-            </a:r>
-            <a:r>
-              <a:rPr lang="en-US" sz="2800" b="1" dirty="0" smtClean="0"/>
-              <a:t>method: "DELETE"});</a:t>
-            </a:r>
-          </a:p>
-          <a:p>
-            <a:r>
-              <a:rPr lang="en-US" sz="2800" dirty="0" smtClean="0"/>
-              <a:t>});</a:t>
-            </a:r>
+              <a:rPr lang="en-US" sz="1600" dirty="0" err="1" smtClean="0"/>
+              <a:t>params</a:t>
+            </a:r>
+            <a:r>
+              <a:rPr lang="en-US" sz="1600" dirty="0" smtClean="0"/>
+              <a:t> = </a:t>
+            </a:r>
+            <a:r>
+              <a:rPr lang="en-US" sz="1600" dirty="0" err="1" smtClean="0"/>
+              <a:t>url.parse</a:t>
+            </a:r>
+            <a:r>
+              <a:rPr lang="en-US" sz="1600" dirty="0" smtClean="0"/>
+              <a:t>(req.url, true).query;</a:t>
+            </a:r>
+          </a:p>
+          <a:p>
+            <a:r>
+              <a:rPr lang="en-US" sz="1600" dirty="0" smtClean="0"/>
+              <a:t>	</a:t>
+            </a:r>
+            <a:r>
+              <a:rPr lang="en-US" sz="1600" dirty="0" err="1" smtClean="0"/>
+              <a:t>MongoClient.connect</a:t>
+            </a:r>
+            <a:r>
+              <a:rPr lang="en-US" sz="1600" dirty="0" smtClean="0"/>
+              <a:t>(</a:t>
+            </a:r>
+            <a:r>
+              <a:rPr lang="en-US" sz="1600" dirty="0" err="1" smtClean="0"/>
+              <a:t>mongoUrl</a:t>
+            </a:r>
+            <a:r>
+              <a:rPr lang="en-US" sz="1600" dirty="0" smtClean="0"/>
+              <a:t>, function(err, </a:t>
+            </a:r>
+            <a:r>
+              <a:rPr lang="en-US" sz="1600" dirty="0" err="1" smtClean="0"/>
+              <a:t>db</a:t>
+            </a:r>
+            <a:r>
+              <a:rPr lang="en-US" sz="1600" dirty="0" smtClean="0"/>
+              <a:t>) {</a:t>
+            </a:r>
+          </a:p>
+          <a:p>
+            <a:r>
+              <a:rPr lang="en-US" sz="1600" dirty="0"/>
+              <a:t>	</a:t>
+            </a:r>
+            <a:r>
+              <a:rPr lang="en-US" sz="1600" dirty="0" smtClean="0"/>
+              <a:t>	// no changes</a:t>
+            </a:r>
+          </a:p>
+          <a:p>
+            <a:r>
+              <a:rPr lang="en-US" sz="1600" dirty="0" smtClean="0"/>
+              <a:t>	}); </a:t>
+            </a:r>
+            <a:r>
+              <a:rPr lang="en-US" sz="1600" b="1" dirty="0" smtClean="0"/>
+              <a:t>break;</a:t>
+            </a:r>
+          </a:p>
+          <a:p>
+            <a:r>
+              <a:rPr lang="en-US" sz="1600" b="1" dirty="0" smtClean="0"/>
+              <a:t>     case 'GET': </a:t>
+            </a:r>
+            <a:r>
+              <a:rPr lang="en-US" sz="1600" dirty="0" err="1" smtClean="0"/>
+              <a:t>MongoClient.connect</a:t>
+            </a:r>
+            <a:r>
+              <a:rPr lang="en-US" sz="1600" dirty="0" smtClean="0"/>
+              <a:t>(</a:t>
+            </a:r>
+            <a:r>
+              <a:rPr lang="en-US" sz="1600" dirty="0" err="1" smtClean="0"/>
+              <a:t>mongoUrl</a:t>
+            </a:r>
+            <a:r>
+              <a:rPr lang="en-US" sz="1600" dirty="0" smtClean="0"/>
+              <a:t>, function(err, </a:t>
+            </a:r>
+            <a:r>
+              <a:rPr lang="en-US" sz="1600" dirty="0" err="1" smtClean="0"/>
+              <a:t>db</a:t>
+            </a:r>
+            <a:r>
+              <a:rPr lang="en-US" sz="1600" dirty="0" smtClean="0"/>
+              <a:t>) {</a:t>
+            </a:r>
+          </a:p>
+          <a:p>
+            <a:r>
+              <a:rPr lang="en-US" sz="1600" dirty="0" smtClean="0"/>
+              <a:t>		// no changes</a:t>
+            </a:r>
+          </a:p>
+          <a:p>
+            <a:r>
+              <a:rPr lang="en-US" sz="1600" dirty="0" smtClean="0"/>
+              <a:t>	}); </a:t>
+            </a:r>
+            <a:r>
+              <a:rPr lang="en-US" sz="1600" b="1" dirty="0" smtClean="0"/>
+              <a:t>break;</a:t>
+            </a:r>
+          </a:p>
+          <a:p>
+            <a:r>
+              <a:rPr lang="en-US" sz="1600" b="1" dirty="0" smtClean="0"/>
+              <a:t>     case 'DELETE':</a:t>
+            </a:r>
+          </a:p>
+          <a:p>
+            <a:r>
+              <a:rPr lang="en-US" sz="1600" b="1" dirty="0" smtClean="0"/>
+              <a:t>	</a:t>
+            </a:r>
+            <a:r>
+              <a:rPr lang="en-US" sz="1600" b="1" dirty="0" err="1" smtClean="0"/>
+              <a:t>MongoClient.connect</a:t>
+            </a:r>
+            <a:r>
+              <a:rPr lang="en-US" sz="1600" b="1" dirty="0" smtClean="0"/>
+              <a:t>(</a:t>
+            </a:r>
+            <a:r>
+              <a:rPr lang="en-US" sz="1600" b="1" dirty="0" err="1" smtClean="0"/>
+              <a:t>mongoUrl</a:t>
+            </a:r>
+            <a:r>
+              <a:rPr lang="en-US" sz="1600" b="1" dirty="0" smtClean="0"/>
+              <a:t>, function(err, </a:t>
+            </a:r>
+            <a:r>
+              <a:rPr lang="en-US" sz="1600" b="1" dirty="0" err="1" smtClean="0"/>
+              <a:t>db</a:t>
+            </a:r>
+            <a:r>
+              <a:rPr lang="en-US" sz="1600" b="1" dirty="0" smtClean="0"/>
+              <a:t>) {</a:t>
+            </a:r>
+          </a:p>
+          <a:p>
+            <a:r>
+              <a:rPr lang="en-US" sz="1600" b="1" dirty="0" smtClean="0"/>
+              <a:t>		</a:t>
+            </a:r>
+            <a:r>
+              <a:rPr lang="en-US" sz="1600" b="1" dirty="0" err="1" smtClean="0"/>
+              <a:t>var</a:t>
+            </a:r>
+            <a:r>
+              <a:rPr lang="en-US" sz="1600" b="1" dirty="0" smtClean="0"/>
+              <a:t> collection = </a:t>
+            </a:r>
+            <a:r>
+              <a:rPr lang="en-US" sz="1600" b="1" dirty="0" err="1" smtClean="0"/>
+              <a:t>db.collection</a:t>
+            </a:r>
+            <a:r>
+              <a:rPr lang="en-US" sz="1600" b="1" dirty="0" smtClean="0"/>
+              <a:t>('points');</a:t>
+            </a:r>
+          </a:p>
+          <a:p>
+            <a:r>
+              <a:rPr lang="en-US" sz="1600" b="1" dirty="0" smtClean="0"/>
+              <a:t>		</a:t>
+            </a:r>
+            <a:r>
+              <a:rPr lang="en-US" sz="1600" b="1" dirty="0" err="1" smtClean="0"/>
+              <a:t>collection.deleteMany</a:t>
+            </a:r>
+            <a:r>
+              <a:rPr lang="en-US" sz="1600" b="1" dirty="0" smtClean="0"/>
+              <a:t>({}, function(err, result) {</a:t>
+            </a:r>
+          </a:p>
+          <a:p>
+            <a:r>
+              <a:rPr lang="en-US" sz="1600" b="1" dirty="0" smtClean="0"/>
+              <a:t>			console.log("Removed all");</a:t>
+            </a:r>
+          </a:p>
+          <a:p>
+            <a:r>
+              <a:rPr lang="en-US" sz="1600" b="1" dirty="0" smtClean="0"/>
+              <a:t>			</a:t>
+            </a:r>
+            <a:r>
+              <a:rPr lang="en-US" sz="1600" b="1" dirty="0" err="1" smtClean="0"/>
+              <a:t>db.close</a:t>
+            </a:r>
+            <a:r>
+              <a:rPr lang="en-US" sz="1600" b="1" dirty="0" smtClean="0"/>
+              <a:t>();				</a:t>
+            </a:r>
+          </a:p>
+          <a:p>
+            <a:r>
+              <a:rPr lang="en-US" sz="1600" b="1" dirty="0" smtClean="0"/>
+              <a:t>			</a:t>
+            </a:r>
+            <a:r>
+              <a:rPr lang="en-US" sz="1600" b="1" dirty="0" err="1" smtClean="0"/>
+              <a:t>res.end</a:t>
+            </a:r>
+            <a:r>
+              <a:rPr lang="en-US" sz="1600" b="1" dirty="0" smtClean="0"/>
+              <a:t>();</a:t>
+            </a:r>
+          </a:p>
+          <a:p>
+            <a:r>
+              <a:rPr lang="en-US" sz="1600" b="1" dirty="0" smtClean="0"/>
+              <a:t>		});			</a:t>
+            </a:r>
+          </a:p>
+          <a:p>
+            <a:r>
+              <a:rPr lang="en-US" sz="1600" b="1" dirty="0" smtClean="0"/>
+              <a:t>	});</a:t>
+            </a:r>
+          </a:p>
+          <a:p>
+            <a:r>
+              <a:rPr lang="en-US" sz="1600" b="1" dirty="0" smtClean="0"/>
+              <a:t>	break;</a:t>
+            </a:r>
+          </a:p>
+          <a:p>
+            <a:r>
+              <a:rPr lang="en-US" sz="1600" b="1" dirty="0" smtClean="0"/>
+              <a:t>     default:</a:t>
+            </a:r>
+          </a:p>
+          <a:p>
+            <a:r>
+              <a:rPr lang="en-US" sz="1600" b="1" dirty="0" smtClean="0"/>
+              <a:t>	</a:t>
+            </a:r>
+            <a:r>
+              <a:rPr lang="en-US" sz="1600" b="1" dirty="0" err="1" smtClean="0"/>
+              <a:t>res.end</a:t>
+            </a:r>
+            <a:r>
+              <a:rPr lang="en-US" sz="1600" b="1" dirty="0" smtClean="0"/>
+              <a:t>();</a:t>
+            </a:r>
+          </a:p>
+          <a:p>
+            <a:r>
+              <a:rPr lang="en-US" sz="1600" dirty="0" smtClean="0"/>
+              <a:t> }</a:t>
+            </a:r>
+          </a:p>
+          <a:p>
+            <a:endParaRPr lang="en-US" sz="1600" dirty="0" smtClean="0"/>
           </a:p>
         </p:txBody>
       </p:sp>
@@ -9103,8 +10996,8 @@
         </p:nvSpPr>
         <p:spPr>
           <a:xfrm>
-            <a:off x="6571623" y="944544"/>
-            <a:ext cx="2061655" cy="523220"/>
+            <a:off x="6380855" y="1555969"/>
+            <a:ext cx="2134495" cy="523220"/>
           </a:xfrm>
           <a:prstGeom prst="rect">
             <a:avLst/>
@@ -9126,7 +11019,7 @@
           <a:p>
             <a:r>
               <a:rPr lang="en-US" sz="2800" dirty="0" smtClean="0"/>
-              <a:t>map-client.js</a:t>
+              <a:t>map-server.js</a:t>
             </a:r>
             <a:endParaRPr lang="ru-RU" sz="2800" dirty="0"/>
           </a:p>
@@ -9135,7 +11028,7 @@
     </p:spTree>
     <p:extLst>
       <p:ext uri="{BB962C8B-B14F-4D97-AF65-F5344CB8AC3E}">
-        <p14:creationId xmlns:p14="http://schemas.microsoft.com/office/powerpoint/2010/main" val="3804174706"/>
+        <p14:creationId xmlns:p14="http://schemas.microsoft.com/office/powerpoint/2010/main" val="2831821831"/>
       </p:ext>
     </p:extLst>
   </p:cSld>
@@ -9181,7 +11074,7 @@
         </p:nvSpPr>
         <p:spPr>
           <a:xfrm>
-            <a:off x="457829" y="284739"/>
+            <a:off x="628650" y="-167436"/>
             <a:ext cx="7886700" cy="1325563"/>
           </a:xfrm>
         </p:spPr>
@@ -9190,8 +11083,20 @@
           <a:lstStyle/>
           <a:p>
             <a:r>
+              <a:rPr lang="en-US" dirty="0" err="1" smtClean="0"/>
+              <a:t>MongoDB</a:t>
+            </a:r>
+            <a:r>
+              <a:rPr lang="en-US" dirty="0" smtClean="0"/>
+              <a:t> Storage:</a:t>
+            </a:r>
+            <a:r>
               <a:rPr lang="ru-RU" dirty="0" smtClean="0"/>
-              <a:t>Ссылки</a:t>
+              <a:t> </a:t>
+            </a:r>
+            <a:r>
+              <a:rPr lang="en-US" dirty="0" smtClean="0"/>
+              <a:t>Delete</a:t>
             </a:r>
             <a:endParaRPr lang="ru-RU" dirty="0"/>
           </a:p>
@@ -9199,19 +11104,139 @@
       </p:sp>
       <p:sp>
         <p:nvSpPr>
-          <p:cNvPr id="5" name="TextBox 4"/>
+          <p:cNvPr id="4" name="Прямоугольник 3"/>
+          <p:cNvSpPr/>
+          <p:nvPr/>
+        </p:nvSpPr>
+        <p:spPr>
+          <a:xfrm>
+            <a:off x="628650" y="944544"/>
+            <a:ext cx="7886700" cy="3108543"/>
+          </a:xfrm>
+          <a:prstGeom prst="rect">
+            <a:avLst/>
+          </a:prstGeom>
+        </p:spPr>
+        <p:txBody>
+          <a:bodyPr wrap="square">
+            <a:spAutoFit/>
+          </a:bodyPr>
+          <a:lstStyle/>
+          <a:p>
+            <a:r>
+              <a:rPr lang="en-US" sz="2800" dirty="0" smtClean="0"/>
+              <a:t>$("#clear").click(function() {</a:t>
+            </a:r>
+          </a:p>
+          <a:p>
+            <a:r>
+              <a:rPr lang="ru-RU" sz="2800" dirty="0" smtClean="0"/>
+              <a:t>    </a:t>
+            </a:r>
+            <a:r>
+              <a:rPr lang="en-US" sz="2800" dirty="0" smtClean="0"/>
+              <a:t>$.each(markers, function(</a:t>
+            </a:r>
+            <a:r>
+              <a:rPr lang="en-US" sz="2800" dirty="0" err="1" smtClean="0"/>
+              <a:t>idx</a:t>
+            </a:r>
+            <a:r>
+              <a:rPr lang="en-US" sz="2800" dirty="0" smtClean="0"/>
+              <a:t>, value) {</a:t>
+            </a:r>
+          </a:p>
+          <a:p>
+            <a:r>
+              <a:rPr lang="ru-RU" sz="2800" dirty="0" smtClean="0"/>
+              <a:t>           </a:t>
+            </a:r>
+            <a:r>
+              <a:rPr lang="en-US" sz="2800" dirty="0" err="1" smtClean="0"/>
+              <a:t>value.setMap</a:t>
+            </a:r>
+            <a:r>
+              <a:rPr lang="en-US" sz="2800" dirty="0" smtClean="0"/>
+              <a:t>(null);</a:t>
+            </a:r>
+          </a:p>
+          <a:p>
+            <a:r>
+              <a:rPr lang="ru-RU" sz="2800" dirty="0"/>
+              <a:t> </a:t>
+            </a:r>
+            <a:r>
+              <a:rPr lang="ru-RU" sz="2800" dirty="0" smtClean="0"/>
+              <a:t>    </a:t>
+            </a:r>
+            <a:r>
+              <a:rPr lang="en-US" sz="2800" dirty="0" smtClean="0"/>
+              <a:t>});</a:t>
+            </a:r>
+          </a:p>
+          <a:p>
+            <a:r>
+              <a:rPr lang="ru-RU" sz="2800" b="1" dirty="0" smtClean="0"/>
+              <a:t>     </a:t>
+            </a:r>
+            <a:r>
+              <a:rPr lang="en-US" sz="2800" b="1" dirty="0" smtClean="0"/>
+              <a:t>$.</a:t>
+            </a:r>
+            <a:r>
+              <a:rPr lang="en-US" sz="2800" b="1" dirty="0" err="1" smtClean="0"/>
+              <a:t>ajax</a:t>
+            </a:r>
+            <a:r>
+              <a:rPr lang="en-US" sz="2800" b="1" dirty="0" smtClean="0"/>
+              <a:t>({url: "http://localhost:8080/points", </a:t>
+            </a:r>
+            <a:endParaRPr lang="ru-RU" sz="2800" b="1" dirty="0" smtClean="0"/>
+          </a:p>
+          <a:p>
+            <a:r>
+              <a:rPr lang="ru-RU" sz="2800" b="1" dirty="0"/>
+              <a:t> </a:t>
+            </a:r>
+            <a:r>
+              <a:rPr lang="ru-RU" sz="2800" b="1" dirty="0" smtClean="0"/>
+              <a:t>                 </a:t>
+            </a:r>
+            <a:r>
+              <a:rPr lang="en-US" sz="2800" b="1" dirty="0" smtClean="0"/>
+              <a:t>method: "DELETE"});</a:t>
+            </a:r>
+          </a:p>
+          <a:p>
+            <a:r>
+              <a:rPr lang="en-US" sz="2800" dirty="0" smtClean="0"/>
+              <a:t>});</a:t>
+            </a:r>
+          </a:p>
+        </p:txBody>
+      </p:sp>
+      <p:sp>
+        <p:nvSpPr>
+          <p:cNvPr id="3" name="TextBox 2"/>
           <p:cNvSpPr txBox="1"/>
           <p:nvPr/>
         </p:nvSpPr>
         <p:spPr>
           <a:xfrm>
-            <a:off x="354606" y="1487156"/>
-            <a:ext cx="8789394" cy="2308324"/>
+            <a:off x="6571623" y="944544"/>
+            <a:ext cx="2061655" cy="523220"/>
           </a:xfrm>
           <a:prstGeom prst="rect">
             <a:avLst/>
           </a:prstGeom>
           <a:noFill/>
+          <a:ln>
+            <a:solidFill>
+              <a:schemeClr val="accent6">
+                <a:shade val="50000"/>
+              </a:schemeClr>
+            </a:solidFill>
+          </a:ln>
         </p:spPr>
         <p:txBody>
           <a:bodyPr wrap="none" rtlCol="0">
@@ -9220,52 +11245,17 @@
           <a:lstStyle/>
           <a:p>
             <a:r>
-              <a:rPr lang="en-US" sz="2400" dirty="0" smtClean="0">
-                <a:hlinkClick r:id="rId3"/>
-              </a:rPr>
-              <a:t>https://nodejs.org/en/docs/guides/getting-started-guide/</a:t>
-            </a:r>
-            <a:endParaRPr lang="en-US" sz="2400" dirty="0" smtClean="0"/>
-          </a:p>
-          <a:p>
-            <a:r>
-              <a:rPr lang="en-US" sz="2400" dirty="0" smtClean="0">
-                <a:hlinkClick r:id="rId4"/>
-              </a:rPr>
-              <a:t>https://www.mongodb.com/</a:t>
-            </a:r>
-            <a:endParaRPr lang="en-US" sz="2400" dirty="0" smtClean="0"/>
-          </a:p>
-          <a:p>
-            <a:r>
-              <a:rPr lang="en-US" sz="2400" dirty="0" smtClean="0">
-                <a:hlinkClick r:id="rId5"/>
-              </a:rPr>
-              <a:t>http://mongodb.github.io/node-mongodb-native/2.2/tutorials/crud/</a:t>
-            </a:r>
-            <a:endParaRPr lang="en-US" sz="2400" dirty="0" smtClean="0"/>
-          </a:p>
-          <a:p>
-            <a:endParaRPr lang="en-US" sz="2400" dirty="0" smtClean="0"/>
-          </a:p>
-          <a:p>
-            <a:r>
-              <a:rPr lang="en-US" sz="2400" dirty="0" smtClean="0">
-                <a:hlinkClick r:id="rId6"/>
-              </a:rPr>
-              <a:t>https://github.com/vitali-kviatkouski/vsu</a:t>
-            </a:r>
-            <a:endParaRPr lang="en-US" sz="2400" dirty="0" smtClean="0"/>
-          </a:p>
-          <a:p>
-            <a:endParaRPr lang="ru-RU" sz="2400" dirty="0"/>
+              <a:rPr lang="en-US" sz="2800" dirty="0" smtClean="0"/>
+              <a:t>map-client.js</a:t>
+            </a:r>
+            <a:endParaRPr lang="ru-RU" sz="2800" dirty="0"/>
           </a:p>
         </p:txBody>
       </p:sp>
     </p:spTree>
     <p:extLst>
       <p:ext uri="{BB962C8B-B14F-4D97-AF65-F5344CB8AC3E}">
-        <p14:creationId xmlns:p14="http://schemas.microsoft.com/office/powerpoint/2010/main" val="1637810612"/>
+        <p14:creationId xmlns:p14="http://schemas.microsoft.com/office/powerpoint/2010/main" val="3804174706"/>
       </p:ext>
     </p:extLst>
   </p:cSld>
@@ -9311,7 +11301,7 @@
         </p:nvSpPr>
         <p:spPr>
           <a:xfrm>
-            <a:off x="628650" y="2776731"/>
+            <a:off x="457829" y="284739"/>
             <a:ext cx="7886700" cy="1325563"/>
           </a:xfrm>
         </p:spPr>
@@ -9319,19 +11309,83 @@
           <a:bodyPr/>
           <a:lstStyle/>
           <a:p>
-            <a:pPr algn="ctr"/>
             <a:r>
               <a:rPr lang="ru-RU" dirty="0" smtClean="0"/>
-              <a:t>Спасибо за внимание!</a:t>
+              <a:t>Ссылки</a:t>
             </a:r>
             <a:endParaRPr lang="ru-RU" dirty="0"/>
+          </a:p>
+        </p:txBody>
+      </p:sp>
+      <p:sp>
+        <p:nvSpPr>
+          <p:cNvPr id="5" name="TextBox 4"/>
+          <p:cNvSpPr txBox="1"/>
+          <p:nvPr/>
+        </p:nvSpPr>
+        <p:spPr>
+          <a:xfrm>
+            <a:off x="354606" y="1487156"/>
+            <a:ext cx="8789394" cy="2308324"/>
+          </a:xfrm>
+          <a:prstGeom prst="rect">
+            <a:avLst/>
+          </a:prstGeom>
+          <a:noFill/>
+        </p:spPr>
+        <p:txBody>
+          <a:bodyPr wrap="none" rtlCol="0">
+            <a:spAutoFit/>
+          </a:bodyPr>
+          <a:lstStyle/>
+          <a:p>
+            <a:r>
+              <a:rPr lang="en-US" sz="2400" dirty="0" smtClean="0">
+                <a:hlinkClick r:id="rId3"/>
+              </a:rPr>
+              <a:t>https://nodejs.org/en/docs/guides/getting-started-guide/</a:t>
+            </a:r>
+            <a:endParaRPr lang="en-US" sz="2400" dirty="0" smtClean="0"/>
+          </a:p>
+          <a:p>
+            <a:r>
+              <a:rPr lang="en-US" sz="2400" dirty="0" smtClean="0">
+                <a:hlinkClick r:id="rId4"/>
+              </a:rPr>
+              <a:t>https://www.mongodb.com/</a:t>
+            </a:r>
+            <a:endParaRPr lang="en-US" sz="2400" dirty="0" smtClean="0"/>
+          </a:p>
+          <a:p>
+            <a:r>
+              <a:rPr lang="en-US" sz="2400" dirty="0" smtClean="0">
+                <a:hlinkClick r:id="rId5"/>
+              </a:rPr>
+              <a:t>http://mongodb.github.io/node-mongodb-native/2.2/tutorials/crud/</a:t>
+            </a:r>
+            <a:endParaRPr lang="en-US" sz="2400" dirty="0" smtClean="0"/>
+          </a:p>
+          <a:p>
+            <a:endParaRPr lang="en-US" sz="2400" dirty="0" smtClean="0"/>
+          </a:p>
+          <a:p>
+            <a:r>
+              <a:rPr lang="en-US" sz="2400" dirty="0" smtClean="0">
+                <a:hlinkClick r:id="rId6"/>
+              </a:rPr>
+              <a:t>https://github.com/vitali-kviatkouski/vsu</a:t>
+            </a:r>
+            <a:endParaRPr lang="en-US" sz="2400" dirty="0" smtClean="0"/>
+          </a:p>
+          <a:p>
+            <a:endParaRPr lang="ru-RU" sz="2400" dirty="0"/>
           </a:p>
         </p:txBody>
       </p:sp>
     </p:spTree>
     <p:extLst>
       <p:ext uri="{BB962C8B-B14F-4D97-AF65-F5344CB8AC3E}">
-        <p14:creationId xmlns:p14="http://schemas.microsoft.com/office/powerpoint/2010/main" val="390009265"/>
+        <p14:creationId xmlns:p14="http://schemas.microsoft.com/office/powerpoint/2010/main" val="1637810612"/>
       </p:ext>
     </p:extLst>
   </p:cSld>
@@ -9439,6 +11493,72 @@
     <p:extLst>
       <p:ext uri="{BB962C8B-B14F-4D97-AF65-F5344CB8AC3E}">
         <p14:creationId xmlns:p14="http://schemas.microsoft.com/office/powerpoint/2010/main" val="136326988"/>
+      </p:ext>
+    </p:extLst>
+  </p:cSld>
+  <p:clrMapOvr>
+    <a:masterClrMapping/>
+  </p:clrMapOvr>
+  <p:timing>
+    <p:tnLst>
+      <p:par>
+        <p:cTn id="1" dur="indefinite" restart="never" nodeType="tmRoot"/>
+      </p:par>
+    </p:tnLst>
+  </p:timing>
+</p:sld>
+</file>
+
+<file path=ppt/slides/slide20.xml><?xml version="1.0" encoding="utf-8"?>
+<p:sld xmlns:a="http://schemas.openxmlformats.org/drawingml/2006/main" xmlns:r="http://schemas.openxmlformats.org/officeDocument/2006/relationships" xmlns:p="http://schemas.openxmlformats.org/presentationml/2006/main">
+  <p:cSld>
+    <p:spTree>
+      <p:nvGrpSpPr>
+        <p:cNvPr id="1" name=""/>
+        <p:cNvGrpSpPr/>
+        <p:nvPr/>
+      </p:nvGrpSpPr>
+      <p:grpSpPr>
+        <a:xfrm>
+          <a:off x="0" y="0"/>
+          <a:ext cx="0" cy="0"/>
+          <a:chOff x="0" y="0"/>
+          <a:chExt cx="0" cy="0"/>
+        </a:xfrm>
+      </p:grpSpPr>
+      <p:sp>
+        <p:nvSpPr>
+          <p:cNvPr id="2" name="Заголовок 1"/>
+          <p:cNvSpPr>
+            <a:spLocks noGrp="1"/>
+          </p:cNvSpPr>
+          <p:nvPr>
+            <p:ph type="title"/>
+          </p:nvPr>
+        </p:nvSpPr>
+        <p:spPr>
+          <a:xfrm>
+            <a:off x="628650" y="2776731"/>
+            <a:ext cx="7886700" cy="1325563"/>
+          </a:xfrm>
+        </p:spPr>
+        <p:txBody>
+          <a:bodyPr/>
+          <a:lstStyle/>
+          <a:p>
+            <a:pPr algn="ctr"/>
+            <a:r>
+              <a:rPr lang="ru-RU" dirty="0" smtClean="0"/>
+              <a:t>Спасибо за внимание!</a:t>
+            </a:r>
+            <a:endParaRPr lang="ru-RU" dirty="0"/>
+          </a:p>
+        </p:txBody>
+      </p:sp>
+    </p:spTree>
+    <p:extLst>
+      <p:ext uri="{BB962C8B-B14F-4D97-AF65-F5344CB8AC3E}">
+        <p14:creationId xmlns:p14="http://schemas.microsoft.com/office/powerpoint/2010/main" val="390009265"/>
       </p:ext>
     </p:extLst>
   </p:cSld>
@@ -10573,264 +12693,19 @@
             <p:ph type="title"/>
           </p:nvPr>
         </p:nvSpPr>
-        <p:spPr/>
-        <p:txBody>
-          <a:bodyPr/>
-          <a:lstStyle/>
-          <a:p>
-            <a:r>
-              <a:rPr lang="en-US" dirty="0" smtClean="0"/>
-              <a:t>Node.js event loop</a:t>
-            </a:r>
-            <a:endParaRPr lang="ru-RU" dirty="0"/>
-          </a:p>
-        </p:txBody>
-      </p:sp>
-      <p:sp>
-        <p:nvSpPr>
-          <p:cNvPr id="4" name="Прямоугольник 3"/>
-          <p:cNvSpPr/>
-          <p:nvPr/>
-        </p:nvSpPr>
         <p:spPr>
           <a:xfrm>
-            <a:off x="1276865" y="1690689"/>
-            <a:ext cx="3377513" cy="517052"/>
+            <a:off x="2246435" y="2535570"/>
+            <a:ext cx="7886700" cy="1325563"/>
           </a:xfrm>
-          <a:prstGeom prst="rect">
-            <a:avLst/>
-          </a:prstGeom>
         </p:spPr>
-        <p:style>
-          <a:lnRef idx="2">
-            <a:schemeClr val="accent1">
-              <a:shade val="50000"/>
-            </a:schemeClr>
-          </a:lnRef>
-          <a:fillRef idx="1">
-            <a:schemeClr val="accent1"/>
-          </a:fillRef>
-          <a:effectRef idx="0">
-            <a:schemeClr val="accent1"/>
-          </a:effectRef>
-          <a:fontRef idx="minor">
-            <a:schemeClr val="lt1"/>
-          </a:fontRef>
-        </p:style>
-        <p:txBody>
-          <a:bodyPr rtlCol="0" anchor="ctr"/>
-          <a:lstStyle/>
-          <a:p>
-            <a:pPr algn="ctr"/>
+        <p:txBody>
+          <a:bodyPr/>
+          <a:lstStyle/>
+          <a:p>
             <a:r>
               <a:rPr lang="en-US" dirty="0" smtClean="0"/>
-              <a:t>Java Code – Execute. Read file</a:t>
-            </a:r>
-            <a:endParaRPr lang="ru-RU" dirty="0"/>
-          </a:p>
-        </p:txBody>
-      </p:sp>
-      <p:sp>
-        <p:nvSpPr>
-          <p:cNvPr id="5" name="Прямоугольник 4"/>
-          <p:cNvSpPr/>
-          <p:nvPr/>
-        </p:nvSpPr>
-        <p:spPr>
-          <a:xfrm>
-            <a:off x="1276864" y="2207740"/>
-            <a:ext cx="3377514" cy="1466336"/>
-          </a:xfrm>
-          <a:prstGeom prst="rect">
-            <a:avLst/>
-          </a:prstGeom>
-        </p:spPr>
-        <p:style>
-          <a:lnRef idx="2">
-            <a:schemeClr val="accent4">
-              <a:shade val="50000"/>
-            </a:schemeClr>
-          </a:lnRef>
-          <a:fillRef idx="1">
-            <a:schemeClr val="accent4"/>
-          </a:fillRef>
-          <a:effectRef idx="0">
-            <a:schemeClr val="accent4"/>
-          </a:effectRef>
-          <a:fontRef idx="minor">
-            <a:schemeClr val="lt1"/>
-          </a:fontRef>
-        </p:style>
-        <p:txBody>
-          <a:bodyPr rtlCol="0" anchor="ctr"/>
-          <a:lstStyle/>
-          <a:p>
-            <a:pPr algn="ctr"/>
-            <a:r>
-              <a:rPr lang="en-US" dirty="0" smtClean="0"/>
-              <a:t>File I/O wait for file</a:t>
-            </a:r>
-            <a:endParaRPr lang="ru-RU" dirty="0"/>
-          </a:p>
-        </p:txBody>
-      </p:sp>
-      <p:sp>
-        <p:nvSpPr>
-          <p:cNvPr id="6" name="Прямоугольник 5"/>
-          <p:cNvSpPr/>
-          <p:nvPr/>
-        </p:nvSpPr>
-        <p:spPr>
-          <a:xfrm>
-            <a:off x="1276864" y="3680358"/>
-            <a:ext cx="3377514" cy="517052"/>
-          </a:xfrm>
-          <a:prstGeom prst="rect">
-            <a:avLst/>
-          </a:prstGeom>
-        </p:spPr>
-        <p:style>
-          <a:lnRef idx="2">
-            <a:schemeClr val="accent1">
-              <a:shade val="50000"/>
-            </a:schemeClr>
-          </a:lnRef>
-          <a:fillRef idx="1">
-            <a:schemeClr val="accent1"/>
-          </a:fillRef>
-          <a:effectRef idx="0">
-            <a:schemeClr val="accent1"/>
-          </a:effectRef>
-          <a:fontRef idx="minor">
-            <a:schemeClr val="lt1"/>
-          </a:fontRef>
-        </p:style>
-        <p:txBody>
-          <a:bodyPr rtlCol="0" anchor="ctr"/>
-          <a:lstStyle/>
-          <a:p>
-            <a:pPr algn="ctr"/>
-            <a:r>
-              <a:rPr lang="en-US" dirty="0" smtClean="0"/>
-              <a:t>Java Code – Execute. Parse JSON</a:t>
-            </a:r>
-            <a:endParaRPr lang="ru-RU" dirty="0"/>
-          </a:p>
-        </p:txBody>
-      </p:sp>
-      <p:sp>
-        <p:nvSpPr>
-          <p:cNvPr id="7" name="TextBox 6"/>
-          <p:cNvSpPr txBox="1"/>
-          <p:nvPr/>
-        </p:nvSpPr>
-        <p:spPr>
-          <a:xfrm>
-            <a:off x="1546995" y="1304881"/>
-            <a:ext cx="843693" cy="369332"/>
-          </a:xfrm>
-          <a:prstGeom prst="rect">
-            <a:avLst/>
-          </a:prstGeom>
-          <a:noFill/>
-        </p:spPr>
-        <p:txBody>
-          <a:bodyPr wrap="none" rtlCol="0">
-            <a:spAutoFit/>
-          </a:bodyPr>
-          <a:lstStyle/>
-          <a:p>
-            <a:r>
-              <a:rPr lang="en-US" dirty="0" smtClean="0"/>
-              <a:t>Thread</a:t>
-            </a:r>
-            <a:endParaRPr lang="ru-RU" dirty="0"/>
-          </a:p>
-        </p:txBody>
-      </p:sp>
-      <p:sp>
-        <p:nvSpPr>
-          <p:cNvPr id="8" name="Прямоугольник 7"/>
-          <p:cNvSpPr/>
-          <p:nvPr/>
-        </p:nvSpPr>
-        <p:spPr>
-          <a:xfrm>
-            <a:off x="1275054" y="4730916"/>
-            <a:ext cx="3377514" cy="1466336"/>
-          </a:xfrm>
-          <a:prstGeom prst="rect">
-            <a:avLst/>
-          </a:prstGeom>
-        </p:spPr>
-        <p:style>
-          <a:lnRef idx="2">
-            <a:schemeClr val="accent4">
-              <a:shade val="50000"/>
-            </a:schemeClr>
-          </a:lnRef>
-          <a:fillRef idx="1">
-            <a:schemeClr val="accent4"/>
-          </a:fillRef>
-          <a:effectRef idx="0">
-            <a:schemeClr val="accent4"/>
-          </a:effectRef>
-          <a:fontRef idx="minor">
-            <a:schemeClr val="lt1"/>
-          </a:fontRef>
-        </p:style>
-        <p:txBody>
-          <a:bodyPr rtlCol="0" anchor="ctr"/>
-          <a:lstStyle/>
-          <a:p>
-            <a:pPr algn="ctr"/>
-            <a:r>
-              <a:rPr lang="en-US" dirty="0" smtClean="0"/>
-              <a:t>Network I/O wait for file</a:t>
-            </a:r>
-            <a:endParaRPr lang="ru-RU" dirty="0"/>
-          </a:p>
-        </p:txBody>
-      </p:sp>
-      <p:sp>
-        <p:nvSpPr>
-          <p:cNvPr id="9" name="Прямоугольник 8"/>
-          <p:cNvSpPr/>
-          <p:nvPr/>
-        </p:nvSpPr>
-        <p:spPr>
-          <a:xfrm>
-            <a:off x="1275054" y="4199562"/>
-            <a:ext cx="3377514" cy="517052"/>
-          </a:xfrm>
-          <a:prstGeom prst="rect">
-            <a:avLst/>
-          </a:prstGeom>
-        </p:spPr>
-        <p:style>
-          <a:lnRef idx="2">
-            <a:schemeClr val="accent1">
-              <a:shade val="50000"/>
-            </a:schemeClr>
-          </a:lnRef>
-          <a:fillRef idx="1">
-            <a:schemeClr val="accent1"/>
-          </a:fillRef>
-          <a:effectRef idx="0">
-            <a:schemeClr val="accent1"/>
-          </a:effectRef>
-          <a:fontRef idx="minor">
-            <a:schemeClr val="lt1"/>
-          </a:fontRef>
-        </p:style>
-        <p:txBody>
-          <a:bodyPr rtlCol="0" anchor="ctr"/>
-          <a:lstStyle/>
-          <a:p>
-            <a:pPr algn="ctr"/>
-            <a:r>
-              <a:rPr lang="en-US" dirty="0" smtClean="0"/>
-              <a:t>Java Code – Execute. Send to user</a:t>
+              <a:t>What is node.js?</a:t>
             </a:r>
             <a:endParaRPr lang="ru-RU" dirty="0"/>
           </a:p>
@@ -10875,6 +12750,46 @@
       </p:grpSpPr>
       <p:sp>
         <p:nvSpPr>
+          <p:cNvPr id="3" name="Прямоугольник 2"/>
+          <p:cNvSpPr/>
+          <p:nvPr/>
+        </p:nvSpPr>
+        <p:spPr>
+          <a:xfrm>
+            <a:off x="1045029" y="1446963"/>
+            <a:ext cx="3758083" cy="4994030"/>
+          </a:xfrm>
+          <a:prstGeom prst="rect">
+            <a:avLst/>
+          </a:prstGeom>
+        </p:spPr>
+        <p:style>
+          <a:lnRef idx="2">
+            <a:schemeClr val="accent3">
+              <a:shade val="50000"/>
+            </a:schemeClr>
+          </a:lnRef>
+          <a:fillRef idx="1">
+            <a:schemeClr val="accent3"/>
+          </a:fillRef>
+          <a:effectRef idx="0">
+            <a:schemeClr val="accent3"/>
+          </a:effectRef>
+          <a:fontRef idx="minor">
+            <a:schemeClr val="lt1"/>
+          </a:fontRef>
+        </p:style>
+        <p:txBody>
+          <a:bodyPr rtlCol="0" anchor="ctr"/>
+          <a:lstStyle/>
+          <a:p>
+            <a:pPr algn="ctr"/>
+            <a:endParaRPr lang="ru-RU"/>
+          </a:p>
+        </p:txBody>
+      </p:sp>
+      <p:sp>
+        <p:nvSpPr>
           <p:cNvPr id="2" name="Заголовок 1"/>
           <p:cNvSpPr>
             <a:spLocks noGrp="1"/>
@@ -10883,7 +12798,12 @@
             <p:ph type="title"/>
           </p:nvPr>
         </p:nvSpPr>
-        <p:spPr/>
+        <p:spPr>
+          <a:xfrm>
+            <a:off x="628650" y="3389"/>
+            <a:ext cx="7886700" cy="1325563"/>
+          </a:xfrm>
+        </p:spPr>
         <p:txBody>
           <a:bodyPr/>
           <a:lstStyle/>
@@ -10934,6 +12854,401 @@
             <a:pPr algn="ctr"/>
             <a:r>
               <a:rPr lang="en-US" dirty="0" smtClean="0"/>
+              <a:t>Java Code – Execute. Read file</a:t>
+            </a:r>
+            <a:endParaRPr lang="ru-RU" dirty="0"/>
+          </a:p>
+        </p:txBody>
+      </p:sp>
+      <p:sp>
+        <p:nvSpPr>
+          <p:cNvPr id="5" name="Прямоугольник 4"/>
+          <p:cNvSpPr/>
+          <p:nvPr/>
+        </p:nvSpPr>
+        <p:spPr>
+          <a:xfrm>
+            <a:off x="1276864" y="2207740"/>
+            <a:ext cx="3377514" cy="1466336"/>
+          </a:xfrm>
+          <a:prstGeom prst="rect">
+            <a:avLst/>
+          </a:prstGeom>
+        </p:spPr>
+        <p:style>
+          <a:lnRef idx="2">
+            <a:schemeClr val="accent4">
+              <a:shade val="50000"/>
+            </a:schemeClr>
+          </a:lnRef>
+          <a:fillRef idx="1">
+            <a:schemeClr val="accent4"/>
+          </a:fillRef>
+          <a:effectRef idx="0">
+            <a:schemeClr val="accent4"/>
+          </a:effectRef>
+          <a:fontRef idx="minor">
+            <a:schemeClr val="lt1"/>
+          </a:fontRef>
+        </p:style>
+        <p:txBody>
+          <a:bodyPr rtlCol="0" anchor="ctr"/>
+          <a:lstStyle/>
+          <a:p>
+            <a:pPr algn="ctr"/>
+            <a:r>
+              <a:rPr lang="en-US" dirty="0" smtClean="0"/>
+              <a:t>File I/O wait for file</a:t>
+            </a:r>
+            <a:endParaRPr lang="ru-RU" dirty="0"/>
+          </a:p>
+        </p:txBody>
+      </p:sp>
+      <p:sp>
+        <p:nvSpPr>
+          <p:cNvPr id="6" name="Прямоугольник 5"/>
+          <p:cNvSpPr/>
+          <p:nvPr/>
+        </p:nvSpPr>
+        <p:spPr>
+          <a:xfrm>
+            <a:off x="1276864" y="3680358"/>
+            <a:ext cx="3377514" cy="517052"/>
+          </a:xfrm>
+          <a:prstGeom prst="rect">
+            <a:avLst/>
+          </a:prstGeom>
+        </p:spPr>
+        <p:style>
+          <a:lnRef idx="2">
+            <a:schemeClr val="accent1">
+              <a:shade val="50000"/>
+            </a:schemeClr>
+          </a:lnRef>
+          <a:fillRef idx="1">
+            <a:schemeClr val="accent1"/>
+          </a:fillRef>
+          <a:effectRef idx="0">
+            <a:schemeClr val="accent1"/>
+          </a:effectRef>
+          <a:fontRef idx="minor">
+            <a:schemeClr val="lt1"/>
+          </a:fontRef>
+        </p:style>
+        <p:txBody>
+          <a:bodyPr rtlCol="0" anchor="ctr"/>
+          <a:lstStyle/>
+          <a:p>
+            <a:pPr algn="ctr"/>
+            <a:r>
+              <a:rPr lang="en-US" dirty="0" smtClean="0"/>
+              <a:t>Java Code – Execute. Parse JSON</a:t>
+            </a:r>
+            <a:endParaRPr lang="ru-RU" dirty="0"/>
+          </a:p>
+        </p:txBody>
+      </p:sp>
+      <p:sp>
+        <p:nvSpPr>
+          <p:cNvPr id="7" name="TextBox 6"/>
+          <p:cNvSpPr txBox="1"/>
+          <p:nvPr/>
+        </p:nvSpPr>
+        <p:spPr>
+          <a:xfrm>
+            <a:off x="2180042" y="970738"/>
+            <a:ext cx="1355884" cy="584775"/>
+          </a:xfrm>
+          <a:prstGeom prst="rect">
+            <a:avLst/>
+          </a:prstGeom>
+          <a:noFill/>
+        </p:spPr>
+        <p:txBody>
+          <a:bodyPr wrap="none" rtlCol="0">
+            <a:spAutoFit/>
+          </a:bodyPr>
+          <a:lstStyle/>
+          <a:p>
+            <a:r>
+              <a:rPr lang="en-US" sz="3200" dirty="0" smtClean="0"/>
+              <a:t>Thread</a:t>
+            </a:r>
+            <a:endParaRPr lang="ru-RU" sz="3200" dirty="0"/>
+          </a:p>
+        </p:txBody>
+      </p:sp>
+      <p:sp>
+        <p:nvSpPr>
+          <p:cNvPr id="8" name="Прямоугольник 7"/>
+          <p:cNvSpPr/>
+          <p:nvPr/>
+        </p:nvSpPr>
+        <p:spPr>
+          <a:xfrm>
+            <a:off x="1275054" y="4730916"/>
+            <a:ext cx="3377514" cy="1466336"/>
+          </a:xfrm>
+          <a:prstGeom prst="rect">
+            <a:avLst/>
+          </a:prstGeom>
+        </p:spPr>
+        <p:style>
+          <a:lnRef idx="2">
+            <a:schemeClr val="accent4">
+              <a:shade val="50000"/>
+            </a:schemeClr>
+          </a:lnRef>
+          <a:fillRef idx="1">
+            <a:schemeClr val="accent4"/>
+          </a:fillRef>
+          <a:effectRef idx="0">
+            <a:schemeClr val="accent4"/>
+          </a:effectRef>
+          <a:fontRef idx="minor">
+            <a:schemeClr val="lt1"/>
+          </a:fontRef>
+        </p:style>
+        <p:txBody>
+          <a:bodyPr rtlCol="0" anchor="ctr"/>
+          <a:lstStyle/>
+          <a:p>
+            <a:pPr algn="ctr"/>
+            <a:r>
+              <a:rPr lang="en-US" dirty="0" smtClean="0"/>
+              <a:t>Network I/O wait for file</a:t>
+            </a:r>
+            <a:endParaRPr lang="ru-RU" dirty="0"/>
+          </a:p>
+        </p:txBody>
+      </p:sp>
+      <p:sp>
+        <p:nvSpPr>
+          <p:cNvPr id="9" name="Прямоугольник 8"/>
+          <p:cNvSpPr/>
+          <p:nvPr/>
+        </p:nvSpPr>
+        <p:spPr>
+          <a:xfrm>
+            <a:off x="1275054" y="4199562"/>
+            <a:ext cx="3377514" cy="517052"/>
+          </a:xfrm>
+          <a:prstGeom prst="rect">
+            <a:avLst/>
+          </a:prstGeom>
+        </p:spPr>
+        <p:style>
+          <a:lnRef idx="2">
+            <a:schemeClr val="accent1">
+              <a:shade val="50000"/>
+            </a:schemeClr>
+          </a:lnRef>
+          <a:fillRef idx="1">
+            <a:schemeClr val="accent1"/>
+          </a:fillRef>
+          <a:effectRef idx="0">
+            <a:schemeClr val="accent1"/>
+          </a:effectRef>
+          <a:fontRef idx="minor">
+            <a:schemeClr val="lt1"/>
+          </a:fontRef>
+        </p:style>
+        <p:txBody>
+          <a:bodyPr rtlCol="0" anchor="ctr"/>
+          <a:lstStyle/>
+          <a:p>
+            <a:pPr algn="ctr"/>
+            <a:r>
+              <a:rPr lang="en-US" dirty="0" smtClean="0"/>
+              <a:t>Java Code – Execute. Send to user</a:t>
+            </a:r>
+            <a:endParaRPr lang="ru-RU" dirty="0"/>
+          </a:p>
+        </p:txBody>
+      </p:sp>
+    </p:spTree>
+    <p:extLst>
+      <p:ext uri="{BB962C8B-B14F-4D97-AF65-F5344CB8AC3E}">
+        <p14:creationId xmlns:p14="http://schemas.microsoft.com/office/powerpoint/2010/main" val="897448491"/>
+      </p:ext>
+    </p:extLst>
+  </p:cSld>
+  <p:clrMapOvr>
+    <a:masterClrMapping/>
+  </p:clrMapOvr>
+  <p:timing>
+    <p:tnLst>
+      <p:par>
+        <p:cTn id="1" dur="indefinite" restart="never" nodeType="tmRoot"/>
+      </p:par>
+    </p:tnLst>
+  </p:timing>
+</p:sld>
+</file>
+
+<file path=ppt/slides/slide9.xml><?xml version="1.0" encoding="utf-8"?>
+<p:sld xmlns:a="http://schemas.openxmlformats.org/drawingml/2006/main" xmlns:r="http://schemas.openxmlformats.org/officeDocument/2006/relationships" xmlns:p="http://schemas.openxmlformats.org/presentationml/2006/main">
+  <p:cSld>
+    <p:spTree>
+      <p:nvGrpSpPr>
+        <p:cNvPr id="1" name=""/>
+        <p:cNvGrpSpPr/>
+        <p:nvPr/>
+      </p:nvGrpSpPr>
+      <p:grpSpPr>
+        <a:xfrm>
+          <a:off x="0" y="0"/>
+          <a:ext cx="0" cy="0"/>
+          <a:chOff x="0" y="0"/>
+          <a:chExt cx="0" cy="0"/>
+        </a:xfrm>
+      </p:grpSpPr>
+      <p:sp>
+        <p:nvSpPr>
+          <p:cNvPr id="15" name="Прямоугольник 14"/>
+          <p:cNvSpPr/>
+          <p:nvPr/>
+        </p:nvSpPr>
+        <p:spPr>
+          <a:xfrm>
+            <a:off x="4945741" y="1453727"/>
+            <a:ext cx="3758083" cy="4994030"/>
+          </a:xfrm>
+          <a:prstGeom prst="rect">
+            <a:avLst/>
+          </a:prstGeom>
+        </p:spPr>
+        <p:style>
+          <a:lnRef idx="2">
+            <a:schemeClr val="accent3">
+              <a:shade val="50000"/>
+            </a:schemeClr>
+          </a:lnRef>
+          <a:fillRef idx="1">
+            <a:schemeClr val="accent3"/>
+          </a:fillRef>
+          <a:effectRef idx="0">
+            <a:schemeClr val="accent3"/>
+          </a:effectRef>
+          <a:fontRef idx="minor">
+            <a:schemeClr val="lt1"/>
+          </a:fontRef>
+        </p:style>
+        <p:txBody>
+          <a:bodyPr rtlCol="0" anchor="ctr"/>
+          <a:lstStyle/>
+          <a:p>
+            <a:pPr algn="ctr"/>
+            <a:endParaRPr lang="ru-RU"/>
+          </a:p>
+        </p:txBody>
+      </p:sp>
+      <p:sp>
+        <p:nvSpPr>
+          <p:cNvPr id="13" name="Прямоугольник 12"/>
+          <p:cNvSpPr/>
+          <p:nvPr/>
+        </p:nvSpPr>
+        <p:spPr>
+          <a:xfrm>
+            <a:off x="1045029" y="1446963"/>
+            <a:ext cx="3758083" cy="4994030"/>
+          </a:xfrm>
+          <a:prstGeom prst="rect">
+            <a:avLst/>
+          </a:prstGeom>
+        </p:spPr>
+        <p:style>
+          <a:lnRef idx="2">
+            <a:schemeClr val="accent3">
+              <a:shade val="50000"/>
+            </a:schemeClr>
+          </a:lnRef>
+          <a:fillRef idx="1">
+            <a:schemeClr val="accent3"/>
+          </a:fillRef>
+          <a:effectRef idx="0">
+            <a:schemeClr val="accent3"/>
+          </a:effectRef>
+          <a:fontRef idx="minor">
+            <a:schemeClr val="lt1"/>
+          </a:fontRef>
+        </p:style>
+        <p:txBody>
+          <a:bodyPr rtlCol="0" anchor="ctr"/>
+          <a:lstStyle/>
+          <a:p>
+            <a:pPr algn="ctr"/>
+            <a:endParaRPr lang="ru-RU"/>
+          </a:p>
+        </p:txBody>
+      </p:sp>
+      <p:sp>
+        <p:nvSpPr>
+          <p:cNvPr id="2" name="Заголовок 1"/>
+          <p:cNvSpPr>
+            <a:spLocks noGrp="1"/>
+          </p:cNvSpPr>
+          <p:nvPr>
+            <p:ph type="title"/>
+          </p:nvPr>
+        </p:nvSpPr>
+        <p:spPr>
+          <a:xfrm>
+            <a:off x="628650" y="3385"/>
+            <a:ext cx="7886700" cy="1325563"/>
+          </a:xfrm>
+        </p:spPr>
+        <p:txBody>
+          <a:bodyPr/>
+          <a:lstStyle/>
+          <a:p>
+            <a:r>
+              <a:rPr lang="en-US" dirty="0" smtClean="0"/>
+              <a:t>Node.js event loop</a:t>
+            </a:r>
+            <a:endParaRPr lang="ru-RU" dirty="0"/>
+          </a:p>
+        </p:txBody>
+      </p:sp>
+      <p:sp>
+        <p:nvSpPr>
+          <p:cNvPr id="4" name="Прямоугольник 3"/>
+          <p:cNvSpPr/>
+          <p:nvPr/>
+        </p:nvSpPr>
+        <p:spPr>
+          <a:xfrm>
+            <a:off x="1276865" y="1690689"/>
+            <a:ext cx="3377513" cy="517052"/>
+          </a:xfrm>
+          <a:prstGeom prst="rect">
+            <a:avLst/>
+          </a:prstGeom>
+        </p:spPr>
+        <p:style>
+          <a:lnRef idx="2">
+            <a:schemeClr val="accent1">
+              <a:shade val="50000"/>
+            </a:schemeClr>
+          </a:lnRef>
+          <a:fillRef idx="1">
+            <a:schemeClr val="accent1"/>
+          </a:fillRef>
+          <a:effectRef idx="0">
+            <a:schemeClr val="accent1"/>
+          </a:effectRef>
+          <a:fontRef idx="minor">
+            <a:schemeClr val="lt1"/>
+          </a:fontRef>
+        </p:style>
+        <p:txBody>
+          <a:bodyPr rtlCol="0" anchor="ctr"/>
+          <a:lstStyle/>
+          <a:p>
+            <a:pPr algn="ctr"/>
+            <a:r>
+              <a:rPr lang="en-US" dirty="0" smtClean="0"/>
               <a:t>J</a:t>
             </a:r>
             <a:r>
@@ -11038,36 +13353,6 @@
       </p:sp>
       <p:sp>
         <p:nvSpPr>
-          <p:cNvPr id="7" name="TextBox 6"/>
-          <p:cNvSpPr txBox="1"/>
-          <p:nvPr/>
-        </p:nvSpPr>
-        <p:spPr>
-          <a:xfrm>
-            <a:off x="1546995" y="1304881"/>
-            <a:ext cx="843693" cy="369332"/>
-          </a:xfrm>
-          <a:prstGeom prst="rect">
-            <a:avLst/>
-          </a:prstGeom>
-          <a:noFill/>
-        </p:spPr>
-        <p:txBody>
-          <a:bodyPr wrap="none" rtlCol="0">
-            <a:spAutoFit/>
-          </a:bodyPr>
-          <a:lstStyle/>
-          <a:p>
-            <a:r>
-              <a:rPr lang="en-US" dirty="0" smtClean="0"/>
-              <a:t>Thread</a:t>
-            </a:r>
-            <a:endParaRPr lang="ru-RU" dirty="0"/>
-          </a:p>
-        </p:txBody>
-      </p:sp>
-      <p:sp>
-        <p:nvSpPr>
           <p:cNvPr id="8" name="Прямоугольник 7"/>
           <p:cNvSpPr/>
           <p:nvPr/>
@@ -11171,7 +13456,7 @@
           <a:prstGeom prst="straightConnector1">
             <a:avLst/>
           </a:prstGeom>
-          <a:ln w="28575">
+          <a:ln w="57150">
             <a:tailEnd type="triangle" w="lg" len="lg"/>
           </a:ln>
         </p:spPr>
@@ -11207,7 +13492,7 @@
           <a:prstGeom prst="straightConnector1">
             <a:avLst/>
           </a:prstGeom>
-          <a:ln w="31750">
+          <a:ln w="57150">
             <a:tailEnd type="triangle" w="lg" len="lg"/>
           </a:ln>
         </p:spPr>
@@ -11240,7 +13525,7 @@
           <a:prstGeom prst="straightConnector1">
             <a:avLst/>
           </a:prstGeom>
-          <a:ln w="28575">
+          <a:ln w="57150">
             <a:tailEnd type="triangle" w="lg" len="lg"/>
           </a:ln>
         </p:spPr>
@@ -11273,7 +13558,7 @@
           <a:prstGeom prst="straightConnector1">
             <a:avLst/>
           </a:prstGeom>
-          <a:ln w="31750">
+          <a:ln w="57150">
             <a:tailEnd type="triangle" w="lg" len="lg"/>
           </a:ln>
         </p:spPr>
@@ -11292,208 +13577,16 @@
           </a:fontRef>
         </p:style>
       </p:cxnSp>
-    </p:spTree>
-    <p:extLst>
-      <p:ext uri="{BB962C8B-B14F-4D97-AF65-F5344CB8AC3E}">
-        <p14:creationId xmlns:p14="http://schemas.microsoft.com/office/powerpoint/2010/main" val="3330034959"/>
-      </p:ext>
-    </p:extLst>
-  </p:cSld>
-  <p:clrMapOvr>
-    <a:masterClrMapping/>
-  </p:clrMapOvr>
-  <p:timing>
-    <p:tnLst>
-      <p:par>
-        <p:cTn id="1" dur="indefinite" restart="never" nodeType="tmRoot"/>
-      </p:par>
-    </p:tnLst>
-  </p:timing>
-</p:sld>
-</file>
-
-<file path=ppt/slides/slide9.xml><?xml version="1.0" encoding="utf-8"?>
-<p:sld xmlns:a="http://schemas.openxmlformats.org/drawingml/2006/main" xmlns:r="http://schemas.openxmlformats.org/officeDocument/2006/relationships" xmlns:p="http://schemas.openxmlformats.org/presentationml/2006/main">
-  <p:cSld>
-    <p:spTree>
-      <p:nvGrpSpPr>
-        <p:cNvPr id="1" name=""/>
-        <p:cNvGrpSpPr/>
-        <p:nvPr/>
-      </p:nvGrpSpPr>
-      <p:grpSpPr>
-        <a:xfrm>
-          <a:off x="0" y="0"/>
-          <a:ext cx="0" cy="0"/>
-          <a:chOff x="0" y="0"/>
-          <a:chExt cx="0" cy="0"/>
-        </a:xfrm>
-      </p:grpSpPr>
-      <p:sp>
-        <p:nvSpPr>
-          <p:cNvPr id="2" name="Заголовок 1"/>
-          <p:cNvSpPr>
-            <a:spLocks noGrp="1"/>
-          </p:cNvSpPr>
-          <p:nvPr>
-            <p:ph type="title"/>
-          </p:nvPr>
-        </p:nvSpPr>
-        <p:spPr/>
-        <p:txBody>
-          <a:bodyPr/>
-          <a:lstStyle/>
-          <a:p>
-            <a:r>
-              <a:rPr lang="en-US" dirty="0" smtClean="0"/>
-              <a:t>Node.js event loop</a:t>
-            </a:r>
-            <a:endParaRPr lang="ru-RU" dirty="0"/>
-          </a:p>
-        </p:txBody>
-      </p:sp>
-      <p:sp>
-        <p:nvSpPr>
-          <p:cNvPr id="4" name="Прямоугольник 3"/>
-          <p:cNvSpPr/>
+      <p:sp>
+        <p:nvSpPr>
+          <p:cNvPr id="14" name="TextBox 13"/>
+          <p:cNvSpPr txBox="1"/>
           <p:nvPr/>
         </p:nvSpPr>
         <p:spPr>
           <a:xfrm>
-            <a:off x="1276865" y="1690689"/>
-            <a:ext cx="3377513" cy="517052"/>
-          </a:xfrm>
-          <a:prstGeom prst="rect">
-            <a:avLst/>
-          </a:prstGeom>
-        </p:spPr>
-        <p:style>
-          <a:lnRef idx="2">
-            <a:schemeClr val="accent1">
-              <a:shade val="50000"/>
-            </a:schemeClr>
-          </a:lnRef>
-          <a:fillRef idx="1">
-            <a:schemeClr val="accent1"/>
-          </a:fillRef>
-          <a:effectRef idx="0">
-            <a:schemeClr val="accent1"/>
-          </a:effectRef>
-          <a:fontRef idx="minor">
-            <a:schemeClr val="lt1"/>
-          </a:fontRef>
-        </p:style>
-        <p:txBody>
-          <a:bodyPr rtlCol="0" anchor="ctr"/>
-          <a:lstStyle/>
-          <a:p>
-            <a:pPr algn="ctr"/>
-            <a:r>
-              <a:rPr lang="en-US" dirty="0" smtClean="0"/>
-              <a:t>JS Code – Execute. Read file</a:t>
-            </a:r>
-            <a:endParaRPr lang="ru-RU" dirty="0"/>
-          </a:p>
-        </p:txBody>
-      </p:sp>
-      <p:sp>
-        <p:nvSpPr>
-          <p:cNvPr id="5" name="Прямоугольник 4"/>
-          <p:cNvSpPr/>
-          <p:nvPr/>
-        </p:nvSpPr>
-        <p:spPr>
-          <a:xfrm>
-            <a:off x="5137836" y="2207741"/>
-            <a:ext cx="3377514" cy="1466336"/>
-          </a:xfrm>
-          <a:prstGeom prst="rect">
-            <a:avLst/>
-          </a:prstGeom>
-        </p:spPr>
-        <p:style>
-          <a:lnRef idx="2">
-            <a:schemeClr val="accent4">
-              <a:shade val="50000"/>
-            </a:schemeClr>
-          </a:lnRef>
-          <a:fillRef idx="1">
-            <a:schemeClr val="accent4"/>
-          </a:fillRef>
-          <a:effectRef idx="0">
-            <a:schemeClr val="accent4"/>
-          </a:effectRef>
-          <a:fontRef idx="minor">
-            <a:schemeClr val="lt1"/>
-          </a:fontRef>
-        </p:style>
-        <p:txBody>
-          <a:bodyPr rtlCol="0" anchor="ctr"/>
-          <a:lstStyle/>
-          <a:p>
-            <a:pPr algn="ctr"/>
-            <a:r>
-              <a:rPr lang="en-US" dirty="0" smtClean="0"/>
-              <a:t>File I/O wait for file</a:t>
-            </a:r>
-            <a:endParaRPr lang="ru-RU" dirty="0"/>
-          </a:p>
-        </p:txBody>
-      </p:sp>
-      <p:sp>
-        <p:nvSpPr>
-          <p:cNvPr id="6" name="Прямоугольник 5"/>
-          <p:cNvSpPr/>
-          <p:nvPr/>
-        </p:nvSpPr>
-        <p:spPr>
-          <a:xfrm>
-            <a:off x="1276864" y="3680358"/>
-            <a:ext cx="3377514" cy="517052"/>
-          </a:xfrm>
-          <a:prstGeom prst="rect">
-            <a:avLst/>
-          </a:prstGeom>
-        </p:spPr>
-        <p:style>
-          <a:lnRef idx="2">
-            <a:schemeClr val="accent1">
-              <a:shade val="50000"/>
-            </a:schemeClr>
-          </a:lnRef>
-          <a:fillRef idx="1">
-            <a:schemeClr val="accent1"/>
-          </a:fillRef>
-          <a:effectRef idx="0">
-            <a:schemeClr val="accent1"/>
-          </a:effectRef>
-          <a:fontRef idx="minor">
-            <a:schemeClr val="lt1"/>
-          </a:fontRef>
-        </p:style>
-        <p:txBody>
-          <a:bodyPr rtlCol="0" anchor="ctr"/>
-          <a:lstStyle/>
-          <a:p>
-            <a:pPr algn="ctr"/>
-            <a:r>
-              <a:rPr lang="en-US" dirty="0" smtClean="0"/>
-              <a:t>JS Code – Execute. Parse JSON</a:t>
-            </a:r>
-            <a:endParaRPr lang="ru-RU" dirty="0"/>
-          </a:p>
-        </p:txBody>
-      </p:sp>
-      <p:sp>
-        <p:nvSpPr>
-          <p:cNvPr id="7" name="TextBox 6"/>
-          <p:cNvSpPr txBox="1"/>
-          <p:nvPr/>
-        </p:nvSpPr>
-        <p:spPr>
-          <a:xfrm>
-            <a:off x="1546995" y="1304881"/>
-            <a:ext cx="843693" cy="369332"/>
+            <a:off x="1969026" y="953907"/>
+            <a:ext cx="1769459" cy="584775"/>
           </a:xfrm>
           <a:prstGeom prst="rect">
             <a:avLst/>
@@ -11507,555 +13600,47 @@
           <a:lstStyle/>
           <a:p>
             <a:r>
-              <a:rPr lang="en-US" dirty="0" smtClean="0"/>
-              <a:t>Thread</a:t>
-            </a:r>
-            <a:endParaRPr lang="ru-RU" dirty="0"/>
-          </a:p>
-        </p:txBody>
-      </p:sp>
-      <p:sp>
-        <p:nvSpPr>
-          <p:cNvPr id="8" name="Прямоугольник 7"/>
-          <p:cNvSpPr/>
+              <a:rPr lang="en-US" sz="3200" dirty="0" smtClean="0"/>
+              <a:t>JS Thread</a:t>
+            </a:r>
+            <a:endParaRPr lang="ru-RU" sz="3200" dirty="0"/>
+          </a:p>
+        </p:txBody>
+      </p:sp>
+      <p:sp>
+        <p:nvSpPr>
+          <p:cNvPr id="18" name="TextBox 17"/>
+          <p:cNvSpPr txBox="1"/>
           <p:nvPr/>
         </p:nvSpPr>
         <p:spPr>
           <a:xfrm>
-            <a:off x="5137836" y="4716614"/>
-            <a:ext cx="3377514" cy="1466336"/>
+            <a:off x="5932476" y="923660"/>
+            <a:ext cx="1825564" cy="584775"/>
           </a:xfrm>
           <a:prstGeom prst="rect">
             <a:avLst/>
           </a:prstGeom>
+          <a:noFill/>
         </p:spPr>
-        <p:style>
-          <a:lnRef idx="2">
-            <a:schemeClr val="accent4">
-              <a:shade val="50000"/>
-            </a:schemeClr>
-          </a:lnRef>
-          <a:fillRef idx="1">
-            <a:schemeClr val="accent4"/>
-          </a:fillRef>
-          <a:effectRef idx="0">
-            <a:schemeClr val="accent4"/>
-          </a:effectRef>
-          <a:fontRef idx="minor">
-            <a:schemeClr val="lt1"/>
-          </a:fontRef>
-        </p:style>
-        <p:txBody>
-          <a:bodyPr rtlCol="0" anchor="ctr"/>
-          <a:lstStyle/>
-          <a:p>
-            <a:pPr algn="ctr"/>
-            <a:r>
-              <a:rPr lang="en-US" dirty="0" smtClean="0"/>
-              <a:t>Network I/O wait for file</a:t>
-            </a:r>
-            <a:endParaRPr lang="ru-RU" dirty="0"/>
-          </a:p>
-        </p:txBody>
-      </p:sp>
-      <p:sp>
-        <p:nvSpPr>
-          <p:cNvPr id="9" name="Прямоугольник 8"/>
-          <p:cNvSpPr/>
-          <p:nvPr/>
-        </p:nvSpPr>
-        <p:spPr>
-          <a:xfrm>
-            <a:off x="1275054" y="4199562"/>
-            <a:ext cx="3377514" cy="517052"/>
-          </a:xfrm>
-          <a:prstGeom prst="rect">
-            <a:avLst/>
-          </a:prstGeom>
-        </p:spPr>
-        <p:style>
-          <a:lnRef idx="2">
-            <a:schemeClr val="accent1">
-              <a:shade val="50000"/>
-            </a:schemeClr>
-          </a:lnRef>
-          <a:fillRef idx="1">
-            <a:schemeClr val="accent1"/>
-          </a:fillRef>
-          <a:effectRef idx="0">
-            <a:schemeClr val="accent1"/>
-          </a:effectRef>
-          <a:fontRef idx="minor">
-            <a:schemeClr val="lt1"/>
-          </a:fontRef>
-        </p:style>
-        <p:txBody>
-          <a:bodyPr rtlCol="0" anchor="ctr"/>
-          <a:lstStyle/>
-          <a:p>
-            <a:pPr algn="ctr"/>
-            <a:r>
-              <a:rPr lang="en-US" dirty="0" smtClean="0"/>
-              <a:t>JS Code – Execute. Send to user</a:t>
-            </a:r>
-            <a:endParaRPr lang="ru-RU" dirty="0"/>
-          </a:p>
-        </p:txBody>
-      </p:sp>
-      <p:cxnSp>
-        <p:nvCxnSpPr>
-          <p:cNvPr id="10" name="Прямая со стрелкой 9"/>
-          <p:cNvCxnSpPr>
-            <a:stCxn id="4" idx="3"/>
-            <a:endCxn id="5" idx="0"/>
-          </p:cNvCxnSpPr>
-          <p:nvPr/>
-        </p:nvCxnSpPr>
-        <p:spPr>
-          <a:xfrm>
-            <a:off x="4654378" y="1949215"/>
-            <a:ext cx="2172215" cy="258526"/>
-          </a:xfrm>
-          <a:prstGeom prst="straightConnector1">
-            <a:avLst/>
-          </a:prstGeom>
-          <a:ln w="28575">
-            <a:tailEnd type="triangle" w="lg" len="lg"/>
-          </a:ln>
-        </p:spPr>
-        <p:style>
-          <a:lnRef idx="1">
-            <a:schemeClr val="accent1"/>
-          </a:lnRef>
-          <a:fillRef idx="0">
-            <a:schemeClr val="accent1"/>
-          </a:fillRef>
-          <a:effectRef idx="0">
-            <a:schemeClr val="accent1"/>
-          </a:effectRef>
-          <a:fontRef idx="minor">
-            <a:schemeClr val="tx1"/>
-          </a:fontRef>
-        </p:style>
-      </p:cxnSp>
-      <p:cxnSp>
-        <p:nvCxnSpPr>
-          <p:cNvPr id="11" name="Прямая со стрелкой 10"/>
-          <p:cNvCxnSpPr>
-            <a:stCxn id="5" idx="2"/>
-            <a:endCxn id="6" idx="3"/>
-          </p:cNvCxnSpPr>
-          <p:nvPr/>
-        </p:nvCxnSpPr>
-        <p:spPr>
-          <a:xfrm flipH="1">
-            <a:off x="4654378" y="3674077"/>
-            <a:ext cx="2172215" cy="264807"/>
-          </a:xfrm>
-          <a:prstGeom prst="straightConnector1">
-            <a:avLst/>
-          </a:prstGeom>
-          <a:ln w="31750">
-            <a:tailEnd type="triangle" w="lg" len="lg"/>
-          </a:ln>
-        </p:spPr>
-        <p:style>
-          <a:lnRef idx="1">
-            <a:schemeClr val="accent1"/>
-          </a:lnRef>
-          <a:fillRef idx="0">
-            <a:schemeClr val="accent1"/>
-          </a:fillRef>
-          <a:effectRef idx="0">
-            <a:schemeClr val="accent1"/>
-          </a:effectRef>
-          <a:fontRef idx="minor">
-            <a:schemeClr val="tx1"/>
-          </a:fontRef>
-        </p:style>
-      </p:cxnSp>
-      <p:cxnSp>
-        <p:nvCxnSpPr>
-          <p:cNvPr id="16" name="Прямая со стрелкой 15"/>
-          <p:cNvCxnSpPr/>
-          <p:nvPr/>
-        </p:nvCxnSpPr>
-        <p:spPr>
-          <a:xfrm>
-            <a:off x="4652568" y="4458088"/>
-            <a:ext cx="2172215" cy="258526"/>
-          </a:xfrm>
-          <a:prstGeom prst="straightConnector1">
-            <a:avLst/>
-          </a:prstGeom>
-          <a:ln w="28575">
-            <a:tailEnd type="triangle" w="lg" len="lg"/>
-          </a:ln>
-        </p:spPr>
-        <p:style>
-          <a:lnRef idx="1">
-            <a:schemeClr val="accent1"/>
-          </a:lnRef>
-          <a:fillRef idx="0">
-            <a:schemeClr val="accent1"/>
-          </a:fillRef>
-          <a:effectRef idx="0">
-            <a:schemeClr val="accent1"/>
-          </a:effectRef>
-          <a:fontRef idx="minor">
-            <a:schemeClr val="tx1"/>
-          </a:fontRef>
-        </p:style>
-      </p:cxnSp>
-      <p:cxnSp>
-        <p:nvCxnSpPr>
-          <p:cNvPr id="17" name="Прямая со стрелкой 16"/>
-          <p:cNvCxnSpPr/>
-          <p:nvPr/>
-        </p:nvCxnSpPr>
-        <p:spPr>
-          <a:xfrm flipH="1">
-            <a:off x="4572000" y="6182950"/>
-            <a:ext cx="2172215" cy="264807"/>
-          </a:xfrm>
-          <a:prstGeom prst="straightConnector1">
-            <a:avLst/>
-          </a:prstGeom>
-          <a:ln w="31750">
-            <a:tailEnd type="triangle" w="lg" len="lg"/>
-          </a:ln>
-        </p:spPr>
-        <p:style>
-          <a:lnRef idx="1">
-            <a:schemeClr val="accent1"/>
-          </a:lnRef>
-          <a:fillRef idx="0">
-            <a:schemeClr val="accent1"/>
-          </a:fillRef>
-          <a:effectRef idx="0">
-            <a:schemeClr val="accent1"/>
-          </a:effectRef>
-          <a:fontRef idx="minor">
-            <a:schemeClr val="tx1"/>
-          </a:fontRef>
-        </p:style>
-      </p:cxnSp>
-      <p:sp>
-        <p:nvSpPr>
-          <p:cNvPr id="13" name="Прямоугольник 12"/>
-          <p:cNvSpPr/>
-          <p:nvPr/>
-        </p:nvSpPr>
-        <p:spPr>
-          <a:xfrm>
-            <a:off x="1275055" y="2224217"/>
-            <a:ext cx="3377513" cy="405561"/>
-          </a:xfrm>
-          <a:prstGeom prst="rect">
-            <a:avLst/>
-          </a:prstGeom>
-        </p:spPr>
-        <p:style>
-          <a:lnRef idx="2">
-            <a:schemeClr val="accent6">
-              <a:shade val="50000"/>
-            </a:schemeClr>
-          </a:lnRef>
-          <a:fillRef idx="1">
-            <a:schemeClr val="accent6"/>
-          </a:fillRef>
-          <a:effectRef idx="0">
-            <a:schemeClr val="accent6"/>
-          </a:effectRef>
-          <a:fontRef idx="minor">
-            <a:schemeClr val="lt1"/>
-          </a:fontRef>
-        </p:style>
-        <p:txBody>
-          <a:bodyPr rtlCol="0" anchor="ctr"/>
-          <a:lstStyle/>
-          <a:p>
-            <a:pPr algn="ctr"/>
-            <a:r>
-              <a:rPr lang="en-US" dirty="0" smtClean="0"/>
-              <a:t>JS Code – Execute</a:t>
-            </a:r>
-            <a:r>
-              <a:rPr lang="ru-RU" dirty="0" smtClean="0"/>
-              <a:t> </a:t>
-            </a:r>
-            <a:r>
-              <a:rPr lang="en-US" dirty="0" smtClean="0"/>
-              <a:t>more code</a:t>
-            </a:r>
-            <a:endParaRPr lang="ru-RU" dirty="0"/>
-          </a:p>
-        </p:txBody>
-      </p:sp>
-      <p:sp>
-        <p:nvSpPr>
-          <p:cNvPr id="14" name="Прямоугольник 13"/>
-          <p:cNvSpPr/>
-          <p:nvPr/>
-        </p:nvSpPr>
-        <p:spPr>
-          <a:xfrm>
-            <a:off x="1275054" y="2642941"/>
-            <a:ext cx="3377513" cy="517052"/>
-          </a:xfrm>
-          <a:prstGeom prst="rect">
-            <a:avLst/>
-          </a:prstGeom>
-        </p:spPr>
-        <p:style>
-          <a:lnRef idx="2">
-            <a:schemeClr val="accent6">
-              <a:shade val="50000"/>
-            </a:schemeClr>
-          </a:lnRef>
-          <a:fillRef idx="1">
-            <a:schemeClr val="accent6"/>
-          </a:fillRef>
-          <a:effectRef idx="0">
-            <a:schemeClr val="accent6"/>
-          </a:effectRef>
-          <a:fontRef idx="minor">
-            <a:schemeClr val="lt1"/>
-          </a:fontRef>
-        </p:style>
-        <p:txBody>
-          <a:bodyPr rtlCol="0" anchor="ctr"/>
-          <a:lstStyle/>
-          <a:p>
-            <a:pPr algn="ctr"/>
-            <a:r>
-              <a:rPr lang="en-US" dirty="0" smtClean="0"/>
-              <a:t>JS Code – Execute</a:t>
-            </a:r>
-            <a:r>
-              <a:rPr lang="ru-RU" dirty="0" smtClean="0"/>
-              <a:t> </a:t>
-            </a:r>
-            <a:r>
-              <a:rPr lang="en-US" dirty="0" smtClean="0"/>
-              <a:t>more code</a:t>
-            </a:r>
-            <a:endParaRPr lang="ru-RU" dirty="0"/>
-          </a:p>
-        </p:txBody>
-      </p:sp>
-      <p:sp>
-        <p:nvSpPr>
-          <p:cNvPr id="15" name="Прямоугольник 14"/>
-          <p:cNvSpPr/>
-          <p:nvPr/>
-        </p:nvSpPr>
-        <p:spPr>
-          <a:xfrm>
-            <a:off x="1275055" y="3148666"/>
-            <a:ext cx="3377513" cy="517052"/>
-          </a:xfrm>
-          <a:prstGeom prst="rect">
-            <a:avLst/>
-          </a:prstGeom>
-        </p:spPr>
-        <p:style>
-          <a:lnRef idx="2">
-            <a:schemeClr val="accent6">
-              <a:shade val="50000"/>
-            </a:schemeClr>
-          </a:lnRef>
-          <a:fillRef idx="1">
-            <a:schemeClr val="accent6"/>
-          </a:fillRef>
-          <a:effectRef idx="0">
-            <a:schemeClr val="accent6"/>
-          </a:effectRef>
-          <a:fontRef idx="minor">
-            <a:schemeClr val="lt1"/>
-          </a:fontRef>
-        </p:style>
-        <p:txBody>
-          <a:bodyPr rtlCol="0" anchor="ctr"/>
-          <a:lstStyle/>
-          <a:p>
-            <a:pPr algn="ctr"/>
-            <a:r>
-              <a:rPr lang="en-US" dirty="0" smtClean="0"/>
-              <a:t>JS Code – Execute</a:t>
-            </a:r>
-            <a:r>
-              <a:rPr lang="ru-RU" dirty="0" smtClean="0"/>
-              <a:t> </a:t>
-            </a:r>
-            <a:r>
-              <a:rPr lang="en-US" dirty="0" smtClean="0"/>
-              <a:t>more code</a:t>
-            </a:r>
-            <a:endParaRPr lang="ru-RU" dirty="0"/>
-          </a:p>
-        </p:txBody>
-      </p:sp>
-      <p:sp>
-        <p:nvSpPr>
-          <p:cNvPr id="18" name="Прямоугольник 17"/>
-          <p:cNvSpPr/>
-          <p:nvPr/>
-        </p:nvSpPr>
-        <p:spPr>
-          <a:xfrm>
-            <a:off x="1275054" y="4705287"/>
-            <a:ext cx="3377513" cy="405561"/>
-          </a:xfrm>
-          <a:prstGeom prst="rect">
-            <a:avLst/>
-          </a:prstGeom>
-        </p:spPr>
-        <p:style>
-          <a:lnRef idx="2">
-            <a:schemeClr val="accent6">
-              <a:shade val="50000"/>
-            </a:schemeClr>
-          </a:lnRef>
-          <a:fillRef idx="1">
-            <a:schemeClr val="accent6"/>
-          </a:fillRef>
-          <a:effectRef idx="0">
-            <a:schemeClr val="accent6"/>
-          </a:effectRef>
-          <a:fontRef idx="minor">
-            <a:schemeClr val="lt1"/>
-          </a:fontRef>
-        </p:style>
-        <p:txBody>
-          <a:bodyPr rtlCol="0" anchor="ctr"/>
-          <a:lstStyle/>
-          <a:p>
-            <a:pPr algn="ctr"/>
-            <a:r>
-              <a:rPr lang="en-US" dirty="0" smtClean="0"/>
-              <a:t>JS Code – Execute</a:t>
-            </a:r>
-            <a:r>
-              <a:rPr lang="ru-RU" dirty="0" smtClean="0"/>
-              <a:t> </a:t>
-            </a:r>
-            <a:r>
-              <a:rPr lang="en-US" dirty="0" smtClean="0"/>
-              <a:t>more code</a:t>
-            </a:r>
-            <a:endParaRPr lang="ru-RU" dirty="0"/>
-          </a:p>
-        </p:txBody>
-      </p:sp>
-      <p:sp>
-        <p:nvSpPr>
-          <p:cNvPr id="19" name="Прямоугольник 18"/>
-          <p:cNvSpPr/>
-          <p:nvPr/>
-        </p:nvSpPr>
-        <p:spPr>
-          <a:xfrm>
-            <a:off x="1275053" y="5124011"/>
-            <a:ext cx="3377513" cy="517052"/>
-          </a:xfrm>
-          <a:prstGeom prst="rect">
-            <a:avLst/>
-          </a:prstGeom>
-        </p:spPr>
-        <p:style>
-          <a:lnRef idx="2">
-            <a:schemeClr val="accent6">
-              <a:shade val="50000"/>
-            </a:schemeClr>
-          </a:lnRef>
-          <a:fillRef idx="1">
-            <a:schemeClr val="accent6"/>
-          </a:fillRef>
-          <a:effectRef idx="0">
-            <a:schemeClr val="accent6"/>
-          </a:effectRef>
-          <a:fontRef idx="minor">
-            <a:schemeClr val="lt1"/>
-          </a:fontRef>
-        </p:style>
-        <p:txBody>
-          <a:bodyPr rtlCol="0" anchor="ctr"/>
-          <a:lstStyle/>
-          <a:p>
-            <a:pPr algn="ctr"/>
-            <a:r>
-              <a:rPr lang="en-US" dirty="0" smtClean="0"/>
-              <a:t>JS Code – Execute</a:t>
-            </a:r>
-            <a:r>
-              <a:rPr lang="ru-RU" dirty="0" smtClean="0"/>
-              <a:t> </a:t>
-            </a:r>
-            <a:r>
-              <a:rPr lang="en-US" dirty="0" smtClean="0"/>
-              <a:t>more code</a:t>
-            </a:r>
-            <a:endParaRPr lang="ru-RU" dirty="0"/>
-          </a:p>
-        </p:txBody>
-      </p:sp>
-      <p:sp>
-        <p:nvSpPr>
-          <p:cNvPr id="20" name="Прямоугольник 19"/>
-          <p:cNvSpPr/>
-          <p:nvPr/>
-        </p:nvSpPr>
-        <p:spPr>
-          <a:xfrm>
-            <a:off x="1275054" y="5629736"/>
-            <a:ext cx="3377513" cy="517052"/>
-          </a:xfrm>
-          <a:prstGeom prst="rect">
-            <a:avLst/>
-          </a:prstGeom>
-        </p:spPr>
-        <p:style>
-          <a:lnRef idx="2">
-            <a:schemeClr val="accent6">
-              <a:shade val="50000"/>
-            </a:schemeClr>
-          </a:lnRef>
-          <a:fillRef idx="1">
-            <a:schemeClr val="accent6"/>
-          </a:fillRef>
-          <a:effectRef idx="0">
-            <a:schemeClr val="accent6"/>
-          </a:effectRef>
-          <a:fontRef idx="minor">
-            <a:schemeClr val="lt1"/>
-          </a:fontRef>
-        </p:style>
-        <p:txBody>
-          <a:bodyPr rtlCol="0" anchor="ctr"/>
-          <a:lstStyle/>
-          <a:p>
-            <a:pPr algn="ctr"/>
-            <a:r>
-              <a:rPr lang="en-US" dirty="0" smtClean="0"/>
-              <a:t>JS Code – Execute</a:t>
-            </a:r>
-            <a:r>
-              <a:rPr lang="ru-RU" dirty="0" smtClean="0"/>
-              <a:t> </a:t>
-            </a:r>
-            <a:r>
-              <a:rPr lang="en-US" dirty="0" smtClean="0"/>
-              <a:t>more code</a:t>
-            </a:r>
-            <a:endParaRPr lang="ru-RU" dirty="0"/>
+        <p:txBody>
+          <a:bodyPr wrap="none" rtlCol="0">
+            <a:spAutoFit/>
+          </a:bodyPr>
+          <a:lstStyle/>
+          <a:p>
+            <a:r>
+              <a:rPr lang="en-US" sz="3200" dirty="0" smtClean="0"/>
+              <a:t>IO Thread</a:t>
+            </a:r>
+            <a:endParaRPr lang="ru-RU" sz="3200" dirty="0"/>
           </a:p>
         </p:txBody>
       </p:sp>
     </p:spTree>
     <p:extLst>
       <p:ext uri="{BB962C8B-B14F-4D97-AF65-F5344CB8AC3E}">
-        <p14:creationId xmlns:p14="http://schemas.microsoft.com/office/powerpoint/2010/main" val="2135072480"/>
+        <p14:creationId xmlns:p14="http://schemas.microsoft.com/office/powerpoint/2010/main" val="3330034959"/>
       </p:ext>
     </p:extLst>
   </p:cSld>

--- a/node_js.pptx
+++ b/node_js.pptx
@@ -808,11 +808,7 @@
           <a:p>
             <a:r>
               <a:rPr lang="ru-RU" baseline="0" dirty="0" smtClean="0"/>
-              <a:t>Опять </a:t>
-            </a:r>
-            <a:r>
-              <a:rPr lang="ru-RU" baseline="0" dirty="0" smtClean="0"/>
-              <a:t>же, мы будем двигаться итеративно. Для начала попробуем написать </a:t>
+              <a:t>Опять же, мы будем двигаться итеративно. Для начала попробуем написать </a:t>
             </a:r>
             <a:r>
               <a:rPr lang="en-US" baseline="0" dirty="0" smtClean="0"/>
@@ -852,11 +848,7 @@
             </a:r>
             <a:r>
               <a:rPr lang="ru-RU" baseline="0" dirty="0" smtClean="0"/>
-              <a:t>объяснить </a:t>
-            </a:r>
-            <a:r>
-              <a:rPr lang="ru-RU" baseline="0" dirty="0" smtClean="0"/>
-              <a:t>файл</a:t>
+              <a:t>объяснить файл</a:t>
             </a:r>
           </a:p>
           <a:p>
@@ -1102,21 +1094,13 @@
             </a:r>
             <a:r>
               <a:rPr lang="ru-RU" baseline="0" dirty="0" smtClean="0"/>
-              <a:t>написать попробовали, теперь забудьте про него</a:t>
-            </a:r>
-            <a:r>
-              <a:rPr lang="ru-RU" baseline="0" dirty="0" smtClean="0"/>
-              <a:t>. Точнее не забудьте, а скопируйте в новый файл (или переименуйте этот).</a:t>
-            </a:r>
-          </a:p>
-          <a:p>
-            <a:r>
-              <a:rPr lang="ru-RU" baseline="0" dirty="0" smtClean="0"/>
-              <a:t>Теперь </a:t>
-            </a:r>
-            <a:r>
-              <a:rPr lang="ru-RU" baseline="0" dirty="0" smtClean="0"/>
-              <a:t>мы напишем серверную и клиентскую часть для добавления маркеров в БД</a:t>
+              <a:t>написать попробовали, теперь забудьте про него. Точнее не забудьте, а скопируйте в новый файл (или переименуйте этот).</a:t>
+            </a:r>
+          </a:p>
+          <a:p>
+            <a:r>
+              <a:rPr lang="ru-RU" baseline="0" dirty="0" smtClean="0"/>
+              <a:t>Теперь мы напишем серверную и клиентскую часть для добавления маркеров в БД</a:t>
             </a:r>
           </a:p>
           <a:p>
@@ -1329,7 +1313,41 @@
             </a:pPr>
             <a:r>
               <a:rPr lang="ru-RU" baseline="0" dirty="0" smtClean="0"/>
-              <a:t>Запустите на выполнение</a:t>
+              <a:t>Создайте папку </a:t>
+            </a:r>
+            <a:r>
+              <a:rPr lang="en-US" baseline="0" dirty="0" smtClean="0"/>
+              <a:t>data/</a:t>
+            </a:r>
+            <a:r>
+              <a:rPr lang="en-US" baseline="0" dirty="0" err="1" smtClean="0"/>
+              <a:t>db</a:t>
+            </a:r>
+            <a:r>
+              <a:rPr lang="en-US" baseline="0" dirty="0" smtClean="0"/>
+              <a:t> </a:t>
+            </a:r>
+            <a:r>
+              <a:rPr lang="ru-RU" baseline="0" dirty="0" smtClean="0"/>
+              <a:t>в каталоге </a:t>
+            </a:r>
+            <a:r>
+              <a:rPr lang="ru-RU" baseline="0" smtClean="0"/>
+              <a:t>с файлами</a:t>
+            </a:r>
+            <a:endParaRPr lang="en-US" baseline="0" dirty="0" smtClean="0"/>
+          </a:p>
+          <a:p>
+            <a:pPr marL="228600" lvl="0" indent="-228600">
+              <a:buAutoNum type="arabicPeriod"/>
+            </a:pPr>
+            <a:r>
+              <a:rPr lang="ru-RU" baseline="0" dirty="0" smtClean="0"/>
+              <a:t>Запустите </a:t>
+            </a:r>
+            <a:r>
+              <a:rPr lang="ru-RU" baseline="0" dirty="0" smtClean="0"/>
+              <a:t>на выполнение</a:t>
             </a:r>
             <a:r>
               <a:rPr lang="en-US" baseline="0" dirty="0" smtClean="0"/>
@@ -1467,11 +1485,7 @@
           <a:p>
             <a:r>
               <a:rPr lang="ru-RU" baseline="0" dirty="0" smtClean="0"/>
-              <a:t>В клиентской части единственное изменение – это новая строка которая делает запрос к серверу</a:t>
-            </a:r>
-            <a:r>
-              <a:rPr lang="ru-RU" baseline="0" dirty="0" smtClean="0"/>
-              <a:t>.</a:t>
+              <a:t>В клиентской части единственное изменение – это новая строка которая делает запрос к серверу.</a:t>
             </a:r>
             <a:endParaRPr lang="en-US" baseline="0" dirty="0" smtClean="0"/>
           </a:p>
@@ -1632,19 +1646,7 @@
             </a:r>
             <a:r>
               <a:rPr lang="ru-RU" baseline="0" dirty="0" smtClean="0"/>
-              <a:t>который позволяет выполнять </a:t>
-            </a:r>
-            <a:r>
-              <a:rPr lang="ru-RU" baseline="0" dirty="0" smtClean="0"/>
-              <a:t>запросы </a:t>
-            </a:r>
-            <a:r>
-              <a:rPr lang="ru-RU" baseline="0" dirty="0" smtClean="0"/>
-              <a:t>к БД. Угадайте, на каком языке мы будем общаться</a:t>
-            </a:r>
-            <a:r>
-              <a:rPr lang="ru-RU" baseline="0" dirty="0" smtClean="0"/>
-              <a:t>?</a:t>
+              <a:t>который позволяет выполнять запросы к БД. Угадайте, на каком языке мы будем общаться?</a:t>
             </a:r>
             <a:endParaRPr lang="en-US" baseline="0" dirty="0" smtClean="0"/>
           </a:p>
@@ -1657,7 +1659,6 @@
               <a:rPr lang="ru-RU" baseline="0" dirty="0" smtClean="0"/>
               <a:t>рассказать про команды</a:t>
             </a:r>
-            <a:endParaRPr lang="ru-RU" baseline="0" dirty="0" smtClean="0"/>
           </a:p>
         </p:txBody>
       </p:sp>
@@ -1749,11 +1750,7 @@
           <a:p>
             <a:r>
               <a:rPr lang="ru-RU" baseline="0" dirty="0" smtClean="0"/>
-              <a:t>Давайте теперь попробуем загружать точки при загрузке </a:t>
-            </a:r>
-            <a:r>
-              <a:rPr lang="ru-RU" baseline="0" dirty="0" smtClean="0"/>
-              <a:t>страницы – </a:t>
+              <a:t>Давайте теперь попробуем загружать точки при загрузке страницы – </a:t>
             </a:r>
             <a:r>
               <a:rPr lang="ru-RU" baseline="0" dirty="0" err="1" smtClean="0"/>
@@ -1871,7 +1868,6 @@
               <a:rPr lang="ru-RU" baseline="0" dirty="0" smtClean="0"/>
               <a:t>)</a:t>
             </a:r>
-            <a:endParaRPr lang="ru-RU" baseline="0" dirty="0" smtClean="0"/>
           </a:p>
           <a:p>
             <a:r>
@@ -1894,7 +1890,6 @@
               <a:rPr lang="ru-RU" baseline="0" dirty="0" smtClean="0"/>
               <a:t>ответ со списком точек. обратите внимание также на лог сервера – там пишется когда мы запрашивали список точек</a:t>
             </a:r>
-            <a:endParaRPr lang="ru-RU" baseline="0" dirty="0" smtClean="0"/>
           </a:p>
         </p:txBody>
       </p:sp>
@@ -2005,19 +2000,7 @@
             </a:r>
             <a:r>
               <a:rPr lang="ru-RU" baseline="0" dirty="0" smtClean="0"/>
-              <a:t>Жирным выделены изменения. Часть </a:t>
-            </a:r>
-            <a:r>
-              <a:rPr lang="ru-RU" baseline="0" dirty="0" smtClean="0"/>
-              <a:t>кода уже написанного </a:t>
-            </a:r>
-            <a:r>
-              <a:rPr lang="ru-RU" baseline="0" dirty="0" smtClean="0"/>
-              <a:t>я опустил чтобы вместить на </a:t>
-            </a:r>
-            <a:r>
-              <a:rPr lang="ru-RU" baseline="0" dirty="0" smtClean="0"/>
-              <a:t>слайд</a:t>
+              <a:t>Жирным выделены изменения. Часть кода уже написанного я опустил чтобы вместить на слайд</a:t>
             </a:r>
           </a:p>
           <a:p>
@@ -2144,7 +2127,6 @@
               <a:rPr lang="ru-RU" baseline="0" dirty="0" smtClean="0"/>
               <a:t> сервер и обновить страницу</a:t>
             </a:r>
-            <a:endParaRPr lang="ru-RU" baseline="0" dirty="0" smtClean="0"/>
           </a:p>
           <a:p>
             <a:endParaRPr lang="ru-RU" baseline="0" dirty="0" smtClean="0"/>
@@ -3240,11 +3222,7 @@
             </a:r>
             <a:r>
               <a:rPr lang="ru-RU" baseline="0" dirty="0" smtClean="0"/>
-              <a:t> </a:t>
-            </a:r>
-            <a:r>
-              <a:rPr lang="ru-RU" baseline="0" dirty="0" smtClean="0"/>
-              <a:t>понадобится создать несколько файлов: 1) </a:t>
+              <a:t> понадобится создать несколько файлов: 1) </a:t>
             </a:r>
             <a:r>
               <a:rPr lang="en-US" baseline="0" dirty="0" smtClean="0"/>
@@ -3260,11 +3238,7 @@
             </a:r>
             <a:r>
               <a:rPr lang="en-US" baseline="0" dirty="0" smtClean="0"/>
-              <a:t> </a:t>
-            </a:r>
-            <a:r>
-              <a:rPr lang="en-US" baseline="0" dirty="0" smtClean="0"/>
-              <a:t>file</a:t>
+              <a:t> file</a:t>
             </a:r>
           </a:p>
           <a:p>
@@ -3292,11 +3266,7 @@
             </a:r>
             <a:r>
               <a:rPr lang="ru-RU" baseline="0" dirty="0" smtClean="0"/>
-              <a:t>объяснить </a:t>
-            </a:r>
-            <a:r>
-              <a:rPr lang="ru-RU" baseline="0" dirty="0" smtClean="0"/>
-              <a:t>содержимое. Ключевой акцент на подключение </a:t>
+              <a:t>объяснить содержимое. Ключевой акцент на подключение </a:t>
             </a:r>
             <a:r>
               <a:rPr lang="en-US" baseline="0" dirty="0" err="1" smtClean="0"/>
@@ -3393,11 +3363,7 @@
             </a:r>
             <a:r>
               <a:rPr lang="ru-RU" baseline="0" dirty="0" smtClean="0"/>
-              <a:t>объяснить </a:t>
-            </a:r>
-            <a:r>
-              <a:rPr lang="ru-RU" baseline="0" dirty="0" smtClean="0"/>
-              <a:t>содержимое</a:t>
+              <a:t>объяснить содержимое</a:t>
             </a:r>
           </a:p>
           <a:p>
@@ -3409,7 +3375,6 @@
               <a:rPr lang="ru-RU" baseline="0" dirty="0" smtClean="0"/>
               <a:t>Основной акцент на координатах – что это координаты ВГУ</a:t>
             </a:r>
-            <a:endParaRPr lang="ru-RU" baseline="0" dirty="0" smtClean="0"/>
           </a:p>
           <a:p>
             <a:pPr marL="228600" indent="-228600">
@@ -3556,11 +3521,7 @@
             </a:r>
             <a:r>
               <a:rPr lang="ru-RU" baseline="0" dirty="0" smtClean="0"/>
-              <a:t> файл </a:t>
-            </a:r>
-            <a:r>
-              <a:rPr lang="ru-RU" baseline="0" dirty="0" smtClean="0"/>
-              <a:t>как показано на слайде</a:t>
+              <a:t> файл как показано на слайде</a:t>
             </a:r>
             <a:r>
               <a:rPr lang="en-US" baseline="0" dirty="0" smtClean="0"/>
@@ -3576,11 +3537,7 @@
             </a:r>
             <a:r>
               <a:rPr lang="ru-RU" baseline="0" dirty="0" smtClean="0"/>
-              <a:t>файл. </a:t>
-            </a:r>
-            <a:r>
-              <a:rPr lang="ru-RU" baseline="0" dirty="0" smtClean="0"/>
-              <a:t>Здесь</a:t>
+              <a:t>файл. Здесь</a:t>
             </a:r>
           </a:p>
           <a:p>
@@ -3621,11 +3578,7 @@
             </a:pPr>
             <a:r>
               <a:rPr lang="ru-RU" baseline="0" dirty="0" smtClean="0"/>
-              <a:t>Попробуйте </a:t>
-            </a:r>
-            <a:r>
-              <a:rPr lang="ru-RU" baseline="0" dirty="0" smtClean="0"/>
-              <a:t>пощелкать на карте, теперь вы можете добавлять новые маркеры на карту</a:t>
+              <a:t>Попробуйте пощелкать на карте, теперь вы можете добавлять новые маркеры на карту</a:t>
             </a:r>
             <a:endParaRPr lang="ru-RU" dirty="0"/>
           </a:p>
@@ -3717,11 +3670,7 @@
             </a:r>
             <a:r>
               <a:rPr lang="ru-RU" baseline="0" dirty="0" smtClean="0"/>
-              <a:t> попробуем удалить маркеры с </a:t>
-            </a:r>
-            <a:r>
-              <a:rPr lang="ru-RU" baseline="0" dirty="0" smtClean="0"/>
-              <a:t>карты</a:t>
+              <a:t> попробуем удалить маркеры с карты</a:t>
             </a:r>
           </a:p>
           <a:p>
@@ -4066,11 +4015,7 @@
           <a:p>
             <a:r>
               <a:rPr lang="ru-RU" dirty="0" smtClean="0"/>
-              <a:t>Со </a:t>
-            </a:r>
-            <a:r>
-              <a:rPr lang="ru-RU" dirty="0" smtClean="0"/>
-              <a:t>стандартным</a:t>
+              <a:t>Со стандартным</a:t>
             </a:r>
             <a:r>
               <a:rPr lang="ru-RU" baseline="0" dirty="0" smtClean="0"/>
@@ -8349,15 +8294,7 @@
           <a:p>
             <a:r>
               <a:rPr lang="en-US" sz="2800" dirty="0" smtClean="0"/>
-              <a:t>node </a:t>
-            </a:r>
-            <a:r>
-              <a:rPr lang="en-US" sz="2800" dirty="0" smtClean="0"/>
-              <a:t>hello</a:t>
-            </a:r>
-            <a:r>
-              <a:rPr lang="en-US" sz="2800" dirty="0" smtClean="0"/>
-              <a:t>.js</a:t>
+              <a:t>node hello.js</a:t>
             </a:r>
             <a:endParaRPr lang="ru-RU" sz="2800" dirty="0"/>
           </a:p>
@@ -8952,7 +8889,7 @@
         </p:nvSpPr>
         <p:spPr>
           <a:xfrm>
-            <a:off x="4714351" y="4823505"/>
+            <a:off x="4714351" y="4903889"/>
             <a:ext cx="4409605" cy="523220"/>
           </a:xfrm>
           <a:prstGeom prst="rect">
@@ -8996,6 +8933,51 @@
             <a:r>
               <a:rPr lang="en-US" sz="2800" dirty="0" err="1" smtClean="0"/>
               <a:t>mongo.conf</a:t>
+            </a:r>
+            <a:endParaRPr lang="ru-RU" sz="2800" dirty="0"/>
+          </a:p>
+        </p:txBody>
+      </p:sp>
+      <p:sp>
+        <p:nvSpPr>
+          <p:cNvPr id="7" name="TextBox 6"/>
+          <p:cNvSpPr txBox="1"/>
+          <p:nvPr/>
+        </p:nvSpPr>
+        <p:spPr>
+          <a:xfrm>
+            <a:off x="4714299" y="4282416"/>
+            <a:ext cx="2265492" cy="523220"/>
+          </a:xfrm>
+          <a:prstGeom prst="rect">
+            <a:avLst/>
+          </a:prstGeom>
+          <a:noFill/>
+          <a:ln>
+            <a:solidFill>
+              <a:schemeClr val="accent6">
+                <a:shade val="50000"/>
+              </a:schemeClr>
+            </a:solidFill>
+          </a:ln>
+        </p:spPr>
+        <p:txBody>
+          <a:bodyPr wrap="none" rtlCol="0">
+            <a:spAutoFit/>
+          </a:bodyPr>
+          <a:lstStyle/>
+          <a:p>
+            <a:r>
+              <a:rPr lang="en-US" sz="2800" dirty="0" err="1" smtClean="0"/>
+              <a:t>mkdir</a:t>
+            </a:r>
+            <a:r>
+              <a:rPr lang="en-US" sz="2800" dirty="0" smtClean="0"/>
+              <a:t> data/</a:t>
+            </a:r>
+            <a:r>
+              <a:rPr lang="en-US" sz="2800" dirty="0" err="1" smtClean="0"/>
+              <a:t>db</a:t>
             </a:r>
             <a:endParaRPr lang="ru-RU" sz="2800" dirty="0"/>
           </a:p>

--- a/node_js.pptx
+++ b/node_js.pptx
@@ -5,7 +5,7 @@
     <p:sldMasterId id="2147483660" r:id="rId1"/>
   </p:sldMasterIdLst>
   <p:notesMasterIdLst>
-    <p:notesMasterId r:id="rId22"/>
+    <p:notesMasterId r:id="rId23"/>
   </p:notesMasterIdLst>
   <p:sldIdLst>
     <p:sldId id="256" r:id="rId2"/>
@@ -28,6 +28,7 @@
     <p:sldId id="274" r:id="rId19"/>
     <p:sldId id="275" r:id="rId20"/>
     <p:sldId id="276" r:id="rId21"/>
+    <p:sldId id="278" r:id="rId22"/>
   </p:sldIdLst>
   <p:sldSz cx="9144000" cy="6858000" type="screen4x3"/>
   <p:notesSz cx="6858000" cy="9144000"/>
@@ -216,7 +217,7 @@
           <a:p>
             <a:fld id="{00D06C70-9140-41F3-8683-D2A3B089C0B7}" type="datetimeFigureOut">
               <a:rPr lang="ru-RU" smtClean="0"/>
-              <a:t>13.11.2017</a:t>
+              <a:t>14.11.2017</a:t>
             </a:fld>
             <a:endParaRPr lang="ru-RU"/>
           </a:p>
@@ -1343,11 +1344,7 @@
             </a:pPr>
             <a:r>
               <a:rPr lang="ru-RU" baseline="0" dirty="0" smtClean="0"/>
-              <a:t>Запустите </a:t>
-            </a:r>
-            <a:r>
-              <a:rPr lang="ru-RU" baseline="0" dirty="0" smtClean="0"/>
-              <a:t>на выполнение</a:t>
+              <a:t>Запустите на выполнение</a:t>
             </a:r>
             <a:r>
               <a:rPr lang="en-US" baseline="0" dirty="0" smtClean="0"/>
@@ -3055,6 +3052,223 @@
     <p:extLst>
       <p:ext uri="{BB962C8B-B14F-4D97-AF65-F5344CB8AC3E}">
         <p14:creationId xmlns:p14="http://schemas.microsoft.com/office/powerpoint/2010/main" val="2857051424"/>
+      </p:ext>
+    </p:extLst>
+  </p:cSld>
+  <p:clrMapOvr>
+    <a:masterClrMapping/>
+  </p:clrMapOvr>
+</p:notes>
+</file>
+
+<file path=ppt/notesSlides/notesSlide21.xml><?xml version="1.0" encoding="utf-8"?>
+<p:notes xmlns:a="http://schemas.openxmlformats.org/drawingml/2006/main" xmlns:r="http://schemas.openxmlformats.org/officeDocument/2006/relationships" xmlns:p="http://schemas.openxmlformats.org/presentationml/2006/main">
+  <p:cSld>
+    <p:spTree>
+      <p:nvGrpSpPr>
+        <p:cNvPr id="1" name=""/>
+        <p:cNvGrpSpPr/>
+        <p:nvPr/>
+      </p:nvGrpSpPr>
+      <p:grpSpPr>
+        <a:xfrm>
+          <a:off x="0" y="0"/>
+          <a:ext cx="0" cy="0"/>
+          <a:chOff x="0" y="0"/>
+          <a:chExt cx="0" cy="0"/>
+        </a:xfrm>
+      </p:grpSpPr>
+      <p:sp>
+        <p:nvSpPr>
+          <p:cNvPr id="2" name="Образ слайда 1"/>
+          <p:cNvSpPr>
+            <a:spLocks noGrp="1" noRot="1" noChangeAspect="1"/>
+          </p:cNvSpPr>
+          <p:nvPr>
+            <p:ph type="sldImg"/>
+          </p:nvPr>
+        </p:nvSpPr>
+        <p:spPr/>
+      </p:sp>
+      <p:sp>
+        <p:nvSpPr>
+          <p:cNvPr id="3" name="Заметки 2"/>
+          <p:cNvSpPr>
+            <a:spLocks noGrp="1"/>
+          </p:cNvSpPr>
+          <p:nvPr>
+            <p:ph type="body" idx="1"/>
+          </p:nvPr>
+        </p:nvSpPr>
+        <p:spPr/>
+        <p:txBody>
+          <a:bodyPr/>
+          <a:lstStyle/>
+          <a:p>
+            <a:pPr marL="0" marR="0" indent="0" algn="l" defTabSz="914400" rtl="0" eaLnBrk="1" fontAlgn="auto" latinLnBrk="0" hangingPunct="1">
+              <a:lnSpc>
+                <a:spcPct val="100000"/>
+              </a:lnSpc>
+              <a:spcBef>
+                <a:spcPts val="0"/>
+              </a:spcBef>
+              <a:spcAft>
+                <a:spcPts val="0"/>
+              </a:spcAft>
+              <a:buClrTx/>
+              <a:buSzTx/>
+              <a:buFontTx/>
+              <a:buNone/>
+              <a:tabLst/>
+              <a:defRPr/>
+            </a:pPr>
+            <a:r>
+              <a:rPr lang="ru-RU" baseline="0" dirty="0" smtClean="0"/>
+              <a:t>Единственно что надо изменить на клиенте – добавить дополнительный вызов </a:t>
+            </a:r>
+            <a:r>
+              <a:rPr lang="ru-RU" baseline="0" dirty="0" err="1" smtClean="0"/>
+              <a:t>реста</a:t>
+            </a:r>
+            <a:r>
+              <a:rPr lang="ru-RU" baseline="0" dirty="0" smtClean="0"/>
+              <a:t>. Кстати, обратите внимание что </a:t>
+            </a:r>
+            <a:r>
+              <a:rPr lang="ru-RU" baseline="0" dirty="0" err="1" smtClean="0"/>
+              <a:t>задизайнили</a:t>
+            </a:r>
+            <a:r>
+              <a:rPr lang="ru-RU" baseline="0" dirty="0" smtClean="0"/>
+              <a:t> почти правильный </a:t>
+            </a:r>
+            <a:r>
+              <a:rPr lang="en-US" baseline="0" dirty="0" smtClean="0"/>
+              <a:t>REST API</a:t>
+            </a:r>
+          </a:p>
+          <a:p>
+            <a:pPr marL="0" marR="0" indent="0" algn="l" defTabSz="914400" rtl="0" eaLnBrk="1" fontAlgn="auto" latinLnBrk="0" hangingPunct="1">
+              <a:lnSpc>
+                <a:spcPct val="100000"/>
+              </a:lnSpc>
+              <a:spcBef>
+                <a:spcPts val="0"/>
+              </a:spcBef>
+              <a:spcAft>
+                <a:spcPts val="0"/>
+              </a:spcAft>
+              <a:buClrTx/>
+              <a:buSzTx/>
+              <a:buFontTx/>
+              <a:buNone/>
+              <a:tabLst/>
+              <a:defRPr/>
+            </a:pPr>
+            <a:r>
+              <a:rPr lang="ru-RU" baseline="0" dirty="0" smtClean="0"/>
+              <a:t>Теперь попробуйте протестировать все возможности приложения:</a:t>
+            </a:r>
+          </a:p>
+          <a:p>
+            <a:pPr marL="228600" marR="0" indent="-228600" algn="l" defTabSz="914400" rtl="0" eaLnBrk="1" fontAlgn="auto" latinLnBrk="0" hangingPunct="1">
+              <a:lnSpc>
+                <a:spcPct val="100000"/>
+              </a:lnSpc>
+              <a:spcBef>
+                <a:spcPts val="0"/>
+              </a:spcBef>
+              <a:spcAft>
+                <a:spcPts val="0"/>
+              </a:spcAft>
+              <a:buClrTx/>
+              <a:buSzTx/>
+              <a:buFontTx/>
+              <a:buAutoNum type="arabicParenR"/>
+              <a:tabLst/>
+              <a:defRPr/>
+            </a:pPr>
+            <a:r>
+              <a:rPr lang="ru-RU" baseline="0" dirty="0" smtClean="0"/>
+              <a:t>Добавление в базу данных точек</a:t>
+            </a:r>
+          </a:p>
+          <a:p>
+            <a:pPr marL="228600" marR="0" indent="-228600" algn="l" defTabSz="914400" rtl="0" eaLnBrk="1" fontAlgn="auto" latinLnBrk="0" hangingPunct="1">
+              <a:lnSpc>
+                <a:spcPct val="100000"/>
+              </a:lnSpc>
+              <a:spcBef>
+                <a:spcPts val="0"/>
+              </a:spcBef>
+              <a:spcAft>
+                <a:spcPts val="0"/>
+              </a:spcAft>
+              <a:buClrTx/>
+              <a:buSzTx/>
+              <a:buFontTx/>
+              <a:buAutoNum type="arabicParenR"/>
+              <a:tabLst/>
+              <a:defRPr/>
+            </a:pPr>
+            <a:r>
+              <a:rPr lang="ru-RU" baseline="0" dirty="0" smtClean="0"/>
+              <a:t>Загрузка из базы данных точек</a:t>
+            </a:r>
+          </a:p>
+          <a:p>
+            <a:pPr marL="228600" marR="0" indent="-228600" algn="l" defTabSz="914400" rtl="0" eaLnBrk="1" fontAlgn="auto" latinLnBrk="0" hangingPunct="1">
+              <a:lnSpc>
+                <a:spcPct val="100000"/>
+              </a:lnSpc>
+              <a:spcBef>
+                <a:spcPts val="0"/>
+              </a:spcBef>
+              <a:spcAft>
+                <a:spcPts val="0"/>
+              </a:spcAft>
+              <a:buClrTx/>
+              <a:buSzTx/>
+              <a:buFontTx/>
+              <a:buAutoNum type="arabicParenR"/>
+              <a:tabLst/>
+              <a:defRPr/>
+            </a:pPr>
+            <a:r>
+              <a:rPr lang="ru-RU" baseline="0" smtClean="0"/>
+              <a:t>Удаление точек</a:t>
+            </a:r>
+            <a:endParaRPr lang="ru-RU" baseline="0" dirty="0" smtClean="0"/>
+          </a:p>
+        </p:txBody>
+      </p:sp>
+      <p:sp>
+        <p:nvSpPr>
+          <p:cNvPr id="4" name="Номер слайда 3"/>
+          <p:cNvSpPr>
+            <a:spLocks noGrp="1"/>
+          </p:cNvSpPr>
+          <p:nvPr>
+            <p:ph type="sldNum" sz="quarter" idx="10"/>
+          </p:nvPr>
+        </p:nvSpPr>
+        <p:spPr/>
+        <p:txBody>
+          <a:bodyPr/>
+          <a:lstStyle/>
+          <a:p>
+            <a:fld id="{69F20A64-CA2A-48D0-965A-DED016791351}" type="slidenum">
+              <a:rPr lang="ru-RU" smtClean="0"/>
+              <a:t>21</a:t>
+            </a:fld>
+            <a:endParaRPr lang="ru-RU"/>
+          </a:p>
+        </p:txBody>
+      </p:sp>
+    </p:spTree>
+    <p:extLst>
+      <p:ext uri="{BB962C8B-B14F-4D97-AF65-F5344CB8AC3E}">
+        <p14:creationId xmlns:p14="http://schemas.microsoft.com/office/powerpoint/2010/main" val="3745975674"/>
       </p:ext>
     </p:extLst>
   </p:cSld>
@@ -4363,7 +4577,7 @@
           <a:p>
             <a:fld id="{68B82F82-EBC3-43CB-AB7A-C9E99CB971C9}" type="datetimeFigureOut">
               <a:rPr lang="ru-RU" smtClean="0"/>
-              <a:t>13.11.2017</a:t>
+              <a:t>14.11.2017</a:t>
             </a:fld>
             <a:endParaRPr lang="ru-RU"/>
           </a:p>
@@ -4533,7 +4747,7 @@
           <a:p>
             <a:fld id="{68B82F82-EBC3-43CB-AB7A-C9E99CB971C9}" type="datetimeFigureOut">
               <a:rPr lang="ru-RU" smtClean="0"/>
-              <a:t>13.11.2017</a:t>
+              <a:t>14.11.2017</a:t>
             </a:fld>
             <a:endParaRPr lang="ru-RU"/>
           </a:p>
@@ -4713,7 +4927,7 @@
           <a:p>
             <a:fld id="{68B82F82-EBC3-43CB-AB7A-C9E99CB971C9}" type="datetimeFigureOut">
               <a:rPr lang="ru-RU" smtClean="0"/>
-              <a:t>13.11.2017</a:t>
+              <a:t>14.11.2017</a:t>
             </a:fld>
             <a:endParaRPr lang="ru-RU"/>
           </a:p>
@@ -4883,7 +5097,7 @@
           <a:p>
             <a:fld id="{68B82F82-EBC3-43CB-AB7A-C9E99CB971C9}" type="datetimeFigureOut">
               <a:rPr lang="ru-RU" smtClean="0"/>
-              <a:t>13.11.2017</a:t>
+              <a:t>14.11.2017</a:t>
             </a:fld>
             <a:endParaRPr lang="ru-RU"/>
           </a:p>
@@ -5127,7 +5341,7 @@
           <a:p>
             <a:fld id="{68B82F82-EBC3-43CB-AB7A-C9E99CB971C9}" type="datetimeFigureOut">
               <a:rPr lang="ru-RU" smtClean="0"/>
-              <a:t>13.11.2017</a:t>
+              <a:t>14.11.2017</a:t>
             </a:fld>
             <a:endParaRPr lang="ru-RU"/>
           </a:p>
@@ -5359,7 +5573,7 @@
           <a:p>
             <a:fld id="{68B82F82-EBC3-43CB-AB7A-C9E99CB971C9}" type="datetimeFigureOut">
               <a:rPr lang="ru-RU" smtClean="0"/>
-              <a:t>13.11.2017</a:t>
+              <a:t>14.11.2017</a:t>
             </a:fld>
             <a:endParaRPr lang="ru-RU"/>
           </a:p>
@@ -5726,7 +5940,7 @@
           <a:p>
             <a:fld id="{68B82F82-EBC3-43CB-AB7A-C9E99CB971C9}" type="datetimeFigureOut">
               <a:rPr lang="ru-RU" smtClean="0"/>
-              <a:t>13.11.2017</a:t>
+              <a:t>14.11.2017</a:t>
             </a:fld>
             <a:endParaRPr lang="ru-RU"/>
           </a:p>
@@ -5844,7 +6058,7 @@
           <a:p>
             <a:fld id="{68B82F82-EBC3-43CB-AB7A-C9E99CB971C9}" type="datetimeFigureOut">
               <a:rPr lang="ru-RU" smtClean="0"/>
-              <a:t>13.11.2017</a:t>
+              <a:t>14.11.2017</a:t>
             </a:fld>
             <a:endParaRPr lang="ru-RU"/>
           </a:p>
@@ -5939,7 +6153,7 @@
           <a:p>
             <a:fld id="{68B82F82-EBC3-43CB-AB7A-C9E99CB971C9}" type="datetimeFigureOut">
               <a:rPr lang="ru-RU" smtClean="0"/>
-              <a:t>13.11.2017</a:t>
+              <a:t>14.11.2017</a:t>
             </a:fld>
             <a:endParaRPr lang="ru-RU"/>
           </a:p>
@@ -6216,7 +6430,7 @@
           <a:p>
             <a:fld id="{68B82F82-EBC3-43CB-AB7A-C9E99CB971C9}" type="datetimeFigureOut">
               <a:rPr lang="ru-RU" smtClean="0"/>
-              <a:t>13.11.2017</a:t>
+              <a:t>14.11.2017</a:t>
             </a:fld>
             <a:endParaRPr lang="ru-RU"/>
           </a:p>
@@ -6473,7 +6687,7 @@
           <a:p>
             <a:fld id="{68B82F82-EBC3-43CB-AB7A-C9E99CB971C9}" type="datetimeFigureOut">
               <a:rPr lang="ru-RU" smtClean="0"/>
-              <a:t>13.11.2017</a:t>
+              <a:t>14.11.2017</a:t>
             </a:fld>
             <a:endParaRPr lang="ru-RU"/>
           </a:p>
@@ -6686,7 +6900,7 @@
           <a:p>
             <a:fld id="{68B82F82-EBC3-43CB-AB7A-C9E99CB971C9}" type="datetimeFigureOut">
               <a:rPr lang="ru-RU" smtClean="0"/>
-              <a:t>13.11.2017</a:t>
+              <a:t>14.11.2017</a:t>
             </a:fld>
             <a:endParaRPr lang="ru-RU"/>
           </a:p>
@@ -11530,8 +11744,8 @@
           <a:p>
             <a:pPr algn="ctr"/>
             <a:r>
-              <a:rPr lang="ru-RU" dirty="0" smtClean="0"/>
-              <a:t>Спасибо за внимание!</a:t>
+              <a:rPr lang="en-US" dirty="0" smtClean="0"/>
+              <a:t>Q &amp; A</a:t>
             </a:r>
             <a:endParaRPr lang="ru-RU" dirty="0"/>
           </a:p>
@@ -11541,6 +11755,72 @@
     <p:extLst>
       <p:ext uri="{BB962C8B-B14F-4D97-AF65-F5344CB8AC3E}">
         <p14:creationId xmlns:p14="http://schemas.microsoft.com/office/powerpoint/2010/main" val="390009265"/>
+      </p:ext>
+    </p:extLst>
+  </p:cSld>
+  <p:clrMapOvr>
+    <a:masterClrMapping/>
+  </p:clrMapOvr>
+  <p:timing>
+    <p:tnLst>
+      <p:par>
+        <p:cTn id="1" dur="indefinite" restart="never" nodeType="tmRoot"/>
+      </p:par>
+    </p:tnLst>
+  </p:timing>
+</p:sld>
+</file>
+
+<file path=ppt/slides/slide21.xml><?xml version="1.0" encoding="utf-8"?>
+<p:sld xmlns:a="http://schemas.openxmlformats.org/drawingml/2006/main" xmlns:r="http://schemas.openxmlformats.org/officeDocument/2006/relationships" xmlns:p="http://schemas.openxmlformats.org/presentationml/2006/main">
+  <p:cSld>
+    <p:spTree>
+      <p:nvGrpSpPr>
+        <p:cNvPr id="1" name=""/>
+        <p:cNvGrpSpPr/>
+        <p:nvPr/>
+      </p:nvGrpSpPr>
+      <p:grpSpPr>
+        <a:xfrm>
+          <a:off x="0" y="0"/>
+          <a:ext cx="0" cy="0"/>
+          <a:chOff x="0" y="0"/>
+          <a:chExt cx="0" cy="0"/>
+        </a:xfrm>
+      </p:grpSpPr>
+      <p:sp>
+        <p:nvSpPr>
+          <p:cNvPr id="2" name="Заголовок 1"/>
+          <p:cNvSpPr>
+            <a:spLocks noGrp="1"/>
+          </p:cNvSpPr>
+          <p:nvPr>
+            <p:ph type="title"/>
+          </p:nvPr>
+        </p:nvSpPr>
+        <p:spPr>
+          <a:xfrm>
+            <a:off x="628650" y="2776731"/>
+            <a:ext cx="7886700" cy="1325563"/>
+          </a:xfrm>
+        </p:spPr>
+        <p:txBody>
+          <a:bodyPr/>
+          <a:lstStyle/>
+          <a:p>
+            <a:pPr algn="ctr"/>
+            <a:r>
+              <a:rPr lang="ru-RU" dirty="0" smtClean="0"/>
+              <a:t>Спасибо за внимание!</a:t>
+            </a:r>
+            <a:endParaRPr lang="ru-RU" dirty="0"/>
+          </a:p>
+        </p:txBody>
+      </p:sp>
+    </p:spTree>
+    <p:extLst>
+      <p:ext uri="{BB962C8B-B14F-4D97-AF65-F5344CB8AC3E}">
+        <p14:creationId xmlns:p14="http://schemas.microsoft.com/office/powerpoint/2010/main" val="2570646583"/>
       </p:ext>
     </p:extLst>
   </p:cSld>

--- a/node_js.pptx
+++ b/node_js.pptx
@@ -217,7 +217,7 @@
           <a:p>
             <a:fld id="{00D06C70-9140-41F3-8683-D2A3B089C0B7}" type="datetimeFigureOut">
               <a:rPr lang="ru-RU" smtClean="0"/>
-              <a:t>14.11.2017</a:t>
+              <a:t>15.11.2017</a:t>
             </a:fld>
             <a:endParaRPr lang="ru-RU"/>
           </a:p>
@@ -1318,7 +1318,7 @@
             </a:r>
             <a:r>
               <a:rPr lang="en-US" baseline="0" dirty="0" smtClean="0"/>
-              <a:t>data/</a:t>
+              <a:t>data-</a:t>
             </a:r>
             <a:r>
               <a:rPr lang="en-US" baseline="0" dirty="0" err="1" smtClean="0"/>
@@ -1330,11 +1330,7 @@
             </a:r>
             <a:r>
               <a:rPr lang="ru-RU" baseline="0" dirty="0" smtClean="0"/>
-              <a:t>в каталоге </a:t>
-            </a:r>
-            <a:r>
-              <a:rPr lang="ru-RU" baseline="0" smtClean="0"/>
-              <a:t>с файлами</a:t>
+              <a:t>в каталоге с файлами</a:t>
             </a:r>
             <a:endParaRPr lang="en-US" baseline="0" dirty="0" smtClean="0"/>
           </a:p>
@@ -3235,10 +3231,9 @@
               <a:defRPr/>
             </a:pPr>
             <a:r>
-              <a:rPr lang="ru-RU" baseline="0" smtClean="0"/>
+              <a:rPr lang="ru-RU" baseline="0" dirty="0" smtClean="0"/>
               <a:t>Удаление точек</a:t>
             </a:r>
-            <a:endParaRPr lang="ru-RU" baseline="0" dirty="0" smtClean="0"/>
           </a:p>
         </p:txBody>
       </p:sp>
@@ -4577,7 +4572,7 @@
           <a:p>
             <a:fld id="{68B82F82-EBC3-43CB-AB7A-C9E99CB971C9}" type="datetimeFigureOut">
               <a:rPr lang="ru-RU" smtClean="0"/>
-              <a:t>14.11.2017</a:t>
+              <a:t>15.11.2017</a:t>
             </a:fld>
             <a:endParaRPr lang="ru-RU"/>
           </a:p>
@@ -4747,7 +4742,7 @@
           <a:p>
             <a:fld id="{68B82F82-EBC3-43CB-AB7A-C9E99CB971C9}" type="datetimeFigureOut">
               <a:rPr lang="ru-RU" smtClean="0"/>
-              <a:t>14.11.2017</a:t>
+              <a:t>15.11.2017</a:t>
             </a:fld>
             <a:endParaRPr lang="ru-RU"/>
           </a:p>
@@ -4927,7 +4922,7 @@
           <a:p>
             <a:fld id="{68B82F82-EBC3-43CB-AB7A-C9E99CB971C9}" type="datetimeFigureOut">
               <a:rPr lang="ru-RU" smtClean="0"/>
-              <a:t>14.11.2017</a:t>
+              <a:t>15.11.2017</a:t>
             </a:fld>
             <a:endParaRPr lang="ru-RU"/>
           </a:p>
@@ -5097,7 +5092,7 @@
           <a:p>
             <a:fld id="{68B82F82-EBC3-43CB-AB7A-C9E99CB971C9}" type="datetimeFigureOut">
               <a:rPr lang="ru-RU" smtClean="0"/>
-              <a:t>14.11.2017</a:t>
+              <a:t>15.11.2017</a:t>
             </a:fld>
             <a:endParaRPr lang="ru-RU"/>
           </a:p>
@@ -5341,7 +5336,7 @@
           <a:p>
             <a:fld id="{68B82F82-EBC3-43CB-AB7A-C9E99CB971C9}" type="datetimeFigureOut">
               <a:rPr lang="ru-RU" smtClean="0"/>
-              <a:t>14.11.2017</a:t>
+              <a:t>15.11.2017</a:t>
             </a:fld>
             <a:endParaRPr lang="ru-RU"/>
           </a:p>
@@ -5573,7 +5568,7 @@
           <a:p>
             <a:fld id="{68B82F82-EBC3-43CB-AB7A-C9E99CB971C9}" type="datetimeFigureOut">
               <a:rPr lang="ru-RU" smtClean="0"/>
-              <a:t>14.11.2017</a:t>
+              <a:t>15.11.2017</a:t>
             </a:fld>
             <a:endParaRPr lang="ru-RU"/>
           </a:p>
@@ -5940,7 +5935,7 @@
           <a:p>
             <a:fld id="{68B82F82-EBC3-43CB-AB7A-C9E99CB971C9}" type="datetimeFigureOut">
               <a:rPr lang="ru-RU" smtClean="0"/>
-              <a:t>14.11.2017</a:t>
+              <a:t>15.11.2017</a:t>
             </a:fld>
             <a:endParaRPr lang="ru-RU"/>
           </a:p>
@@ -6058,7 +6053,7 @@
           <a:p>
             <a:fld id="{68B82F82-EBC3-43CB-AB7A-C9E99CB971C9}" type="datetimeFigureOut">
               <a:rPr lang="ru-RU" smtClean="0"/>
-              <a:t>14.11.2017</a:t>
+              <a:t>15.11.2017</a:t>
             </a:fld>
             <a:endParaRPr lang="ru-RU"/>
           </a:p>
@@ -6153,7 +6148,7 @@
           <a:p>
             <a:fld id="{68B82F82-EBC3-43CB-AB7A-C9E99CB971C9}" type="datetimeFigureOut">
               <a:rPr lang="ru-RU" smtClean="0"/>
-              <a:t>14.11.2017</a:t>
+              <a:t>15.11.2017</a:t>
             </a:fld>
             <a:endParaRPr lang="ru-RU"/>
           </a:p>
@@ -6430,7 +6425,7 @@
           <a:p>
             <a:fld id="{68B82F82-EBC3-43CB-AB7A-C9E99CB971C9}" type="datetimeFigureOut">
               <a:rPr lang="ru-RU" smtClean="0"/>
-              <a:t>14.11.2017</a:t>
+              <a:t>15.11.2017</a:t>
             </a:fld>
             <a:endParaRPr lang="ru-RU"/>
           </a:p>
@@ -6687,7 +6682,7 @@
           <a:p>
             <a:fld id="{68B82F82-EBC3-43CB-AB7A-C9E99CB971C9}" type="datetimeFigureOut">
               <a:rPr lang="ru-RU" smtClean="0"/>
-              <a:t>14.11.2017</a:t>
+              <a:t>15.11.2017</a:t>
             </a:fld>
             <a:endParaRPr lang="ru-RU"/>
           </a:p>
@@ -6900,7 +6895,7 @@
           <a:p>
             <a:fld id="{68B82F82-EBC3-43CB-AB7A-C9E99CB971C9}" type="datetimeFigureOut">
               <a:rPr lang="ru-RU" smtClean="0"/>
-              <a:t>14.11.2017</a:t>
+              <a:t>15.11.2017</a:t>
             </a:fld>
             <a:endParaRPr lang="ru-RU"/>
           </a:p>
@@ -9161,7 +9156,7 @@
         <p:spPr>
           <a:xfrm>
             <a:off x="4714299" y="4282416"/>
-            <a:ext cx="2265492" cy="523220"/>
+            <a:ext cx="2236638" cy="523220"/>
           </a:xfrm>
           <a:prstGeom prst="rect">
             <a:avLst/>
@@ -9187,7 +9182,11 @@
             </a:r>
             <a:r>
               <a:rPr lang="en-US" sz="2800" dirty="0" smtClean="0"/>
-              <a:t> data/</a:t>
+              <a:t> </a:t>
+            </a:r>
+            <a:r>
+              <a:rPr lang="en-US" sz="2800" dirty="0" smtClean="0"/>
+              <a:t>data-</a:t>
             </a:r>
             <a:r>
               <a:rPr lang="en-US" sz="2800" dirty="0" err="1" smtClean="0"/>
